--- a/image/image.pptx
+++ b/image/image.pptx
@@ -6,6 +6,7 @@
   </p:sldMasterIdLst>
   <p:sldIdLst>
     <p:sldId id="256" r:id="rId2"/>
+    <p:sldId id="257" r:id="rId3"/>
   </p:sldIdLst>
   <p:sldSz cx="12192000" cy="6858000"/>
   <p:notesSz cx="6858000" cy="9144000"/>
@@ -104,6 +105,11 @@
       </a:defRPr>
     </a:lvl9pPr>
   </p:defaultTextStyle>
+  <p:extLst>
+    <p:ext uri="{EFAFB233-063F-42B5-8137-9DF3F51BA10A}">
+      <p15:sldGuideLst xmlns:p15="http://schemas.microsoft.com/office/powerpoint/2012/main"/>
+    </p:ext>
+  </p:extLst>
 </p:presentation>
 </file>
 
@@ -254,7 +260,7 @@
           <a:p>
             <a:fld id="{2CF8EA69-B55C-49B0-99E1-FB393F11A06B}" type="datetimeFigureOut">
               <a:rPr lang="ko-KR" altLang="en-US" smtClean="0"/>
-              <a:t>2021-12-19</a:t>
+              <a:t>2021-12-27</a:t>
             </a:fld>
             <a:endParaRPr lang="ko-KR" altLang="en-US"/>
           </a:p>
@@ -452,7 +458,7 @@
           <a:p>
             <a:fld id="{2CF8EA69-B55C-49B0-99E1-FB393F11A06B}" type="datetimeFigureOut">
               <a:rPr lang="ko-KR" altLang="en-US" smtClean="0"/>
-              <a:t>2021-12-19</a:t>
+              <a:t>2021-12-27</a:t>
             </a:fld>
             <a:endParaRPr lang="ko-KR" altLang="en-US"/>
           </a:p>
@@ -660,7 +666,7 @@
           <a:p>
             <a:fld id="{2CF8EA69-B55C-49B0-99E1-FB393F11A06B}" type="datetimeFigureOut">
               <a:rPr lang="ko-KR" altLang="en-US" smtClean="0"/>
-              <a:t>2021-12-19</a:t>
+              <a:t>2021-12-27</a:t>
             </a:fld>
             <a:endParaRPr lang="ko-KR" altLang="en-US"/>
           </a:p>
@@ -858,7 +864,7 @@
           <a:p>
             <a:fld id="{2CF8EA69-B55C-49B0-99E1-FB393F11A06B}" type="datetimeFigureOut">
               <a:rPr lang="ko-KR" altLang="en-US" smtClean="0"/>
-              <a:t>2021-12-19</a:t>
+              <a:t>2021-12-27</a:t>
             </a:fld>
             <a:endParaRPr lang="ko-KR" altLang="en-US"/>
           </a:p>
@@ -1133,7 +1139,7 @@
           <a:p>
             <a:fld id="{2CF8EA69-B55C-49B0-99E1-FB393F11A06B}" type="datetimeFigureOut">
               <a:rPr lang="ko-KR" altLang="en-US" smtClean="0"/>
-              <a:t>2021-12-19</a:t>
+              <a:t>2021-12-27</a:t>
             </a:fld>
             <a:endParaRPr lang="ko-KR" altLang="en-US"/>
           </a:p>
@@ -1398,7 +1404,7 @@
           <a:p>
             <a:fld id="{2CF8EA69-B55C-49B0-99E1-FB393F11A06B}" type="datetimeFigureOut">
               <a:rPr lang="ko-KR" altLang="en-US" smtClean="0"/>
-              <a:t>2021-12-19</a:t>
+              <a:t>2021-12-27</a:t>
             </a:fld>
             <a:endParaRPr lang="ko-KR" altLang="en-US"/>
           </a:p>
@@ -1810,7 +1816,7 @@
           <a:p>
             <a:fld id="{2CF8EA69-B55C-49B0-99E1-FB393F11A06B}" type="datetimeFigureOut">
               <a:rPr lang="ko-KR" altLang="en-US" smtClean="0"/>
-              <a:t>2021-12-19</a:t>
+              <a:t>2021-12-27</a:t>
             </a:fld>
             <a:endParaRPr lang="ko-KR" altLang="en-US"/>
           </a:p>
@@ -1951,7 +1957,7 @@
           <a:p>
             <a:fld id="{2CF8EA69-B55C-49B0-99E1-FB393F11A06B}" type="datetimeFigureOut">
               <a:rPr lang="ko-KR" altLang="en-US" smtClean="0"/>
-              <a:t>2021-12-19</a:t>
+              <a:t>2021-12-27</a:t>
             </a:fld>
             <a:endParaRPr lang="ko-KR" altLang="en-US"/>
           </a:p>
@@ -2064,7 +2070,7 @@
           <a:p>
             <a:fld id="{2CF8EA69-B55C-49B0-99E1-FB393F11A06B}" type="datetimeFigureOut">
               <a:rPr lang="ko-KR" altLang="en-US" smtClean="0"/>
-              <a:t>2021-12-19</a:t>
+              <a:t>2021-12-27</a:t>
             </a:fld>
             <a:endParaRPr lang="ko-KR" altLang="en-US"/>
           </a:p>
@@ -2375,7 +2381,7 @@
           <a:p>
             <a:fld id="{2CF8EA69-B55C-49B0-99E1-FB393F11A06B}" type="datetimeFigureOut">
               <a:rPr lang="ko-KR" altLang="en-US" smtClean="0"/>
-              <a:t>2021-12-19</a:t>
+              <a:t>2021-12-27</a:t>
             </a:fld>
             <a:endParaRPr lang="ko-KR" altLang="en-US"/>
           </a:p>
@@ -2663,7 +2669,7 @@
           <a:p>
             <a:fld id="{2CF8EA69-B55C-49B0-99E1-FB393F11A06B}" type="datetimeFigureOut">
               <a:rPr lang="ko-KR" altLang="en-US" smtClean="0"/>
-              <a:t>2021-12-19</a:t>
+              <a:t>2021-12-27</a:t>
             </a:fld>
             <a:endParaRPr lang="ko-KR" altLang="en-US"/>
           </a:p>
@@ -2904,7 +2910,7 @@
           <a:p>
             <a:fld id="{2CF8EA69-B55C-49B0-99E1-FB393F11A06B}" type="datetimeFigureOut">
               <a:rPr lang="ko-KR" altLang="en-US" smtClean="0"/>
-              <a:t>2021-12-19</a:t>
+              <a:t>2021-12-27</a:t>
             </a:fld>
             <a:endParaRPr lang="ko-KR" altLang="en-US"/>
           </a:p>
@@ -3323,10 +3329,10 @@
       </p:grpSpPr>
       <p:sp>
         <p:nvSpPr>
-          <p:cNvPr id="4" name="사각형: 둥근 모서리 3">
-            <a:extLst>
-              <a:ext uri="{FF2B5EF4-FFF2-40B4-BE49-F238E27FC236}">
-                <a16:creationId xmlns:a16="http://schemas.microsoft.com/office/drawing/2014/main" id="{37BBB4E4-4041-4BB7-AFA7-5501F372EBD9}"/>
+          <p:cNvPr id="3" name="원통형 2">
+            <a:extLst>
+              <a:ext uri="{FF2B5EF4-FFF2-40B4-BE49-F238E27FC236}">
+                <a16:creationId xmlns:a16="http://schemas.microsoft.com/office/drawing/2014/main" id="{059825FB-5072-4928-876E-44C0009E77A4}"/>
               </a:ext>
             </a:extLst>
           </p:cNvPr>
@@ -3335,8 +3341,110 @@
         </p:nvSpPr>
         <p:spPr>
           <a:xfrm>
-            <a:off x="2037905" y="3338623"/>
-            <a:ext cx="2339164" cy="1366284"/>
+            <a:off x="585380" y="2423649"/>
+            <a:ext cx="1400356" cy="832918"/>
+          </a:xfrm>
+          <a:prstGeom prst="can">
+            <a:avLst>
+              <a:gd name="adj" fmla="val 50000"/>
+            </a:avLst>
+          </a:prstGeom>
+        </p:spPr>
+        <p:style>
+          <a:lnRef idx="2">
+            <a:schemeClr val="accent1">
+              <a:shade val="50000"/>
+            </a:schemeClr>
+          </a:lnRef>
+          <a:fillRef idx="1">
+            <a:schemeClr val="accent1"/>
+          </a:fillRef>
+          <a:effectRef idx="0">
+            <a:schemeClr val="accent1"/>
+          </a:effectRef>
+          <a:fontRef idx="minor">
+            <a:schemeClr val="lt1"/>
+          </a:fontRef>
+        </p:style>
+        <p:txBody>
+          <a:bodyPr rtlCol="0" anchor="ctr"/>
+          <a:lstStyle/>
+          <a:p>
+            <a:pPr algn="ctr"/>
+            <a:r>
+              <a:rPr lang="en-US" altLang="ko-KR"/>
+              <a:t>Router</a:t>
+            </a:r>
+            <a:endParaRPr lang="ko-KR" altLang="en-US"/>
+          </a:p>
+        </p:txBody>
+      </p:sp>
+      <p:sp>
+        <p:nvSpPr>
+          <p:cNvPr id="8" name="정육면체 7">
+            <a:extLst>
+              <a:ext uri="{FF2B5EF4-FFF2-40B4-BE49-F238E27FC236}">
+                <a16:creationId xmlns:a16="http://schemas.microsoft.com/office/drawing/2014/main" id="{0EE6A1B7-865C-4154-B8A9-EBE530571577}"/>
+              </a:ext>
+            </a:extLst>
+          </p:cNvPr>
+          <p:cNvSpPr/>
+          <p:nvPr/>
+        </p:nvSpPr>
+        <p:spPr>
+          <a:xfrm>
+            <a:off x="2449807" y="2381864"/>
+            <a:ext cx="1704309" cy="741500"/>
+          </a:xfrm>
+          <a:prstGeom prst="cube">
+            <a:avLst/>
+          </a:prstGeom>
+        </p:spPr>
+        <p:style>
+          <a:lnRef idx="2">
+            <a:schemeClr val="accent1">
+              <a:shade val="50000"/>
+            </a:schemeClr>
+          </a:lnRef>
+          <a:fillRef idx="1">
+            <a:schemeClr val="accent1"/>
+          </a:fillRef>
+          <a:effectRef idx="0">
+            <a:schemeClr val="accent1"/>
+          </a:effectRef>
+          <a:fontRef idx="minor">
+            <a:schemeClr val="lt1"/>
+          </a:fontRef>
+        </p:style>
+        <p:txBody>
+          <a:bodyPr rtlCol="0" anchor="ctr"/>
+          <a:lstStyle/>
+          <a:p>
+            <a:pPr algn="ctr"/>
+            <a:r>
+              <a:rPr lang="en-US" altLang="ko-KR"/>
+              <a:t>Swich</a:t>
+            </a:r>
+            <a:endParaRPr lang="ko-KR" altLang="en-US"/>
+          </a:p>
+        </p:txBody>
+      </p:sp>
+      <p:sp>
+        <p:nvSpPr>
+          <p:cNvPr id="10" name="사각형: 둥근 모서리 9">
+            <a:extLst>
+              <a:ext uri="{FF2B5EF4-FFF2-40B4-BE49-F238E27FC236}">
+                <a16:creationId xmlns:a16="http://schemas.microsoft.com/office/drawing/2014/main" id="{C816CC51-62A6-43A1-BA4F-1CB7E4AE0C84}"/>
+              </a:ext>
+            </a:extLst>
+          </p:cNvPr>
+          <p:cNvSpPr/>
+          <p:nvPr/>
+        </p:nvSpPr>
+        <p:spPr>
+          <a:xfrm>
+            <a:off x="8613270" y="2209186"/>
+            <a:ext cx="1856286" cy="914178"/>
           </a:xfrm>
           <a:prstGeom prst="roundRect">
             <a:avLst/>
@@ -3365,7 +3473,14 @@
             <a:pPr algn="ctr"/>
             <a:r>
               <a:rPr lang="en-US" altLang="ko-KR"/>
-              <a:t>View</a:t>
+              <a:t>Operation</a:t>
+            </a:r>
+          </a:p>
+          <a:p>
+            <a:pPr algn="ctr"/>
+            <a:r>
+              <a:rPr lang="en-US" altLang="ko-KR"/>
+              <a:t>Server</a:t>
             </a:r>
             <a:endParaRPr lang="ko-KR" altLang="en-US"/>
           </a:p>
@@ -3373,10 +3488,10 @@
       </p:sp>
       <p:sp>
         <p:nvSpPr>
-          <p:cNvPr id="5" name="사각형: 둥근 모서리 4">
-            <a:extLst>
-              <a:ext uri="{FF2B5EF4-FFF2-40B4-BE49-F238E27FC236}">
-                <a16:creationId xmlns:a16="http://schemas.microsoft.com/office/drawing/2014/main" id="{6C1A10E6-77F9-4EEC-B9AF-D2A90865C9CB}"/>
+          <p:cNvPr id="11" name="정육면체 10">
+            <a:extLst>
+              <a:ext uri="{FF2B5EF4-FFF2-40B4-BE49-F238E27FC236}">
+                <a16:creationId xmlns:a16="http://schemas.microsoft.com/office/drawing/2014/main" id="{B6F03294-CAB1-48C3-88D0-B6C6C37AB907}"/>
               </a:ext>
             </a:extLst>
           </p:cNvPr>
@@ -3385,8 +3500,57 @@
         </p:nvSpPr>
         <p:spPr>
           <a:xfrm>
-            <a:off x="7180521" y="3338623"/>
-            <a:ext cx="2339164" cy="1366284"/>
+            <a:off x="6472443" y="2381864"/>
+            <a:ext cx="1704309" cy="741500"/>
+          </a:xfrm>
+          <a:prstGeom prst="cube">
+            <a:avLst/>
+          </a:prstGeom>
+        </p:spPr>
+        <p:style>
+          <a:lnRef idx="2">
+            <a:schemeClr val="accent1">
+              <a:shade val="50000"/>
+            </a:schemeClr>
+          </a:lnRef>
+          <a:fillRef idx="1">
+            <a:schemeClr val="accent1"/>
+          </a:fillRef>
+          <a:effectRef idx="0">
+            <a:schemeClr val="accent1"/>
+          </a:effectRef>
+          <a:fontRef idx="minor">
+            <a:schemeClr val="lt1"/>
+          </a:fontRef>
+        </p:style>
+        <p:txBody>
+          <a:bodyPr rtlCol="0" anchor="ctr"/>
+          <a:lstStyle/>
+          <a:p>
+            <a:pPr algn="ctr"/>
+            <a:r>
+              <a:rPr lang="en-US" altLang="ko-KR"/>
+              <a:t>API GateWay</a:t>
+            </a:r>
+          </a:p>
+        </p:txBody>
+      </p:sp>
+      <p:sp>
+        <p:nvSpPr>
+          <p:cNvPr id="12" name="사각형: 둥근 모서리 11">
+            <a:extLst>
+              <a:ext uri="{FF2B5EF4-FFF2-40B4-BE49-F238E27FC236}">
+                <a16:creationId xmlns:a16="http://schemas.microsoft.com/office/drawing/2014/main" id="{BC424D1D-B5E0-4366-839D-7111BF433963}"/>
+              </a:ext>
+            </a:extLst>
+          </p:cNvPr>
+          <p:cNvSpPr/>
+          <p:nvPr/>
+        </p:nvSpPr>
+        <p:spPr>
+          <a:xfrm>
+            <a:off x="8613270" y="4883951"/>
+            <a:ext cx="1856286" cy="914178"/>
           </a:xfrm>
           <a:prstGeom prst="roundRect">
             <a:avLst/>
@@ -3415,7 +3579,7 @@
             <a:pPr algn="ctr"/>
             <a:r>
               <a:rPr lang="en-US" altLang="ko-KR"/>
-              <a:t>ViewModel</a:t>
+              <a:t>Test Server</a:t>
             </a:r>
             <a:endParaRPr lang="ko-KR" altLang="en-US"/>
           </a:p>
@@ -3423,10 +3587,10 @@
       </p:sp>
       <p:sp>
         <p:nvSpPr>
-          <p:cNvPr id="6" name="사각형: 둥근 모서리 5">
-            <a:extLst>
-              <a:ext uri="{FF2B5EF4-FFF2-40B4-BE49-F238E27FC236}">
-                <a16:creationId xmlns:a16="http://schemas.microsoft.com/office/drawing/2014/main" id="{D7D71EBE-E638-49B0-8B5C-DC3281A3F19C}"/>
+          <p:cNvPr id="13" name="사각형: 둥근 모서리 12">
+            <a:extLst>
+              <a:ext uri="{FF2B5EF4-FFF2-40B4-BE49-F238E27FC236}">
+                <a16:creationId xmlns:a16="http://schemas.microsoft.com/office/drawing/2014/main" id="{700FB332-1BD6-4843-8306-3E6628E8E092}"/>
               </a:ext>
             </a:extLst>
           </p:cNvPr>
@@ -3435,8 +3599,8 @@
         </p:nvSpPr>
         <p:spPr>
           <a:xfrm>
-            <a:off x="4377069" y="393404"/>
-            <a:ext cx="2339164" cy="1366284"/>
+            <a:off x="361485" y="436977"/>
+            <a:ext cx="1856286" cy="914178"/>
           </a:xfrm>
           <a:prstGeom prst="roundRect">
             <a:avLst/>
@@ -3465,16 +3629,337 @@
             <a:pPr algn="ctr"/>
             <a:r>
               <a:rPr lang="en-US" altLang="ko-KR"/>
-              <a:t>Model</a:t>
+              <a:t>Internet</a:t>
             </a:r>
             <a:endParaRPr lang="ko-KR" altLang="en-US"/>
           </a:p>
         </p:txBody>
       </p:sp>
+      <p:cxnSp>
+        <p:nvCxnSpPr>
+          <p:cNvPr id="15" name="직선 연결선 14">
+            <a:extLst>
+              <a:ext uri="{FF2B5EF4-FFF2-40B4-BE49-F238E27FC236}">
+                <a16:creationId xmlns:a16="http://schemas.microsoft.com/office/drawing/2014/main" id="{8DC9CFDC-EC4F-4AC6-BF4B-79047A57BE91}"/>
+              </a:ext>
+            </a:extLst>
+          </p:cNvPr>
+          <p:cNvCxnSpPr>
+            <a:cxnSpLocks/>
+            <a:stCxn id="13" idx="2"/>
+            <a:endCxn id="3" idx="1"/>
+          </p:cNvCxnSpPr>
+          <p:nvPr/>
+        </p:nvCxnSpPr>
+        <p:spPr>
+          <a:xfrm flipH="1">
+            <a:off x="1285558" y="1351155"/>
+            <a:ext cx="4070" cy="1072494"/>
+          </a:xfrm>
+          <a:prstGeom prst="line">
+            <a:avLst/>
+          </a:prstGeom>
+        </p:spPr>
+        <p:style>
+          <a:lnRef idx="1">
+            <a:schemeClr val="accent1"/>
+          </a:lnRef>
+          <a:fillRef idx="0">
+            <a:schemeClr val="accent1"/>
+          </a:fillRef>
+          <a:effectRef idx="0">
+            <a:schemeClr val="accent1"/>
+          </a:effectRef>
+          <a:fontRef idx="minor">
+            <a:schemeClr val="tx1"/>
+          </a:fontRef>
+        </p:style>
+      </p:cxnSp>
+      <p:cxnSp>
+        <p:nvCxnSpPr>
+          <p:cNvPr id="18" name="직선 연결선 17">
+            <a:extLst>
+              <a:ext uri="{FF2B5EF4-FFF2-40B4-BE49-F238E27FC236}">
+                <a16:creationId xmlns:a16="http://schemas.microsoft.com/office/drawing/2014/main" id="{9800928E-C1EA-458D-B5FF-DE88F7AACF47}"/>
+              </a:ext>
+            </a:extLst>
+          </p:cNvPr>
+          <p:cNvCxnSpPr>
+            <a:cxnSpLocks/>
+            <a:stCxn id="3" idx="4"/>
+            <a:endCxn id="8" idx="2"/>
+          </p:cNvCxnSpPr>
+          <p:nvPr/>
+        </p:nvCxnSpPr>
+        <p:spPr>
+          <a:xfrm>
+            <a:off x="1985736" y="2840108"/>
+            <a:ext cx="464071" cy="5194"/>
+          </a:xfrm>
+          <a:prstGeom prst="line">
+            <a:avLst/>
+          </a:prstGeom>
+        </p:spPr>
+        <p:style>
+          <a:lnRef idx="1">
+            <a:schemeClr val="accent1"/>
+          </a:lnRef>
+          <a:fillRef idx="0">
+            <a:schemeClr val="accent1"/>
+          </a:fillRef>
+          <a:effectRef idx="0">
+            <a:schemeClr val="accent1"/>
+          </a:effectRef>
+          <a:fontRef idx="minor">
+            <a:schemeClr val="tx1"/>
+          </a:fontRef>
+        </p:style>
+      </p:cxnSp>
+      <p:cxnSp>
+        <p:nvCxnSpPr>
+          <p:cNvPr id="21" name="직선 연결선 20">
+            <a:extLst>
+              <a:ext uri="{FF2B5EF4-FFF2-40B4-BE49-F238E27FC236}">
+                <a16:creationId xmlns:a16="http://schemas.microsoft.com/office/drawing/2014/main" id="{EA9C1B9B-6D46-4AAF-B4DB-A71ADC206E36}"/>
+              </a:ext>
+            </a:extLst>
+          </p:cNvPr>
+          <p:cNvCxnSpPr>
+            <a:cxnSpLocks/>
+            <a:stCxn id="8" idx="4"/>
+            <a:endCxn id="32" idx="2"/>
+          </p:cNvCxnSpPr>
+          <p:nvPr/>
+        </p:nvCxnSpPr>
+        <p:spPr>
+          <a:xfrm>
+            <a:off x="3968741" y="2845302"/>
+            <a:ext cx="475868" cy="0"/>
+          </a:xfrm>
+          <a:prstGeom prst="line">
+            <a:avLst/>
+          </a:prstGeom>
+        </p:spPr>
+        <p:style>
+          <a:lnRef idx="1">
+            <a:schemeClr val="accent1"/>
+          </a:lnRef>
+          <a:fillRef idx="0">
+            <a:schemeClr val="accent1"/>
+          </a:fillRef>
+          <a:effectRef idx="0">
+            <a:schemeClr val="accent1"/>
+          </a:effectRef>
+          <a:fontRef idx="minor">
+            <a:schemeClr val="tx1"/>
+          </a:fontRef>
+        </p:style>
+      </p:cxnSp>
+      <p:cxnSp>
+        <p:nvCxnSpPr>
+          <p:cNvPr id="24" name="직선 연결선 23">
+            <a:extLst>
+              <a:ext uri="{FF2B5EF4-FFF2-40B4-BE49-F238E27FC236}">
+                <a16:creationId xmlns:a16="http://schemas.microsoft.com/office/drawing/2014/main" id="{ABA55C2E-9F1C-4E4B-9422-F51E5ED7F714}"/>
+              </a:ext>
+            </a:extLst>
+          </p:cNvPr>
+          <p:cNvCxnSpPr>
+            <a:cxnSpLocks/>
+            <a:stCxn id="11" idx="5"/>
+            <a:endCxn id="10" idx="1"/>
+          </p:cNvCxnSpPr>
+          <p:nvPr/>
+        </p:nvCxnSpPr>
+        <p:spPr>
+          <a:xfrm>
+            <a:off x="8176752" y="2659927"/>
+            <a:ext cx="436518" cy="6348"/>
+          </a:xfrm>
+          <a:prstGeom prst="line">
+            <a:avLst/>
+          </a:prstGeom>
+        </p:spPr>
+        <p:style>
+          <a:lnRef idx="1">
+            <a:schemeClr val="accent1"/>
+          </a:lnRef>
+          <a:fillRef idx="0">
+            <a:schemeClr val="accent1"/>
+          </a:fillRef>
+          <a:effectRef idx="0">
+            <a:schemeClr val="accent1"/>
+          </a:effectRef>
+          <a:fontRef idx="minor">
+            <a:schemeClr val="tx1"/>
+          </a:fontRef>
+        </p:style>
+      </p:cxnSp>
+      <p:cxnSp>
+        <p:nvCxnSpPr>
+          <p:cNvPr id="29" name="직선 화살표 연결선 28">
+            <a:extLst>
+              <a:ext uri="{FF2B5EF4-FFF2-40B4-BE49-F238E27FC236}">
+                <a16:creationId xmlns:a16="http://schemas.microsoft.com/office/drawing/2014/main" id="{39BDD889-AB00-4FAA-8C2C-CBFB075C9661}"/>
+              </a:ext>
+            </a:extLst>
+          </p:cNvPr>
+          <p:cNvCxnSpPr>
+            <a:stCxn id="12" idx="0"/>
+            <a:endCxn id="10" idx="2"/>
+          </p:cNvCxnSpPr>
+          <p:nvPr/>
+        </p:nvCxnSpPr>
+        <p:spPr>
+          <a:xfrm flipV="1">
+            <a:off x="9541413" y="3123364"/>
+            <a:ext cx="0" cy="1760587"/>
+          </a:xfrm>
+          <a:prstGeom prst="straightConnector1">
+            <a:avLst/>
+          </a:prstGeom>
+          <a:ln w="28575">
+            <a:tailEnd type="triangle"/>
+          </a:ln>
+        </p:spPr>
+        <p:style>
+          <a:lnRef idx="1">
+            <a:schemeClr val="accent1"/>
+          </a:lnRef>
+          <a:fillRef idx="0">
+            <a:schemeClr val="accent1"/>
+          </a:fillRef>
+          <a:effectRef idx="0">
+            <a:schemeClr val="accent1"/>
+          </a:effectRef>
+          <a:fontRef idx="minor">
+            <a:schemeClr val="tx1"/>
+          </a:fontRef>
+        </p:style>
+      </p:cxnSp>
+      <p:sp>
+        <p:nvSpPr>
+          <p:cNvPr id="32" name="정육면체 31">
+            <a:extLst>
+              <a:ext uri="{FF2B5EF4-FFF2-40B4-BE49-F238E27FC236}">
+                <a16:creationId xmlns:a16="http://schemas.microsoft.com/office/drawing/2014/main" id="{B3A50BB8-1853-45CD-9176-B4FA3AC3C7F9}"/>
+              </a:ext>
+            </a:extLst>
+          </p:cNvPr>
+          <p:cNvSpPr/>
+          <p:nvPr/>
+        </p:nvSpPr>
+        <p:spPr>
+          <a:xfrm>
+            <a:off x="4444609" y="2381864"/>
+            <a:ext cx="1704309" cy="741500"/>
+          </a:xfrm>
+          <a:prstGeom prst="cube">
+            <a:avLst/>
+          </a:prstGeom>
+        </p:spPr>
+        <p:style>
+          <a:lnRef idx="2">
+            <a:schemeClr val="accent1">
+              <a:shade val="50000"/>
+            </a:schemeClr>
+          </a:lnRef>
+          <a:fillRef idx="1">
+            <a:schemeClr val="accent1"/>
+          </a:fillRef>
+          <a:effectRef idx="0">
+            <a:schemeClr val="accent1"/>
+          </a:effectRef>
+          <a:fontRef idx="minor">
+            <a:schemeClr val="lt1"/>
+          </a:fontRef>
+        </p:style>
+        <p:txBody>
+          <a:bodyPr rtlCol="0" anchor="ctr"/>
+          <a:lstStyle/>
+          <a:p>
+            <a:pPr algn="ctr"/>
+            <a:r>
+              <a:rPr lang="en-US" altLang="ko-KR"/>
+              <a:t>Web Server</a:t>
+            </a:r>
+          </a:p>
+        </p:txBody>
+      </p:sp>
+      <p:cxnSp>
+        <p:nvCxnSpPr>
+          <p:cNvPr id="44" name="직선 연결선 43">
+            <a:extLst>
+              <a:ext uri="{FF2B5EF4-FFF2-40B4-BE49-F238E27FC236}">
+                <a16:creationId xmlns:a16="http://schemas.microsoft.com/office/drawing/2014/main" id="{DAF12C89-A818-467B-AFA9-EB2D33BF65D9}"/>
+              </a:ext>
+            </a:extLst>
+          </p:cNvPr>
+          <p:cNvCxnSpPr>
+            <a:cxnSpLocks/>
+            <a:stCxn id="32" idx="4"/>
+            <a:endCxn id="11" idx="2"/>
+          </p:cNvCxnSpPr>
+          <p:nvPr/>
+        </p:nvCxnSpPr>
+        <p:spPr>
+          <a:xfrm>
+            <a:off x="5963543" y="2845302"/>
+            <a:ext cx="508900" cy="0"/>
+          </a:xfrm>
+          <a:prstGeom prst="line">
+            <a:avLst/>
+          </a:prstGeom>
+        </p:spPr>
+        <p:style>
+          <a:lnRef idx="1">
+            <a:schemeClr val="accent1"/>
+          </a:lnRef>
+          <a:fillRef idx="0">
+            <a:schemeClr val="accent1"/>
+          </a:fillRef>
+          <a:effectRef idx="0">
+            <a:schemeClr val="accent1"/>
+          </a:effectRef>
+          <a:fontRef idx="minor">
+            <a:schemeClr val="tx1"/>
+          </a:fontRef>
+        </p:style>
+      </p:cxnSp>
     </p:spTree>
     <p:extLst>
       <p:ext uri="{BB962C8B-B14F-4D97-AF65-F5344CB8AC3E}">
         <p14:creationId xmlns:p14="http://schemas.microsoft.com/office/powerpoint/2010/main" val="378561117"/>
+      </p:ext>
+    </p:extLst>
+  </p:cSld>
+  <p:clrMapOvr>
+    <a:masterClrMapping/>
+  </p:clrMapOvr>
+</p:sld>
+</file>
+
+<file path=ppt/slides/slide2.xml><?xml version="1.0" encoding="utf-8"?>
+<p:sld xmlns:a="http://schemas.openxmlformats.org/drawingml/2006/main" xmlns:r="http://schemas.openxmlformats.org/officeDocument/2006/relationships" xmlns:p="http://schemas.openxmlformats.org/presentationml/2006/main">
+  <p:cSld>
+    <p:spTree>
+      <p:nvGrpSpPr>
+        <p:cNvPr id="1" name=""/>
+        <p:cNvGrpSpPr/>
+        <p:nvPr/>
+      </p:nvGrpSpPr>
+      <p:grpSpPr>
+        <a:xfrm>
+          <a:off x="0" y="0"/>
+          <a:ext cx="0" cy="0"/>
+          <a:chOff x="0" y="0"/>
+          <a:chExt cx="0" cy="0"/>
+        </a:xfrm>
+      </p:grpSpPr>
+    </p:spTree>
+    <p:extLst>
+      <p:ext uri="{BB962C8B-B14F-4D97-AF65-F5344CB8AC3E}">
+        <p14:creationId xmlns:p14="http://schemas.microsoft.com/office/powerpoint/2010/main" val="1175847143"/>
       </p:ext>
     </p:extLst>
   </p:cSld>

--- a/image/image.pptx
+++ b/image/image.pptx
@@ -2,19 +2,18 @@
 <file path=ppt/presentation.xml><?xml version="1.0" encoding="utf-8"?>
 <p:presentation xmlns:a="http://schemas.openxmlformats.org/drawingml/2006/main" xmlns:r="http://schemas.openxmlformats.org/officeDocument/2006/relationships" xmlns:p="http://schemas.openxmlformats.org/presentationml/2006/main" saveSubsetFonts="1">
   <p:sldMasterIdLst>
-    <p:sldMasterId id="2147483648" r:id="rId1"/>
+    <p:sldMasterId id="2147483660" r:id="rId1"/>
   </p:sldMasterIdLst>
   <p:sldIdLst>
-    <p:sldId id="256" r:id="rId2"/>
-    <p:sldId id="257" r:id="rId3"/>
+    <p:sldId id="257" r:id="rId2"/>
   </p:sldIdLst>
-  <p:sldSz cx="12192000" cy="6858000"/>
+  <p:sldSz cx="24072850" cy="6858000"/>
   <p:notesSz cx="6858000" cy="9144000"/>
   <p:defaultTextStyle>
     <a:defPPr>
-      <a:defRPr lang="ko-KR"/>
+      <a:defRPr lang="en-US"/>
     </a:defPPr>
-    <a:lvl1pPr marL="0" algn="l" defTabSz="914400" rtl="0" eaLnBrk="1" latinLnBrk="1" hangingPunct="1">
+    <a:lvl1pPr marL="0" algn="l" defTabSz="457200" rtl="0" eaLnBrk="1" latinLnBrk="0" hangingPunct="1">
       <a:defRPr sz="1800" kern="1200">
         <a:solidFill>
           <a:schemeClr val="tx1"/>
@@ -24,7 +23,7 @@
         <a:cs typeface="+mn-cs"/>
       </a:defRPr>
     </a:lvl1pPr>
-    <a:lvl2pPr marL="457200" algn="l" defTabSz="914400" rtl="0" eaLnBrk="1" latinLnBrk="1" hangingPunct="1">
+    <a:lvl2pPr marL="457200" algn="l" defTabSz="457200" rtl="0" eaLnBrk="1" latinLnBrk="0" hangingPunct="1">
       <a:defRPr sz="1800" kern="1200">
         <a:solidFill>
           <a:schemeClr val="tx1"/>
@@ -34,7 +33,7 @@
         <a:cs typeface="+mn-cs"/>
       </a:defRPr>
     </a:lvl2pPr>
-    <a:lvl3pPr marL="914400" algn="l" defTabSz="914400" rtl="0" eaLnBrk="1" latinLnBrk="1" hangingPunct="1">
+    <a:lvl3pPr marL="914400" algn="l" defTabSz="457200" rtl="0" eaLnBrk="1" latinLnBrk="0" hangingPunct="1">
       <a:defRPr sz="1800" kern="1200">
         <a:solidFill>
           <a:schemeClr val="tx1"/>
@@ -44,7 +43,7 @@
         <a:cs typeface="+mn-cs"/>
       </a:defRPr>
     </a:lvl3pPr>
-    <a:lvl4pPr marL="1371600" algn="l" defTabSz="914400" rtl="0" eaLnBrk="1" latinLnBrk="1" hangingPunct="1">
+    <a:lvl4pPr marL="1371600" algn="l" defTabSz="457200" rtl="0" eaLnBrk="1" latinLnBrk="0" hangingPunct="1">
       <a:defRPr sz="1800" kern="1200">
         <a:solidFill>
           <a:schemeClr val="tx1"/>
@@ -54,7 +53,7 @@
         <a:cs typeface="+mn-cs"/>
       </a:defRPr>
     </a:lvl4pPr>
-    <a:lvl5pPr marL="1828800" algn="l" defTabSz="914400" rtl="0" eaLnBrk="1" latinLnBrk="1" hangingPunct="1">
+    <a:lvl5pPr marL="1828800" algn="l" defTabSz="457200" rtl="0" eaLnBrk="1" latinLnBrk="0" hangingPunct="1">
       <a:defRPr sz="1800" kern="1200">
         <a:solidFill>
           <a:schemeClr val="tx1"/>
@@ -64,7 +63,7 @@
         <a:cs typeface="+mn-cs"/>
       </a:defRPr>
     </a:lvl5pPr>
-    <a:lvl6pPr marL="2286000" algn="l" defTabSz="914400" rtl="0" eaLnBrk="1" latinLnBrk="1" hangingPunct="1">
+    <a:lvl6pPr marL="2286000" algn="l" defTabSz="457200" rtl="0" eaLnBrk="1" latinLnBrk="0" hangingPunct="1">
       <a:defRPr sz="1800" kern="1200">
         <a:solidFill>
           <a:schemeClr val="tx1"/>
@@ -74,7 +73,7 @@
         <a:cs typeface="+mn-cs"/>
       </a:defRPr>
     </a:lvl6pPr>
-    <a:lvl7pPr marL="2743200" algn="l" defTabSz="914400" rtl="0" eaLnBrk="1" latinLnBrk="1" hangingPunct="1">
+    <a:lvl7pPr marL="2743200" algn="l" defTabSz="457200" rtl="0" eaLnBrk="1" latinLnBrk="0" hangingPunct="1">
       <a:defRPr sz="1800" kern="1200">
         <a:solidFill>
           <a:schemeClr val="tx1"/>
@@ -84,7 +83,7 @@
         <a:cs typeface="+mn-cs"/>
       </a:defRPr>
     </a:lvl7pPr>
-    <a:lvl8pPr marL="3200400" algn="l" defTabSz="914400" rtl="0" eaLnBrk="1" latinLnBrk="1" hangingPunct="1">
+    <a:lvl8pPr marL="3200400" algn="l" defTabSz="457200" rtl="0" eaLnBrk="1" latinLnBrk="0" hangingPunct="1">
       <a:defRPr sz="1800" kern="1200">
         <a:solidFill>
           <a:schemeClr val="tx1"/>
@@ -94,7 +93,7 @@
         <a:cs typeface="+mn-cs"/>
       </a:defRPr>
     </a:lvl8pPr>
-    <a:lvl9pPr marL="3657600" algn="l" defTabSz="914400" rtl="0" eaLnBrk="1" latinLnBrk="1" hangingPunct="1">
+    <a:lvl9pPr marL="3657600" algn="l" defTabSz="457200" rtl="0" eaLnBrk="1" latinLnBrk="0" hangingPunct="1">
       <a:defRPr sz="1800" kern="1200">
         <a:solidFill>
           <a:schemeClr val="tx1"/>
@@ -132,13 +131,7 @@
       </p:grpSpPr>
       <p:sp>
         <p:nvSpPr>
-          <p:cNvPr id="2" name="제목 1">
-            <a:extLst>
-              <a:ext uri="{FF2B5EF4-FFF2-40B4-BE49-F238E27FC236}">
-                <a16:creationId xmlns:a16="http://schemas.microsoft.com/office/drawing/2014/main" id="{56984F00-8C3C-48C1-84E3-EF260932274B}"/>
-              </a:ext>
-            </a:extLst>
-          </p:cNvPr>
+          <p:cNvPr id="2" name="Title 1"/>
           <p:cNvSpPr>
             <a:spLocks noGrp="1"/>
           </p:cNvSpPr>
@@ -148,8 +141,8 @@
         </p:nvSpPr>
         <p:spPr>
           <a:xfrm>
-            <a:off x="1524000" y="1122363"/>
-            <a:ext cx="9144000" cy="2387600"/>
+            <a:off x="3009106" y="1122363"/>
+            <a:ext cx="18054638" cy="2387600"/>
           </a:xfrm>
         </p:spPr>
         <p:txBody>
@@ -164,18 +157,13 @@
               <a:rPr lang="ko-KR" altLang="en-US"/>
               <a:t>마스터 제목 스타일 편집</a:t>
             </a:r>
-          </a:p>
-        </p:txBody>
-      </p:sp>
-      <p:sp>
-        <p:nvSpPr>
-          <p:cNvPr id="3" name="부제목 2">
-            <a:extLst>
-              <a:ext uri="{FF2B5EF4-FFF2-40B4-BE49-F238E27FC236}">
-                <a16:creationId xmlns:a16="http://schemas.microsoft.com/office/drawing/2014/main" id="{99A8B823-AC06-447C-A6DE-0468C7A20DEA}"/>
-              </a:ext>
-            </a:extLst>
-          </p:cNvPr>
+            <a:endParaRPr lang="en-US" dirty="0"/>
+          </a:p>
+        </p:txBody>
+      </p:sp>
+      <p:sp>
+        <p:nvSpPr>
+          <p:cNvPr id="3" name="Subtitle 2"/>
           <p:cNvSpPr>
             <a:spLocks noGrp="1"/>
           </p:cNvSpPr>
@@ -185,8 +173,8 @@
         </p:nvSpPr>
         <p:spPr>
           <a:xfrm>
-            <a:off x="1524000" y="3602038"/>
-            <a:ext cx="9144000" cy="1655762"/>
+            <a:off x="3009106" y="3602038"/>
+            <a:ext cx="18054638" cy="1655762"/>
           </a:xfrm>
         </p:spPr>
         <p:txBody>
@@ -234,18 +222,13 @@
               <a:rPr lang="ko-KR" altLang="en-US"/>
               <a:t>클릭하여 마스터 부제목 스타일 편집</a:t>
             </a:r>
-          </a:p>
-        </p:txBody>
-      </p:sp>
-      <p:sp>
-        <p:nvSpPr>
-          <p:cNvPr id="4" name="날짜 개체 틀 3">
-            <a:extLst>
-              <a:ext uri="{FF2B5EF4-FFF2-40B4-BE49-F238E27FC236}">
-                <a16:creationId xmlns:a16="http://schemas.microsoft.com/office/drawing/2014/main" id="{C631B3AF-18AB-4B77-8590-93732D20DC4E}"/>
-              </a:ext>
-            </a:extLst>
-          </p:cNvPr>
+            <a:endParaRPr lang="en-US" dirty="0"/>
+          </a:p>
+        </p:txBody>
+      </p:sp>
+      <p:sp>
+        <p:nvSpPr>
+          <p:cNvPr id="4" name="Date Placeholder 3"/>
           <p:cNvSpPr>
             <a:spLocks noGrp="1"/>
           </p:cNvSpPr>
@@ -260,7 +243,7 @@
           <a:p>
             <a:fld id="{2CF8EA69-B55C-49B0-99E1-FB393F11A06B}" type="datetimeFigureOut">
               <a:rPr lang="ko-KR" altLang="en-US" smtClean="0"/>
-              <a:t>2021-12-27</a:t>
+              <a:t>2022-01-18</a:t>
             </a:fld>
             <a:endParaRPr lang="ko-KR" altLang="en-US"/>
           </a:p>
@@ -268,13 +251,7 @@
       </p:sp>
       <p:sp>
         <p:nvSpPr>
-          <p:cNvPr id="5" name="바닥글 개체 틀 4">
-            <a:extLst>
-              <a:ext uri="{FF2B5EF4-FFF2-40B4-BE49-F238E27FC236}">
-                <a16:creationId xmlns:a16="http://schemas.microsoft.com/office/drawing/2014/main" id="{175DF9D9-9B51-4B8B-A08C-0DFE7854D83A}"/>
-              </a:ext>
-            </a:extLst>
-          </p:cNvPr>
+          <p:cNvPr id="5" name="Footer Placeholder 4"/>
           <p:cNvSpPr>
             <a:spLocks noGrp="1"/>
           </p:cNvSpPr>
@@ -293,13 +270,7 @@
       </p:sp>
       <p:sp>
         <p:nvSpPr>
-          <p:cNvPr id="6" name="슬라이드 번호 개체 틀 5">
-            <a:extLst>
-              <a:ext uri="{FF2B5EF4-FFF2-40B4-BE49-F238E27FC236}">
-                <a16:creationId xmlns:a16="http://schemas.microsoft.com/office/drawing/2014/main" id="{94BBB690-EF3F-4D90-A85A-19684919B2AF}"/>
-              </a:ext>
-            </a:extLst>
-          </p:cNvPr>
+          <p:cNvPr id="6" name="Slide Number Placeholder 5"/>
           <p:cNvSpPr>
             <a:spLocks noGrp="1"/>
           </p:cNvSpPr>
@@ -323,7 +294,7 @@
     </p:spTree>
     <p:extLst>
       <p:ext uri="{BB962C8B-B14F-4D97-AF65-F5344CB8AC3E}">
-        <p14:creationId xmlns:p14="http://schemas.microsoft.com/office/powerpoint/2010/main" val="2977624109"/>
+        <p14:creationId xmlns:p14="http://schemas.microsoft.com/office/powerpoint/2010/main" val="49563870"/>
       </p:ext>
     </p:extLst>
   </p:cSld>
@@ -352,13 +323,7 @@
       </p:grpSpPr>
       <p:sp>
         <p:nvSpPr>
-          <p:cNvPr id="2" name="제목 1">
-            <a:extLst>
-              <a:ext uri="{FF2B5EF4-FFF2-40B4-BE49-F238E27FC236}">
-                <a16:creationId xmlns:a16="http://schemas.microsoft.com/office/drawing/2014/main" id="{F2E0B27D-2C2F-4B27-8F12-775A690B6EC3}"/>
-              </a:ext>
-            </a:extLst>
-          </p:cNvPr>
+          <p:cNvPr id="2" name="Title 1"/>
           <p:cNvSpPr>
             <a:spLocks noGrp="1"/>
           </p:cNvSpPr>
@@ -375,18 +340,13 @@
               <a:rPr lang="ko-KR" altLang="en-US"/>
               <a:t>마스터 제목 스타일 편집</a:t>
             </a:r>
-          </a:p>
-        </p:txBody>
-      </p:sp>
-      <p:sp>
-        <p:nvSpPr>
-          <p:cNvPr id="3" name="세로 텍스트 개체 틀 2">
-            <a:extLst>
-              <a:ext uri="{FF2B5EF4-FFF2-40B4-BE49-F238E27FC236}">
-                <a16:creationId xmlns:a16="http://schemas.microsoft.com/office/drawing/2014/main" id="{C0666155-7F6A-48A1-9D83-B06825A64485}"/>
-              </a:ext>
-            </a:extLst>
-          </p:cNvPr>
+            <a:endParaRPr lang="en-US" dirty="0"/>
+          </a:p>
+        </p:txBody>
+      </p:sp>
+      <p:sp>
+        <p:nvSpPr>
+          <p:cNvPr id="3" name="Vertical Text Placeholder 2"/>
           <p:cNvSpPr>
             <a:spLocks noGrp="1"/>
           </p:cNvSpPr>
@@ -432,18 +392,13 @@
               <a:rPr lang="ko-KR" altLang="en-US"/>
               <a:t>다섯 번째 수준</a:t>
             </a:r>
-          </a:p>
-        </p:txBody>
-      </p:sp>
-      <p:sp>
-        <p:nvSpPr>
-          <p:cNvPr id="4" name="날짜 개체 틀 3">
-            <a:extLst>
-              <a:ext uri="{FF2B5EF4-FFF2-40B4-BE49-F238E27FC236}">
-                <a16:creationId xmlns:a16="http://schemas.microsoft.com/office/drawing/2014/main" id="{F1518FEA-36B6-4FB1-B2A7-07F1A0613AE8}"/>
-              </a:ext>
-            </a:extLst>
-          </p:cNvPr>
+            <a:endParaRPr lang="en-US" dirty="0"/>
+          </a:p>
+        </p:txBody>
+      </p:sp>
+      <p:sp>
+        <p:nvSpPr>
+          <p:cNvPr id="4" name="Date Placeholder 3"/>
           <p:cNvSpPr>
             <a:spLocks noGrp="1"/>
           </p:cNvSpPr>
@@ -458,7 +413,7 @@
           <a:p>
             <a:fld id="{2CF8EA69-B55C-49B0-99E1-FB393F11A06B}" type="datetimeFigureOut">
               <a:rPr lang="ko-KR" altLang="en-US" smtClean="0"/>
-              <a:t>2021-12-27</a:t>
+              <a:t>2022-01-18</a:t>
             </a:fld>
             <a:endParaRPr lang="ko-KR" altLang="en-US"/>
           </a:p>
@@ -466,13 +421,7 @@
       </p:sp>
       <p:sp>
         <p:nvSpPr>
-          <p:cNvPr id="5" name="바닥글 개체 틀 4">
-            <a:extLst>
-              <a:ext uri="{FF2B5EF4-FFF2-40B4-BE49-F238E27FC236}">
-                <a16:creationId xmlns:a16="http://schemas.microsoft.com/office/drawing/2014/main" id="{49CC5E2A-CFE7-4C25-8806-E39B2A55FEB2}"/>
-              </a:ext>
-            </a:extLst>
-          </p:cNvPr>
+          <p:cNvPr id="5" name="Footer Placeholder 4"/>
           <p:cNvSpPr>
             <a:spLocks noGrp="1"/>
           </p:cNvSpPr>
@@ -491,13 +440,7 @@
       </p:sp>
       <p:sp>
         <p:nvSpPr>
-          <p:cNvPr id="6" name="슬라이드 번호 개체 틀 5">
-            <a:extLst>
-              <a:ext uri="{FF2B5EF4-FFF2-40B4-BE49-F238E27FC236}">
-                <a16:creationId xmlns:a16="http://schemas.microsoft.com/office/drawing/2014/main" id="{D71225F2-8974-42F4-86DC-B0B79834A567}"/>
-              </a:ext>
-            </a:extLst>
-          </p:cNvPr>
+          <p:cNvPr id="6" name="Slide Number Placeholder 5"/>
           <p:cNvSpPr>
             <a:spLocks noGrp="1"/>
           </p:cNvSpPr>
@@ -521,7 +464,7 @@
     </p:spTree>
     <p:extLst>
       <p:ext uri="{BB962C8B-B14F-4D97-AF65-F5344CB8AC3E}">
-        <p14:creationId xmlns:p14="http://schemas.microsoft.com/office/powerpoint/2010/main" val="2536412680"/>
+        <p14:creationId xmlns:p14="http://schemas.microsoft.com/office/powerpoint/2010/main" val="767152023"/>
       </p:ext>
     </p:extLst>
   </p:cSld>
@@ -550,13 +493,7 @@
       </p:grpSpPr>
       <p:sp>
         <p:nvSpPr>
-          <p:cNvPr id="2" name="세로 제목 1">
-            <a:extLst>
-              <a:ext uri="{FF2B5EF4-FFF2-40B4-BE49-F238E27FC236}">
-                <a16:creationId xmlns:a16="http://schemas.microsoft.com/office/drawing/2014/main" id="{26333515-9923-46CE-B971-99E1BFED3D9E}"/>
-              </a:ext>
-            </a:extLst>
-          </p:cNvPr>
+          <p:cNvPr id="2" name="Vertical Title 1"/>
           <p:cNvSpPr>
             <a:spLocks noGrp="1"/>
           </p:cNvSpPr>
@@ -566,8 +503,8 @@
         </p:nvSpPr>
         <p:spPr>
           <a:xfrm>
-            <a:off x="8724900" y="365125"/>
-            <a:ext cx="2628900" cy="5811838"/>
+            <a:off x="17227133" y="365125"/>
+            <a:ext cx="5190708" cy="5811838"/>
           </a:xfrm>
         </p:spPr>
         <p:txBody>
@@ -578,18 +515,13 @@
               <a:rPr lang="ko-KR" altLang="en-US"/>
               <a:t>마스터 제목 스타일 편집</a:t>
             </a:r>
-          </a:p>
-        </p:txBody>
-      </p:sp>
-      <p:sp>
-        <p:nvSpPr>
-          <p:cNvPr id="3" name="세로 텍스트 개체 틀 2">
-            <a:extLst>
-              <a:ext uri="{FF2B5EF4-FFF2-40B4-BE49-F238E27FC236}">
-                <a16:creationId xmlns:a16="http://schemas.microsoft.com/office/drawing/2014/main" id="{500D9E18-0B33-4EA8-A610-355C36B05C1C}"/>
-              </a:ext>
-            </a:extLst>
-          </p:cNvPr>
+            <a:endParaRPr lang="en-US" dirty="0"/>
+          </a:p>
+        </p:txBody>
+      </p:sp>
+      <p:sp>
+        <p:nvSpPr>
+          <p:cNvPr id="3" name="Vertical Text Placeholder 2"/>
           <p:cNvSpPr>
             <a:spLocks noGrp="1"/>
           </p:cNvSpPr>
@@ -599,8 +531,8 @@
         </p:nvSpPr>
         <p:spPr>
           <a:xfrm>
-            <a:off x="838200" y="365125"/>
-            <a:ext cx="7734300" cy="5811838"/>
+            <a:off x="1655009" y="365125"/>
+            <a:ext cx="15271214" cy="5811838"/>
           </a:xfrm>
         </p:spPr>
         <p:txBody>
@@ -640,18 +572,13 @@
               <a:rPr lang="ko-KR" altLang="en-US"/>
               <a:t>다섯 번째 수준</a:t>
             </a:r>
-          </a:p>
-        </p:txBody>
-      </p:sp>
-      <p:sp>
-        <p:nvSpPr>
-          <p:cNvPr id="4" name="날짜 개체 틀 3">
-            <a:extLst>
-              <a:ext uri="{FF2B5EF4-FFF2-40B4-BE49-F238E27FC236}">
-                <a16:creationId xmlns:a16="http://schemas.microsoft.com/office/drawing/2014/main" id="{2BDB7F2B-E1DE-4111-BC49-5A1B51EC8BE6}"/>
-              </a:ext>
-            </a:extLst>
-          </p:cNvPr>
+            <a:endParaRPr lang="en-US" dirty="0"/>
+          </a:p>
+        </p:txBody>
+      </p:sp>
+      <p:sp>
+        <p:nvSpPr>
+          <p:cNvPr id="4" name="Date Placeholder 3"/>
           <p:cNvSpPr>
             <a:spLocks noGrp="1"/>
           </p:cNvSpPr>
@@ -666,7 +593,7 @@
           <a:p>
             <a:fld id="{2CF8EA69-B55C-49B0-99E1-FB393F11A06B}" type="datetimeFigureOut">
               <a:rPr lang="ko-KR" altLang="en-US" smtClean="0"/>
-              <a:t>2021-12-27</a:t>
+              <a:t>2022-01-18</a:t>
             </a:fld>
             <a:endParaRPr lang="ko-KR" altLang="en-US"/>
           </a:p>
@@ -674,13 +601,7 @@
       </p:sp>
       <p:sp>
         <p:nvSpPr>
-          <p:cNvPr id="5" name="바닥글 개체 틀 4">
-            <a:extLst>
-              <a:ext uri="{FF2B5EF4-FFF2-40B4-BE49-F238E27FC236}">
-                <a16:creationId xmlns:a16="http://schemas.microsoft.com/office/drawing/2014/main" id="{D3E1DC90-386E-4961-BED6-8102AAB3589A}"/>
-              </a:ext>
-            </a:extLst>
-          </p:cNvPr>
+          <p:cNvPr id="5" name="Footer Placeholder 4"/>
           <p:cNvSpPr>
             <a:spLocks noGrp="1"/>
           </p:cNvSpPr>
@@ -699,13 +620,7 @@
       </p:sp>
       <p:sp>
         <p:nvSpPr>
-          <p:cNvPr id="6" name="슬라이드 번호 개체 틀 5">
-            <a:extLst>
-              <a:ext uri="{FF2B5EF4-FFF2-40B4-BE49-F238E27FC236}">
-                <a16:creationId xmlns:a16="http://schemas.microsoft.com/office/drawing/2014/main" id="{DAA64BA8-06F4-4A53-9239-09AD56EC2D18}"/>
-              </a:ext>
-            </a:extLst>
-          </p:cNvPr>
+          <p:cNvPr id="6" name="Slide Number Placeholder 5"/>
           <p:cNvSpPr>
             <a:spLocks noGrp="1"/>
           </p:cNvSpPr>
@@ -729,7 +644,7 @@
     </p:spTree>
     <p:extLst>
       <p:ext uri="{BB962C8B-B14F-4D97-AF65-F5344CB8AC3E}">
-        <p14:creationId xmlns:p14="http://schemas.microsoft.com/office/powerpoint/2010/main" val="2949937504"/>
+        <p14:creationId xmlns:p14="http://schemas.microsoft.com/office/powerpoint/2010/main" val="1253539745"/>
       </p:ext>
     </p:extLst>
   </p:cSld>
@@ -758,13 +673,7 @@
       </p:grpSpPr>
       <p:sp>
         <p:nvSpPr>
-          <p:cNvPr id="2" name="제목 1">
-            <a:extLst>
-              <a:ext uri="{FF2B5EF4-FFF2-40B4-BE49-F238E27FC236}">
-                <a16:creationId xmlns:a16="http://schemas.microsoft.com/office/drawing/2014/main" id="{70682FAC-EFCC-41AF-8A78-560E5A52B26C}"/>
-              </a:ext>
-            </a:extLst>
-          </p:cNvPr>
+          <p:cNvPr id="2" name="Title 1"/>
           <p:cNvSpPr>
             <a:spLocks noGrp="1"/>
           </p:cNvSpPr>
@@ -781,18 +690,13 @@
               <a:rPr lang="ko-KR" altLang="en-US"/>
               <a:t>마스터 제목 스타일 편집</a:t>
             </a:r>
-          </a:p>
-        </p:txBody>
-      </p:sp>
-      <p:sp>
-        <p:nvSpPr>
-          <p:cNvPr id="3" name="내용 개체 틀 2">
-            <a:extLst>
-              <a:ext uri="{FF2B5EF4-FFF2-40B4-BE49-F238E27FC236}">
-                <a16:creationId xmlns:a16="http://schemas.microsoft.com/office/drawing/2014/main" id="{A7CFF0F4-CB90-46BB-A1A5-E16AD116C1A5}"/>
-              </a:ext>
-            </a:extLst>
-          </p:cNvPr>
+            <a:endParaRPr lang="en-US" dirty="0"/>
+          </a:p>
+        </p:txBody>
+      </p:sp>
+      <p:sp>
+        <p:nvSpPr>
+          <p:cNvPr id="3" name="Content Placeholder 2"/>
           <p:cNvSpPr>
             <a:spLocks noGrp="1"/>
           </p:cNvSpPr>
@@ -838,18 +742,13 @@
               <a:rPr lang="ko-KR" altLang="en-US"/>
               <a:t>다섯 번째 수준</a:t>
             </a:r>
-          </a:p>
-        </p:txBody>
-      </p:sp>
-      <p:sp>
-        <p:nvSpPr>
-          <p:cNvPr id="4" name="날짜 개체 틀 3">
-            <a:extLst>
-              <a:ext uri="{FF2B5EF4-FFF2-40B4-BE49-F238E27FC236}">
-                <a16:creationId xmlns:a16="http://schemas.microsoft.com/office/drawing/2014/main" id="{B0EACFED-C185-4709-ABE8-2C38257724B2}"/>
-              </a:ext>
-            </a:extLst>
-          </p:cNvPr>
+            <a:endParaRPr lang="en-US" dirty="0"/>
+          </a:p>
+        </p:txBody>
+      </p:sp>
+      <p:sp>
+        <p:nvSpPr>
+          <p:cNvPr id="4" name="Date Placeholder 3"/>
           <p:cNvSpPr>
             <a:spLocks noGrp="1"/>
           </p:cNvSpPr>
@@ -864,7 +763,7 @@
           <a:p>
             <a:fld id="{2CF8EA69-B55C-49B0-99E1-FB393F11A06B}" type="datetimeFigureOut">
               <a:rPr lang="ko-KR" altLang="en-US" smtClean="0"/>
-              <a:t>2021-12-27</a:t>
+              <a:t>2022-01-18</a:t>
             </a:fld>
             <a:endParaRPr lang="ko-KR" altLang="en-US"/>
           </a:p>
@@ -872,13 +771,7 @@
       </p:sp>
       <p:sp>
         <p:nvSpPr>
-          <p:cNvPr id="5" name="바닥글 개체 틀 4">
-            <a:extLst>
-              <a:ext uri="{FF2B5EF4-FFF2-40B4-BE49-F238E27FC236}">
-                <a16:creationId xmlns:a16="http://schemas.microsoft.com/office/drawing/2014/main" id="{A187B395-F882-41A3-A4F5-AF4725A2767D}"/>
-              </a:ext>
-            </a:extLst>
-          </p:cNvPr>
+          <p:cNvPr id="5" name="Footer Placeholder 4"/>
           <p:cNvSpPr>
             <a:spLocks noGrp="1"/>
           </p:cNvSpPr>
@@ -897,13 +790,7 @@
       </p:sp>
       <p:sp>
         <p:nvSpPr>
-          <p:cNvPr id="6" name="슬라이드 번호 개체 틀 5">
-            <a:extLst>
-              <a:ext uri="{FF2B5EF4-FFF2-40B4-BE49-F238E27FC236}">
-                <a16:creationId xmlns:a16="http://schemas.microsoft.com/office/drawing/2014/main" id="{5CEB60F1-F535-42F3-BEC7-30F1D10084F7}"/>
-              </a:ext>
-            </a:extLst>
-          </p:cNvPr>
+          <p:cNvPr id="6" name="Slide Number Placeholder 5"/>
           <p:cNvSpPr>
             <a:spLocks noGrp="1"/>
           </p:cNvSpPr>
@@ -927,7 +814,7 @@
     </p:spTree>
     <p:extLst>
       <p:ext uri="{BB962C8B-B14F-4D97-AF65-F5344CB8AC3E}">
-        <p14:creationId xmlns:p14="http://schemas.microsoft.com/office/powerpoint/2010/main" val="3809967455"/>
+        <p14:creationId xmlns:p14="http://schemas.microsoft.com/office/powerpoint/2010/main" val="1787350652"/>
       </p:ext>
     </p:extLst>
   </p:cSld>
@@ -956,13 +843,7 @@
       </p:grpSpPr>
       <p:sp>
         <p:nvSpPr>
-          <p:cNvPr id="2" name="제목 1">
-            <a:extLst>
-              <a:ext uri="{FF2B5EF4-FFF2-40B4-BE49-F238E27FC236}">
-                <a16:creationId xmlns:a16="http://schemas.microsoft.com/office/drawing/2014/main" id="{5D57FAD4-0BC6-4100-8D0E-FC59C98ECF98}"/>
-              </a:ext>
-            </a:extLst>
-          </p:cNvPr>
+          <p:cNvPr id="2" name="Title 1"/>
           <p:cNvSpPr>
             <a:spLocks noGrp="1"/>
           </p:cNvSpPr>
@@ -972,8 +853,8 @@
         </p:nvSpPr>
         <p:spPr>
           <a:xfrm>
-            <a:off x="831850" y="1709738"/>
-            <a:ext cx="10515600" cy="2852737"/>
+            <a:off x="1642471" y="1709739"/>
+            <a:ext cx="20762833" cy="2852737"/>
           </a:xfrm>
         </p:spPr>
         <p:txBody>
@@ -988,18 +869,13 @@
               <a:rPr lang="ko-KR" altLang="en-US"/>
               <a:t>마스터 제목 스타일 편집</a:t>
             </a:r>
-          </a:p>
-        </p:txBody>
-      </p:sp>
-      <p:sp>
-        <p:nvSpPr>
-          <p:cNvPr id="3" name="텍스트 개체 틀 2">
-            <a:extLst>
-              <a:ext uri="{FF2B5EF4-FFF2-40B4-BE49-F238E27FC236}">
-                <a16:creationId xmlns:a16="http://schemas.microsoft.com/office/drawing/2014/main" id="{31834719-D5EE-4AA3-A263-EAC19E386A7E}"/>
-              </a:ext>
-            </a:extLst>
-          </p:cNvPr>
+            <a:endParaRPr lang="en-US" dirty="0"/>
+          </a:p>
+        </p:txBody>
+      </p:sp>
+      <p:sp>
+        <p:nvSpPr>
+          <p:cNvPr id="3" name="Text Placeholder 2"/>
           <p:cNvSpPr>
             <a:spLocks noGrp="1"/>
           </p:cNvSpPr>
@@ -1009,8 +885,8 @@
         </p:nvSpPr>
         <p:spPr>
           <a:xfrm>
-            <a:off x="831850" y="4589463"/>
-            <a:ext cx="10515600" cy="1500187"/>
+            <a:off x="1642471" y="4589464"/>
+            <a:ext cx="20762833" cy="1500187"/>
           </a:xfrm>
         </p:spPr>
         <p:txBody>
@@ -1118,13 +994,7 @@
       </p:sp>
       <p:sp>
         <p:nvSpPr>
-          <p:cNvPr id="4" name="날짜 개체 틀 3">
-            <a:extLst>
-              <a:ext uri="{FF2B5EF4-FFF2-40B4-BE49-F238E27FC236}">
-                <a16:creationId xmlns:a16="http://schemas.microsoft.com/office/drawing/2014/main" id="{97CD0EC8-19C1-4DDB-9D12-32328ED473DD}"/>
-              </a:ext>
-            </a:extLst>
-          </p:cNvPr>
+          <p:cNvPr id="4" name="Date Placeholder 3"/>
           <p:cNvSpPr>
             <a:spLocks noGrp="1"/>
           </p:cNvSpPr>
@@ -1139,7 +1009,7 @@
           <a:p>
             <a:fld id="{2CF8EA69-B55C-49B0-99E1-FB393F11A06B}" type="datetimeFigureOut">
               <a:rPr lang="ko-KR" altLang="en-US" smtClean="0"/>
-              <a:t>2021-12-27</a:t>
+              <a:t>2022-01-18</a:t>
             </a:fld>
             <a:endParaRPr lang="ko-KR" altLang="en-US"/>
           </a:p>
@@ -1147,13 +1017,7 @@
       </p:sp>
       <p:sp>
         <p:nvSpPr>
-          <p:cNvPr id="5" name="바닥글 개체 틀 4">
-            <a:extLst>
-              <a:ext uri="{FF2B5EF4-FFF2-40B4-BE49-F238E27FC236}">
-                <a16:creationId xmlns:a16="http://schemas.microsoft.com/office/drawing/2014/main" id="{55EDE34E-E289-4534-B864-43681D9C61EA}"/>
-              </a:ext>
-            </a:extLst>
-          </p:cNvPr>
+          <p:cNvPr id="5" name="Footer Placeholder 4"/>
           <p:cNvSpPr>
             <a:spLocks noGrp="1"/>
           </p:cNvSpPr>
@@ -1172,13 +1036,7 @@
       </p:sp>
       <p:sp>
         <p:nvSpPr>
-          <p:cNvPr id="6" name="슬라이드 번호 개체 틀 5">
-            <a:extLst>
-              <a:ext uri="{FF2B5EF4-FFF2-40B4-BE49-F238E27FC236}">
-                <a16:creationId xmlns:a16="http://schemas.microsoft.com/office/drawing/2014/main" id="{F3A41433-B698-4B6A-9613-373BF3D5A380}"/>
-              </a:ext>
-            </a:extLst>
-          </p:cNvPr>
+          <p:cNvPr id="6" name="Slide Number Placeholder 5"/>
           <p:cNvSpPr>
             <a:spLocks noGrp="1"/>
           </p:cNvSpPr>
@@ -1202,7 +1060,7 @@
     </p:spTree>
     <p:extLst>
       <p:ext uri="{BB962C8B-B14F-4D97-AF65-F5344CB8AC3E}">
-        <p14:creationId xmlns:p14="http://schemas.microsoft.com/office/powerpoint/2010/main" val="2559136467"/>
+        <p14:creationId xmlns:p14="http://schemas.microsoft.com/office/powerpoint/2010/main" val="2998465784"/>
       </p:ext>
     </p:extLst>
   </p:cSld>
@@ -1231,13 +1089,7 @@
       </p:grpSpPr>
       <p:sp>
         <p:nvSpPr>
-          <p:cNvPr id="2" name="제목 1">
-            <a:extLst>
-              <a:ext uri="{FF2B5EF4-FFF2-40B4-BE49-F238E27FC236}">
-                <a16:creationId xmlns:a16="http://schemas.microsoft.com/office/drawing/2014/main" id="{9CC2F539-4693-42BA-B9E6-FDBA8945E818}"/>
-              </a:ext>
-            </a:extLst>
-          </p:cNvPr>
+          <p:cNvPr id="2" name="Title 1"/>
           <p:cNvSpPr>
             <a:spLocks noGrp="1"/>
           </p:cNvSpPr>
@@ -1254,18 +1106,13 @@
               <a:rPr lang="ko-KR" altLang="en-US"/>
               <a:t>마스터 제목 스타일 편집</a:t>
             </a:r>
-          </a:p>
-        </p:txBody>
-      </p:sp>
-      <p:sp>
-        <p:nvSpPr>
-          <p:cNvPr id="3" name="내용 개체 틀 2">
-            <a:extLst>
-              <a:ext uri="{FF2B5EF4-FFF2-40B4-BE49-F238E27FC236}">
-                <a16:creationId xmlns:a16="http://schemas.microsoft.com/office/drawing/2014/main" id="{84AE6DD0-A778-42B5-B3A3-83D487ED9ABA}"/>
-              </a:ext>
-            </a:extLst>
-          </p:cNvPr>
+            <a:endParaRPr lang="en-US" dirty="0"/>
+          </a:p>
+        </p:txBody>
+      </p:sp>
+      <p:sp>
+        <p:nvSpPr>
+          <p:cNvPr id="3" name="Content Placeholder 2"/>
           <p:cNvSpPr>
             <a:spLocks noGrp="1"/>
           </p:cNvSpPr>
@@ -1275,8 +1122,8 @@
         </p:nvSpPr>
         <p:spPr>
           <a:xfrm>
-            <a:off x="838200" y="1825625"/>
-            <a:ext cx="5181600" cy="4351338"/>
+            <a:off x="1655009" y="1825625"/>
+            <a:ext cx="10230961" cy="4351338"/>
           </a:xfrm>
         </p:spPr>
         <p:txBody>
@@ -1316,18 +1163,13 @@
               <a:rPr lang="ko-KR" altLang="en-US"/>
               <a:t>다섯 번째 수준</a:t>
             </a:r>
-          </a:p>
-        </p:txBody>
-      </p:sp>
-      <p:sp>
-        <p:nvSpPr>
-          <p:cNvPr id="4" name="내용 개체 틀 3">
-            <a:extLst>
-              <a:ext uri="{FF2B5EF4-FFF2-40B4-BE49-F238E27FC236}">
-                <a16:creationId xmlns:a16="http://schemas.microsoft.com/office/drawing/2014/main" id="{0DD59AE7-BB7B-4E23-A782-76675392B746}"/>
-              </a:ext>
-            </a:extLst>
-          </p:cNvPr>
+            <a:endParaRPr lang="en-US" dirty="0"/>
+          </a:p>
+        </p:txBody>
+      </p:sp>
+      <p:sp>
+        <p:nvSpPr>
+          <p:cNvPr id="4" name="Content Placeholder 3"/>
           <p:cNvSpPr>
             <a:spLocks noGrp="1"/>
           </p:cNvSpPr>
@@ -1337,8 +1179,8 @@
         </p:nvSpPr>
         <p:spPr>
           <a:xfrm>
-            <a:off x="6172200" y="1825625"/>
-            <a:ext cx="5181600" cy="4351338"/>
+            <a:off x="12186880" y="1825625"/>
+            <a:ext cx="10230961" cy="4351338"/>
           </a:xfrm>
         </p:spPr>
         <p:txBody>
@@ -1378,18 +1220,13 @@
               <a:rPr lang="ko-KR" altLang="en-US"/>
               <a:t>다섯 번째 수준</a:t>
             </a:r>
-          </a:p>
-        </p:txBody>
-      </p:sp>
-      <p:sp>
-        <p:nvSpPr>
-          <p:cNvPr id="5" name="날짜 개체 틀 4">
-            <a:extLst>
-              <a:ext uri="{FF2B5EF4-FFF2-40B4-BE49-F238E27FC236}">
-                <a16:creationId xmlns:a16="http://schemas.microsoft.com/office/drawing/2014/main" id="{B825DF64-AD22-4ECB-88D8-73D4156F13EF}"/>
-              </a:ext>
-            </a:extLst>
-          </p:cNvPr>
+            <a:endParaRPr lang="en-US" dirty="0"/>
+          </a:p>
+        </p:txBody>
+      </p:sp>
+      <p:sp>
+        <p:nvSpPr>
+          <p:cNvPr id="5" name="Date Placeholder 4"/>
           <p:cNvSpPr>
             <a:spLocks noGrp="1"/>
           </p:cNvSpPr>
@@ -1404,7 +1241,7 @@
           <a:p>
             <a:fld id="{2CF8EA69-B55C-49B0-99E1-FB393F11A06B}" type="datetimeFigureOut">
               <a:rPr lang="ko-KR" altLang="en-US" smtClean="0"/>
-              <a:t>2021-12-27</a:t>
+              <a:t>2022-01-18</a:t>
             </a:fld>
             <a:endParaRPr lang="ko-KR" altLang="en-US"/>
           </a:p>
@@ -1412,13 +1249,7 @@
       </p:sp>
       <p:sp>
         <p:nvSpPr>
-          <p:cNvPr id="6" name="바닥글 개체 틀 5">
-            <a:extLst>
-              <a:ext uri="{FF2B5EF4-FFF2-40B4-BE49-F238E27FC236}">
-                <a16:creationId xmlns:a16="http://schemas.microsoft.com/office/drawing/2014/main" id="{D92AE9BC-CAFD-4914-B0A1-2B0398825F3C}"/>
-              </a:ext>
-            </a:extLst>
-          </p:cNvPr>
+          <p:cNvPr id="6" name="Footer Placeholder 5"/>
           <p:cNvSpPr>
             <a:spLocks noGrp="1"/>
           </p:cNvSpPr>
@@ -1437,13 +1268,7 @@
       </p:sp>
       <p:sp>
         <p:nvSpPr>
-          <p:cNvPr id="7" name="슬라이드 번호 개체 틀 6">
-            <a:extLst>
-              <a:ext uri="{FF2B5EF4-FFF2-40B4-BE49-F238E27FC236}">
-                <a16:creationId xmlns:a16="http://schemas.microsoft.com/office/drawing/2014/main" id="{FCF91847-C2FF-46CC-B4FF-23B3413E3421}"/>
-              </a:ext>
-            </a:extLst>
-          </p:cNvPr>
+          <p:cNvPr id="7" name="Slide Number Placeholder 6"/>
           <p:cNvSpPr>
             <a:spLocks noGrp="1"/>
           </p:cNvSpPr>
@@ -1467,7 +1292,7 @@
     </p:spTree>
     <p:extLst>
       <p:ext uri="{BB962C8B-B14F-4D97-AF65-F5344CB8AC3E}">
-        <p14:creationId xmlns:p14="http://schemas.microsoft.com/office/powerpoint/2010/main" val="2237300765"/>
+        <p14:creationId xmlns:p14="http://schemas.microsoft.com/office/powerpoint/2010/main" val="3663246938"/>
       </p:ext>
     </p:extLst>
   </p:cSld>
@@ -1496,13 +1321,7 @@
       </p:grpSpPr>
       <p:sp>
         <p:nvSpPr>
-          <p:cNvPr id="2" name="제목 1">
-            <a:extLst>
-              <a:ext uri="{FF2B5EF4-FFF2-40B4-BE49-F238E27FC236}">
-                <a16:creationId xmlns:a16="http://schemas.microsoft.com/office/drawing/2014/main" id="{3189488D-3D98-4231-9692-E8BEA4CFD901}"/>
-              </a:ext>
-            </a:extLst>
-          </p:cNvPr>
+          <p:cNvPr id="2" name="Title 1"/>
           <p:cNvSpPr>
             <a:spLocks noGrp="1"/>
           </p:cNvSpPr>
@@ -1512,8 +1331,8 @@
         </p:nvSpPr>
         <p:spPr>
           <a:xfrm>
-            <a:off x="839788" y="365125"/>
-            <a:ext cx="10515600" cy="1325563"/>
+            <a:off x="1658144" y="365126"/>
+            <a:ext cx="20762833" cy="1325563"/>
           </a:xfrm>
         </p:spPr>
         <p:txBody>
@@ -1524,18 +1343,13 @@
               <a:rPr lang="ko-KR" altLang="en-US"/>
               <a:t>마스터 제목 스타일 편집</a:t>
             </a:r>
-          </a:p>
-        </p:txBody>
-      </p:sp>
-      <p:sp>
-        <p:nvSpPr>
-          <p:cNvPr id="3" name="텍스트 개체 틀 2">
-            <a:extLst>
-              <a:ext uri="{FF2B5EF4-FFF2-40B4-BE49-F238E27FC236}">
-                <a16:creationId xmlns:a16="http://schemas.microsoft.com/office/drawing/2014/main" id="{BCD8BCF8-C699-4489-BB63-8F46E2BCC820}"/>
-              </a:ext>
-            </a:extLst>
-          </p:cNvPr>
+            <a:endParaRPr lang="en-US" dirty="0"/>
+          </a:p>
+        </p:txBody>
+      </p:sp>
+      <p:sp>
+        <p:nvSpPr>
+          <p:cNvPr id="3" name="Text Placeholder 2"/>
           <p:cNvSpPr>
             <a:spLocks noGrp="1"/>
           </p:cNvSpPr>
@@ -1545,8 +1359,8 @@
         </p:nvSpPr>
         <p:spPr>
           <a:xfrm>
-            <a:off x="839788" y="1681163"/>
-            <a:ext cx="5157787" cy="823912"/>
+            <a:off x="1658145" y="1681163"/>
+            <a:ext cx="10183943" cy="823912"/>
           </a:xfrm>
         </p:spPr>
         <p:txBody>
@@ -1600,13 +1414,7 @@
       </p:sp>
       <p:sp>
         <p:nvSpPr>
-          <p:cNvPr id="4" name="내용 개체 틀 3">
-            <a:extLst>
-              <a:ext uri="{FF2B5EF4-FFF2-40B4-BE49-F238E27FC236}">
-                <a16:creationId xmlns:a16="http://schemas.microsoft.com/office/drawing/2014/main" id="{18A5516C-0B6F-4B12-BB77-08D6C178B444}"/>
-              </a:ext>
-            </a:extLst>
-          </p:cNvPr>
+          <p:cNvPr id="4" name="Content Placeholder 3"/>
           <p:cNvSpPr>
             <a:spLocks noGrp="1"/>
           </p:cNvSpPr>
@@ -1616,8 +1424,8 @@
         </p:nvSpPr>
         <p:spPr>
           <a:xfrm>
-            <a:off x="839788" y="2505075"/>
-            <a:ext cx="5157787" cy="3684588"/>
+            <a:off x="1658145" y="2505075"/>
+            <a:ext cx="10183943" cy="3684588"/>
           </a:xfrm>
         </p:spPr>
         <p:txBody>
@@ -1657,18 +1465,13 @@
               <a:rPr lang="ko-KR" altLang="en-US"/>
               <a:t>다섯 번째 수준</a:t>
             </a:r>
-          </a:p>
-        </p:txBody>
-      </p:sp>
-      <p:sp>
-        <p:nvSpPr>
-          <p:cNvPr id="5" name="텍스트 개체 틀 4">
-            <a:extLst>
-              <a:ext uri="{FF2B5EF4-FFF2-40B4-BE49-F238E27FC236}">
-                <a16:creationId xmlns:a16="http://schemas.microsoft.com/office/drawing/2014/main" id="{54159F92-23CB-4AF4-BB04-A93E225FD88C}"/>
-              </a:ext>
-            </a:extLst>
-          </p:cNvPr>
+            <a:endParaRPr lang="en-US" dirty="0"/>
+          </a:p>
+        </p:txBody>
+      </p:sp>
+      <p:sp>
+        <p:nvSpPr>
+          <p:cNvPr id="5" name="Text Placeholder 4"/>
           <p:cNvSpPr>
             <a:spLocks noGrp="1"/>
           </p:cNvSpPr>
@@ -1678,8 +1481,8 @@
         </p:nvSpPr>
         <p:spPr>
           <a:xfrm>
-            <a:off x="6172200" y="1681163"/>
-            <a:ext cx="5183188" cy="823912"/>
+            <a:off x="12186880" y="1681163"/>
+            <a:ext cx="10234097" cy="823912"/>
           </a:xfrm>
         </p:spPr>
         <p:txBody>
@@ -1733,13 +1536,7 @@
       </p:sp>
       <p:sp>
         <p:nvSpPr>
-          <p:cNvPr id="6" name="내용 개체 틀 5">
-            <a:extLst>
-              <a:ext uri="{FF2B5EF4-FFF2-40B4-BE49-F238E27FC236}">
-                <a16:creationId xmlns:a16="http://schemas.microsoft.com/office/drawing/2014/main" id="{D5C7115C-E5A1-4B6A-A6D3-740D884E3EBD}"/>
-              </a:ext>
-            </a:extLst>
-          </p:cNvPr>
+          <p:cNvPr id="6" name="Content Placeholder 5"/>
           <p:cNvSpPr>
             <a:spLocks noGrp="1"/>
           </p:cNvSpPr>
@@ -1749,8 +1546,8 @@
         </p:nvSpPr>
         <p:spPr>
           <a:xfrm>
-            <a:off x="6172200" y="2505075"/>
-            <a:ext cx="5183188" cy="3684588"/>
+            <a:off x="12186880" y="2505075"/>
+            <a:ext cx="10234097" cy="3684588"/>
           </a:xfrm>
         </p:spPr>
         <p:txBody>
@@ -1790,18 +1587,13 @@
               <a:rPr lang="ko-KR" altLang="en-US"/>
               <a:t>다섯 번째 수준</a:t>
             </a:r>
-          </a:p>
-        </p:txBody>
-      </p:sp>
-      <p:sp>
-        <p:nvSpPr>
-          <p:cNvPr id="7" name="날짜 개체 틀 6">
-            <a:extLst>
-              <a:ext uri="{FF2B5EF4-FFF2-40B4-BE49-F238E27FC236}">
-                <a16:creationId xmlns:a16="http://schemas.microsoft.com/office/drawing/2014/main" id="{F42EEB19-FE60-4A07-86F3-9AF04D290E5C}"/>
-              </a:ext>
-            </a:extLst>
-          </p:cNvPr>
+            <a:endParaRPr lang="en-US" dirty="0"/>
+          </a:p>
+        </p:txBody>
+      </p:sp>
+      <p:sp>
+        <p:nvSpPr>
+          <p:cNvPr id="7" name="Date Placeholder 6"/>
           <p:cNvSpPr>
             <a:spLocks noGrp="1"/>
           </p:cNvSpPr>
@@ -1816,7 +1608,7 @@
           <a:p>
             <a:fld id="{2CF8EA69-B55C-49B0-99E1-FB393F11A06B}" type="datetimeFigureOut">
               <a:rPr lang="ko-KR" altLang="en-US" smtClean="0"/>
-              <a:t>2021-12-27</a:t>
+              <a:t>2022-01-18</a:t>
             </a:fld>
             <a:endParaRPr lang="ko-KR" altLang="en-US"/>
           </a:p>
@@ -1824,13 +1616,7 @@
       </p:sp>
       <p:sp>
         <p:nvSpPr>
-          <p:cNvPr id="8" name="바닥글 개체 틀 7">
-            <a:extLst>
-              <a:ext uri="{FF2B5EF4-FFF2-40B4-BE49-F238E27FC236}">
-                <a16:creationId xmlns:a16="http://schemas.microsoft.com/office/drawing/2014/main" id="{2819E9A5-F078-43F5-9187-CDC548AA7BED}"/>
-              </a:ext>
-            </a:extLst>
-          </p:cNvPr>
+          <p:cNvPr id="8" name="Footer Placeholder 7"/>
           <p:cNvSpPr>
             <a:spLocks noGrp="1"/>
           </p:cNvSpPr>
@@ -1849,13 +1635,7 @@
       </p:sp>
       <p:sp>
         <p:nvSpPr>
-          <p:cNvPr id="9" name="슬라이드 번호 개체 틀 8">
-            <a:extLst>
-              <a:ext uri="{FF2B5EF4-FFF2-40B4-BE49-F238E27FC236}">
-                <a16:creationId xmlns:a16="http://schemas.microsoft.com/office/drawing/2014/main" id="{5879DB87-1963-415F-9AE6-9EC2C415CC25}"/>
-              </a:ext>
-            </a:extLst>
-          </p:cNvPr>
+          <p:cNvPr id="9" name="Slide Number Placeholder 8"/>
           <p:cNvSpPr>
             <a:spLocks noGrp="1"/>
           </p:cNvSpPr>
@@ -1879,7 +1659,7 @@
     </p:spTree>
     <p:extLst>
       <p:ext uri="{BB962C8B-B14F-4D97-AF65-F5344CB8AC3E}">
-        <p14:creationId xmlns:p14="http://schemas.microsoft.com/office/powerpoint/2010/main" val="251485674"/>
+        <p14:creationId xmlns:p14="http://schemas.microsoft.com/office/powerpoint/2010/main" val="2694785202"/>
       </p:ext>
     </p:extLst>
   </p:cSld>
@@ -1908,13 +1688,7 @@
       </p:grpSpPr>
       <p:sp>
         <p:nvSpPr>
-          <p:cNvPr id="2" name="제목 1">
-            <a:extLst>
-              <a:ext uri="{FF2B5EF4-FFF2-40B4-BE49-F238E27FC236}">
-                <a16:creationId xmlns:a16="http://schemas.microsoft.com/office/drawing/2014/main" id="{0CE68AC7-3BF8-4579-AD63-80FF940AD37D}"/>
-              </a:ext>
-            </a:extLst>
-          </p:cNvPr>
+          <p:cNvPr id="2" name="Title 1"/>
           <p:cNvSpPr>
             <a:spLocks noGrp="1"/>
           </p:cNvSpPr>
@@ -1931,18 +1705,13 @@
               <a:rPr lang="ko-KR" altLang="en-US"/>
               <a:t>마스터 제목 스타일 편집</a:t>
             </a:r>
-          </a:p>
-        </p:txBody>
-      </p:sp>
-      <p:sp>
-        <p:nvSpPr>
-          <p:cNvPr id="3" name="날짜 개체 틀 2">
-            <a:extLst>
-              <a:ext uri="{FF2B5EF4-FFF2-40B4-BE49-F238E27FC236}">
-                <a16:creationId xmlns:a16="http://schemas.microsoft.com/office/drawing/2014/main" id="{8D22109D-4A0D-44BE-8B9C-49BE07874D54}"/>
-              </a:ext>
-            </a:extLst>
-          </p:cNvPr>
+            <a:endParaRPr lang="en-US" dirty="0"/>
+          </a:p>
+        </p:txBody>
+      </p:sp>
+      <p:sp>
+        <p:nvSpPr>
+          <p:cNvPr id="3" name="Date Placeholder 2"/>
           <p:cNvSpPr>
             <a:spLocks noGrp="1"/>
           </p:cNvSpPr>
@@ -1957,7 +1726,7 @@
           <a:p>
             <a:fld id="{2CF8EA69-B55C-49B0-99E1-FB393F11A06B}" type="datetimeFigureOut">
               <a:rPr lang="ko-KR" altLang="en-US" smtClean="0"/>
-              <a:t>2021-12-27</a:t>
+              <a:t>2022-01-18</a:t>
             </a:fld>
             <a:endParaRPr lang="ko-KR" altLang="en-US"/>
           </a:p>
@@ -1965,13 +1734,7 @@
       </p:sp>
       <p:sp>
         <p:nvSpPr>
-          <p:cNvPr id="4" name="바닥글 개체 틀 3">
-            <a:extLst>
-              <a:ext uri="{FF2B5EF4-FFF2-40B4-BE49-F238E27FC236}">
-                <a16:creationId xmlns:a16="http://schemas.microsoft.com/office/drawing/2014/main" id="{61BDB943-F72B-4CFD-9CCE-32B2D57A0E56}"/>
-              </a:ext>
-            </a:extLst>
-          </p:cNvPr>
+          <p:cNvPr id="4" name="Footer Placeholder 3"/>
           <p:cNvSpPr>
             <a:spLocks noGrp="1"/>
           </p:cNvSpPr>
@@ -1990,13 +1753,7 @@
       </p:sp>
       <p:sp>
         <p:nvSpPr>
-          <p:cNvPr id="5" name="슬라이드 번호 개체 틀 4">
-            <a:extLst>
-              <a:ext uri="{FF2B5EF4-FFF2-40B4-BE49-F238E27FC236}">
-                <a16:creationId xmlns:a16="http://schemas.microsoft.com/office/drawing/2014/main" id="{9E69071C-32B9-40C7-ABDC-488D405AB56B}"/>
-              </a:ext>
-            </a:extLst>
-          </p:cNvPr>
+          <p:cNvPr id="5" name="Slide Number Placeholder 4"/>
           <p:cNvSpPr>
             <a:spLocks noGrp="1"/>
           </p:cNvSpPr>
@@ -2020,7 +1777,7 @@
     </p:spTree>
     <p:extLst>
       <p:ext uri="{BB962C8B-B14F-4D97-AF65-F5344CB8AC3E}">
-        <p14:creationId xmlns:p14="http://schemas.microsoft.com/office/powerpoint/2010/main" val="3923891816"/>
+        <p14:creationId xmlns:p14="http://schemas.microsoft.com/office/powerpoint/2010/main" val="4047440635"/>
       </p:ext>
     </p:extLst>
   </p:cSld>
@@ -2049,13 +1806,7 @@
       </p:grpSpPr>
       <p:sp>
         <p:nvSpPr>
-          <p:cNvPr id="2" name="날짜 개체 틀 1">
-            <a:extLst>
-              <a:ext uri="{FF2B5EF4-FFF2-40B4-BE49-F238E27FC236}">
-                <a16:creationId xmlns:a16="http://schemas.microsoft.com/office/drawing/2014/main" id="{5DA6F738-89B2-4701-BA86-952BBBD59219}"/>
-              </a:ext>
-            </a:extLst>
-          </p:cNvPr>
+          <p:cNvPr id="2" name="Date Placeholder 1"/>
           <p:cNvSpPr>
             <a:spLocks noGrp="1"/>
           </p:cNvSpPr>
@@ -2070,7 +1821,7 @@
           <a:p>
             <a:fld id="{2CF8EA69-B55C-49B0-99E1-FB393F11A06B}" type="datetimeFigureOut">
               <a:rPr lang="ko-KR" altLang="en-US" smtClean="0"/>
-              <a:t>2021-12-27</a:t>
+              <a:t>2022-01-18</a:t>
             </a:fld>
             <a:endParaRPr lang="ko-KR" altLang="en-US"/>
           </a:p>
@@ -2078,13 +1829,7 @@
       </p:sp>
       <p:sp>
         <p:nvSpPr>
-          <p:cNvPr id="3" name="바닥글 개체 틀 2">
-            <a:extLst>
-              <a:ext uri="{FF2B5EF4-FFF2-40B4-BE49-F238E27FC236}">
-                <a16:creationId xmlns:a16="http://schemas.microsoft.com/office/drawing/2014/main" id="{9E70484C-9DDB-4737-B496-59FAB69053D4}"/>
-              </a:ext>
-            </a:extLst>
-          </p:cNvPr>
+          <p:cNvPr id="3" name="Footer Placeholder 2"/>
           <p:cNvSpPr>
             <a:spLocks noGrp="1"/>
           </p:cNvSpPr>
@@ -2103,13 +1848,7 @@
       </p:sp>
       <p:sp>
         <p:nvSpPr>
-          <p:cNvPr id="4" name="슬라이드 번호 개체 틀 3">
-            <a:extLst>
-              <a:ext uri="{FF2B5EF4-FFF2-40B4-BE49-F238E27FC236}">
-                <a16:creationId xmlns:a16="http://schemas.microsoft.com/office/drawing/2014/main" id="{7251E337-3611-4652-91B0-46E38B93642E}"/>
-              </a:ext>
-            </a:extLst>
-          </p:cNvPr>
+          <p:cNvPr id="4" name="Slide Number Placeholder 3"/>
           <p:cNvSpPr>
             <a:spLocks noGrp="1"/>
           </p:cNvSpPr>
@@ -2133,7 +1872,7 @@
     </p:spTree>
     <p:extLst>
       <p:ext uri="{BB962C8B-B14F-4D97-AF65-F5344CB8AC3E}">
-        <p14:creationId xmlns:p14="http://schemas.microsoft.com/office/powerpoint/2010/main" val="2187108916"/>
+        <p14:creationId xmlns:p14="http://schemas.microsoft.com/office/powerpoint/2010/main" val="3301487087"/>
       </p:ext>
     </p:extLst>
   </p:cSld>
@@ -2162,13 +1901,7 @@
       </p:grpSpPr>
       <p:sp>
         <p:nvSpPr>
-          <p:cNvPr id="2" name="제목 1">
-            <a:extLst>
-              <a:ext uri="{FF2B5EF4-FFF2-40B4-BE49-F238E27FC236}">
-                <a16:creationId xmlns:a16="http://schemas.microsoft.com/office/drawing/2014/main" id="{E10E439F-AFA2-4ACB-B846-48EEBB5A9743}"/>
-              </a:ext>
-            </a:extLst>
-          </p:cNvPr>
+          <p:cNvPr id="2" name="Title 1"/>
           <p:cNvSpPr>
             <a:spLocks noGrp="1"/>
           </p:cNvSpPr>
@@ -2178,8 +1911,8 @@
         </p:nvSpPr>
         <p:spPr>
           <a:xfrm>
-            <a:off x="839788" y="457200"/>
-            <a:ext cx="3932237" cy="1600200"/>
+            <a:off x="1658145" y="457200"/>
+            <a:ext cx="7764120" cy="1600200"/>
           </a:xfrm>
         </p:spPr>
         <p:txBody>
@@ -2194,18 +1927,13 @@
               <a:rPr lang="ko-KR" altLang="en-US"/>
               <a:t>마스터 제목 스타일 편집</a:t>
             </a:r>
-          </a:p>
-        </p:txBody>
-      </p:sp>
-      <p:sp>
-        <p:nvSpPr>
-          <p:cNvPr id="3" name="내용 개체 틀 2">
-            <a:extLst>
-              <a:ext uri="{FF2B5EF4-FFF2-40B4-BE49-F238E27FC236}">
-                <a16:creationId xmlns:a16="http://schemas.microsoft.com/office/drawing/2014/main" id="{9E12756F-D219-4EF4-A85F-F9E506996B99}"/>
-              </a:ext>
-            </a:extLst>
-          </p:cNvPr>
+            <a:endParaRPr lang="en-US" dirty="0"/>
+          </a:p>
+        </p:txBody>
+      </p:sp>
+      <p:sp>
+        <p:nvSpPr>
+          <p:cNvPr id="3" name="Content Placeholder 2"/>
           <p:cNvSpPr>
             <a:spLocks noGrp="1"/>
           </p:cNvSpPr>
@@ -2215,8 +1943,8 @@
         </p:nvSpPr>
         <p:spPr>
           <a:xfrm>
-            <a:off x="5183188" y="987425"/>
-            <a:ext cx="6172200" cy="4873625"/>
+            <a:off x="10234097" y="987426"/>
+            <a:ext cx="12186880" cy="4873625"/>
           </a:xfrm>
         </p:spPr>
         <p:txBody>
@@ -2284,18 +2012,13 @@
               <a:rPr lang="ko-KR" altLang="en-US"/>
               <a:t>다섯 번째 수준</a:t>
             </a:r>
-          </a:p>
-        </p:txBody>
-      </p:sp>
-      <p:sp>
-        <p:nvSpPr>
-          <p:cNvPr id="4" name="텍스트 개체 틀 3">
-            <a:extLst>
-              <a:ext uri="{FF2B5EF4-FFF2-40B4-BE49-F238E27FC236}">
-                <a16:creationId xmlns:a16="http://schemas.microsoft.com/office/drawing/2014/main" id="{874049D5-0EE6-4702-88BA-FFC9DEB657BD}"/>
-              </a:ext>
-            </a:extLst>
-          </p:cNvPr>
+            <a:endParaRPr lang="en-US" dirty="0"/>
+          </a:p>
+        </p:txBody>
+      </p:sp>
+      <p:sp>
+        <p:nvSpPr>
+          <p:cNvPr id="4" name="Text Placeholder 3"/>
           <p:cNvSpPr>
             <a:spLocks noGrp="1"/>
           </p:cNvSpPr>
@@ -2305,8 +2028,8 @@
         </p:nvSpPr>
         <p:spPr>
           <a:xfrm>
-            <a:off x="839788" y="2057400"/>
-            <a:ext cx="3932237" cy="3811588"/>
+            <a:off x="1658145" y="2057400"/>
+            <a:ext cx="7764120" cy="3811588"/>
           </a:xfrm>
         </p:spPr>
         <p:txBody>
@@ -2360,13 +2083,7 @@
       </p:sp>
       <p:sp>
         <p:nvSpPr>
-          <p:cNvPr id="5" name="날짜 개체 틀 4">
-            <a:extLst>
-              <a:ext uri="{FF2B5EF4-FFF2-40B4-BE49-F238E27FC236}">
-                <a16:creationId xmlns:a16="http://schemas.microsoft.com/office/drawing/2014/main" id="{9F04C302-3BE5-4CED-B41C-16A62C37B68F}"/>
-              </a:ext>
-            </a:extLst>
-          </p:cNvPr>
+          <p:cNvPr id="5" name="Date Placeholder 4"/>
           <p:cNvSpPr>
             <a:spLocks noGrp="1"/>
           </p:cNvSpPr>
@@ -2381,7 +2098,7 @@
           <a:p>
             <a:fld id="{2CF8EA69-B55C-49B0-99E1-FB393F11A06B}" type="datetimeFigureOut">
               <a:rPr lang="ko-KR" altLang="en-US" smtClean="0"/>
-              <a:t>2021-12-27</a:t>
+              <a:t>2022-01-18</a:t>
             </a:fld>
             <a:endParaRPr lang="ko-KR" altLang="en-US"/>
           </a:p>
@@ -2389,13 +2106,7 @@
       </p:sp>
       <p:sp>
         <p:nvSpPr>
-          <p:cNvPr id="6" name="바닥글 개체 틀 5">
-            <a:extLst>
-              <a:ext uri="{FF2B5EF4-FFF2-40B4-BE49-F238E27FC236}">
-                <a16:creationId xmlns:a16="http://schemas.microsoft.com/office/drawing/2014/main" id="{7B5E4F72-2AFB-4ED9-8882-32AD243B74C5}"/>
-              </a:ext>
-            </a:extLst>
-          </p:cNvPr>
+          <p:cNvPr id="6" name="Footer Placeholder 5"/>
           <p:cNvSpPr>
             <a:spLocks noGrp="1"/>
           </p:cNvSpPr>
@@ -2414,13 +2125,7 @@
       </p:sp>
       <p:sp>
         <p:nvSpPr>
-          <p:cNvPr id="7" name="슬라이드 번호 개체 틀 6">
-            <a:extLst>
-              <a:ext uri="{FF2B5EF4-FFF2-40B4-BE49-F238E27FC236}">
-                <a16:creationId xmlns:a16="http://schemas.microsoft.com/office/drawing/2014/main" id="{895DEB0F-818C-4143-8BB1-3CD00483D482}"/>
-              </a:ext>
-            </a:extLst>
-          </p:cNvPr>
+          <p:cNvPr id="7" name="Slide Number Placeholder 6"/>
           <p:cNvSpPr>
             <a:spLocks noGrp="1"/>
           </p:cNvSpPr>
@@ -2444,7 +2149,7 @@
     </p:spTree>
     <p:extLst>
       <p:ext uri="{BB962C8B-B14F-4D97-AF65-F5344CB8AC3E}">
-        <p14:creationId xmlns:p14="http://schemas.microsoft.com/office/powerpoint/2010/main" val="2377835950"/>
+        <p14:creationId xmlns:p14="http://schemas.microsoft.com/office/powerpoint/2010/main" val="1508206238"/>
       </p:ext>
     </p:extLst>
   </p:cSld>
@@ -2473,13 +2178,7 @@
       </p:grpSpPr>
       <p:sp>
         <p:nvSpPr>
-          <p:cNvPr id="2" name="제목 1">
-            <a:extLst>
-              <a:ext uri="{FF2B5EF4-FFF2-40B4-BE49-F238E27FC236}">
-                <a16:creationId xmlns:a16="http://schemas.microsoft.com/office/drawing/2014/main" id="{9AD66D48-6951-40C3-B0AE-D3A4E839992D}"/>
-              </a:ext>
-            </a:extLst>
-          </p:cNvPr>
+          <p:cNvPr id="2" name="Title 1"/>
           <p:cNvSpPr>
             <a:spLocks noGrp="1"/>
           </p:cNvSpPr>
@@ -2489,8 +2188,8 @@
         </p:nvSpPr>
         <p:spPr>
           <a:xfrm>
-            <a:off x="839788" y="457200"/>
-            <a:ext cx="3932237" cy="1600200"/>
+            <a:off x="1658145" y="457200"/>
+            <a:ext cx="7764120" cy="1600200"/>
           </a:xfrm>
         </p:spPr>
         <p:txBody>
@@ -2505,20 +2204,15 @@
               <a:rPr lang="ko-KR" altLang="en-US"/>
               <a:t>마스터 제목 스타일 편집</a:t>
             </a:r>
-          </a:p>
-        </p:txBody>
-      </p:sp>
-      <p:sp>
-        <p:nvSpPr>
-          <p:cNvPr id="3" name="그림 개체 틀 2">
-            <a:extLst>
-              <a:ext uri="{FF2B5EF4-FFF2-40B4-BE49-F238E27FC236}">
-                <a16:creationId xmlns:a16="http://schemas.microsoft.com/office/drawing/2014/main" id="{DD5426B0-E8FB-4837-ACCA-B2D70A745D6C}"/>
-              </a:ext>
-            </a:extLst>
-          </p:cNvPr>
-          <p:cNvSpPr>
-            <a:spLocks noGrp="1"/>
+            <a:endParaRPr lang="en-US" dirty="0"/>
+          </a:p>
+        </p:txBody>
+      </p:sp>
+      <p:sp>
+        <p:nvSpPr>
+          <p:cNvPr id="3" name="Picture Placeholder 2"/>
+          <p:cNvSpPr>
+            <a:spLocks noGrp="1" noChangeAspect="1"/>
           </p:cNvSpPr>
           <p:nvPr>
             <p:ph type="pic" idx="1"/>
@@ -2526,12 +2220,12 @@
         </p:nvSpPr>
         <p:spPr>
           <a:xfrm>
-            <a:off x="5183188" y="987425"/>
-            <a:ext cx="6172200" cy="4873625"/>
+            <a:off x="10234097" y="987426"/>
+            <a:ext cx="12186880" cy="4873625"/>
           </a:xfrm>
         </p:spPr>
         <p:txBody>
-          <a:bodyPr/>
+          <a:bodyPr anchor="t"/>
           <a:lstStyle>
             <a:lvl1pPr marL="0" indent="0">
               <a:buNone/>
@@ -2571,19 +2265,17 @@
             </a:lvl9pPr>
           </a:lstStyle>
           <a:p>
-            <a:endParaRPr lang="ko-KR" altLang="en-US"/>
-          </a:p>
-        </p:txBody>
-      </p:sp>
-      <p:sp>
-        <p:nvSpPr>
-          <p:cNvPr id="4" name="텍스트 개체 틀 3">
-            <a:extLst>
-              <a:ext uri="{FF2B5EF4-FFF2-40B4-BE49-F238E27FC236}">
-                <a16:creationId xmlns:a16="http://schemas.microsoft.com/office/drawing/2014/main" id="{BBD25964-8178-493D-805F-67AE6A2267F3}"/>
-              </a:ext>
-            </a:extLst>
-          </p:cNvPr>
+            <a:r>
+              <a:rPr lang="ko-KR" altLang="en-US"/>
+              <a:t>그림을 추가하려면 아이콘을 클릭하십시오</a:t>
+            </a:r>
+            <a:endParaRPr lang="en-US" dirty="0"/>
+          </a:p>
+        </p:txBody>
+      </p:sp>
+      <p:sp>
+        <p:nvSpPr>
+          <p:cNvPr id="4" name="Text Placeholder 3"/>
           <p:cNvSpPr>
             <a:spLocks noGrp="1"/>
           </p:cNvSpPr>
@@ -2593,8 +2285,8 @@
         </p:nvSpPr>
         <p:spPr>
           <a:xfrm>
-            <a:off x="839788" y="2057400"/>
-            <a:ext cx="3932237" cy="3811588"/>
+            <a:off x="1658145" y="2057400"/>
+            <a:ext cx="7764120" cy="3811588"/>
           </a:xfrm>
         </p:spPr>
         <p:txBody>
@@ -2648,13 +2340,7 @@
       </p:sp>
       <p:sp>
         <p:nvSpPr>
-          <p:cNvPr id="5" name="날짜 개체 틀 4">
-            <a:extLst>
-              <a:ext uri="{FF2B5EF4-FFF2-40B4-BE49-F238E27FC236}">
-                <a16:creationId xmlns:a16="http://schemas.microsoft.com/office/drawing/2014/main" id="{8066DD41-9867-48A4-BB3E-EED44A204B0C}"/>
-              </a:ext>
-            </a:extLst>
-          </p:cNvPr>
+          <p:cNvPr id="5" name="Date Placeholder 4"/>
           <p:cNvSpPr>
             <a:spLocks noGrp="1"/>
           </p:cNvSpPr>
@@ -2669,7 +2355,7 @@
           <a:p>
             <a:fld id="{2CF8EA69-B55C-49B0-99E1-FB393F11A06B}" type="datetimeFigureOut">
               <a:rPr lang="ko-KR" altLang="en-US" smtClean="0"/>
-              <a:t>2021-12-27</a:t>
+              <a:t>2022-01-18</a:t>
             </a:fld>
             <a:endParaRPr lang="ko-KR" altLang="en-US"/>
           </a:p>
@@ -2677,13 +2363,7 @@
       </p:sp>
       <p:sp>
         <p:nvSpPr>
-          <p:cNvPr id="6" name="바닥글 개체 틀 5">
-            <a:extLst>
-              <a:ext uri="{FF2B5EF4-FFF2-40B4-BE49-F238E27FC236}">
-                <a16:creationId xmlns:a16="http://schemas.microsoft.com/office/drawing/2014/main" id="{B81D055B-49AF-41DC-813C-B57842CC1966}"/>
-              </a:ext>
-            </a:extLst>
-          </p:cNvPr>
+          <p:cNvPr id="6" name="Footer Placeholder 5"/>
           <p:cNvSpPr>
             <a:spLocks noGrp="1"/>
           </p:cNvSpPr>
@@ -2702,13 +2382,7 @@
       </p:sp>
       <p:sp>
         <p:nvSpPr>
-          <p:cNvPr id="7" name="슬라이드 번호 개체 틀 6">
-            <a:extLst>
-              <a:ext uri="{FF2B5EF4-FFF2-40B4-BE49-F238E27FC236}">
-                <a16:creationId xmlns:a16="http://schemas.microsoft.com/office/drawing/2014/main" id="{1FBF71F9-6795-4BD7-B2FC-2AAC1F418B77}"/>
-              </a:ext>
-            </a:extLst>
-          </p:cNvPr>
+          <p:cNvPr id="7" name="Slide Number Placeholder 6"/>
           <p:cNvSpPr>
             <a:spLocks noGrp="1"/>
           </p:cNvSpPr>
@@ -2732,7 +2406,7 @@
     </p:spTree>
     <p:extLst>
       <p:ext uri="{BB962C8B-B14F-4D97-AF65-F5344CB8AC3E}">
-        <p14:creationId xmlns:p14="http://schemas.microsoft.com/office/powerpoint/2010/main" val="2004317244"/>
+        <p14:creationId xmlns:p14="http://schemas.microsoft.com/office/powerpoint/2010/main" val="893521011"/>
       </p:ext>
     </p:extLst>
   </p:cSld>
@@ -2766,13 +2440,7 @@
       </p:grpSpPr>
       <p:sp>
         <p:nvSpPr>
-          <p:cNvPr id="2" name="제목 개체 틀 1">
-            <a:extLst>
-              <a:ext uri="{FF2B5EF4-FFF2-40B4-BE49-F238E27FC236}">
-                <a16:creationId xmlns:a16="http://schemas.microsoft.com/office/drawing/2014/main" id="{226DD85F-DA25-4F61-9AA6-C341E18A3BD4}"/>
-              </a:ext>
-            </a:extLst>
-          </p:cNvPr>
+          <p:cNvPr id="2" name="Title Placeholder 1"/>
           <p:cNvSpPr>
             <a:spLocks noGrp="1"/>
           </p:cNvSpPr>
@@ -2782,8 +2450,8 @@
         </p:nvSpPr>
         <p:spPr>
           <a:xfrm>
-            <a:off x="838200" y="365125"/>
-            <a:ext cx="10515600" cy="1325563"/>
+            <a:off x="1655009" y="365126"/>
+            <a:ext cx="20762833" cy="1325563"/>
           </a:xfrm>
           <a:prstGeom prst="rect">
             <a:avLst/>
@@ -2799,18 +2467,13 @@
               <a:rPr lang="ko-KR" altLang="en-US"/>
               <a:t>마스터 제목 스타일 편집</a:t>
             </a:r>
-          </a:p>
-        </p:txBody>
-      </p:sp>
-      <p:sp>
-        <p:nvSpPr>
-          <p:cNvPr id="3" name="텍스트 개체 틀 2">
-            <a:extLst>
-              <a:ext uri="{FF2B5EF4-FFF2-40B4-BE49-F238E27FC236}">
-                <a16:creationId xmlns:a16="http://schemas.microsoft.com/office/drawing/2014/main" id="{784F94AE-17DA-4B30-8522-47CADCE6C749}"/>
-              </a:ext>
-            </a:extLst>
-          </p:cNvPr>
+            <a:endParaRPr lang="en-US" dirty="0"/>
+          </a:p>
+        </p:txBody>
+      </p:sp>
+      <p:sp>
+        <p:nvSpPr>
+          <p:cNvPr id="3" name="Text Placeholder 2"/>
           <p:cNvSpPr>
             <a:spLocks noGrp="1"/>
           </p:cNvSpPr>
@@ -2820,8 +2483,8 @@
         </p:nvSpPr>
         <p:spPr>
           <a:xfrm>
-            <a:off x="838200" y="1825625"/>
-            <a:ext cx="10515600" cy="4351338"/>
+            <a:off x="1655009" y="1825625"/>
+            <a:ext cx="20762833" cy="4351338"/>
           </a:xfrm>
           <a:prstGeom prst="rect">
             <a:avLst/>
@@ -2866,18 +2529,13 @@
               <a:rPr lang="ko-KR" altLang="en-US"/>
               <a:t>다섯 번째 수준</a:t>
             </a:r>
-          </a:p>
-        </p:txBody>
-      </p:sp>
-      <p:sp>
-        <p:nvSpPr>
-          <p:cNvPr id="4" name="날짜 개체 틀 3">
-            <a:extLst>
-              <a:ext uri="{FF2B5EF4-FFF2-40B4-BE49-F238E27FC236}">
-                <a16:creationId xmlns:a16="http://schemas.microsoft.com/office/drawing/2014/main" id="{FBA140F1-E725-4DC8-AD8D-A4EC5A32649B}"/>
-              </a:ext>
-            </a:extLst>
-          </p:cNvPr>
+            <a:endParaRPr lang="en-US" dirty="0"/>
+          </a:p>
+        </p:txBody>
+      </p:sp>
+      <p:sp>
+        <p:nvSpPr>
+          <p:cNvPr id="4" name="Date Placeholder 3"/>
           <p:cNvSpPr>
             <a:spLocks noGrp="1"/>
           </p:cNvSpPr>
@@ -2887,8 +2545,8 @@
         </p:nvSpPr>
         <p:spPr>
           <a:xfrm>
-            <a:off x="838200" y="6356350"/>
-            <a:ext cx="2743200" cy="365125"/>
+            <a:off x="1655009" y="6356351"/>
+            <a:ext cx="5416391" cy="365125"/>
           </a:xfrm>
           <a:prstGeom prst="rect">
             <a:avLst/>
@@ -2910,7 +2568,7 @@
           <a:p>
             <a:fld id="{2CF8EA69-B55C-49B0-99E1-FB393F11A06B}" type="datetimeFigureOut">
               <a:rPr lang="ko-KR" altLang="en-US" smtClean="0"/>
-              <a:t>2021-12-27</a:t>
+              <a:t>2022-01-18</a:t>
             </a:fld>
             <a:endParaRPr lang="ko-KR" altLang="en-US"/>
           </a:p>
@@ -2918,13 +2576,7 @@
       </p:sp>
       <p:sp>
         <p:nvSpPr>
-          <p:cNvPr id="5" name="바닥글 개체 틀 4">
-            <a:extLst>
-              <a:ext uri="{FF2B5EF4-FFF2-40B4-BE49-F238E27FC236}">
-                <a16:creationId xmlns:a16="http://schemas.microsoft.com/office/drawing/2014/main" id="{B127C731-95F7-44BE-B624-339FF0608132}"/>
-              </a:ext>
-            </a:extLst>
-          </p:cNvPr>
+          <p:cNvPr id="5" name="Footer Placeholder 4"/>
           <p:cNvSpPr>
             <a:spLocks noGrp="1"/>
           </p:cNvSpPr>
@@ -2934,8 +2586,8 @@
         </p:nvSpPr>
         <p:spPr>
           <a:xfrm>
-            <a:off x="4038600" y="6356350"/>
-            <a:ext cx="4114800" cy="365125"/>
+            <a:off x="7974132" y="6356351"/>
+            <a:ext cx="8124587" cy="365125"/>
           </a:xfrm>
           <a:prstGeom prst="rect">
             <a:avLst/>
@@ -2961,13 +2613,7 @@
       </p:sp>
       <p:sp>
         <p:nvSpPr>
-          <p:cNvPr id="6" name="슬라이드 번호 개체 틀 5">
-            <a:extLst>
-              <a:ext uri="{FF2B5EF4-FFF2-40B4-BE49-F238E27FC236}">
-                <a16:creationId xmlns:a16="http://schemas.microsoft.com/office/drawing/2014/main" id="{3EBC75F1-3B2D-4098-8DE7-9C05830D4E73}"/>
-              </a:ext>
-            </a:extLst>
-          </p:cNvPr>
+          <p:cNvPr id="6" name="Slide Number Placeholder 5"/>
           <p:cNvSpPr>
             <a:spLocks noGrp="1"/>
           </p:cNvSpPr>
@@ -2977,8 +2623,8 @@
         </p:nvSpPr>
         <p:spPr>
           <a:xfrm>
-            <a:off x="8610600" y="6356350"/>
-            <a:ext cx="2743200" cy="365125"/>
+            <a:off x="17001450" y="6356351"/>
+            <a:ext cx="5416391" cy="365125"/>
           </a:xfrm>
           <a:prstGeom prst="rect">
             <a:avLst/>
@@ -3009,23 +2655,23 @@
     </p:spTree>
     <p:extLst>
       <p:ext uri="{BB962C8B-B14F-4D97-AF65-F5344CB8AC3E}">
-        <p14:creationId xmlns:p14="http://schemas.microsoft.com/office/powerpoint/2010/main" val="922235481"/>
+        <p14:creationId xmlns:p14="http://schemas.microsoft.com/office/powerpoint/2010/main" val="2632910214"/>
       </p:ext>
     </p:extLst>
   </p:cSld>
   <p:clrMap bg1="lt1" tx1="dk1" bg2="lt2" tx2="dk2" accent1="accent1" accent2="accent2" accent3="accent3" accent4="accent4" accent5="accent5" accent6="accent6" hlink="hlink" folHlink="folHlink"/>
   <p:sldLayoutIdLst>
-    <p:sldLayoutId id="2147483649" r:id="rId1"/>
-    <p:sldLayoutId id="2147483650" r:id="rId2"/>
-    <p:sldLayoutId id="2147483651" r:id="rId3"/>
-    <p:sldLayoutId id="2147483652" r:id="rId4"/>
-    <p:sldLayoutId id="2147483653" r:id="rId5"/>
-    <p:sldLayoutId id="2147483654" r:id="rId6"/>
-    <p:sldLayoutId id="2147483655" r:id="rId7"/>
-    <p:sldLayoutId id="2147483656" r:id="rId8"/>
-    <p:sldLayoutId id="2147483657" r:id="rId9"/>
-    <p:sldLayoutId id="2147483658" r:id="rId10"/>
-    <p:sldLayoutId id="2147483659" r:id="rId11"/>
+    <p:sldLayoutId id="2147483661" r:id="rId1"/>
+    <p:sldLayoutId id="2147483662" r:id="rId2"/>
+    <p:sldLayoutId id="2147483663" r:id="rId3"/>
+    <p:sldLayoutId id="2147483664" r:id="rId4"/>
+    <p:sldLayoutId id="2147483665" r:id="rId5"/>
+    <p:sldLayoutId id="2147483666" r:id="rId6"/>
+    <p:sldLayoutId id="2147483667" r:id="rId7"/>
+    <p:sldLayoutId id="2147483668" r:id="rId8"/>
+    <p:sldLayoutId id="2147483669" r:id="rId9"/>
+    <p:sldLayoutId id="2147483670" r:id="rId10"/>
+    <p:sldLayoutId id="2147483671" r:id="rId11"/>
   </p:sldLayoutIdLst>
   <p:txStyles>
     <p:titleStyle>
@@ -3213,7 +2859,7 @@
     </p:bodyStyle>
     <p:otherStyle>
       <a:defPPr>
-        <a:defRPr lang="ko-KR"/>
+        <a:defRPr lang="en-US"/>
       </a:defPPr>
       <a:lvl1pPr marL="0" algn="l" defTabSz="914400" rtl="0" eaLnBrk="1" latinLnBrk="1" hangingPunct="1">
         <a:defRPr sz="1800" kern="1200">
@@ -3329,10 +2975,10 @@
       </p:grpSpPr>
       <p:sp>
         <p:nvSpPr>
-          <p:cNvPr id="3" name="원통형 2">
+          <p:cNvPr id="2" name="사각형: 둥근 모서리 1">
             <a:extLst>
               <a:ext uri="{FF2B5EF4-FFF2-40B4-BE49-F238E27FC236}">
-                <a16:creationId xmlns:a16="http://schemas.microsoft.com/office/drawing/2014/main" id="{059825FB-5072-4928-876E-44C0009E77A4}"/>
+                <a16:creationId xmlns:a16="http://schemas.microsoft.com/office/drawing/2014/main" id="{435EDDB5-3606-4A8B-A88D-BB4CD09DED75}"/>
               </a:ext>
             </a:extLst>
           </p:cNvPr>
@@ -3341,14 +2987,23 @@
         </p:nvSpPr>
         <p:spPr>
           <a:xfrm>
-            <a:off x="585380" y="2423649"/>
-            <a:ext cx="1400356" cy="832918"/>
+            <a:off x="6835513" y="1723289"/>
+            <a:ext cx="1191580" cy="714662"/>
           </a:xfrm>
-          <a:prstGeom prst="can">
-            <a:avLst>
-              <a:gd name="adj" fmla="val 50000"/>
-            </a:avLst>
+          <a:prstGeom prst="roundRect">
+            <a:avLst/>
           </a:prstGeom>
+          <a:solidFill>
+            <a:schemeClr val="accent1">
+              <a:lumMod val="40000"/>
+              <a:lumOff val="60000"/>
+            </a:schemeClr>
+          </a:solidFill>
+          <a:ln>
+            <a:solidFill>
+              <a:schemeClr val="accent1"/>
+            </a:solidFill>
+          </a:ln>
         </p:spPr>
         <p:style>
           <a:lnRef idx="2">
@@ -3372,19 +3027,27 @@
           <a:p>
             <a:pPr algn="ctr"/>
             <a:r>
-              <a:rPr lang="en-US" altLang="ko-KR"/>
-              <a:t>Router</a:t>
-            </a:r>
-            <a:endParaRPr lang="ko-KR" altLang="en-US"/>
-          </a:p>
-        </p:txBody>
-      </p:sp>
-      <p:sp>
-        <p:nvSpPr>
-          <p:cNvPr id="8" name="정육면체 7">
+              <a:rPr lang="en-US" altLang="ko-KR">
+                <a:solidFill>
+                  <a:sysClr val="windowText" lastClr="000000"/>
+                </a:solidFill>
+              </a:rPr>
+              <a:t>Job</a:t>
+            </a:r>
+            <a:endParaRPr lang="ko-KR" altLang="en-US">
+              <a:solidFill>
+                <a:sysClr val="windowText" lastClr="000000"/>
+              </a:solidFill>
+            </a:endParaRPr>
+          </a:p>
+        </p:txBody>
+      </p:sp>
+      <p:sp>
+        <p:nvSpPr>
+          <p:cNvPr id="4" name="사각형: 둥근 모서리 3">
             <a:extLst>
               <a:ext uri="{FF2B5EF4-FFF2-40B4-BE49-F238E27FC236}">
-                <a16:creationId xmlns:a16="http://schemas.microsoft.com/office/drawing/2014/main" id="{0EE6A1B7-865C-4154-B8A9-EBE530571577}"/>
+                <a16:creationId xmlns:a16="http://schemas.microsoft.com/office/drawing/2014/main" id="{0CD1C6EA-462B-484B-9F0C-5FFDD52BBE8B}"/>
               </a:ext>
             </a:extLst>
           </p:cNvPr>
@@ -3393,12 +3056,23 @@
         </p:nvSpPr>
         <p:spPr>
           <a:xfrm>
-            <a:off x="2449807" y="2381864"/>
-            <a:ext cx="1704309" cy="741500"/>
+            <a:off x="10946534" y="1358901"/>
+            <a:ext cx="1191580" cy="714662"/>
           </a:xfrm>
-          <a:prstGeom prst="cube">
+          <a:prstGeom prst="roundRect">
             <a:avLst/>
           </a:prstGeom>
+          <a:solidFill>
+            <a:schemeClr val="accent1">
+              <a:lumMod val="40000"/>
+              <a:lumOff val="60000"/>
+            </a:schemeClr>
+          </a:solidFill>
+          <a:ln>
+            <a:solidFill>
+              <a:schemeClr val="accent1"/>
+            </a:solidFill>
+          </a:ln>
         </p:spPr>
         <p:style>
           <a:lnRef idx="2">
@@ -3422,19 +3096,27 @@
           <a:p>
             <a:pPr algn="ctr"/>
             <a:r>
-              <a:rPr lang="en-US" altLang="ko-KR"/>
-              <a:t>Swich</a:t>
-            </a:r>
-            <a:endParaRPr lang="ko-KR" altLang="en-US"/>
-          </a:p>
-        </p:txBody>
-      </p:sp>
-      <p:sp>
-        <p:nvSpPr>
-          <p:cNvPr id="10" name="사각형: 둥근 모서리 9">
+              <a:rPr lang="en-US" altLang="ko-KR">
+                <a:solidFill>
+                  <a:sysClr val="windowText" lastClr="000000"/>
+                </a:solidFill>
+              </a:rPr>
+              <a:t>Step</a:t>
+            </a:r>
+            <a:endParaRPr lang="ko-KR" altLang="en-US">
+              <a:solidFill>
+                <a:sysClr val="windowText" lastClr="000000"/>
+              </a:solidFill>
+            </a:endParaRPr>
+          </a:p>
+        </p:txBody>
+      </p:sp>
+      <p:sp>
+        <p:nvSpPr>
+          <p:cNvPr id="5" name="사각형: 둥근 모서리 4">
             <a:extLst>
               <a:ext uri="{FF2B5EF4-FFF2-40B4-BE49-F238E27FC236}">
-                <a16:creationId xmlns:a16="http://schemas.microsoft.com/office/drawing/2014/main" id="{C816CC51-62A6-43A1-BA4F-1CB7E4AE0C84}"/>
+                <a16:creationId xmlns:a16="http://schemas.microsoft.com/office/drawing/2014/main" id="{72A82DEC-7FFF-42CE-89EE-5A107FC6FBFD}"/>
               </a:ext>
             </a:extLst>
           </p:cNvPr>
@@ -3443,12 +3125,23 @@
         </p:nvSpPr>
         <p:spPr>
           <a:xfrm>
-            <a:off x="8613270" y="2209186"/>
-            <a:ext cx="1856286" cy="914178"/>
+            <a:off x="13107844" y="1358900"/>
+            <a:ext cx="1191580" cy="714662"/>
           </a:xfrm>
           <a:prstGeom prst="roundRect">
             <a:avLst/>
           </a:prstGeom>
+          <a:solidFill>
+            <a:schemeClr val="accent1">
+              <a:lumMod val="40000"/>
+              <a:lumOff val="60000"/>
+            </a:schemeClr>
+          </a:solidFill>
+          <a:ln>
+            <a:solidFill>
+              <a:schemeClr val="accent1"/>
+            </a:solidFill>
+          </a:ln>
         </p:spPr>
         <p:style>
           <a:lnRef idx="2">
@@ -3472,26 +3165,27 @@
           <a:p>
             <a:pPr algn="ctr"/>
             <a:r>
-              <a:rPr lang="en-US" altLang="ko-KR"/>
-              <a:t>Operation</a:t>
-            </a:r>
-          </a:p>
-          <a:p>
-            <a:pPr algn="ctr"/>
-            <a:r>
-              <a:rPr lang="en-US" altLang="ko-KR"/>
-              <a:t>Server</a:t>
-            </a:r>
-            <a:endParaRPr lang="ko-KR" altLang="en-US"/>
-          </a:p>
-        </p:txBody>
-      </p:sp>
-      <p:sp>
-        <p:nvSpPr>
-          <p:cNvPr id="11" name="정육면체 10">
+              <a:rPr lang="en-US" altLang="ko-KR">
+                <a:solidFill>
+                  <a:sysClr val="windowText" lastClr="000000"/>
+                </a:solidFill>
+              </a:rPr>
+              <a:t>Tasklet</a:t>
+            </a:r>
+            <a:endParaRPr lang="ko-KR" altLang="en-US">
+              <a:solidFill>
+                <a:sysClr val="windowText" lastClr="000000"/>
+              </a:solidFill>
+            </a:endParaRPr>
+          </a:p>
+        </p:txBody>
+      </p:sp>
+      <p:sp>
+        <p:nvSpPr>
+          <p:cNvPr id="6" name="사각형: 둥근 모서리 5">
             <a:extLst>
               <a:ext uri="{FF2B5EF4-FFF2-40B4-BE49-F238E27FC236}">
-                <a16:creationId xmlns:a16="http://schemas.microsoft.com/office/drawing/2014/main" id="{B6F03294-CAB1-48C3-88D0-B6C6C37AB907}"/>
+                <a16:creationId xmlns:a16="http://schemas.microsoft.com/office/drawing/2014/main" id="{CB205365-0197-492C-91E1-F42E2FA1B5CF}"/>
               </a:ext>
             </a:extLst>
           </p:cNvPr>
@@ -3500,12 +3194,23 @@
         </p:nvSpPr>
         <p:spPr>
           <a:xfrm>
-            <a:off x="6472443" y="2381864"/>
-            <a:ext cx="1704309" cy="741500"/>
+            <a:off x="15269152" y="830694"/>
+            <a:ext cx="1799648" cy="415763"/>
           </a:xfrm>
-          <a:prstGeom prst="cube">
+          <a:prstGeom prst="roundRect">
             <a:avLst/>
           </a:prstGeom>
+          <a:solidFill>
+            <a:schemeClr val="accent1">
+              <a:lumMod val="40000"/>
+              <a:lumOff val="60000"/>
+            </a:schemeClr>
+          </a:solidFill>
+          <a:ln>
+            <a:solidFill>
+              <a:schemeClr val="accent1"/>
+            </a:solidFill>
+          </a:ln>
         </p:spPr>
         <p:style>
           <a:lnRef idx="2">
@@ -3529,18 +3234,27 @@
           <a:p>
             <a:pPr algn="ctr"/>
             <a:r>
-              <a:rPr lang="en-US" altLang="ko-KR"/>
-              <a:t>API GateWay</a:t>
-            </a:r>
-          </a:p>
-        </p:txBody>
-      </p:sp>
-      <p:sp>
-        <p:nvSpPr>
-          <p:cNvPr id="12" name="사각형: 둥근 모서리 11">
+              <a:rPr lang="en-US" altLang="ko-KR">
+                <a:solidFill>
+                  <a:sysClr val="windowText" lastClr="000000"/>
+                </a:solidFill>
+              </a:rPr>
+              <a:t>ItemReader</a:t>
+            </a:r>
+            <a:endParaRPr lang="ko-KR" altLang="en-US">
+              <a:solidFill>
+                <a:sysClr val="windowText" lastClr="000000"/>
+              </a:solidFill>
+            </a:endParaRPr>
+          </a:p>
+        </p:txBody>
+      </p:sp>
+      <p:sp>
+        <p:nvSpPr>
+          <p:cNvPr id="7" name="사각형: 둥근 모서리 6">
             <a:extLst>
               <a:ext uri="{FF2B5EF4-FFF2-40B4-BE49-F238E27FC236}">
-                <a16:creationId xmlns:a16="http://schemas.microsoft.com/office/drawing/2014/main" id="{BC424D1D-B5E0-4366-839D-7111BF433963}"/>
+                <a16:creationId xmlns:a16="http://schemas.microsoft.com/office/drawing/2014/main" id="{EFECF045-E733-4E84-A6A3-466FDE7F93A4}"/>
               </a:ext>
             </a:extLst>
           </p:cNvPr>
@@ -3549,12 +3263,23 @@
         </p:nvSpPr>
         <p:spPr>
           <a:xfrm>
-            <a:off x="8613270" y="4883951"/>
-            <a:ext cx="1856286" cy="914178"/>
+            <a:off x="15269152" y="1611744"/>
+            <a:ext cx="1799648" cy="415763"/>
           </a:xfrm>
           <a:prstGeom prst="roundRect">
             <a:avLst/>
           </a:prstGeom>
+          <a:solidFill>
+            <a:schemeClr val="accent1">
+              <a:lumMod val="40000"/>
+              <a:lumOff val="60000"/>
+            </a:schemeClr>
+          </a:solidFill>
+          <a:ln>
+            <a:solidFill>
+              <a:schemeClr val="accent1"/>
+            </a:solidFill>
+          </a:ln>
         </p:spPr>
         <p:style>
           <a:lnRef idx="2">
@@ -3578,19 +3303,27 @@
           <a:p>
             <a:pPr algn="ctr"/>
             <a:r>
-              <a:rPr lang="en-US" altLang="ko-KR"/>
-              <a:t>Test Server</a:t>
-            </a:r>
-            <a:endParaRPr lang="ko-KR" altLang="en-US"/>
-          </a:p>
-        </p:txBody>
-      </p:sp>
-      <p:sp>
-        <p:nvSpPr>
-          <p:cNvPr id="13" name="사각형: 둥근 모서리 12">
+              <a:rPr lang="en-US" altLang="ko-KR">
+                <a:solidFill>
+                  <a:sysClr val="windowText" lastClr="000000"/>
+                </a:solidFill>
+              </a:rPr>
+              <a:t>ItemProcessor</a:t>
+            </a:r>
+            <a:endParaRPr lang="ko-KR" altLang="en-US">
+              <a:solidFill>
+                <a:sysClr val="windowText" lastClr="000000"/>
+              </a:solidFill>
+            </a:endParaRPr>
+          </a:p>
+        </p:txBody>
+      </p:sp>
+      <p:sp>
+        <p:nvSpPr>
+          <p:cNvPr id="8" name="사각형: 둥근 모서리 7">
             <a:extLst>
               <a:ext uri="{FF2B5EF4-FFF2-40B4-BE49-F238E27FC236}">
-                <a16:creationId xmlns:a16="http://schemas.microsoft.com/office/drawing/2014/main" id="{700FB332-1BD6-4843-8306-3E6628E8E092}"/>
+                <a16:creationId xmlns:a16="http://schemas.microsoft.com/office/drawing/2014/main" id="{A9C6B0AC-C3FD-4210-B2BB-A8D22A3CFE47}"/>
               </a:ext>
             </a:extLst>
           </p:cNvPr>
@@ -3599,12 +3332,23 @@
         </p:nvSpPr>
         <p:spPr>
           <a:xfrm>
-            <a:off x="361485" y="436977"/>
-            <a:ext cx="1856286" cy="914178"/>
+            <a:off x="15269152" y="2392794"/>
+            <a:ext cx="1799648" cy="415763"/>
           </a:xfrm>
           <a:prstGeom prst="roundRect">
             <a:avLst/>
           </a:prstGeom>
+          <a:solidFill>
+            <a:schemeClr val="accent1">
+              <a:lumMod val="40000"/>
+              <a:lumOff val="60000"/>
+            </a:schemeClr>
+          </a:solidFill>
+          <a:ln>
+            <a:solidFill>
+              <a:schemeClr val="accent1"/>
+            </a:solidFill>
+          </a:ln>
         </p:spPr>
         <p:style>
           <a:lnRef idx="2">
@@ -3628,221 +3372,27 @@
           <a:p>
             <a:pPr algn="ctr"/>
             <a:r>
-              <a:rPr lang="en-US" altLang="ko-KR"/>
-              <a:t>Internet</a:t>
-            </a:r>
-            <a:endParaRPr lang="ko-KR" altLang="en-US"/>
-          </a:p>
-        </p:txBody>
-      </p:sp>
-      <p:cxnSp>
-        <p:nvCxnSpPr>
-          <p:cNvPr id="15" name="직선 연결선 14">
+              <a:rPr lang="en-US" altLang="ko-KR">
+                <a:solidFill>
+                  <a:sysClr val="windowText" lastClr="000000"/>
+                </a:solidFill>
+              </a:rPr>
+              <a:t>ItemWrite</a:t>
+            </a:r>
+            <a:endParaRPr lang="ko-KR" altLang="en-US">
+              <a:solidFill>
+                <a:sysClr val="windowText" lastClr="000000"/>
+              </a:solidFill>
+            </a:endParaRPr>
+          </a:p>
+        </p:txBody>
+      </p:sp>
+      <p:sp>
+        <p:nvSpPr>
+          <p:cNvPr id="9" name="사각형: 둥근 모서리 8">
             <a:extLst>
               <a:ext uri="{FF2B5EF4-FFF2-40B4-BE49-F238E27FC236}">
-                <a16:creationId xmlns:a16="http://schemas.microsoft.com/office/drawing/2014/main" id="{8DC9CFDC-EC4F-4AC6-BF4B-79047A57BE91}"/>
-              </a:ext>
-            </a:extLst>
-          </p:cNvPr>
-          <p:cNvCxnSpPr>
-            <a:cxnSpLocks/>
-            <a:stCxn id="13" idx="2"/>
-            <a:endCxn id="3" idx="1"/>
-          </p:cNvCxnSpPr>
-          <p:nvPr/>
-        </p:nvCxnSpPr>
-        <p:spPr>
-          <a:xfrm flipH="1">
-            <a:off x="1285558" y="1351155"/>
-            <a:ext cx="4070" cy="1072494"/>
-          </a:xfrm>
-          <a:prstGeom prst="line">
-            <a:avLst/>
-          </a:prstGeom>
-        </p:spPr>
-        <p:style>
-          <a:lnRef idx="1">
-            <a:schemeClr val="accent1"/>
-          </a:lnRef>
-          <a:fillRef idx="0">
-            <a:schemeClr val="accent1"/>
-          </a:fillRef>
-          <a:effectRef idx="0">
-            <a:schemeClr val="accent1"/>
-          </a:effectRef>
-          <a:fontRef idx="minor">
-            <a:schemeClr val="tx1"/>
-          </a:fontRef>
-        </p:style>
-      </p:cxnSp>
-      <p:cxnSp>
-        <p:nvCxnSpPr>
-          <p:cNvPr id="18" name="직선 연결선 17">
-            <a:extLst>
-              <a:ext uri="{FF2B5EF4-FFF2-40B4-BE49-F238E27FC236}">
-                <a16:creationId xmlns:a16="http://schemas.microsoft.com/office/drawing/2014/main" id="{9800928E-C1EA-458D-B5FF-DE88F7AACF47}"/>
-              </a:ext>
-            </a:extLst>
-          </p:cNvPr>
-          <p:cNvCxnSpPr>
-            <a:cxnSpLocks/>
-            <a:stCxn id="3" idx="4"/>
-            <a:endCxn id="8" idx="2"/>
-          </p:cNvCxnSpPr>
-          <p:nvPr/>
-        </p:nvCxnSpPr>
-        <p:spPr>
-          <a:xfrm>
-            <a:off x="1985736" y="2840108"/>
-            <a:ext cx="464071" cy="5194"/>
-          </a:xfrm>
-          <a:prstGeom prst="line">
-            <a:avLst/>
-          </a:prstGeom>
-        </p:spPr>
-        <p:style>
-          <a:lnRef idx="1">
-            <a:schemeClr val="accent1"/>
-          </a:lnRef>
-          <a:fillRef idx="0">
-            <a:schemeClr val="accent1"/>
-          </a:fillRef>
-          <a:effectRef idx="0">
-            <a:schemeClr val="accent1"/>
-          </a:effectRef>
-          <a:fontRef idx="minor">
-            <a:schemeClr val="tx1"/>
-          </a:fontRef>
-        </p:style>
-      </p:cxnSp>
-      <p:cxnSp>
-        <p:nvCxnSpPr>
-          <p:cNvPr id="21" name="직선 연결선 20">
-            <a:extLst>
-              <a:ext uri="{FF2B5EF4-FFF2-40B4-BE49-F238E27FC236}">
-                <a16:creationId xmlns:a16="http://schemas.microsoft.com/office/drawing/2014/main" id="{EA9C1B9B-6D46-4AAF-B4DB-A71ADC206E36}"/>
-              </a:ext>
-            </a:extLst>
-          </p:cNvPr>
-          <p:cNvCxnSpPr>
-            <a:cxnSpLocks/>
-            <a:stCxn id="8" idx="4"/>
-            <a:endCxn id="32" idx="2"/>
-          </p:cNvCxnSpPr>
-          <p:nvPr/>
-        </p:nvCxnSpPr>
-        <p:spPr>
-          <a:xfrm>
-            <a:off x="3968741" y="2845302"/>
-            <a:ext cx="475868" cy="0"/>
-          </a:xfrm>
-          <a:prstGeom prst="line">
-            <a:avLst/>
-          </a:prstGeom>
-        </p:spPr>
-        <p:style>
-          <a:lnRef idx="1">
-            <a:schemeClr val="accent1"/>
-          </a:lnRef>
-          <a:fillRef idx="0">
-            <a:schemeClr val="accent1"/>
-          </a:fillRef>
-          <a:effectRef idx="0">
-            <a:schemeClr val="accent1"/>
-          </a:effectRef>
-          <a:fontRef idx="minor">
-            <a:schemeClr val="tx1"/>
-          </a:fontRef>
-        </p:style>
-      </p:cxnSp>
-      <p:cxnSp>
-        <p:nvCxnSpPr>
-          <p:cNvPr id="24" name="직선 연결선 23">
-            <a:extLst>
-              <a:ext uri="{FF2B5EF4-FFF2-40B4-BE49-F238E27FC236}">
-                <a16:creationId xmlns:a16="http://schemas.microsoft.com/office/drawing/2014/main" id="{ABA55C2E-9F1C-4E4B-9422-F51E5ED7F714}"/>
-              </a:ext>
-            </a:extLst>
-          </p:cNvPr>
-          <p:cNvCxnSpPr>
-            <a:cxnSpLocks/>
-            <a:stCxn id="11" idx="5"/>
-            <a:endCxn id="10" idx="1"/>
-          </p:cNvCxnSpPr>
-          <p:nvPr/>
-        </p:nvCxnSpPr>
-        <p:spPr>
-          <a:xfrm>
-            <a:off x="8176752" y="2659927"/>
-            <a:ext cx="436518" cy="6348"/>
-          </a:xfrm>
-          <a:prstGeom prst="line">
-            <a:avLst/>
-          </a:prstGeom>
-        </p:spPr>
-        <p:style>
-          <a:lnRef idx="1">
-            <a:schemeClr val="accent1"/>
-          </a:lnRef>
-          <a:fillRef idx="0">
-            <a:schemeClr val="accent1"/>
-          </a:fillRef>
-          <a:effectRef idx="0">
-            <a:schemeClr val="accent1"/>
-          </a:effectRef>
-          <a:fontRef idx="minor">
-            <a:schemeClr val="tx1"/>
-          </a:fontRef>
-        </p:style>
-      </p:cxnSp>
-      <p:cxnSp>
-        <p:nvCxnSpPr>
-          <p:cNvPr id="29" name="직선 화살표 연결선 28">
-            <a:extLst>
-              <a:ext uri="{FF2B5EF4-FFF2-40B4-BE49-F238E27FC236}">
-                <a16:creationId xmlns:a16="http://schemas.microsoft.com/office/drawing/2014/main" id="{39BDD889-AB00-4FAA-8C2C-CBFB075C9661}"/>
-              </a:ext>
-            </a:extLst>
-          </p:cNvPr>
-          <p:cNvCxnSpPr>
-            <a:stCxn id="12" idx="0"/>
-            <a:endCxn id="10" idx="2"/>
-          </p:cNvCxnSpPr>
-          <p:nvPr/>
-        </p:nvCxnSpPr>
-        <p:spPr>
-          <a:xfrm flipV="1">
-            <a:off x="9541413" y="3123364"/>
-            <a:ext cx="0" cy="1760587"/>
-          </a:xfrm>
-          <a:prstGeom prst="straightConnector1">
-            <a:avLst/>
-          </a:prstGeom>
-          <a:ln w="28575">
-            <a:tailEnd type="triangle"/>
-          </a:ln>
-        </p:spPr>
-        <p:style>
-          <a:lnRef idx="1">
-            <a:schemeClr val="accent1"/>
-          </a:lnRef>
-          <a:fillRef idx="0">
-            <a:schemeClr val="accent1"/>
-          </a:fillRef>
-          <a:effectRef idx="0">
-            <a:schemeClr val="accent1"/>
-          </a:effectRef>
-          <a:fontRef idx="minor">
-            <a:schemeClr val="tx1"/>
-          </a:fontRef>
-        </p:style>
-      </p:cxnSp>
-      <p:sp>
-        <p:nvSpPr>
-          <p:cNvPr id="32" name="정육면체 31">
-            <a:extLst>
-              <a:ext uri="{FF2B5EF4-FFF2-40B4-BE49-F238E27FC236}">
-                <a16:creationId xmlns:a16="http://schemas.microsoft.com/office/drawing/2014/main" id="{B3A50BB8-1853-45CD-9176-B4FA3AC3C7F9}"/>
+                <a16:creationId xmlns:a16="http://schemas.microsoft.com/office/drawing/2014/main" id="{FD0091F5-6DAA-4887-9384-793256A6CC06}"/>
               </a:ext>
             </a:extLst>
           </p:cNvPr>
@@ -3851,12 +3401,23 @@
         </p:nvSpPr>
         <p:spPr>
           <a:xfrm>
-            <a:off x="4444609" y="2381864"/>
-            <a:ext cx="1704309" cy="741500"/>
+            <a:off x="3101399" y="4304664"/>
+            <a:ext cx="1750001" cy="714662"/>
           </a:xfrm>
-          <a:prstGeom prst="cube">
+          <a:prstGeom prst="roundRect">
             <a:avLst/>
           </a:prstGeom>
+          <a:solidFill>
+            <a:schemeClr val="accent6">
+              <a:lumMod val="20000"/>
+              <a:lumOff val="80000"/>
+            </a:schemeClr>
+          </a:solidFill>
+          <a:ln>
+            <a:solidFill>
+              <a:schemeClr val="accent6"/>
+            </a:solidFill>
+          </a:ln>
         </p:spPr>
         <p:style>
           <a:lnRef idx="2">
@@ -3880,82 +3441,504 @@
           <a:p>
             <a:pPr algn="ctr"/>
             <a:r>
-              <a:rPr lang="en-US" altLang="ko-KR"/>
-              <a:t>Web Server</a:t>
-            </a:r>
-          </a:p>
-        </p:txBody>
-      </p:sp>
-      <p:cxnSp>
-        <p:nvCxnSpPr>
-          <p:cNvPr id="44" name="직선 연결선 43">
+              <a:rPr lang="en-US" altLang="ko-KR">
+                <a:solidFill>
+                  <a:sysClr val="windowText" lastClr="000000"/>
+                </a:solidFill>
+              </a:rPr>
+              <a:t>JobRepository</a:t>
+            </a:r>
+            <a:endParaRPr lang="ko-KR" altLang="en-US">
+              <a:solidFill>
+                <a:sysClr val="windowText" lastClr="000000"/>
+              </a:solidFill>
+            </a:endParaRPr>
+          </a:p>
+        </p:txBody>
+      </p:sp>
+      <p:sp>
+        <p:nvSpPr>
+          <p:cNvPr id="10" name="사각형: 둥근 모서리 9">
             <a:extLst>
               <a:ext uri="{FF2B5EF4-FFF2-40B4-BE49-F238E27FC236}">
-                <a16:creationId xmlns:a16="http://schemas.microsoft.com/office/drawing/2014/main" id="{DAF12C89-A818-467B-AFA9-EB2D33BF65D9}"/>
+                <a16:creationId xmlns:a16="http://schemas.microsoft.com/office/drawing/2014/main" id="{665AF2A5-C1FD-4A6D-91AB-A2285EB21FC4}"/>
               </a:ext>
             </a:extLst>
           </p:cNvPr>
-          <p:cNvCxnSpPr>
-            <a:cxnSpLocks/>
-            <a:stCxn id="32" idx="4"/>
-            <a:endCxn id="11" idx="2"/>
-          </p:cNvCxnSpPr>
+          <p:cNvSpPr/>
           <p:nvPr/>
-        </p:nvCxnSpPr>
+        </p:nvSpPr>
         <p:spPr>
           <a:xfrm>
-            <a:off x="5963543" y="2845302"/>
-            <a:ext cx="508900" cy="0"/>
+            <a:off x="7431303" y="5737269"/>
+            <a:ext cx="1474871" cy="714662"/>
           </a:xfrm>
-          <a:prstGeom prst="line">
+          <a:prstGeom prst="roundRect">
             <a:avLst/>
           </a:prstGeom>
+          <a:solidFill>
+            <a:schemeClr val="accent1">
+              <a:lumMod val="40000"/>
+              <a:lumOff val="60000"/>
+            </a:schemeClr>
+          </a:solidFill>
+          <a:ln>
+            <a:solidFill>
+              <a:schemeClr val="accent1"/>
+            </a:solidFill>
+          </a:ln>
         </p:spPr>
         <p:style>
-          <a:lnRef idx="1">
-            <a:schemeClr val="accent1"/>
+          <a:lnRef idx="2">
+            <a:schemeClr val="accent1">
+              <a:shade val="50000"/>
+            </a:schemeClr>
           </a:lnRef>
-          <a:fillRef idx="0">
+          <a:fillRef idx="1">
             <a:schemeClr val="accent1"/>
           </a:fillRef>
           <a:effectRef idx="0">
             <a:schemeClr val="accent1"/>
           </a:effectRef>
           <a:fontRef idx="minor">
-            <a:schemeClr val="tx1"/>
+            <a:schemeClr val="lt1"/>
           </a:fontRef>
         </p:style>
-      </p:cxnSp>
-    </p:spTree>
-    <p:extLst>
-      <p:ext uri="{BB962C8B-B14F-4D97-AF65-F5344CB8AC3E}">
-        <p14:creationId xmlns:p14="http://schemas.microsoft.com/office/powerpoint/2010/main" val="378561117"/>
-      </p:ext>
-    </p:extLst>
-  </p:cSld>
-  <p:clrMapOvr>
-    <a:masterClrMapping/>
-  </p:clrMapOvr>
-</p:sld>
-</file>
-
-<file path=ppt/slides/slide2.xml><?xml version="1.0" encoding="utf-8"?>
-<p:sld xmlns:a="http://schemas.openxmlformats.org/drawingml/2006/main" xmlns:r="http://schemas.openxmlformats.org/officeDocument/2006/relationships" xmlns:p="http://schemas.openxmlformats.org/presentationml/2006/main">
-  <p:cSld>
-    <p:spTree>
-      <p:nvGrpSpPr>
-        <p:cNvPr id="1" name=""/>
-        <p:cNvGrpSpPr/>
-        <p:nvPr/>
-      </p:nvGrpSpPr>
-      <p:grpSpPr>
-        <a:xfrm>
-          <a:off x="0" y="0"/>
-          <a:ext cx="0" cy="0"/>
-          <a:chOff x="0" y="0"/>
-          <a:chExt cx="0" cy="0"/>
-        </a:xfrm>
-      </p:grpSpPr>
+        <p:txBody>
+          <a:bodyPr rtlCol="0" anchor="ctr"/>
+          <a:lstStyle/>
+          <a:p>
+            <a:pPr algn="ctr"/>
+            <a:r>
+              <a:rPr lang="en-US" altLang="ko-KR">
+                <a:solidFill>
+                  <a:sysClr val="windowText" lastClr="000000"/>
+                </a:solidFill>
+              </a:rPr>
+              <a:t>JobLauncher</a:t>
+            </a:r>
+            <a:endParaRPr lang="ko-KR" altLang="en-US">
+              <a:solidFill>
+                <a:sysClr val="windowText" lastClr="000000"/>
+              </a:solidFill>
+            </a:endParaRPr>
+          </a:p>
+        </p:txBody>
+      </p:sp>
+      <p:sp>
+        <p:nvSpPr>
+          <p:cNvPr id="11" name="사각형: 둥근 모서리 10">
+            <a:extLst>
+              <a:ext uri="{FF2B5EF4-FFF2-40B4-BE49-F238E27FC236}">
+                <a16:creationId xmlns:a16="http://schemas.microsoft.com/office/drawing/2014/main" id="{FA4E51E2-15E8-4A11-B4D0-049E67D2D6AA}"/>
+              </a:ext>
+            </a:extLst>
+          </p:cNvPr>
+          <p:cNvSpPr/>
+          <p:nvPr/>
+        </p:nvSpPr>
+        <p:spPr>
+          <a:xfrm>
+            <a:off x="3337731" y="644238"/>
+            <a:ext cx="2115565" cy="714662"/>
+          </a:xfrm>
+          <a:prstGeom prst="roundRect">
+            <a:avLst/>
+          </a:prstGeom>
+          <a:solidFill>
+            <a:schemeClr val="accent1">
+              <a:lumMod val="40000"/>
+              <a:lumOff val="60000"/>
+            </a:schemeClr>
+          </a:solidFill>
+          <a:ln>
+            <a:solidFill>
+              <a:schemeClr val="accent1"/>
+            </a:solidFill>
+          </a:ln>
+        </p:spPr>
+        <p:style>
+          <a:lnRef idx="2">
+            <a:schemeClr val="accent1">
+              <a:shade val="50000"/>
+            </a:schemeClr>
+          </a:lnRef>
+          <a:fillRef idx="1">
+            <a:schemeClr val="accent1"/>
+          </a:fillRef>
+          <a:effectRef idx="0">
+            <a:schemeClr val="accent1"/>
+          </a:effectRef>
+          <a:fontRef idx="minor">
+            <a:schemeClr val="lt1"/>
+          </a:fontRef>
+        </p:style>
+        <p:txBody>
+          <a:bodyPr rtlCol="0" anchor="ctr"/>
+          <a:lstStyle/>
+          <a:p>
+            <a:pPr algn="ctr"/>
+            <a:r>
+              <a:rPr lang="en-US" altLang="ko-KR">
+                <a:solidFill>
+                  <a:sysClr val="windowText" lastClr="000000"/>
+                </a:solidFill>
+              </a:rPr>
+              <a:t>JobBuilderFactory</a:t>
+            </a:r>
+            <a:endParaRPr lang="ko-KR" altLang="en-US">
+              <a:solidFill>
+                <a:sysClr val="windowText" lastClr="000000"/>
+              </a:solidFill>
+            </a:endParaRPr>
+          </a:p>
+        </p:txBody>
+      </p:sp>
+      <p:sp>
+        <p:nvSpPr>
+          <p:cNvPr id="12" name="사각형: 둥근 모서리 11">
+            <a:extLst>
+              <a:ext uri="{FF2B5EF4-FFF2-40B4-BE49-F238E27FC236}">
+                <a16:creationId xmlns:a16="http://schemas.microsoft.com/office/drawing/2014/main" id="{1D657DB6-F2FC-461B-A040-6C9DC2541416}"/>
+              </a:ext>
+            </a:extLst>
+          </p:cNvPr>
+          <p:cNvSpPr/>
+          <p:nvPr/>
+        </p:nvSpPr>
+        <p:spPr>
+          <a:xfrm>
+            <a:off x="3461554" y="1723289"/>
+            <a:ext cx="1950368" cy="714662"/>
+          </a:xfrm>
+          <a:prstGeom prst="roundRect">
+            <a:avLst/>
+          </a:prstGeom>
+          <a:solidFill>
+            <a:schemeClr val="accent1">
+              <a:lumMod val="40000"/>
+              <a:lumOff val="60000"/>
+            </a:schemeClr>
+          </a:solidFill>
+          <a:ln>
+            <a:solidFill>
+              <a:schemeClr val="accent1"/>
+            </a:solidFill>
+          </a:ln>
+        </p:spPr>
+        <p:style>
+          <a:lnRef idx="2">
+            <a:schemeClr val="accent1">
+              <a:shade val="50000"/>
+            </a:schemeClr>
+          </a:lnRef>
+          <a:fillRef idx="1">
+            <a:schemeClr val="accent1"/>
+          </a:fillRef>
+          <a:effectRef idx="0">
+            <a:schemeClr val="accent1"/>
+          </a:effectRef>
+          <a:fontRef idx="minor">
+            <a:schemeClr val="lt1"/>
+          </a:fontRef>
+        </p:style>
+        <p:txBody>
+          <a:bodyPr rtlCol="0" anchor="ctr"/>
+          <a:lstStyle/>
+          <a:p>
+            <a:pPr algn="ctr"/>
+            <a:r>
+              <a:rPr lang="en-US" altLang="ko-KR">
+                <a:solidFill>
+                  <a:sysClr val="windowText" lastClr="000000"/>
+                </a:solidFill>
+              </a:rPr>
+              <a:t>JobBuilder</a:t>
+            </a:r>
+            <a:endParaRPr lang="ko-KR" altLang="en-US">
+              <a:solidFill>
+                <a:sysClr val="windowText" lastClr="000000"/>
+              </a:solidFill>
+            </a:endParaRPr>
+          </a:p>
+        </p:txBody>
+      </p:sp>
+      <p:sp>
+        <p:nvSpPr>
+          <p:cNvPr id="15" name="사각형: 둥근 모서리 14">
+            <a:extLst>
+              <a:ext uri="{FF2B5EF4-FFF2-40B4-BE49-F238E27FC236}">
+                <a16:creationId xmlns:a16="http://schemas.microsoft.com/office/drawing/2014/main" id="{29F4A0B8-8FFE-4367-A513-EF0DA2734AF1}"/>
+              </a:ext>
+            </a:extLst>
+          </p:cNvPr>
+          <p:cNvSpPr/>
+          <p:nvPr/>
+        </p:nvSpPr>
+        <p:spPr>
+          <a:xfrm>
+            <a:off x="16168976" y="4868594"/>
+            <a:ext cx="1799647" cy="714662"/>
+          </a:xfrm>
+          <a:prstGeom prst="roundRect">
+            <a:avLst/>
+          </a:prstGeom>
+          <a:solidFill>
+            <a:schemeClr val="accent1">
+              <a:lumMod val="40000"/>
+              <a:lumOff val="60000"/>
+            </a:schemeClr>
+          </a:solidFill>
+          <a:ln>
+            <a:solidFill>
+              <a:schemeClr val="accent1"/>
+            </a:solidFill>
+          </a:ln>
+        </p:spPr>
+        <p:style>
+          <a:lnRef idx="2">
+            <a:schemeClr val="accent1">
+              <a:shade val="50000"/>
+            </a:schemeClr>
+          </a:lnRef>
+          <a:fillRef idx="1">
+            <a:schemeClr val="accent1"/>
+          </a:fillRef>
+          <a:effectRef idx="0">
+            <a:schemeClr val="accent1"/>
+          </a:effectRef>
+          <a:fontRef idx="minor">
+            <a:schemeClr val="lt1"/>
+          </a:fontRef>
+        </p:style>
+        <p:txBody>
+          <a:bodyPr rtlCol="0" anchor="ctr"/>
+          <a:lstStyle/>
+          <a:p>
+            <a:pPr algn="ctr"/>
+            <a:r>
+              <a:rPr lang="en-US" altLang="ko-KR">
+                <a:solidFill>
+                  <a:sysClr val="windowText" lastClr="000000"/>
+                </a:solidFill>
+              </a:rPr>
+              <a:t>StepExecution</a:t>
+            </a:r>
+            <a:endParaRPr lang="ko-KR" altLang="en-US">
+              <a:solidFill>
+                <a:sysClr val="windowText" lastClr="000000"/>
+              </a:solidFill>
+            </a:endParaRPr>
+          </a:p>
+        </p:txBody>
+      </p:sp>
+      <p:sp>
+        <p:nvSpPr>
+          <p:cNvPr id="16" name="사각형: 둥근 모서리 15">
+            <a:extLst>
+              <a:ext uri="{FF2B5EF4-FFF2-40B4-BE49-F238E27FC236}">
+                <a16:creationId xmlns:a16="http://schemas.microsoft.com/office/drawing/2014/main" id="{10EDD044-F7BB-4741-B86E-A17477933B0D}"/>
+              </a:ext>
+            </a:extLst>
+          </p:cNvPr>
+          <p:cNvSpPr/>
+          <p:nvPr/>
+        </p:nvSpPr>
+        <p:spPr>
+          <a:xfrm>
+            <a:off x="6837949" y="3705388"/>
+            <a:ext cx="1705185" cy="714662"/>
+          </a:xfrm>
+          <a:prstGeom prst="roundRect">
+            <a:avLst/>
+          </a:prstGeom>
+          <a:solidFill>
+            <a:schemeClr val="accent1">
+              <a:lumMod val="40000"/>
+              <a:lumOff val="60000"/>
+            </a:schemeClr>
+          </a:solidFill>
+          <a:ln>
+            <a:solidFill>
+              <a:schemeClr val="accent1"/>
+            </a:solidFill>
+          </a:ln>
+        </p:spPr>
+        <p:style>
+          <a:lnRef idx="2">
+            <a:schemeClr val="accent1">
+              <a:shade val="50000"/>
+            </a:schemeClr>
+          </a:lnRef>
+          <a:fillRef idx="1">
+            <a:schemeClr val="accent1"/>
+          </a:fillRef>
+          <a:effectRef idx="0">
+            <a:schemeClr val="accent1"/>
+          </a:effectRef>
+          <a:fontRef idx="minor">
+            <a:schemeClr val="lt1"/>
+          </a:fontRef>
+        </p:style>
+        <p:txBody>
+          <a:bodyPr rtlCol="0" anchor="ctr"/>
+          <a:lstStyle/>
+          <a:p>
+            <a:pPr algn="ctr"/>
+            <a:r>
+              <a:rPr lang="en-US" altLang="ko-KR">
+                <a:solidFill>
+                  <a:sysClr val="windowText" lastClr="000000"/>
+                </a:solidFill>
+              </a:rPr>
+              <a:t>JobInstance</a:t>
+            </a:r>
+            <a:endParaRPr lang="ko-KR" altLang="en-US">
+              <a:solidFill>
+                <a:sysClr val="windowText" lastClr="000000"/>
+              </a:solidFill>
+            </a:endParaRPr>
+          </a:p>
+        </p:txBody>
+      </p:sp>
+      <p:sp>
+        <p:nvSpPr>
+          <p:cNvPr id="17" name="사각형: 둥근 모서리 16">
+            <a:extLst>
+              <a:ext uri="{FF2B5EF4-FFF2-40B4-BE49-F238E27FC236}">
+                <a16:creationId xmlns:a16="http://schemas.microsoft.com/office/drawing/2014/main" id="{83C230FB-B865-4290-AC95-1DDEE49880BB}"/>
+              </a:ext>
+            </a:extLst>
+          </p:cNvPr>
+          <p:cNvSpPr/>
+          <p:nvPr/>
+        </p:nvSpPr>
+        <p:spPr>
+          <a:xfrm>
+            <a:off x="7902323" y="2623358"/>
+            <a:ext cx="1705185" cy="714662"/>
+          </a:xfrm>
+          <a:prstGeom prst="roundRect">
+            <a:avLst/>
+          </a:prstGeom>
+          <a:solidFill>
+            <a:schemeClr val="accent1">
+              <a:lumMod val="40000"/>
+              <a:lumOff val="60000"/>
+            </a:schemeClr>
+          </a:solidFill>
+          <a:ln>
+            <a:solidFill>
+              <a:schemeClr val="accent1"/>
+            </a:solidFill>
+          </a:ln>
+        </p:spPr>
+        <p:style>
+          <a:lnRef idx="2">
+            <a:schemeClr val="accent1">
+              <a:shade val="50000"/>
+            </a:schemeClr>
+          </a:lnRef>
+          <a:fillRef idx="1">
+            <a:schemeClr val="accent1"/>
+          </a:fillRef>
+          <a:effectRef idx="0">
+            <a:schemeClr val="accent1"/>
+          </a:effectRef>
+          <a:fontRef idx="minor">
+            <a:schemeClr val="lt1"/>
+          </a:fontRef>
+        </p:style>
+        <p:txBody>
+          <a:bodyPr rtlCol="0" anchor="ctr"/>
+          <a:lstStyle/>
+          <a:p>
+            <a:pPr algn="ctr"/>
+            <a:r>
+              <a:rPr lang="en-US" altLang="ko-KR">
+                <a:solidFill>
+                  <a:sysClr val="windowText" lastClr="000000"/>
+                </a:solidFill>
+              </a:rPr>
+              <a:t>JobParameters</a:t>
+            </a:r>
+            <a:endParaRPr lang="ko-KR" altLang="en-US">
+              <a:solidFill>
+                <a:sysClr val="windowText" lastClr="000000"/>
+              </a:solidFill>
+            </a:endParaRPr>
+          </a:p>
+        </p:txBody>
+      </p:sp>
+      <p:sp>
+        <p:nvSpPr>
+          <p:cNvPr id="18" name="사각형: 둥근 모서리 17">
+            <a:extLst>
+              <a:ext uri="{FF2B5EF4-FFF2-40B4-BE49-F238E27FC236}">
+                <a16:creationId xmlns:a16="http://schemas.microsoft.com/office/drawing/2014/main" id="{AE87CEE8-664F-4D43-94FE-28F81828DC3A}"/>
+              </a:ext>
+            </a:extLst>
+          </p:cNvPr>
+          <p:cNvSpPr/>
+          <p:nvPr/>
+        </p:nvSpPr>
+        <p:spPr>
+          <a:xfrm>
+            <a:off x="8027093" y="4619252"/>
+            <a:ext cx="1705185" cy="714662"/>
+          </a:xfrm>
+          <a:prstGeom prst="roundRect">
+            <a:avLst/>
+          </a:prstGeom>
+          <a:solidFill>
+            <a:schemeClr val="accent1">
+              <a:lumMod val="40000"/>
+              <a:lumOff val="60000"/>
+            </a:schemeClr>
+          </a:solidFill>
+          <a:ln>
+            <a:solidFill>
+              <a:schemeClr val="accent1"/>
+            </a:solidFill>
+          </a:ln>
+        </p:spPr>
+        <p:style>
+          <a:lnRef idx="2">
+            <a:schemeClr val="accent1">
+              <a:shade val="50000"/>
+            </a:schemeClr>
+          </a:lnRef>
+          <a:fillRef idx="1">
+            <a:schemeClr val="accent1"/>
+          </a:fillRef>
+          <a:effectRef idx="0">
+            <a:schemeClr val="accent1"/>
+          </a:effectRef>
+          <a:fontRef idx="minor">
+            <a:schemeClr val="lt1"/>
+          </a:fontRef>
+        </p:style>
+        <p:txBody>
+          <a:bodyPr rtlCol="0" anchor="ctr"/>
+          <a:lstStyle/>
+          <a:p>
+            <a:pPr algn="ctr"/>
+            <a:r>
+              <a:rPr lang="en-US" altLang="ko-KR">
+                <a:solidFill>
+                  <a:sysClr val="windowText" lastClr="000000"/>
+                </a:solidFill>
+              </a:rPr>
+              <a:t>JobExecution</a:t>
+            </a:r>
+            <a:endParaRPr lang="ko-KR" altLang="en-US">
+              <a:solidFill>
+                <a:sysClr val="windowText" lastClr="000000"/>
+              </a:solidFill>
+            </a:endParaRPr>
+          </a:p>
+        </p:txBody>
+      </p:sp>
     </p:spTree>
     <p:extLst>
       <p:ext uri="{BB962C8B-B14F-4D97-AF65-F5344CB8AC3E}">
@@ -3972,7 +3955,7 @@
 <file path=ppt/theme/theme1.xml><?xml version="1.0" encoding="utf-8"?>
 <a:theme xmlns:a="http://schemas.openxmlformats.org/drawingml/2006/main" name="Office 테마">
   <a:themeElements>
-    <a:clrScheme name="Office">
+    <a:clrScheme name="Office 테마">
       <a:dk1>
         <a:sysClr val="windowText" lastClr="000000"/>
       </a:dk1>
@@ -4010,9 +3993,9 @@
         <a:srgbClr val="954F72"/>
       </a:folHlink>
     </a:clrScheme>
-    <a:fontScheme name="Office">
+    <a:fontScheme name="Office 테마">
       <a:majorFont>
-        <a:latin typeface="맑은 고딕" panose="020F0302020204030204"/>
+        <a:latin typeface="Calibri Light" panose="020F0302020204030204"/>
         <a:ea typeface=""/>
         <a:cs typeface=""/>
         <a:font script="Jpan" typeface="游ゴシック Light"/>
@@ -4045,26 +4028,9 @@
         <a:font script="Viet" typeface="Times New Roman"/>
         <a:font script="Uigh" typeface="Microsoft Uighur"/>
         <a:font script="Geor" typeface="Sylfaen"/>
-        <a:font script="Armn" typeface="Arial"/>
-        <a:font script="Bugi" typeface="Leelawadee UI"/>
-        <a:font script="Bopo" typeface="Microsoft JhengHei"/>
-        <a:font script="Java" typeface="Javanese Text"/>
-        <a:font script="Lisu" typeface="Segoe UI"/>
-        <a:font script="Mymr" typeface="Myanmar Text"/>
-        <a:font script="Nkoo" typeface="Ebrima"/>
-        <a:font script="Olck" typeface="Nirmala UI"/>
-        <a:font script="Osma" typeface="Ebrima"/>
-        <a:font script="Phag" typeface="Phagspa"/>
-        <a:font script="Syrn" typeface="Estrangelo Edessa"/>
-        <a:font script="Syrj" typeface="Estrangelo Edessa"/>
-        <a:font script="Syre" typeface="Estrangelo Edessa"/>
-        <a:font script="Sora" typeface="Nirmala UI"/>
-        <a:font script="Tale" typeface="Microsoft Tai Le"/>
-        <a:font script="Talu" typeface="Microsoft New Tai Lue"/>
-        <a:font script="Tfng" typeface="Ebrima"/>
       </a:majorFont>
       <a:minorFont>
-        <a:latin typeface="맑은 고딕" panose="020F0502020204030204"/>
+        <a:latin typeface="Calibri" panose="020F0502020204030204"/>
         <a:ea typeface=""/>
         <a:cs typeface=""/>
         <a:font script="Jpan" typeface="游ゴシック"/>
@@ -4097,26 +4063,9 @@
         <a:font script="Viet" typeface="Arial"/>
         <a:font script="Uigh" typeface="Microsoft Uighur"/>
         <a:font script="Geor" typeface="Sylfaen"/>
-        <a:font script="Armn" typeface="Arial"/>
-        <a:font script="Bugi" typeface="Leelawadee UI"/>
-        <a:font script="Bopo" typeface="Microsoft JhengHei"/>
-        <a:font script="Java" typeface="Javanese Text"/>
-        <a:font script="Lisu" typeface="Segoe UI"/>
-        <a:font script="Mymr" typeface="Myanmar Text"/>
-        <a:font script="Nkoo" typeface="Ebrima"/>
-        <a:font script="Olck" typeface="Nirmala UI"/>
-        <a:font script="Osma" typeface="Ebrima"/>
-        <a:font script="Phag" typeface="Phagspa"/>
-        <a:font script="Syrn" typeface="Estrangelo Edessa"/>
-        <a:font script="Syrj" typeface="Estrangelo Edessa"/>
-        <a:font script="Syre" typeface="Estrangelo Edessa"/>
-        <a:font script="Sora" typeface="Nirmala UI"/>
-        <a:font script="Tale" typeface="Microsoft Tai Le"/>
-        <a:font script="Talu" typeface="Microsoft New Tai Lue"/>
-        <a:font script="Tfng" typeface="Ebrima"/>
       </a:minorFont>
     </a:fontScheme>
-    <a:fmtScheme name="Office">
+    <a:fmtScheme name="Office 테마">
       <a:fillStyleLst>
         <a:solidFill>
           <a:schemeClr val="phClr"/>

--- a/image/image.pptx
+++ b/image/image.pptx
@@ -2,12 +2,13 @@
 <file path=ppt/presentation.xml><?xml version="1.0" encoding="utf-8"?>
 <p:presentation xmlns:a="http://schemas.openxmlformats.org/drawingml/2006/main" xmlns:r="http://schemas.openxmlformats.org/officeDocument/2006/relationships" xmlns:p="http://schemas.openxmlformats.org/presentationml/2006/main" saveSubsetFonts="1">
   <p:sldMasterIdLst>
-    <p:sldMasterId id="2147483660" r:id="rId1"/>
+    <p:sldMasterId id="2147483672" r:id="rId1"/>
   </p:sldMasterIdLst>
   <p:sldIdLst>
     <p:sldId id="257" r:id="rId2"/>
+    <p:sldId id="258" r:id="rId3"/>
   </p:sldIdLst>
-  <p:sldSz cx="24072850" cy="6858000"/>
+  <p:sldSz cx="24072850" cy="10817225"/>
   <p:notesSz cx="6858000" cy="9144000"/>
   <p:defaultTextStyle>
     <a:defPPr>
@@ -141,15 +142,15 @@
         </p:nvSpPr>
         <p:spPr>
           <a:xfrm>
-            <a:off x="3009106" y="1122363"/>
-            <a:ext cx="18054638" cy="2387600"/>
+            <a:off x="3009106" y="1770320"/>
+            <a:ext cx="18054638" cy="3765997"/>
           </a:xfrm>
         </p:spPr>
         <p:txBody>
           <a:bodyPr anchor="b"/>
           <a:lstStyle>
             <a:lvl1pPr algn="ctr">
-              <a:defRPr sz="6000"/>
+              <a:defRPr sz="9464"/>
             </a:lvl1pPr>
           </a:lstStyle>
           <a:p>
@@ -173,8 +174,8 @@
         </p:nvSpPr>
         <p:spPr>
           <a:xfrm>
-            <a:off x="3009106" y="3602038"/>
-            <a:ext cx="18054638" cy="1655762"/>
+            <a:off x="3009106" y="5681548"/>
+            <a:ext cx="18054638" cy="2611658"/>
           </a:xfrm>
         </p:spPr>
         <p:txBody>
@@ -182,39 +183,39 @@
           <a:lstStyle>
             <a:lvl1pPr marL="0" indent="0" algn="ctr">
               <a:buNone/>
-              <a:defRPr sz="2400"/>
+              <a:defRPr sz="3786"/>
             </a:lvl1pPr>
-            <a:lvl2pPr marL="457200" indent="0" algn="ctr">
+            <a:lvl2pPr marL="721142" indent="0" algn="ctr">
               <a:buNone/>
-              <a:defRPr sz="2000"/>
+              <a:defRPr sz="3155"/>
             </a:lvl2pPr>
-            <a:lvl3pPr marL="914400" indent="0" algn="ctr">
+            <a:lvl3pPr marL="1442283" indent="0" algn="ctr">
               <a:buNone/>
-              <a:defRPr sz="1800"/>
+              <a:defRPr sz="2839"/>
             </a:lvl3pPr>
-            <a:lvl4pPr marL="1371600" indent="0" algn="ctr">
+            <a:lvl4pPr marL="2163425" indent="0" algn="ctr">
               <a:buNone/>
-              <a:defRPr sz="1600"/>
+              <a:defRPr sz="2524"/>
             </a:lvl4pPr>
-            <a:lvl5pPr marL="1828800" indent="0" algn="ctr">
+            <a:lvl5pPr marL="2884566" indent="0" algn="ctr">
               <a:buNone/>
-              <a:defRPr sz="1600"/>
+              <a:defRPr sz="2524"/>
             </a:lvl5pPr>
-            <a:lvl6pPr marL="2286000" indent="0" algn="ctr">
+            <a:lvl6pPr marL="3605708" indent="0" algn="ctr">
               <a:buNone/>
-              <a:defRPr sz="1600"/>
+              <a:defRPr sz="2524"/>
             </a:lvl6pPr>
-            <a:lvl7pPr marL="2743200" indent="0" algn="ctr">
+            <a:lvl7pPr marL="4326849" indent="0" algn="ctr">
               <a:buNone/>
-              <a:defRPr sz="1600"/>
+              <a:defRPr sz="2524"/>
             </a:lvl7pPr>
-            <a:lvl8pPr marL="3200400" indent="0" algn="ctr">
+            <a:lvl8pPr marL="5047991" indent="0" algn="ctr">
               <a:buNone/>
-              <a:defRPr sz="1600"/>
+              <a:defRPr sz="2524"/>
             </a:lvl8pPr>
-            <a:lvl9pPr marL="3657600" indent="0" algn="ctr">
+            <a:lvl9pPr marL="5769132" indent="0" algn="ctr">
               <a:buNone/>
-              <a:defRPr sz="1600"/>
+              <a:defRPr sz="2524"/>
             </a:lvl9pPr>
           </a:lstStyle>
           <a:p>
@@ -243,7 +244,7 @@
           <a:p>
             <a:fld id="{2CF8EA69-B55C-49B0-99E1-FB393F11A06B}" type="datetimeFigureOut">
               <a:rPr lang="ko-KR" altLang="en-US" smtClean="0"/>
-              <a:t>2022-01-18</a:t>
+              <a:t>2022-02-05</a:t>
             </a:fld>
             <a:endParaRPr lang="ko-KR" altLang="en-US"/>
           </a:p>
@@ -294,7 +295,7 @@
     </p:spTree>
     <p:extLst>
       <p:ext uri="{BB962C8B-B14F-4D97-AF65-F5344CB8AC3E}">
-        <p14:creationId xmlns:p14="http://schemas.microsoft.com/office/powerpoint/2010/main" val="49563870"/>
+        <p14:creationId xmlns:p14="http://schemas.microsoft.com/office/powerpoint/2010/main" val="3353815402"/>
       </p:ext>
     </p:extLst>
   </p:cSld>
@@ -413,7 +414,7 @@
           <a:p>
             <a:fld id="{2CF8EA69-B55C-49B0-99E1-FB393F11A06B}" type="datetimeFigureOut">
               <a:rPr lang="ko-KR" altLang="en-US" smtClean="0"/>
-              <a:t>2022-01-18</a:t>
+              <a:t>2022-02-05</a:t>
             </a:fld>
             <a:endParaRPr lang="ko-KR" altLang="en-US"/>
           </a:p>
@@ -464,7 +465,7 @@
     </p:spTree>
     <p:extLst>
       <p:ext uri="{BB962C8B-B14F-4D97-AF65-F5344CB8AC3E}">
-        <p14:creationId xmlns:p14="http://schemas.microsoft.com/office/powerpoint/2010/main" val="767152023"/>
+        <p14:creationId xmlns:p14="http://schemas.microsoft.com/office/powerpoint/2010/main" val="4165377545"/>
       </p:ext>
     </p:extLst>
   </p:cSld>
@@ -503,8 +504,8 @@
         </p:nvSpPr>
         <p:spPr>
           <a:xfrm>
-            <a:off x="17227133" y="365125"/>
-            <a:ext cx="5190708" cy="5811838"/>
+            <a:off x="17227133" y="575917"/>
+            <a:ext cx="5190708" cy="9167098"/>
           </a:xfrm>
         </p:spPr>
         <p:txBody>
@@ -531,8 +532,8 @@
         </p:nvSpPr>
         <p:spPr>
           <a:xfrm>
-            <a:off x="1655009" y="365125"/>
-            <a:ext cx="15271214" cy="5811838"/>
+            <a:off x="1655009" y="575917"/>
+            <a:ext cx="15271214" cy="9167098"/>
           </a:xfrm>
         </p:spPr>
         <p:txBody>
@@ -593,7 +594,7 @@
           <a:p>
             <a:fld id="{2CF8EA69-B55C-49B0-99E1-FB393F11A06B}" type="datetimeFigureOut">
               <a:rPr lang="ko-KR" altLang="en-US" smtClean="0"/>
-              <a:t>2022-01-18</a:t>
+              <a:t>2022-02-05</a:t>
             </a:fld>
             <a:endParaRPr lang="ko-KR" altLang="en-US"/>
           </a:p>
@@ -644,7 +645,7 @@
     </p:spTree>
     <p:extLst>
       <p:ext uri="{BB962C8B-B14F-4D97-AF65-F5344CB8AC3E}">
-        <p14:creationId xmlns:p14="http://schemas.microsoft.com/office/powerpoint/2010/main" val="1253539745"/>
+        <p14:creationId xmlns:p14="http://schemas.microsoft.com/office/powerpoint/2010/main" val="1472883614"/>
       </p:ext>
     </p:extLst>
   </p:cSld>
@@ -763,7 +764,7 @@
           <a:p>
             <a:fld id="{2CF8EA69-B55C-49B0-99E1-FB393F11A06B}" type="datetimeFigureOut">
               <a:rPr lang="ko-KR" altLang="en-US" smtClean="0"/>
-              <a:t>2022-01-18</a:t>
+              <a:t>2022-02-05</a:t>
             </a:fld>
             <a:endParaRPr lang="ko-KR" altLang="en-US"/>
           </a:p>
@@ -814,7 +815,7 @@
     </p:spTree>
     <p:extLst>
       <p:ext uri="{BB962C8B-B14F-4D97-AF65-F5344CB8AC3E}">
-        <p14:creationId xmlns:p14="http://schemas.microsoft.com/office/powerpoint/2010/main" val="1787350652"/>
+        <p14:creationId xmlns:p14="http://schemas.microsoft.com/office/powerpoint/2010/main" val="685991600"/>
       </p:ext>
     </p:extLst>
   </p:cSld>
@@ -853,15 +854,15 @@
         </p:nvSpPr>
         <p:spPr>
           <a:xfrm>
-            <a:off x="1642471" y="1709739"/>
-            <a:ext cx="20762833" cy="2852737"/>
+            <a:off x="1642471" y="2696796"/>
+            <a:ext cx="20762833" cy="4499664"/>
           </a:xfrm>
         </p:spPr>
         <p:txBody>
           <a:bodyPr anchor="b"/>
           <a:lstStyle>
             <a:lvl1pPr>
-              <a:defRPr sz="6000"/>
+              <a:defRPr sz="9464"/>
             </a:lvl1pPr>
           </a:lstStyle>
           <a:p>
@@ -885,8 +886,8 @@
         </p:nvSpPr>
         <p:spPr>
           <a:xfrm>
-            <a:off x="1642471" y="4589464"/>
-            <a:ext cx="20762833" cy="1500187"/>
+            <a:off x="1642471" y="7239029"/>
+            <a:ext cx="20762833" cy="2366267"/>
           </a:xfrm>
         </p:spPr>
         <p:txBody>
@@ -894,7 +895,7 @@
           <a:lstStyle>
             <a:lvl1pPr marL="0" indent="0">
               <a:buNone/>
-              <a:defRPr sz="2400">
+              <a:defRPr sz="3786">
                 <a:solidFill>
                   <a:schemeClr val="tx1">
                     <a:tint val="75000"/>
@@ -902,9 +903,9 @@
                 </a:solidFill>
               </a:defRPr>
             </a:lvl1pPr>
-            <a:lvl2pPr marL="457200" indent="0">
+            <a:lvl2pPr marL="721142" indent="0">
               <a:buNone/>
-              <a:defRPr sz="2000">
+              <a:defRPr sz="3155">
                 <a:solidFill>
                   <a:schemeClr val="tx1">
                     <a:tint val="75000"/>
@@ -912,9 +913,9 @@
                 </a:solidFill>
               </a:defRPr>
             </a:lvl2pPr>
-            <a:lvl3pPr marL="914400" indent="0">
+            <a:lvl3pPr marL="1442283" indent="0">
               <a:buNone/>
-              <a:defRPr sz="1800">
+              <a:defRPr sz="2839">
                 <a:solidFill>
                   <a:schemeClr val="tx1">
                     <a:tint val="75000"/>
@@ -922,9 +923,9 @@
                 </a:solidFill>
               </a:defRPr>
             </a:lvl3pPr>
-            <a:lvl4pPr marL="1371600" indent="0">
+            <a:lvl4pPr marL="2163425" indent="0">
               <a:buNone/>
-              <a:defRPr sz="1600">
+              <a:defRPr sz="2524">
                 <a:solidFill>
                   <a:schemeClr val="tx1">
                     <a:tint val="75000"/>
@@ -932,9 +933,9 @@
                 </a:solidFill>
               </a:defRPr>
             </a:lvl4pPr>
-            <a:lvl5pPr marL="1828800" indent="0">
+            <a:lvl5pPr marL="2884566" indent="0">
               <a:buNone/>
-              <a:defRPr sz="1600">
+              <a:defRPr sz="2524">
                 <a:solidFill>
                   <a:schemeClr val="tx1">
                     <a:tint val="75000"/>
@@ -942,9 +943,9 @@
                 </a:solidFill>
               </a:defRPr>
             </a:lvl5pPr>
-            <a:lvl6pPr marL="2286000" indent="0">
+            <a:lvl6pPr marL="3605708" indent="0">
               <a:buNone/>
-              <a:defRPr sz="1600">
+              <a:defRPr sz="2524">
                 <a:solidFill>
                   <a:schemeClr val="tx1">
                     <a:tint val="75000"/>
@@ -952,9 +953,9 @@
                 </a:solidFill>
               </a:defRPr>
             </a:lvl6pPr>
-            <a:lvl7pPr marL="2743200" indent="0">
+            <a:lvl7pPr marL="4326849" indent="0">
               <a:buNone/>
-              <a:defRPr sz="1600">
+              <a:defRPr sz="2524">
                 <a:solidFill>
                   <a:schemeClr val="tx1">
                     <a:tint val="75000"/>
@@ -962,9 +963,9 @@
                 </a:solidFill>
               </a:defRPr>
             </a:lvl7pPr>
-            <a:lvl8pPr marL="3200400" indent="0">
+            <a:lvl8pPr marL="5047991" indent="0">
               <a:buNone/>
-              <a:defRPr sz="1600">
+              <a:defRPr sz="2524">
                 <a:solidFill>
                   <a:schemeClr val="tx1">
                     <a:tint val="75000"/>
@@ -972,9 +973,9 @@
                 </a:solidFill>
               </a:defRPr>
             </a:lvl8pPr>
-            <a:lvl9pPr marL="3657600" indent="0">
+            <a:lvl9pPr marL="5769132" indent="0">
               <a:buNone/>
-              <a:defRPr sz="1600">
+              <a:defRPr sz="2524">
                 <a:solidFill>
                   <a:schemeClr val="tx1">
                     <a:tint val="75000"/>
@@ -1009,7 +1010,7 @@
           <a:p>
             <a:fld id="{2CF8EA69-B55C-49B0-99E1-FB393F11A06B}" type="datetimeFigureOut">
               <a:rPr lang="ko-KR" altLang="en-US" smtClean="0"/>
-              <a:t>2022-01-18</a:t>
+              <a:t>2022-02-05</a:t>
             </a:fld>
             <a:endParaRPr lang="ko-KR" altLang="en-US"/>
           </a:p>
@@ -1060,7 +1061,7 @@
     </p:spTree>
     <p:extLst>
       <p:ext uri="{BB962C8B-B14F-4D97-AF65-F5344CB8AC3E}">
-        <p14:creationId xmlns:p14="http://schemas.microsoft.com/office/powerpoint/2010/main" val="2998465784"/>
+        <p14:creationId xmlns:p14="http://schemas.microsoft.com/office/powerpoint/2010/main" val="357535567"/>
       </p:ext>
     </p:extLst>
   </p:cSld>
@@ -1122,8 +1123,8 @@
         </p:nvSpPr>
         <p:spPr>
           <a:xfrm>
-            <a:off x="1655009" y="1825625"/>
-            <a:ext cx="10230961" cy="4351338"/>
+            <a:off x="1655009" y="2879585"/>
+            <a:ext cx="10230961" cy="6863430"/>
           </a:xfrm>
         </p:spPr>
         <p:txBody>
@@ -1179,8 +1180,8 @@
         </p:nvSpPr>
         <p:spPr>
           <a:xfrm>
-            <a:off x="12186880" y="1825625"/>
-            <a:ext cx="10230961" cy="4351338"/>
+            <a:off x="12186880" y="2879585"/>
+            <a:ext cx="10230961" cy="6863430"/>
           </a:xfrm>
         </p:spPr>
         <p:txBody>
@@ -1241,7 +1242,7 @@
           <a:p>
             <a:fld id="{2CF8EA69-B55C-49B0-99E1-FB393F11A06B}" type="datetimeFigureOut">
               <a:rPr lang="ko-KR" altLang="en-US" smtClean="0"/>
-              <a:t>2022-01-18</a:t>
+              <a:t>2022-02-05</a:t>
             </a:fld>
             <a:endParaRPr lang="ko-KR" altLang="en-US"/>
           </a:p>
@@ -1292,7 +1293,7 @@
     </p:spTree>
     <p:extLst>
       <p:ext uri="{BB962C8B-B14F-4D97-AF65-F5344CB8AC3E}">
-        <p14:creationId xmlns:p14="http://schemas.microsoft.com/office/powerpoint/2010/main" val="3663246938"/>
+        <p14:creationId xmlns:p14="http://schemas.microsoft.com/office/powerpoint/2010/main" val="2010673647"/>
       </p:ext>
     </p:extLst>
   </p:cSld>
@@ -1331,8 +1332,8 @@
         </p:nvSpPr>
         <p:spPr>
           <a:xfrm>
-            <a:off x="1658144" y="365126"/>
-            <a:ext cx="20762833" cy="1325563"/>
+            <a:off x="1658144" y="575918"/>
+            <a:ext cx="20762833" cy="2090830"/>
           </a:xfrm>
         </p:spPr>
         <p:txBody>
@@ -1359,8 +1360,8 @@
         </p:nvSpPr>
         <p:spPr>
           <a:xfrm>
-            <a:off x="1658145" y="1681163"/>
-            <a:ext cx="10183943" cy="823912"/>
+            <a:off x="1658145" y="2651723"/>
+            <a:ext cx="10183943" cy="1299569"/>
           </a:xfrm>
         </p:spPr>
         <p:txBody>
@@ -1368,39 +1369,39 @@
           <a:lstStyle>
             <a:lvl1pPr marL="0" indent="0">
               <a:buNone/>
-              <a:defRPr sz="2400" b="1"/>
+              <a:defRPr sz="3786" b="1"/>
             </a:lvl1pPr>
-            <a:lvl2pPr marL="457200" indent="0">
+            <a:lvl2pPr marL="721142" indent="0">
               <a:buNone/>
-              <a:defRPr sz="2000" b="1"/>
+              <a:defRPr sz="3155" b="1"/>
             </a:lvl2pPr>
-            <a:lvl3pPr marL="914400" indent="0">
+            <a:lvl3pPr marL="1442283" indent="0">
               <a:buNone/>
-              <a:defRPr sz="1800" b="1"/>
+              <a:defRPr sz="2839" b="1"/>
             </a:lvl3pPr>
-            <a:lvl4pPr marL="1371600" indent="0">
+            <a:lvl4pPr marL="2163425" indent="0">
               <a:buNone/>
-              <a:defRPr sz="1600" b="1"/>
+              <a:defRPr sz="2524" b="1"/>
             </a:lvl4pPr>
-            <a:lvl5pPr marL="1828800" indent="0">
+            <a:lvl5pPr marL="2884566" indent="0">
               <a:buNone/>
-              <a:defRPr sz="1600" b="1"/>
+              <a:defRPr sz="2524" b="1"/>
             </a:lvl5pPr>
-            <a:lvl6pPr marL="2286000" indent="0">
+            <a:lvl6pPr marL="3605708" indent="0">
               <a:buNone/>
-              <a:defRPr sz="1600" b="1"/>
+              <a:defRPr sz="2524" b="1"/>
             </a:lvl6pPr>
-            <a:lvl7pPr marL="2743200" indent="0">
+            <a:lvl7pPr marL="4326849" indent="0">
               <a:buNone/>
-              <a:defRPr sz="1600" b="1"/>
+              <a:defRPr sz="2524" b="1"/>
             </a:lvl7pPr>
-            <a:lvl8pPr marL="3200400" indent="0">
+            <a:lvl8pPr marL="5047991" indent="0">
               <a:buNone/>
-              <a:defRPr sz="1600" b="1"/>
+              <a:defRPr sz="2524" b="1"/>
             </a:lvl8pPr>
-            <a:lvl9pPr marL="3657600" indent="0">
+            <a:lvl9pPr marL="5769132" indent="0">
               <a:buNone/>
-              <a:defRPr sz="1600" b="1"/>
+              <a:defRPr sz="2524" b="1"/>
             </a:lvl9pPr>
           </a:lstStyle>
           <a:p>
@@ -1424,8 +1425,8 @@
         </p:nvSpPr>
         <p:spPr>
           <a:xfrm>
-            <a:off x="1658145" y="2505075"/>
-            <a:ext cx="10183943" cy="3684588"/>
+            <a:off x="1658145" y="3951292"/>
+            <a:ext cx="10183943" cy="5811755"/>
           </a:xfrm>
         </p:spPr>
         <p:txBody>
@@ -1481,8 +1482,8 @@
         </p:nvSpPr>
         <p:spPr>
           <a:xfrm>
-            <a:off x="12186880" y="1681163"/>
-            <a:ext cx="10234097" cy="823912"/>
+            <a:off x="12186880" y="2651723"/>
+            <a:ext cx="10234097" cy="1299569"/>
           </a:xfrm>
         </p:spPr>
         <p:txBody>
@@ -1490,39 +1491,39 @@
           <a:lstStyle>
             <a:lvl1pPr marL="0" indent="0">
               <a:buNone/>
-              <a:defRPr sz="2400" b="1"/>
+              <a:defRPr sz="3786" b="1"/>
             </a:lvl1pPr>
-            <a:lvl2pPr marL="457200" indent="0">
+            <a:lvl2pPr marL="721142" indent="0">
               <a:buNone/>
-              <a:defRPr sz="2000" b="1"/>
+              <a:defRPr sz="3155" b="1"/>
             </a:lvl2pPr>
-            <a:lvl3pPr marL="914400" indent="0">
+            <a:lvl3pPr marL="1442283" indent="0">
               <a:buNone/>
-              <a:defRPr sz="1800" b="1"/>
+              <a:defRPr sz="2839" b="1"/>
             </a:lvl3pPr>
-            <a:lvl4pPr marL="1371600" indent="0">
+            <a:lvl4pPr marL="2163425" indent="0">
               <a:buNone/>
-              <a:defRPr sz="1600" b="1"/>
+              <a:defRPr sz="2524" b="1"/>
             </a:lvl4pPr>
-            <a:lvl5pPr marL="1828800" indent="0">
+            <a:lvl5pPr marL="2884566" indent="0">
               <a:buNone/>
-              <a:defRPr sz="1600" b="1"/>
+              <a:defRPr sz="2524" b="1"/>
             </a:lvl5pPr>
-            <a:lvl6pPr marL="2286000" indent="0">
+            <a:lvl6pPr marL="3605708" indent="0">
               <a:buNone/>
-              <a:defRPr sz="1600" b="1"/>
+              <a:defRPr sz="2524" b="1"/>
             </a:lvl6pPr>
-            <a:lvl7pPr marL="2743200" indent="0">
+            <a:lvl7pPr marL="4326849" indent="0">
               <a:buNone/>
-              <a:defRPr sz="1600" b="1"/>
+              <a:defRPr sz="2524" b="1"/>
             </a:lvl7pPr>
-            <a:lvl8pPr marL="3200400" indent="0">
+            <a:lvl8pPr marL="5047991" indent="0">
               <a:buNone/>
-              <a:defRPr sz="1600" b="1"/>
+              <a:defRPr sz="2524" b="1"/>
             </a:lvl8pPr>
-            <a:lvl9pPr marL="3657600" indent="0">
+            <a:lvl9pPr marL="5769132" indent="0">
               <a:buNone/>
-              <a:defRPr sz="1600" b="1"/>
+              <a:defRPr sz="2524" b="1"/>
             </a:lvl9pPr>
           </a:lstStyle>
           <a:p>
@@ -1546,8 +1547,8 @@
         </p:nvSpPr>
         <p:spPr>
           <a:xfrm>
-            <a:off x="12186880" y="2505075"/>
-            <a:ext cx="10234097" cy="3684588"/>
+            <a:off x="12186880" y="3951292"/>
+            <a:ext cx="10234097" cy="5811755"/>
           </a:xfrm>
         </p:spPr>
         <p:txBody>
@@ -1608,7 +1609,7 @@
           <a:p>
             <a:fld id="{2CF8EA69-B55C-49B0-99E1-FB393F11A06B}" type="datetimeFigureOut">
               <a:rPr lang="ko-KR" altLang="en-US" smtClean="0"/>
-              <a:t>2022-01-18</a:t>
+              <a:t>2022-02-05</a:t>
             </a:fld>
             <a:endParaRPr lang="ko-KR" altLang="en-US"/>
           </a:p>
@@ -1659,7 +1660,7 @@
     </p:spTree>
     <p:extLst>
       <p:ext uri="{BB962C8B-B14F-4D97-AF65-F5344CB8AC3E}">
-        <p14:creationId xmlns:p14="http://schemas.microsoft.com/office/powerpoint/2010/main" val="2694785202"/>
+        <p14:creationId xmlns:p14="http://schemas.microsoft.com/office/powerpoint/2010/main" val="747031688"/>
       </p:ext>
     </p:extLst>
   </p:cSld>
@@ -1726,7 +1727,7 @@
           <a:p>
             <a:fld id="{2CF8EA69-B55C-49B0-99E1-FB393F11A06B}" type="datetimeFigureOut">
               <a:rPr lang="ko-KR" altLang="en-US" smtClean="0"/>
-              <a:t>2022-01-18</a:t>
+              <a:t>2022-02-05</a:t>
             </a:fld>
             <a:endParaRPr lang="ko-KR" altLang="en-US"/>
           </a:p>
@@ -1777,7 +1778,7 @@
     </p:spTree>
     <p:extLst>
       <p:ext uri="{BB962C8B-B14F-4D97-AF65-F5344CB8AC3E}">
-        <p14:creationId xmlns:p14="http://schemas.microsoft.com/office/powerpoint/2010/main" val="4047440635"/>
+        <p14:creationId xmlns:p14="http://schemas.microsoft.com/office/powerpoint/2010/main" val="4069297030"/>
       </p:ext>
     </p:extLst>
   </p:cSld>
@@ -1821,7 +1822,7 @@
           <a:p>
             <a:fld id="{2CF8EA69-B55C-49B0-99E1-FB393F11A06B}" type="datetimeFigureOut">
               <a:rPr lang="ko-KR" altLang="en-US" smtClean="0"/>
-              <a:t>2022-01-18</a:t>
+              <a:t>2022-02-05</a:t>
             </a:fld>
             <a:endParaRPr lang="ko-KR" altLang="en-US"/>
           </a:p>
@@ -1872,7 +1873,7 @@
     </p:spTree>
     <p:extLst>
       <p:ext uri="{BB962C8B-B14F-4D97-AF65-F5344CB8AC3E}">
-        <p14:creationId xmlns:p14="http://schemas.microsoft.com/office/powerpoint/2010/main" val="3301487087"/>
+        <p14:creationId xmlns:p14="http://schemas.microsoft.com/office/powerpoint/2010/main" val="3371925847"/>
       </p:ext>
     </p:extLst>
   </p:cSld>
@@ -1911,15 +1912,15 @@
         </p:nvSpPr>
         <p:spPr>
           <a:xfrm>
-            <a:off x="1658145" y="457200"/>
-            <a:ext cx="7764120" cy="1600200"/>
+            <a:off x="1658145" y="721148"/>
+            <a:ext cx="7764120" cy="2524019"/>
           </a:xfrm>
         </p:spPr>
         <p:txBody>
           <a:bodyPr anchor="b"/>
           <a:lstStyle>
             <a:lvl1pPr>
-              <a:defRPr sz="3200"/>
+              <a:defRPr sz="5047"/>
             </a:lvl1pPr>
           </a:lstStyle>
           <a:p>
@@ -1943,39 +1944,39 @@
         </p:nvSpPr>
         <p:spPr>
           <a:xfrm>
-            <a:off x="10234097" y="987426"/>
-            <a:ext cx="12186880" cy="4873625"/>
+            <a:off x="10234097" y="1557481"/>
+            <a:ext cx="12186880" cy="7687241"/>
           </a:xfrm>
         </p:spPr>
         <p:txBody>
           <a:bodyPr/>
           <a:lstStyle>
             <a:lvl1pPr>
-              <a:defRPr sz="3200"/>
+              <a:defRPr sz="5047"/>
             </a:lvl1pPr>
             <a:lvl2pPr>
-              <a:defRPr sz="2800"/>
+              <a:defRPr sz="4416"/>
             </a:lvl2pPr>
             <a:lvl3pPr>
-              <a:defRPr sz="2400"/>
+              <a:defRPr sz="3786"/>
             </a:lvl3pPr>
             <a:lvl4pPr>
-              <a:defRPr sz="2000"/>
+              <a:defRPr sz="3155"/>
             </a:lvl4pPr>
             <a:lvl5pPr>
-              <a:defRPr sz="2000"/>
+              <a:defRPr sz="3155"/>
             </a:lvl5pPr>
             <a:lvl6pPr>
-              <a:defRPr sz="2000"/>
+              <a:defRPr sz="3155"/>
             </a:lvl6pPr>
             <a:lvl7pPr>
-              <a:defRPr sz="2000"/>
+              <a:defRPr sz="3155"/>
             </a:lvl7pPr>
             <a:lvl8pPr>
-              <a:defRPr sz="2000"/>
+              <a:defRPr sz="3155"/>
             </a:lvl8pPr>
             <a:lvl9pPr>
-              <a:defRPr sz="2000"/>
+              <a:defRPr sz="3155"/>
             </a:lvl9pPr>
           </a:lstStyle>
           <a:p>
@@ -2028,8 +2029,8 @@
         </p:nvSpPr>
         <p:spPr>
           <a:xfrm>
-            <a:off x="1658145" y="2057400"/>
-            <a:ext cx="7764120" cy="3811588"/>
+            <a:off x="1658145" y="3245168"/>
+            <a:ext cx="7764120" cy="6012074"/>
           </a:xfrm>
         </p:spPr>
         <p:txBody>
@@ -2037,39 +2038,39 @@
           <a:lstStyle>
             <a:lvl1pPr marL="0" indent="0">
               <a:buNone/>
-              <a:defRPr sz="1600"/>
+              <a:defRPr sz="2524"/>
             </a:lvl1pPr>
-            <a:lvl2pPr marL="457200" indent="0">
+            <a:lvl2pPr marL="721142" indent="0">
               <a:buNone/>
-              <a:defRPr sz="1400"/>
+              <a:defRPr sz="2208"/>
             </a:lvl2pPr>
-            <a:lvl3pPr marL="914400" indent="0">
+            <a:lvl3pPr marL="1442283" indent="0">
               <a:buNone/>
-              <a:defRPr sz="1200"/>
+              <a:defRPr sz="1893"/>
             </a:lvl3pPr>
-            <a:lvl4pPr marL="1371600" indent="0">
+            <a:lvl4pPr marL="2163425" indent="0">
               <a:buNone/>
-              <a:defRPr sz="1000"/>
+              <a:defRPr sz="1577"/>
             </a:lvl4pPr>
-            <a:lvl5pPr marL="1828800" indent="0">
+            <a:lvl5pPr marL="2884566" indent="0">
               <a:buNone/>
-              <a:defRPr sz="1000"/>
+              <a:defRPr sz="1577"/>
             </a:lvl5pPr>
-            <a:lvl6pPr marL="2286000" indent="0">
+            <a:lvl6pPr marL="3605708" indent="0">
               <a:buNone/>
-              <a:defRPr sz="1000"/>
+              <a:defRPr sz="1577"/>
             </a:lvl6pPr>
-            <a:lvl7pPr marL="2743200" indent="0">
+            <a:lvl7pPr marL="4326849" indent="0">
               <a:buNone/>
-              <a:defRPr sz="1000"/>
+              <a:defRPr sz="1577"/>
             </a:lvl7pPr>
-            <a:lvl8pPr marL="3200400" indent="0">
+            <a:lvl8pPr marL="5047991" indent="0">
               <a:buNone/>
-              <a:defRPr sz="1000"/>
+              <a:defRPr sz="1577"/>
             </a:lvl8pPr>
-            <a:lvl9pPr marL="3657600" indent="0">
+            <a:lvl9pPr marL="5769132" indent="0">
               <a:buNone/>
-              <a:defRPr sz="1000"/>
+              <a:defRPr sz="1577"/>
             </a:lvl9pPr>
           </a:lstStyle>
           <a:p>
@@ -2098,7 +2099,7 @@
           <a:p>
             <a:fld id="{2CF8EA69-B55C-49B0-99E1-FB393F11A06B}" type="datetimeFigureOut">
               <a:rPr lang="ko-KR" altLang="en-US" smtClean="0"/>
-              <a:t>2022-01-18</a:t>
+              <a:t>2022-02-05</a:t>
             </a:fld>
             <a:endParaRPr lang="ko-KR" altLang="en-US"/>
           </a:p>
@@ -2149,7 +2150,7 @@
     </p:spTree>
     <p:extLst>
       <p:ext uri="{BB962C8B-B14F-4D97-AF65-F5344CB8AC3E}">
-        <p14:creationId xmlns:p14="http://schemas.microsoft.com/office/powerpoint/2010/main" val="1508206238"/>
+        <p14:creationId xmlns:p14="http://schemas.microsoft.com/office/powerpoint/2010/main" val="1657194126"/>
       </p:ext>
     </p:extLst>
   </p:cSld>
@@ -2188,15 +2189,15 @@
         </p:nvSpPr>
         <p:spPr>
           <a:xfrm>
-            <a:off x="1658145" y="457200"/>
-            <a:ext cx="7764120" cy="1600200"/>
+            <a:off x="1658145" y="721148"/>
+            <a:ext cx="7764120" cy="2524019"/>
           </a:xfrm>
         </p:spPr>
         <p:txBody>
           <a:bodyPr anchor="b"/>
           <a:lstStyle>
             <a:lvl1pPr>
-              <a:defRPr sz="3200"/>
+              <a:defRPr sz="5047"/>
             </a:lvl1pPr>
           </a:lstStyle>
           <a:p>
@@ -2220,8 +2221,8 @@
         </p:nvSpPr>
         <p:spPr>
           <a:xfrm>
-            <a:off x="10234097" y="987426"/>
-            <a:ext cx="12186880" cy="4873625"/>
+            <a:off x="10234097" y="1557481"/>
+            <a:ext cx="12186880" cy="7687241"/>
           </a:xfrm>
         </p:spPr>
         <p:txBody>
@@ -2229,39 +2230,39 @@
           <a:lstStyle>
             <a:lvl1pPr marL="0" indent="0">
               <a:buNone/>
-              <a:defRPr sz="3200"/>
+              <a:defRPr sz="5047"/>
             </a:lvl1pPr>
-            <a:lvl2pPr marL="457200" indent="0">
+            <a:lvl2pPr marL="721142" indent="0">
               <a:buNone/>
-              <a:defRPr sz="2800"/>
+              <a:defRPr sz="4416"/>
             </a:lvl2pPr>
-            <a:lvl3pPr marL="914400" indent="0">
+            <a:lvl3pPr marL="1442283" indent="0">
               <a:buNone/>
-              <a:defRPr sz="2400"/>
+              <a:defRPr sz="3786"/>
             </a:lvl3pPr>
-            <a:lvl4pPr marL="1371600" indent="0">
+            <a:lvl4pPr marL="2163425" indent="0">
               <a:buNone/>
-              <a:defRPr sz="2000"/>
+              <a:defRPr sz="3155"/>
             </a:lvl4pPr>
-            <a:lvl5pPr marL="1828800" indent="0">
+            <a:lvl5pPr marL="2884566" indent="0">
               <a:buNone/>
-              <a:defRPr sz="2000"/>
+              <a:defRPr sz="3155"/>
             </a:lvl5pPr>
-            <a:lvl6pPr marL="2286000" indent="0">
+            <a:lvl6pPr marL="3605708" indent="0">
               <a:buNone/>
-              <a:defRPr sz="2000"/>
+              <a:defRPr sz="3155"/>
             </a:lvl6pPr>
-            <a:lvl7pPr marL="2743200" indent="0">
+            <a:lvl7pPr marL="4326849" indent="0">
               <a:buNone/>
-              <a:defRPr sz="2000"/>
+              <a:defRPr sz="3155"/>
             </a:lvl7pPr>
-            <a:lvl8pPr marL="3200400" indent="0">
+            <a:lvl8pPr marL="5047991" indent="0">
               <a:buNone/>
-              <a:defRPr sz="2000"/>
+              <a:defRPr sz="3155"/>
             </a:lvl8pPr>
-            <a:lvl9pPr marL="3657600" indent="0">
+            <a:lvl9pPr marL="5769132" indent="0">
               <a:buNone/>
-              <a:defRPr sz="2000"/>
+              <a:defRPr sz="3155"/>
             </a:lvl9pPr>
           </a:lstStyle>
           <a:p>
@@ -2285,8 +2286,8 @@
         </p:nvSpPr>
         <p:spPr>
           <a:xfrm>
-            <a:off x="1658145" y="2057400"/>
-            <a:ext cx="7764120" cy="3811588"/>
+            <a:off x="1658145" y="3245168"/>
+            <a:ext cx="7764120" cy="6012074"/>
           </a:xfrm>
         </p:spPr>
         <p:txBody>
@@ -2294,39 +2295,39 @@
           <a:lstStyle>
             <a:lvl1pPr marL="0" indent="0">
               <a:buNone/>
-              <a:defRPr sz="1600"/>
+              <a:defRPr sz="2524"/>
             </a:lvl1pPr>
-            <a:lvl2pPr marL="457200" indent="0">
+            <a:lvl2pPr marL="721142" indent="0">
               <a:buNone/>
-              <a:defRPr sz="1400"/>
+              <a:defRPr sz="2208"/>
             </a:lvl2pPr>
-            <a:lvl3pPr marL="914400" indent="0">
+            <a:lvl3pPr marL="1442283" indent="0">
               <a:buNone/>
-              <a:defRPr sz="1200"/>
+              <a:defRPr sz="1893"/>
             </a:lvl3pPr>
-            <a:lvl4pPr marL="1371600" indent="0">
+            <a:lvl4pPr marL="2163425" indent="0">
               <a:buNone/>
-              <a:defRPr sz="1000"/>
+              <a:defRPr sz="1577"/>
             </a:lvl4pPr>
-            <a:lvl5pPr marL="1828800" indent="0">
+            <a:lvl5pPr marL="2884566" indent="0">
               <a:buNone/>
-              <a:defRPr sz="1000"/>
+              <a:defRPr sz="1577"/>
             </a:lvl5pPr>
-            <a:lvl6pPr marL="2286000" indent="0">
+            <a:lvl6pPr marL="3605708" indent="0">
               <a:buNone/>
-              <a:defRPr sz="1000"/>
+              <a:defRPr sz="1577"/>
             </a:lvl6pPr>
-            <a:lvl7pPr marL="2743200" indent="0">
+            <a:lvl7pPr marL="4326849" indent="0">
               <a:buNone/>
-              <a:defRPr sz="1000"/>
+              <a:defRPr sz="1577"/>
             </a:lvl7pPr>
-            <a:lvl8pPr marL="3200400" indent="0">
+            <a:lvl8pPr marL="5047991" indent="0">
               <a:buNone/>
-              <a:defRPr sz="1000"/>
+              <a:defRPr sz="1577"/>
             </a:lvl8pPr>
-            <a:lvl9pPr marL="3657600" indent="0">
+            <a:lvl9pPr marL="5769132" indent="0">
               <a:buNone/>
-              <a:defRPr sz="1000"/>
+              <a:defRPr sz="1577"/>
             </a:lvl9pPr>
           </a:lstStyle>
           <a:p>
@@ -2355,7 +2356,7 @@
           <a:p>
             <a:fld id="{2CF8EA69-B55C-49B0-99E1-FB393F11A06B}" type="datetimeFigureOut">
               <a:rPr lang="ko-KR" altLang="en-US" smtClean="0"/>
-              <a:t>2022-01-18</a:t>
+              <a:t>2022-02-05</a:t>
             </a:fld>
             <a:endParaRPr lang="ko-KR" altLang="en-US"/>
           </a:p>
@@ -2406,7 +2407,7 @@
     </p:spTree>
     <p:extLst>
       <p:ext uri="{BB962C8B-B14F-4D97-AF65-F5344CB8AC3E}">
-        <p14:creationId xmlns:p14="http://schemas.microsoft.com/office/powerpoint/2010/main" val="893521011"/>
+        <p14:creationId xmlns:p14="http://schemas.microsoft.com/office/powerpoint/2010/main" val="2120353766"/>
       </p:ext>
     </p:extLst>
   </p:cSld>
@@ -2450,8 +2451,8 @@
         </p:nvSpPr>
         <p:spPr>
           <a:xfrm>
-            <a:off x="1655009" y="365126"/>
-            <a:ext cx="20762833" cy="1325563"/>
+            <a:off x="1655009" y="575918"/>
+            <a:ext cx="20762833" cy="2090830"/>
           </a:xfrm>
           <a:prstGeom prst="rect">
             <a:avLst/>
@@ -2483,8 +2484,8 @@
         </p:nvSpPr>
         <p:spPr>
           <a:xfrm>
-            <a:off x="1655009" y="1825625"/>
-            <a:ext cx="20762833" cy="4351338"/>
+            <a:off x="1655009" y="2879585"/>
+            <a:ext cx="20762833" cy="6863430"/>
           </a:xfrm>
           <a:prstGeom prst="rect">
             <a:avLst/>
@@ -2545,8 +2546,8 @@
         </p:nvSpPr>
         <p:spPr>
           <a:xfrm>
-            <a:off x="1655009" y="6356351"/>
-            <a:ext cx="5416391" cy="365125"/>
+            <a:off x="1655009" y="10025966"/>
+            <a:ext cx="5416391" cy="575917"/>
           </a:xfrm>
           <a:prstGeom prst="rect">
             <a:avLst/>
@@ -2556,7 +2557,7 @@
           <a:bodyPr vert="horz" lIns="91440" tIns="45720" rIns="91440" bIns="45720" rtlCol="0" anchor="ctr"/>
           <a:lstStyle>
             <a:lvl1pPr algn="l">
-              <a:defRPr sz="1200">
+              <a:defRPr sz="1893">
                 <a:solidFill>
                   <a:schemeClr val="tx1">
                     <a:tint val="75000"/>
@@ -2568,7 +2569,7 @@
           <a:p>
             <a:fld id="{2CF8EA69-B55C-49B0-99E1-FB393F11A06B}" type="datetimeFigureOut">
               <a:rPr lang="ko-KR" altLang="en-US" smtClean="0"/>
-              <a:t>2022-01-18</a:t>
+              <a:t>2022-02-05</a:t>
             </a:fld>
             <a:endParaRPr lang="ko-KR" altLang="en-US"/>
           </a:p>
@@ -2586,8 +2587,8 @@
         </p:nvSpPr>
         <p:spPr>
           <a:xfrm>
-            <a:off x="7974132" y="6356351"/>
-            <a:ext cx="8124587" cy="365125"/>
+            <a:off x="7974132" y="10025966"/>
+            <a:ext cx="8124587" cy="575917"/>
           </a:xfrm>
           <a:prstGeom prst="rect">
             <a:avLst/>
@@ -2597,7 +2598,7 @@
           <a:bodyPr vert="horz" lIns="91440" tIns="45720" rIns="91440" bIns="45720" rtlCol="0" anchor="ctr"/>
           <a:lstStyle>
             <a:lvl1pPr algn="ctr">
-              <a:defRPr sz="1200">
+              <a:defRPr sz="1893">
                 <a:solidFill>
                   <a:schemeClr val="tx1">
                     <a:tint val="75000"/>
@@ -2623,8 +2624,8 @@
         </p:nvSpPr>
         <p:spPr>
           <a:xfrm>
-            <a:off x="17001450" y="6356351"/>
-            <a:ext cx="5416391" cy="365125"/>
+            <a:off x="17001450" y="10025966"/>
+            <a:ext cx="5416391" cy="575917"/>
           </a:xfrm>
           <a:prstGeom prst="rect">
             <a:avLst/>
@@ -2634,7 +2635,7 @@
           <a:bodyPr vert="horz" lIns="91440" tIns="45720" rIns="91440" bIns="45720" rtlCol="0" anchor="ctr"/>
           <a:lstStyle>
             <a:lvl1pPr algn="r">
-              <a:defRPr sz="1200">
+              <a:defRPr sz="1893">
                 <a:solidFill>
                   <a:schemeClr val="tx1">
                     <a:tint val="75000"/>
@@ -2655,27 +2656,27 @@
     </p:spTree>
     <p:extLst>
       <p:ext uri="{BB962C8B-B14F-4D97-AF65-F5344CB8AC3E}">
-        <p14:creationId xmlns:p14="http://schemas.microsoft.com/office/powerpoint/2010/main" val="2632910214"/>
+        <p14:creationId xmlns:p14="http://schemas.microsoft.com/office/powerpoint/2010/main" val="2998160271"/>
       </p:ext>
     </p:extLst>
   </p:cSld>
   <p:clrMap bg1="lt1" tx1="dk1" bg2="lt2" tx2="dk2" accent1="accent1" accent2="accent2" accent3="accent3" accent4="accent4" accent5="accent5" accent6="accent6" hlink="hlink" folHlink="folHlink"/>
   <p:sldLayoutIdLst>
-    <p:sldLayoutId id="2147483661" r:id="rId1"/>
-    <p:sldLayoutId id="2147483662" r:id="rId2"/>
-    <p:sldLayoutId id="2147483663" r:id="rId3"/>
-    <p:sldLayoutId id="2147483664" r:id="rId4"/>
-    <p:sldLayoutId id="2147483665" r:id="rId5"/>
-    <p:sldLayoutId id="2147483666" r:id="rId6"/>
-    <p:sldLayoutId id="2147483667" r:id="rId7"/>
-    <p:sldLayoutId id="2147483668" r:id="rId8"/>
-    <p:sldLayoutId id="2147483669" r:id="rId9"/>
-    <p:sldLayoutId id="2147483670" r:id="rId10"/>
-    <p:sldLayoutId id="2147483671" r:id="rId11"/>
+    <p:sldLayoutId id="2147483673" r:id="rId1"/>
+    <p:sldLayoutId id="2147483674" r:id="rId2"/>
+    <p:sldLayoutId id="2147483675" r:id="rId3"/>
+    <p:sldLayoutId id="2147483676" r:id="rId4"/>
+    <p:sldLayoutId id="2147483677" r:id="rId5"/>
+    <p:sldLayoutId id="2147483678" r:id="rId6"/>
+    <p:sldLayoutId id="2147483679" r:id="rId7"/>
+    <p:sldLayoutId id="2147483680" r:id="rId8"/>
+    <p:sldLayoutId id="2147483681" r:id="rId9"/>
+    <p:sldLayoutId id="2147483682" r:id="rId10"/>
+    <p:sldLayoutId id="2147483683" r:id="rId11"/>
   </p:sldLayoutIdLst>
   <p:txStyles>
     <p:titleStyle>
-      <a:lvl1pPr algn="l" defTabSz="914400" rtl="0" eaLnBrk="1" latinLnBrk="1" hangingPunct="1">
+      <a:lvl1pPr algn="l" defTabSz="1442283" rtl="0" eaLnBrk="1" latinLnBrk="1" hangingPunct="1">
         <a:lnSpc>
           <a:spcPct val="90000"/>
         </a:lnSpc>
@@ -2683,7 +2684,7 @@
           <a:spcPct val="0"/>
         </a:spcBef>
         <a:buNone/>
-        <a:defRPr sz="4400" kern="1200">
+        <a:defRPr sz="6940" kern="1200">
           <a:solidFill>
             <a:schemeClr val="tx1"/>
           </a:solidFill>
@@ -2694,16 +2695,16 @@
       </a:lvl1pPr>
     </p:titleStyle>
     <p:bodyStyle>
-      <a:lvl1pPr marL="228600" indent="-228600" algn="l" defTabSz="914400" rtl="0" eaLnBrk="1" latinLnBrk="1" hangingPunct="1">
+      <a:lvl1pPr marL="360571" indent="-360571" algn="l" defTabSz="1442283" rtl="0" eaLnBrk="1" latinLnBrk="1" hangingPunct="1">
         <a:lnSpc>
           <a:spcPct val="90000"/>
         </a:lnSpc>
         <a:spcBef>
-          <a:spcPts val="1000"/>
+          <a:spcPts val="1577"/>
         </a:spcBef>
         <a:buFont typeface="Arial" panose="020B0604020202020204" pitchFamily="34" charset="0"/>
         <a:buChar char="•"/>
-        <a:defRPr sz="2800" kern="1200">
+        <a:defRPr sz="4416" kern="1200">
           <a:solidFill>
             <a:schemeClr val="tx1"/>
           </a:solidFill>
@@ -2712,16 +2713,16 @@
           <a:cs typeface="+mn-cs"/>
         </a:defRPr>
       </a:lvl1pPr>
-      <a:lvl2pPr marL="685800" indent="-228600" algn="l" defTabSz="914400" rtl="0" eaLnBrk="1" latinLnBrk="1" hangingPunct="1">
+      <a:lvl2pPr marL="1081712" indent="-360571" algn="l" defTabSz="1442283" rtl="0" eaLnBrk="1" latinLnBrk="1" hangingPunct="1">
         <a:lnSpc>
           <a:spcPct val="90000"/>
         </a:lnSpc>
         <a:spcBef>
-          <a:spcPts val="500"/>
+          <a:spcPts val="789"/>
         </a:spcBef>
         <a:buFont typeface="Arial" panose="020B0604020202020204" pitchFamily="34" charset="0"/>
         <a:buChar char="•"/>
-        <a:defRPr sz="2400" kern="1200">
+        <a:defRPr sz="3786" kern="1200">
           <a:solidFill>
             <a:schemeClr val="tx1"/>
           </a:solidFill>
@@ -2730,16 +2731,16 @@
           <a:cs typeface="+mn-cs"/>
         </a:defRPr>
       </a:lvl2pPr>
-      <a:lvl3pPr marL="1143000" indent="-228600" algn="l" defTabSz="914400" rtl="0" eaLnBrk="1" latinLnBrk="1" hangingPunct="1">
+      <a:lvl3pPr marL="1802854" indent="-360571" algn="l" defTabSz="1442283" rtl="0" eaLnBrk="1" latinLnBrk="1" hangingPunct="1">
         <a:lnSpc>
           <a:spcPct val="90000"/>
         </a:lnSpc>
         <a:spcBef>
-          <a:spcPts val="500"/>
+          <a:spcPts val="789"/>
         </a:spcBef>
         <a:buFont typeface="Arial" panose="020B0604020202020204" pitchFamily="34" charset="0"/>
         <a:buChar char="•"/>
-        <a:defRPr sz="2000" kern="1200">
+        <a:defRPr sz="3155" kern="1200">
           <a:solidFill>
             <a:schemeClr val="tx1"/>
           </a:solidFill>
@@ -2748,16 +2749,16 @@
           <a:cs typeface="+mn-cs"/>
         </a:defRPr>
       </a:lvl3pPr>
-      <a:lvl4pPr marL="1600200" indent="-228600" algn="l" defTabSz="914400" rtl="0" eaLnBrk="1" latinLnBrk="1" hangingPunct="1">
+      <a:lvl4pPr marL="2523995" indent="-360571" algn="l" defTabSz="1442283" rtl="0" eaLnBrk="1" latinLnBrk="1" hangingPunct="1">
         <a:lnSpc>
           <a:spcPct val="90000"/>
         </a:lnSpc>
         <a:spcBef>
-          <a:spcPts val="500"/>
+          <a:spcPts val="789"/>
         </a:spcBef>
         <a:buFont typeface="Arial" panose="020B0604020202020204" pitchFamily="34" charset="0"/>
         <a:buChar char="•"/>
-        <a:defRPr sz="1800" kern="1200">
+        <a:defRPr sz="2839" kern="1200">
           <a:solidFill>
             <a:schemeClr val="tx1"/>
           </a:solidFill>
@@ -2766,16 +2767,16 @@
           <a:cs typeface="+mn-cs"/>
         </a:defRPr>
       </a:lvl4pPr>
-      <a:lvl5pPr marL="2057400" indent="-228600" algn="l" defTabSz="914400" rtl="0" eaLnBrk="1" latinLnBrk="1" hangingPunct="1">
+      <a:lvl5pPr marL="3245137" indent="-360571" algn="l" defTabSz="1442283" rtl="0" eaLnBrk="1" latinLnBrk="1" hangingPunct="1">
         <a:lnSpc>
           <a:spcPct val="90000"/>
         </a:lnSpc>
         <a:spcBef>
-          <a:spcPts val="500"/>
+          <a:spcPts val="789"/>
         </a:spcBef>
         <a:buFont typeface="Arial" panose="020B0604020202020204" pitchFamily="34" charset="0"/>
         <a:buChar char="•"/>
-        <a:defRPr sz="1800" kern="1200">
+        <a:defRPr sz="2839" kern="1200">
           <a:solidFill>
             <a:schemeClr val="tx1"/>
           </a:solidFill>
@@ -2784,16 +2785,16 @@
           <a:cs typeface="+mn-cs"/>
         </a:defRPr>
       </a:lvl5pPr>
-      <a:lvl6pPr marL="2514600" indent="-228600" algn="l" defTabSz="914400" rtl="0" eaLnBrk="1" latinLnBrk="1" hangingPunct="1">
+      <a:lvl6pPr marL="3966279" indent="-360571" algn="l" defTabSz="1442283" rtl="0" eaLnBrk="1" latinLnBrk="1" hangingPunct="1">
         <a:lnSpc>
           <a:spcPct val="90000"/>
         </a:lnSpc>
         <a:spcBef>
-          <a:spcPts val="500"/>
+          <a:spcPts val="789"/>
         </a:spcBef>
         <a:buFont typeface="Arial" panose="020B0604020202020204" pitchFamily="34" charset="0"/>
         <a:buChar char="•"/>
-        <a:defRPr sz="1800" kern="1200">
+        <a:defRPr sz="2839" kern="1200">
           <a:solidFill>
             <a:schemeClr val="tx1"/>
           </a:solidFill>
@@ -2802,16 +2803,16 @@
           <a:cs typeface="+mn-cs"/>
         </a:defRPr>
       </a:lvl6pPr>
-      <a:lvl7pPr marL="2971800" indent="-228600" algn="l" defTabSz="914400" rtl="0" eaLnBrk="1" latinLnBrk="1" hangingPunct="1">
+      <a:lvl7pPr marL="4687420" indent="-360571" algn="l" defTabSz="1442283" rtl="0" eaLnBrk="1" latinLnBrk="1" hangingPunct="1">
         <a:lnSpc>
           <a:spcPct val="90000"/>
         </a:lnSpc>
         <a:spcBef>
-          <a:spcPts val="500"/>
+          <a:spcPts val="789"/>
         </a:spcBef>
         <a:buFont typeface="Arial" panose="020B0604020202020204" pitchFamily="34" charset="0"/>
         <a:buChar char="•"/>
-        <a:defRPr sz="1800" kern="1200">
+        <a:defRPr sz="2839" kern="1200">
           <a:solidFill>
             <a:schemeClr val="tx1"/>
           </a:solidFill>
@@ -2820,16 +2821,16 @@
           <a:cs typeface="+mn-cs"/>
         </a:defRPr>
       </a:lvl7pPr>
-      <a:lvl8pPr marL="3429000" indent="-228600" algn="l" defTabSz="914400" rtl="0" eaLnBrk="1" latinLnBrk="1" hangingPunct="1">
+      <a:lvl8pPr marL="5408562" indent="-360571" algn="l" defTabSz="1442283" rtl="0" eaLnBrk="1" latinLnBrk="1" hangingPunct="1">
         <a:lnSpc>
           <a:spcPct val="90000"/>
         </a:lnSpc>
         <a:spcBef>
-          <a:spcPts val="500"/>
+          <a:spcPts val="789"/>
         </a:spcBef>
         <a:buFont typeface="Arial" panose="020B0604020202020204" pitchFamily="34" charset="0"/>
         <a:buChar char="•"/>
-        <a:defRPr sz="1800" kern="1200">
+        <a:defRPr sz="2839" kern="1200">
           <a:solidFill>
             <a:schemeClr val="tx1"/>
           </a:solidFill>
@@ -2838,16 +2839,16 @@
           <a:cs typeface="+mn-cs"/>
         </a:defRPr>
       </a:lvl8pPr>
-      <a:lvl9pPr marL="3886200" indent="-228600" algn="l" defTabSz="914400" rtl="0" eaLnBrk="1" latinLnBrk="1" hangingPunct="1">
+      <a:lvl9pPr marL="6129703" indent="-360571" algn="l" defTabSz="1442283" rtl="0" eaLnBrk="1" latinLnBrk="1" hangingPunct="1">
         <a:lnSpc>
           <a:spcPct val="90000"/>
         </a:lnSpc>
         <a:spcBef>
-          <a:spcPts val="500"/>
+          <a:spcPts val="789"/>
         </a:spcBef>
         <a:buFont typeface="Arial" panose="020B0604020202020204" pitchFamily="34" charset="0"/>
         <a:buChar char="•"/>
-        <a:defRPr sz="1800" kern="1200">
+        <a:defRPr sz="2839" kern="1200">
           <a:solidFill>
             <a:schemeClr val="tx1"/>
           </a:solidFill>
@@ -2861,8 +2862,8 @@
       <a:defPPr>
         <a:defRPr lang="en-US"/>
       </a:defPPr>
-      <a:lvl1pPr marL="0" algn="l" defTabSz="914400" rtl="0" eaLnBrk="1" latinLnBrk="1" hangingPunct="1">
-        <a:defRPr sz="1800" kern="1200">
+      <a:lvl1pPr marL="0" algn="l" defTabSz="1442283" rtl="0" eaLnBrk="1" latinLnBrk="1" hangingPunct="1">
+        <a:defRPr sz="2839" kern="1200">
           <a:solidFill>
             <a:schemeClr val="tx1"/>
           </a:solidFill>
@@ -2871,8 +2872,8 @@
           <a:cs typeface="+mn-cs"/>
         </a:defRPr>
       </a:lvl1pPr>
-      <a:lvl2pPr marL="457200" algn="l" defTabSz="914400" rtl="0" eaLnBrk="1" latinLnBrk="1" hangingPunct="1">
-        <a:defRPr sz="1800" kern="1200">
+      <a:lvl2pPr marL="721142" algn="l" defTabSz="1442283" rtl="0" eaLnBrk="1" latinLnBrk="1" hangingPunct="1">
+        <a:defRPr sz="2839" kern="1200">
           <a:solidFill>
             <a:schemeClr val="tx1"/>
           </a:solidFill>
@@ -2881,8 +2882,8 @@
           <a:cs typeface="+mn-cs"/>
         </a:defRPr>
       </a:lvl2pPr>
-      <a:lvl3pPr marL="914400" algn="l" defTabSz="914400" rtl="0" eaLnBrk="1" latinLnBrk="1" hangingPunct="1">
-        <a:defRPr sz="1800" kern="1200">
+      <a:lvl3pPr marL="1442283" algn="l" defTabSz="1442283" rtl="0" eaLnBrk="1" latinLnBrk="1" hangingPunct="1">
+        <a:defRPr sz="2839" kern="1200">
           <a:solidFill>
             <a:schemeClr val="tx1"/>
           </a:solidFill>
@@ -2891,8 +2892,8 @@
           <a:cs typeface="+mn-cs"/>
         </a:defRPr>
       </a:lvl3pPr>
-      <a:lvl4pPr marL="1371600" algn="l" defTabSz="914400" rtl="0" eaLnBrk="1" latinLnBrk="1" hangingPunct="1">
-        <a:defRPr sz="1800" kern="1200">
+      <a:lvl4pPr marL="2163425" algn="l" defTabSz="1442283" rtl="0" eaLnBrk="1" latinLnBrk="1" hangingPunct="1">
+        <a:defRPr sz="2839" kern="1200">
           <a:solidFill>
             <a:schemeClr val="tx1"/>
           </a:solidFill>
@@ -2901,8 +2902,8 @@
           <a:cs typeface="+mn-cs"/>
         </a:defRPr>
       </a:lvl4pPr>
-      <a:lvl5pPr marL="1828800" algn="l" defTabSz="914400" rtl="0" eaLnBrk="1" latinLnBrk="1" hangingPunct="1">
-        <a:defRPr sz="1800" kern="1200">
+      <a:lvl5pPr marL="2884566" algn="l" defTabSz="1442283" rtl="0" eaLnBrk="1" latinLnBrk="1" hangingPunct="1">
+        <a:defRPr sz="2839" kern="1200">
           <a:solidFill>
             <a:schemeClr val="tx1"/>
           </a:solidFill>
@@ -2911,8 +2912,8 @@
           <a:cs typeface="+mn-cs"/>
         </a:defRPr>
       </a:lvl5pPr>
-      <a:lvl6pPr marL="2286000" algn="l" defTabSz="914400" rtl="0" eaLnBrk="1" latinLnBrk="1" hangingPunct="1">
-        <a:defRPr sz="1800" kern="1200">
+      <a:lvl6pPr marL="3605708" algn="l" defTabSz="1442283" rtl="0" eaLnBrk="1" latinLnBrk="1" hangingPunct="1">
+        <a:defRPr sz="2839" kern="1200">
           <a:solidFill>
             <a:schemeClr val="tx1"/>
           </a:solidFill>
@@ -2921,8 +2922,8 @@
           <a:cs typeface="+mn-cs"/>
         </a:defRPr>
       </a:lvl6pPr>
-      <a:lvl7pPr marL="2743200" algn="l" defTabSz="914400" rtl="0" eaLnBrk="1" latinLnBrk="1" hangingPunct="1">
-        <a:defRPr sz="1800" kern="1200">
+      <a:lvl7pPr marL="4326849" algn="l" defTabSz="1442283" rtl="0" eaLnBrk="1" latinLnBrk="1" hangingPunct="1">
+        <a:defRPr sz="2839" kern="1200">
           <a:solidFill>
             <a:schemeClr val="tx1"/>
           </a:solidFill>
@@ -2931,8 +2932,8 @@
           <a:cs typeface="+mn-cs"/>
         </a:defRPr>
       </a:lvl7pPr>
-      <a:lvl8pPr marL="3200400" algn="l" defTabSz="914400" rtl="0" eaLnBrk="1" latinLnBrk="1" hangingPunct="1">
-        <a:defRPr sz="1800" kern="1200">
+      <a:lvl8pPr marL="5047991" algn="l" defTabSz="1442283" rtl="0" eaLnBrk="1" latinLnBrk="1" hangingPunct="1">
+        <a:defRPr sz="2839" kern="1200">
           <a:solidFill>
             <a:schemeClr val="tx1"/>
           </a:solidFill>
@@ -2941,8 +2942,8 @@
           <a:cs typeface="+mn-cs"/>
         </a:defRPr>
       </a:lvl8pPr>
-      <a:lvl9pPr marL="3657600" algn="l" defTabSz="914400" rtl="0" eaLnBrk="1" latinLnBrk="1" hangingPunct="1">
-        <a:defRPr sz="1800" kern="1200">
+      <a:lvl9pPr marL="5769132" algn="l" defTabSz="1442283" rtl="0" eaLnBrk="1" latinLnBrk="1" hangingPunct="1">
+        <a:defRPr sz="2839" kern="1200">
           <a:solidFill>
             <a:schemeClr val="tx1"/>
           </a:solidFill>
@@ -2987,7 +2988,7 @@
         </p:nvSpPr>
         <p:spPr>
           <a:xfrm>
-            <a:off x="6835513" y="1723289"/>
+            <a:off x="6835513" y="3702901"/>
             <a:ext cx="1191580" cy="714662"/>
           </a:xfrm>
           <a:prstGeom prst="roundRect">
@@ -3056,7 +3057,7 @@
         </p:nvSpPr>
         <p:spPr>
           <a:xfrm>
-            <a:off x="10946534" y="1358901"/>
+            <a:off x="10946534" y="3338513"/>
             <a:ext cx="1191580" cy="714662"/>
           </a:xfrm>
           <a:prstGeom prst="roundRect">
@@ -3125,7 +3126,7 @@
         </p:nvSpPr>
         <p:spPr>
           <a:xfrm>
-            <a:off x="13107844" y="1358900"/>
+            <a:off x="13107844" y="3338512"/>
             <a:ext cx="1191580" cy="714662"/>
           </a:xfrm>
           <a:prstGeom prst="roundRect">
@@ -3194,7 +3195,7 @@
         </p:nvSpPr>
         <p:spPr>
           <a:xfrm>
-            <a:off x="15269152" y="830694"/>
+            <a:off x="15269152" y="2810307"/>
             <a:ext cx="1799648" cy="415763"/>
           </a:xfrm>
           <a:prstGeom prst="roundRect">
@@ -3263,7 +3264,7 @@
         </p:nvSpPr>
         <p:spPr>
           <a:xfrm>
-            <a:off x="15269152" y="1611744"/>
+            <a:off x="15269152" y="3591357"/>
             <a:ext cx="1799648" cy="415763"/>
           </a:xfrm>
           <a:prstGeom prst="roundRect">
@@ -3332,7 +3333,7 @@
         </p:nvSpPr>
         <p:spPr>
           <a:xfrm>
-            <a:off x="15269152" y="2392794"/>
+            <a:off x="15269152" y="4372407"/>
             <a:ext cx="1799648" cy="415763"/>
           </a:xfrm>
           <a:prstGeom prst="roundRect">
@@ -3401,7 +3402,7 @@
         </p:nvSpPr>
         <p:spPr>
           <a:xfrm>
-            <a:off x="3101399" y="4304664"/>
+            <a:off x="3101400" y="6284276"/>
             <a:ext cx="1750001" cy="714662"/>
           </a:xfrm>
           <a:prstGeom prst="roundRect">
@@ -3470,7 +3471,7 @@
         </p:nvSpPr>
         <p:spPr>
           <a:xfrm>
-            <a:off x="7431303" y="5737269"/>
+            <a:off x="7431304" y="7716881"/>
             <a:ext cx="1474871" cy="714662"/>
           </a:xfrm>
           <a:prstGeom prst="roundRect">
@@ -3539,7 +3540,7 @@
         </p:nvSpPr>
         <p:spPr>
           <a:xfrm>
-            <a:off x="3337731" y="644238"/>
+            <a:off x="3337732" y="2623850"/>
             <a:ext cx="2115565" cy="714662"/>
           </a:xfrm>
           <a:prstGeom prst="roundRect">
@@ -3608,7 +3609,7 @@
         </p:nvSpPr>
         <p:spPr>
           <a:xfrm>
-            <a:off x="3461554" y="1723289"/>
+            <a:off x="3461554" y="3702901"/>
             <a:ext cx="1950368" cy="714662"/>
           </a:xfrm>
           <a:prstGeom prst="roundRect">
@@ -3677,7 +3678,7 @@
         </p:nvSpPr>
         <p:spPr>
           <a:xfrm>
-            <a:off x="16168976" y="4868594"/>
+            <a:off x="16168977" y="6848206"/>
             <a:ext cx="1799647" cy="714662"/>
           </a:xfrm>
           <a:prstGeom prst="roundRect">
@@ -3746,7 +3747,7 @@
         </p:nvSpPr>
         <p:spPr>
           <a:xfrm>
-            <a:off x="6837949" y="3705388"/>
+            <a:off x="6837950" y="5685000"/>
             <a:ext cx="1705185" cy="714662"/>
           </a:xfrm>
           <a:prstGeom prst="roundRect">
@@ -3815,7 +3816,7 @@
         </p:nvSpPr>
         <p:spPr>
           <a:xfrm>
-            <a:off x="7902323" y="2623358"/>
+            <a:off x="7902324" y="4602970"/>
             <a:ext cx="1705185" cy="714662"/>
           </a:xfrm>
           <a:prstGeom prst="roundRect">
@@ -3884,7 +3885,7 @@
         </p:nvSpPr>
         <p:spPr>
           <a:xfrm>
-            <a:off x="8027093" y="4619252"/>
+            <a:off x="8027094" y="6598864"/>
             <a:ext cx="1705185" cy="714662"/>
           </a:xfrm>
           <a:prstGeom prst="roundRect">
@@ -3943,6 +3944,4050 @@
     <p:extLst>
       <p:ext uri="{BB962C8B-B14F-4D97-AF65-F5344CB8AC3E}">
         <p14:creationId xmlns:p14="http://schemas.microsoft.com/office/powerpoint/2010/main" val="1175847143"/>
+      </p:ext>
+    </p:extLst>
+  </p:cSld>
+  <p:clrMapOvr>
+    <a:masterClrMapping/>
+  </p:clrMapOvr>
+</p:sld>
+</file>
+
+<file path=ppt/slides/slide2.xml><?xml version="1.0" encoding="utf-8"?>
+<p:sld xmlns:a="http://schemas.openxmlformats.org/drawingml/2006/main" xmlns:r="http://schemas.openxmlformats.org/officeDocument/2006/relationships" xmlns:p="http://schemas.openxmlformats.org/presentationml/2006/main">
+  <p:cSld>
+    <p:spTree>
+      <p:nvGrpSpPr>
+        <p:cNvPr id="1" name=""/>
+        <p:cNvGrpSpPr/>
+        <p:nvPr/>
+      </p:nvGrpSpPr>
+      <p:grpSpPr>
+        <a:xfrm>
+          <a:off x="0" y="0"/>
+          <a:ext cx="0" cy="0"/>
+          <a:chOff x="0" y="0"/>
+          <a:chExt cx="0" cy="0"/>
+        </a:xfrm>
+      </p:grpSpPr>
+      <p:sp>
+        <p:nvSpPr>
+          <p:cNvPr id="86" name="타원 85">
+            <a:extLst>
+              <a:ext uri="{FF2B5EF4-FFF2-40B4-BE49-F238E27FC236}">
+                <a16:creationId xmlns:a16="http://schemas.microsoft.com/office/drawing/2014/main" id="{D40AB9CC-49E7-470D-8C04-C89B9A8D4288}"/>
+              </a:ext>
+            </a:extLst>
+          </p:cNvPr>
+          <p:cNvSpPr/>
+          <p:nvPr/>
+        </p:nvSpPr>
+        <p:spPr>
+          <a:xfrm>
+            <a:off x="10199307" y="1021087"/>
+            <a:ext cx="989171" cy="748145"/>
+          </a:xfrm>
+          <a:prstGeom prst="ellipse">
+            <a:avLst/>
+          </a:prstGeom>
+          <a:noFill/>
+        </p:spPr>
+        <p:style>
+          <a:lnRef idx="2">
+            <a:schemeClr val="accent1">
+              <a:shade val="50000"/>
+            </a:schemeClr>
+          </a:lnRef>
+          <a:fillRef idx="1">
+            <a:schemeClr val="accent1"/>
+          </a:fillRef>
+          <a:effectRef idx="0">
+            <a:schemeClr val="accent1"/>
+          </a:effectRef>
+          <a:fontRef idx="minor">
+            <a:schemeClr val="lt1"/>
+          </a:fontRef>
+        </p:style>
+        <p:txBody>
+          <a:bodyPr rtlCol="0" anchor="ctr"/>
+          <a:lstStyle/>
+          <a:p>
+            <a:pPr algn="ctr"/>
+            <a:r>
+              <a:rPr lang="en-US" altLang="ko-KR">
+                <a:solidFill>
+                  <a:schemeClr val="tx1"/>
+                </a:solidFill>
+              </a:rPr>
+              <a:t>0~9</a:t>
+            </a:r>
+            <a:endParaRPr lang="ko-KR" altLang="en-US">
+              <a:solidFill>
+                <a:schemeClr val="tx1"/>
+              </a:solidFill>
+            </a:endParaRPr>
+          </a:p>
+        </p:txBody>
+      </p:sp>
+      <p:sp>
+        <p:nvSpPr>
+          <p:cNvPr id="87" name="TextBox 86">
+            <a:extLst>
+              <a:ext uri="{FF2B5EF4-FFF2-40B4-BE49-F238E27FC236}">
+                <a16:creationId xmlns:a16="http://schemas.microsoft.com/office/drawing/2014/main" id="{F68B0F9B-F5AE-4651-9F88-BCD96C41645F}"/>
+              </a:ext>
+            </a:extLst>
+          </p:cNvPr>
+          <p:cNvSpPr txBox="1"/>
+          <p:nvPr/>
+        </p:nvSpPr>
+        <p:spPr>
+          <a:xfrm>
+            <a:off x="2325219" y="825132"/>
+            <a:ext cx="1431636" cy="369332"/>
+          </a:xfrm>
+          <a:prstGeom prst="rect">
+            <a:avLst/>
+          </a:prstGeom>
+          <a:noFill/>
+        </p:spPr>
+        <p:txBody>
+          <a:bodyPr wrap="square" rtlCol="0">
+            <a:spAutoFit/>
+          </a:bodyPr>
+          <a:lstStyle/>
+          <a:p>
+            <a:r>
+              <a:rPr lang="ko-KR" altLang="en-US"/>
+              <a:t>추상 구조</a:t>
+            </a:r>
+            <a:endParaRPr lang="en-US" altLang="ko-KR"/>
+          </a:p>
+        </p:txBody>
+      </p:sp>
+      <p:sp>
+        <p:nvSpPr>
+          <p:cNvPr id="88" name="타원 87">
+            <a:extLst>
+              <a:ext uri="{FF2B5EF4-FFF2-40B4-BE49-F238E27FC236}">
+                <a16:creationId xmlns:a16="http://schemas.microsoft.com/office/drawing/2014/main" id="{20E54056-DD97-4BEE-9661-474B8F3C6601}"/>
+              </a:ext>
+            </a:extLst>
+          </p:cNvPr>
+          <p:cNvSpPr/>
+          <p:nvPr/>
+        </p:nvSpPr>
+        <p:spPr>
+          <a:xfrm>
+            <a:off x="5712314" y="2301143"/>
+            <a:ext cx="988354" cy="748145"/>
+          </a:xfrm>
+          <a:prstGeom prst="ellipse">
+            <a:avLst/>
+          </a:prstGeom>
+          <a:noFill/>
+        </p:spPr>
+        <p:style>
+          <a:lnRef idx="2">
+            <a:schemeClr val="accent1">
+              <a:shade val="50000"/>
+            </a:schemeClr>
+          </a:lnRef>
+          <a:fillRef idx="1">
+            <a:schemeClr val="accent1"/>
+          </a:fillRef>
+          <a:effectRef idx="0">
+            <a:schemeClr val="accent1"/>
+          </a:effectRef>
+          <a:fontRef idx="minor">
+            <a:schemeClr val="lt1"/>
+          </a:fontRef>
+        </p:style>
+        <p:txBody>
+          <a:bodyPr rtlCol="0" anchor="ctr"/>
+          <a:lstStyle/>
+          <a:p>
+            <a:pPr algn="ctr"/>
+            <a:r>
+              <a:rPr lang="en-US" altLang="ko-KR">
+                <a:solidFill>
+                  <a:schemeClr val="tx1"/>
+                </a:solidFill>
+              </a:rPr>
+              <a:t>0~5</a:t>
+            </a:r>
+            <a:endParaRPr lang="ko-KR" altLang="en-US">
+              <a:solidFill>
+                <a:schemeClr val="tx1"/>
+              </a:solidFill>
+            </a:endParaRPr>
+          </a:p>
+        </p:txBody>
+      </p:sp>
+      <p:sp>
+        <p:nvSpPr>
+          <p:cNvPr id="89" name="타원 88">
+            <a:extLst>
+              <a:ext uri="{FF2B5EF4-FFF2-40B4-BE49-F238E27FC236}">
+                <a16:creationId xmlns:a16="http://schemas.microsoft.com/office/drawing/2014/main" id="{880D9039-DDB1-4ABB-8A35-6762C1349E98}"/>
+              </a:ext>
+            </a:extLst>
+          </p:cNvPr>
+          <p:cNvSpPr/>
+          <p:nvPr/>
+        </p:nvSpPr>
+        <p:spPr>
+          <a:xfrm>
+            <a:off x="14918687" y="2301142"/>
+            <a:ext cx="988354" cy="748145"/>
+          </a:xfrm>
+          <a:prstGeom prst="ellipse">
+            <a:avLst/>
+          </a:prstGeom>
+          <a:noFill/>
+        </p:spPr>
+        <p:style>
+          <a:lnRef idx="2">
+            <a:schemeClr val="accent1">
+              <a:shade val="50000"/>
+            </a:schemeClr>
+          </a:lnRef>
+          <a:fillRef idx="1">
+            <a:schemeClr val="accent1"/>
+          </a:fillRef>
+          <a:effectRef idx="0">
+            <a:schemeClr val="accent1"/>
+          </a:effectRef>
+          <a:fontRef idx="minor">
+            <a:schemeClr val="lt1"/>
+          </a:fontRef>
+        </p:style>
+        <p:txBody>
+          <a:bodyPr rtlCol="0" anchor="ctr"/>
+          <a:lstStyle/>
+          <a:p>
+            <a:pPr algn="ctr"/>
+            <a:r>
+              <a:rPr lang="en-US" altLang="ko-KR">
+                <a:solidFill>
+                  <a:schemeClr val="tx1"/>
+                </a:solidFill>
+              </a:rPr>
+              <a:t>6~9</a:t>
+            </a:r>
+            <a:endParaRPr lang="ko-KR" altLang="en-US">
+              <a:solidFill>
+                <a:schemeClr val="tx1"/>
+              </a:solidFill>
+            </a:endParaRPr>
+          </a:p>
+        </p:txBody>
+      </p:sp>
+      <p:sp>
+        <p:nvSpPr>
+          <p:cNvPr id="90" name="타원 89">
+            <a:extLst>
+              <a:ext uri="{FF2B5EF4-FFF2-40B4-BE49-F238E27FC236}">
+                <a16:creationId xmlns:a16="http://schemas.microsoft.com/office/drawing/2014/main" id="{C9477BBF-90F1-4614-B9EE-DEFC97A38B3B}"/>
+              </a:ext>
+            </a:extLst>
+          </p:cNvPr>
+          <p:cNvSpPr/>
+          <p:nvPr/>
+        </p:nvSpPr>
+        <p:spPr>
+          <a:xfrm>
+            <a:off x="3643748" y="3853244"/>
+            <a:ext cx="893758" cy="748145"/>
+          </a:xfrm>
+          <a:prstGeom prst="ellipse">
+            <a:avLst/>
+          </a:prstGeom>
+          <a:noFill/>
+        </p:spPr>
+        <p:style>
+          <a:lnRef idx="2">
+            <a:schemeClr val="accent1">
+              <a:shade val="50000"/>
+            </a:schemeClr>
+          </a:lnRef>
+          <a:fillRef idx="1">
+            <a:schemeClr val="accent1"/>
+          </a:fillRef>
+          <a:effectRef idx="0">
+            <a:schemeClr val="accent1"/>
+          </a:effectRef>
+          <a:fontRef idx="minor">
+            <a:schemeClr val="lt1"/>
+          </a:fontRef>
+        </p:style>
+        <p:txBody>
+          <a:bodyPr rtlCol="0" anchor="ctr"/>
+          <a:lstStyle/>
+          <a:p>
+            <a:pPr algn="ctr"/>
+            <a:r>
+              <a:rPr lang="en-US" altLang="ko-KR">
+                <a:solidFill>
+                  <a:schemeClr val="tx1"/>
+                </a:solidFill>
+              </a:rPr>
+              <a:t>0~3</a:t>
+            </a:r>
+            <a:endParaRPr lang="ko-KR" altLang="en-US">
+              <a:solidFill>
+                <a:schemeClr val="tx1"/>
+              </a:solidFill>
+            </a:endParaRPr>
+          </a:p>
+        </p:txBody>
+      </p:sp>
+      <p:sp>
+        <p:nvSpPr>
+          <p:cNvPr id="91" name="타원 90">
+            <a:extLst>
+              <a:ext uri="{FF2B5EF4-FFF2-40B4-BE49-F238E27FC236}">
+                <a16:creationId xmlns:a16="http://schemas.microsoft.com/office/drawing/2014/main" id="{B182874D-70F5-4336-B77A-21988AFA1B21}"/>
+              </a:ext>
+            </a:extLst>
+          </p:cNvPr>
+          <p:cNvSpPr/>
+          <p:nvPr/>
+        </p:nvSpPr>
+        <p:spPr>
+          <a:xfrm>
+            <a:off x="7794132" y="3866377"/>
+            <a:ext cx="996251" cy="748145"/>
+          </a:xfrm>
+          <a:prstGeom prst="ellipse">
+            <a:avLst/>
+          </a:prstGeom>
+          <a:noFill/>
+        </p:spPr>
+        <p:style>
+          <a:lnRef idx="2">
+            <a:schemeClr val="accent1">
+              <a:shade val="50000"/>
+            </a:schemeClr>
+          </a:lnRef>
+          <a:fillRef idx="1">
+            <a:schemeClr val="accent1"/>
+          </a:fillRef>
+          <a:effectRef idx="0">
+            <a:schemeClr val="accent1"/>
+          </a:effectRef>
+          <a:fontRef idx="minor">
+            <a:schemeClr val="lt1"/>
+          </a:fontRef>
+        </p:style>
+        <p:txBody>
+          <a:bodyPr rtlCol="0" anchor="ctr"/>
+          <a:lstStyle/>
+          <a:p>
+            <a:pPr algn="ctr"/>
+            <a:r>
+              <a:rPr lang="en-US" altLang="ko-KR">
+                <a:solidFill>
+                  <a:schemeClr val="tx1"/>
+                </a:solidFill>
+              </a:rPr>
+              <a:t>4~5</a:t>
+            </a:r>
+            <a:endParaRPr lang="ko-KR" altLang="en-US">
+              <a:solidFill>
+                <a:schemeClr val="tx1"/>
+              </a:solidFill>
+            </a:endParaRPr>
+          </a:p>
+        </p:txBody>
+      </p:sp>
+      <p:sp>
+        <p:nvSpPr>
+          <p:cNvPr id="92" name="타원 91">
+            <a:extLst>
+              <a:ext uri="{FF2B5EF4-FFF2-40B4-BE49-F238E27FC236}">
+                <a16:creationId xmlns:a16="http://schemas.microsoft.com/office/drawing/2014/main" id="{3ECEBF91-B4A7-44FA-900E-31BF94BE5742}"/>
+              </a:ext>
+            </a:extLst>
+          </p:cNvPr>
+          <p:cNvSpPr/>
+          <p:nvPr/>
+        </p:nvSpPr>
+        <p:spPr>
+          <a:xfrm>
+            <a:off x="12533727" y="3866377"/>
+            <a:ext cx="996251" cy="748145"/>
+          </a:xfrm>
+          <a:prstGeom prst="ellipse">
+            <a:avLst/>
+          </a:prstGeom>
+          <a:noFill/>
+        </p:spPr>
+        <p:style>
+          <a:lnRef idx="2">
+            <a:schemeClr val="accent1">
+              <a:shade val="50000"/>
+            </a:schemeClr>
+          </a:lnRef>
+          <a:fillRef idx="1">
+            <a:schemeClr val="accent1"/>
+          </a:fillRef>
+          <a:effectRef idx="0">
+            <a:schemeClr val="accent1"/>
+          </a:effectRef>
+          <a:fontRef idx="minor">
+            <a:schemeClr val="lt1"/>
+          </a:fontRef>
+        </p:style>
+        <p:txBody>
+          <a:bodyPr rtlCol="0" anchor="ctr"/>
+          <a:lstStyle/>
+          <a:p>
+            <a:pPr algn="ctr"/>
+            <a:r>
+              <a:rPr lang="en-US" altLang="ko-KR">
+                <a:solidFill>
+                  <a:schemeClr val="tx1"/>
+                </a:solidFill>
+              </a:rPr>
+              <a:t>6~7</a:t>
+            </a:r>
+            <a:endParaRPr lang="ko-KR" altLang="en-US">
+              <a:solidFill>
+                <a:schemeClr val="tx1"/>
+              </a:solidFill>
+            </a:endParaRPr>
+          </a:p>
+        </p:txBody>
+      </p:sp>
+      <p:sp>
+        <p:nvSpPr>
+          <p:cNvPr id="93" name="타원 92">
+            <a:extLst>
+              <a:ext uri="{FF2B5EF4-FFF2-40B4-BE49-F238E27FC236}">
+                <a16:creationId xmlns:a16="http://schemas.microsoft.com/office/drawing/2014/main" id="{70968CB1-6D1C-4110-9491-5D5D845C5D89}"/>
+              </a:ext>
+            </a:extLst>
+          </p:cNvPr>
+          <p:cNvSpPr/>
+          <p:nvPr/>
+        </p:nvSpPr>
+        <p:spPr>
+          <a:xfrm>
+            <a:off x="16908486" y="3853243"/>
+            <a:ext cx="996251" cy="748145"/>
+          </a:xfrm>
+          <a:prstGeom prst="ellipse">
+            <a:avLst/>
+          </a:prstGeom>
+          <a:noFill/>
+        </p:spPr>
+        <p:style>
+          <a:lnRef idx="2">
+            <a:schemeClr val="accent1">
+              <a:shade val="50000"/>
+            </a:schemeClr>
+          </a:lnRef>
+          <a:fillRef idx="1">
+            <a:schemeClr val="accent1"/>
+          </a:fillRef>
+          <a:effectRef idx="0">
+            <a:schemeClr val="accent1"/>
+          </a:effectRef>
+          <a:fontRef idx="minor">
+            <a:schemeClr val="lt1"/>
+          </a:fontRef>
+        </p:style>
+        <p:txBody>
+          <a:bodyPr rtlCol="0" anchor="ctr"/>
+          <a:lstStyle/>
+          <a:p>
+            <a:pPr algn="ctr"/>
+            <a:r>
+              <a:rPr lang="en-US" altLang="ko-KR">
+                <a:solidFill>
+                  <a:schemeClr val="tx1"/>
+                </a:solidFill>
+              </a:rPr>
+              <a:t>8~9</a:t>
+            </a:r>
+            <a:endParaRPr lang="ko-KR" altLang="en-US">
+              <a:solidFill>
+                <a:schemeClr val="tx1"/>
+              </a:solidFill>
+            </a:endParaRPr>
+          </a:p>
+        </p:txBody>
+      </p:sp>
+      <p:sp>
+        <p:nvSpPr>
+          <p:cNvPr id="94" name="타원 93">
+            <a:extLst>
+              <a:ext uri="{FF2B5EF4-FFF2-40B4-BE49-F238E27FC236}">
+                <a16:creationId xmlns:a16="http://schemas.microsoft.com/office/drawing/2014/main" id="{D075D509-DDE2-4866-95F9-E0EBB338FDE3}"/>
+              </a:ext>
+            </a:extLst>
+          </p:cNvPr>
+          <p:cNvSpPr/>
+          <p:nvPr/>
+        </p:nvSpPr>
+        <p:spPr>
+          <a:xfrm>
+            <a:off x="2196307" y="5538992"/>
+            <a:ext cx="919603" cy="748142"/>
+          </a:xfrm>
+          <a:prstGeom prst="ellipse">
+            <a:avLst/>
+          </a:prstGeom>
+          <a:noFill/>
+        </p:spPr>
+        <p:style>
+          <a:lnRef idx="2">
+            <a:schemeClr val="accent1">
+              <a:shade val="50000"/>
+            </a:schemeClr>
+          </a:lnRef>
+          <a:fillRef idx="1">
+            <a:schemeClr val="accent1"/>
+          </a:fillRef>
+          <a:effectRef idx="0">
+            <a:schemeClr val="accent1"/>
+          </a:effectRef>
+          <a:fontRef idx="minor">
+            <a:schemeClr val="lt1"/>
+          </a:fontRef>
+        </p:style>
+        <p:txBody>
+          <a:bodyPr rtlCol="0" anchor="ctr"/>
+          <a:lstStyle/>
+          <a:p>
+            <a:pPr algn="ctr"/>
+            <a:r>
+              <a:rPr lang="en-US" altLang="ko-KR">
+                <a:solidFill>
+                  <a:schemeClr val="tx1"/>
+                </a:solidFill>
+              </a:rPr>
+              <a:t>0~1</a:t>
+            </a:r>
+            <a:endParaRPr lang="ko-KR" altLang="en-US">
+              <a:solidFill>
+                <a:schemeClr val="tx1"/>
+              </a:solidFill>
+            </a:endParaRPr>
+          </a:p>
+        </p:txBody>
+      </p:sp>
+      <p:sp>
+        <p:nvSpPr>
+          <p:cNvPr id="95" name="타원 94">
+            <a:extLst>
+              <a:ext uri="{FF2B5EF4-FFF2-40B4-BE49-F238E27FC236}">
+                <a16:creationId xmlns:a16="http://schemas.microsoft.com/office/drawing/2014/main" id="{BEF678B8-5793-449F-BAB8-C1375DE41A39}"/>
+              </a:ext>
+            </a:extLst>
+          </p:cNvPr>
+          <p:cNvSpPr/>
+          <p:nvPr/>
+        </p:nvSpPr>
+        <p:spPr>
+          <a:xfrm>
+            <a:off x="4982642" y="5538990"/>
+            <a:ext cx="919602" cy="748145"/>
+          </a:xfrm>
+          <a:prstGeom prst="ellipse">
+            <a:avLst/>
+          </a:prstGeom>
+          <a:noFill/>
+        </p:spPr>
+        <p:style>
+          <a:lnRef idx="2">
+            <a:schemeClr val="accent1">
+              <a:shade val="50000"/>
+            </a:schemeClr>
+          </a:lnRef>
+          <a:fillRef idx="1">
+            <a:schemeClr val="accent1"/>
+          </a:fillRef>
+          <a:effectRef idx="0">
+            <a:schemeClr val="accent1"/>
+          </a:effectRef>
+          <a:fontRef idx="minor">
+            <a:schemeClr val="lt1"/>
+          </a:fontRef>
+        </p:style>
+        <p:txBody>
+          <a:bodyPr rtlCol="0" anchor="ctr"/>
+          <a:lstStyle/>
+          <a:p>
+            <a:pPr algn="ctr"/>
+            <a:r>
+              <a:rPr lang="en-US" altLang="ko-KR">
+                <a:solidFill>
+                  <a:schemeClr val="tx1"/>
+                </a:solidFill>
+              </a:rPr>
+              <a:t>2~3</a:t>
+            </a:r>
+            <a:endParaRPr lang="ko-KR" altLang="en-US">
+              <a:solidFill>
+                <a:schemeClr val="tx1"/>
+              </a:solidFill>
+            </a:endParaRPr>
+          </a:p>
+        </p:txBody>
+      </p:sp>
+      <p:sp>
+        <p:nvSpPr>
+          <p:cNvPr id="96" name="타원 95">
+            <a:extLst>
+              <a:ext uri="{FF2B5EF4-FFF2-40B4-BE49-F238E27FC236}">
+                <a16:creationId xmlns:a16="http://schemas.microsoft.com/office/drawing/2014/main" id="{D909B4C0-3DD0-4A1D-8C99-D0A563670695}"/>
+              </a:ext>
+            </a:extLst>
+          </p:cNvPr>
+          <p:cNvSpPr/>
+          <p:nvPr/>
+        </p:nvSpPr>
+        <p:spPr>
+          <a:xfrm>
+            <a:off x="6570765" y="5538991"/>
+            <a:ext cx="729672" cy="748145"/>
+          </a:xfrm>
+          <a:prstGeom prst="ellipse">
+            <a:avLst/>
+          </a:prstGeom>
+          <a:noFill/>
+        </p:spPr>
+        <p:style>
+          <a:lnRef idx="2">
+            <a:schemeClr val="accent1">
+              <a:shade val="50000"/>
+            </a:schemeClr>
+          </a:lnRef>
+          <a:fillRef idx="1">
+            <a:schemeClr val="accent1"/>
+          </a:fillRef>
+          <a:effectRef idx="0">
+            <a:schemeClr val="accent1"/>
+          </a:effectRef>
+          <a:fontRef idx="minor">
+            <a:schemeClr val="lt1"/>
+          </a:fontRef>
+        </p:style>
+        <p:txBody>
+          <a:bodyPr rtlCol="0" anchor="ctr"/>
+          <a:lstStyle/>
+          <a:p>
+            <a:pPr algn="ctr"/>
+            <a:r>
+              <a:rPr lang="en-US" altLang="ko-KR">
+                <a:solidFill>
+                  <a:schemeClr val="tx1"/>
+                </a:solidFill>
+              </a:rPr>
+              <a:t>4</a:t>
+            </a:r>
+            <a:endParaRPr lang="ko-KR" altLang="en-US">
+              <a:solidFill>
+                <a:schemeClr val="tx1"/>
+              </a:solidFill>
+            </a:endParaRPr>
+          </a:p>
+        </p:txBody>
+      </p:sp>
+      <p:sp>
+        <p:nvSpPr>
+          <p:cNvPr id="97" name="타원 96">
+            <a:extLst>
+              <a:ext uri="{FF2B5EF4-FFF2-40B4-BE49-F238E27FC236}">
+                <a16:creationId xmlns:a16="http://schemas.microsoft.com/office/drawing/2014/main" id="{8CF9EC4E-16F2-44FA-B0FC-CC9D09E930F4}"/>
+              </a:ext>
+            </a:extLst>
+          </p:cNvPr>
+          <p:cNvSpPr/>
+          <p:nvPr/>
+        </p:nvSpPr>
+        <p:spPr>
+          <a:xfrm>
+            <a:off x="9357099" y="5538990"/>
+            <a:ext cx="729672" cy="748145"/>
+          </a:xfrm>
+          <a:prstGeom prst="ellipse">
+            <a:avLst/>
+          </a:prstGeom>
+          <a:noFill/>
+        </p:spPr>
+        <p:style>
+          <a:lnRef idx="2">
+            <a:schemeClr val="accent1">
+              <a:shade val="50000"/>
+            </a:schemeClr>
+          </a:lnRef>
+          <a:fillRef idx="1">
+            <a:schemeClr val="accent1"/>
+          </a:fillRef>
+          <a:effectRef idx="0">
+            <a:schemeClr val="accent1"/>
+          </a:effectRef>
+          <a:fontRef idx="minor">
+            <a:schemeClr val="lt1"/>
+          </a:fontRef>
+        </p:style>
+        <p:txBody>
+          <a:bodyPr rtlCol="0" anchor="ctr"/>
+          <a:lstStyle/>
+          <a:p>
+            <a:pPr algn="ctr"/>
+            <a:r>
+              <a:rPr lang="en-US" altLang="ko-KR">
+                <a:solidFill>
+                  <a:schemeClr val="tx1"/>
+                </a:solidFill>
+              </a:rPr>
+              <a:t>5</a:t>
+            </a:r>
+            <a:endParaRPr lang="ko-KR" altLang="en-US">
+              <a:solidFill>
+                <a:schemeClr val="tx1"/>
+              </a:solidFill>
+            </a:endParaRPr>
+          </a:p>
+        </p:txBody>
+      </p:sp>
+      <p:sp>
+        <p:nvSpPr>
+          <p:cNvPr id="98" name="타원 97">
+            <a:extLst>
+              <a:ext uri="{FF2B5EF4-FFF2-40B4-BE49-F238E27FC236}">
+                <a16:creationId xmlns:a16="http://schemas.microsoft.com/office/drawing/2014/main" id="{9B76EDF3-BF0C-40FC-AF5F-986F589A8224}"/>
+              </a:ext>
+            </a:extLst>
+          </p:cNvPr>
+          <p:cNvSpPr/>
+          <p:nvPr/>
+        </p:nvSpPr>
+        <p:spPr>
+          <a:xfrm>
+            <a:off x="11188479" y="5538990"/>
+            <a:ext cx="729672" cy="748145"/>
+          </a:xfrm>
+          <a:prstGeom prst="ellipse">
+            <a:avLst/>
+          </a:prstGeom>
+          <a:noFill/>
+        </p:spPr>
+        <p:style>
+          <a:lnRef idx="2">
+            <a:schemeClr val="accent1">
+              <a:shade val="50000"/>
+            </a:schemeClr>
+          </a:lnRef>
+          <a:fillRef idx="1">
+            <a:schemeClr val="accent1"/>
+          </a:fillRef>
+          <a:effectRef idx="0">
+            <a:schemeClr val="accent1"/>
+          </a:effectRef>
+          <a:fontRef idx="minor">
+            <a:schemeClr val="lt1"/>
+          </a:fontRef>
+        </p:style>
+        <p:txBody>
+          <a:bodyPr rtlCol="0" anchor="ctr"/>
+          <a:lstStyle/>
+          <a:p>
+            <a:pPr algn="ctr"/>
+            <a:r>
+              <a:rPr lang="en-US" altLang="ko-KR">
+                <a:solidFill>
+                  <a:schemeClr val="tx1"/>
+                </a:solidFill>
+              </a:rPr>
+              <a:t>6</a:t>
+            </a:r>
+            <a:endParaRPr lang="ko-KR" altLang="en-US">
+              <a:solidFill>
+                <a:schemeClr val="tx1"/>
+              </a:solidFill>
+            </a:endParaRPr>
+          </a:p>
+        </p:txBody>
+      </p:sp>
+      <p:sp>
+        <p:nvSpPr>
+          <p:cNvPr id="99" name="타원 98">
+            <a:extLst>
+              <a:ext uri="{FF2B5EF4-FFF2-40B4-BE49-F238E27FC236}">
+                <a16:creationId xmlns:a16="http://schemas.microsoft.com/office/drawing/2014/main" id="{7DF55AE2-FA8C-43ED-9E78-92E0106D0CC6}"/>
+              </a:ext>
+            </a:extLst>
+          </p:cNvPr>
+          <p:cNvSpPr/>
+          <p:nvPr/>
+        </p:nvSpPr>
+        <p:spPr>
+          <a:xfrm>
+            <a:off x="13974813" y="5538989"/>
+            <a:ext cx="729672" cy="748145"/>
+          </a:xfrm>
+          <a:prstGeom prst="ellipse">
+            <a:avLst/>
+          </a:prstGeom>
+          <a:noFill/>
+        </p:spPr>
+        <p:style>
+          <a:lnRef idx="2">
+            <a:schemeClr val="accent1">
+              <a:shade val="50000"/>
+            </a:schemeClr>
+          </a:lnRef>
+          <a:fillRef idx="1">
+            <a:schemeClr val="accent1"/>
+          </a:fillRef>
+          <a:effectRef idx="0">
+            <a:schemeClr val="accent1"/>
+          </a:effectRef>
+          <a:fontRef idx="minor">
+            <a:schemeClr val="lt1"/>
+          </a:fontRef>
+        </p:style>
+        <p:txBody>
+          <a:bodyPr rtlCol="0" anchor="ctr"/>
+          <a:lstStyle/>
+          <a:p>
+            <a:pPr algn="ctr"/>
+            <a:r>
+              <a:rPr lang="en-US" altLang="ko-KR">
+                <a:solidFill>
+                  <a:schemeClr val="tx1"/>
+                </a:solidFill>
+              </a:rPr>
+              <a:t>7</a:t>
+            </a:r>
+            <a:endParaRPr lang="ko-KR" altLang="en-US">
+              <a:solidFill>
+                <a:schemeClr val="tx1"/>
+              </a:solidFill>
+            </a:endParaRPr>
+          </a:p>
+        </p:txBody>
+      </p:sp>
+      <p:sp>
+        <p:nvSpPr>
+          <p:cNvPr id="100" name="타원 99">
+            <a:extLst>
+              <a:ext uri="{FF2B5EF4-FFF2-40B4-BE49-F238E27FC236}">
+                <a16:creationId xmlns:a16="http://schemas.microsoft.com/office/drawing/2014/main" id="{EF069B8C-7C91-4267-B460-ACF5F9201D08}"/>
+              </a:ext>
+            </a:extLst>
+          </p:cNvPr>
+          <p:cNvSpPr/>
+          <p:nvPr/>
+        </p:nvSpPr>
+        <p:spPr>
+          <a:xfrm>
+            <a:off x="15626269" y="5538989"/>
+            <a:ext cx="729672" cy="748145"/>
+          </a:xfrm>
+          <a:prstGeom prst="ellipse">
+            <a:avLst/>
+          </a:prstGeom>
+          <a:noFill/>
+        </p:spPr>
+        <p:style>
+          <a:lnRef idx="2">
+            <a:schemeClr val="accent1">
+              <a:shade val="50000"/>
+            </a:schemeClr>
+          </a:lnRef>
+          <a:fillRef idx="1">
+            <a:schemeClr val="accent1"/>
+          </a:fillRef>
+          <a:effectRef idx="0">
+            <a:schemeClr val="accent1"/>
+          </a:effectRef>
+          <a:fontRef idx="minor">
+            <a:schemeClr val="lt1"/>
+          </a:fontRef>
+        </p:style>
+        <p:txBody>
+          <a:bodyPr rtlCol="0" anchor="ctr"/>
+          <a:lstStyle/>
+          <a:p>
+            <a:pPr algn="ctr"/>
+            <a:r>
+              <a:rPr lang="en-US" altLang="ko-KR">
+                <a:solidFill>
+                  <a:schemeClr val="tx1"/>
+                </a:solidFill>
+              </a:rPr>
+              <a:t>8</a:t>
+            </a:r>
+            <a:endParaRPr lang="ko-KR" altLang="en-US">
+              <a:solidFill>
+                <a:schemeClr val="tx1"/>
+              </a:solidFill>
+            </a:endParaRPr>
+          </a:p>
+        </p:txBody>
+      </p:sp>
+      <p:sp>
+        <p:nvSpPr>
+          <p:cNvPr id="101" name="타원 100">
+            <a:extLst>
+              <a:ext uri="{FF2B5EF4-FFF2-40B4-BE49-F238E27FC236}">
+                <a16:creationId xmlns:a16="http://schemas.microsoft.com/office/drawing/2014/main" id="{22E777DC-7F76-4039-8477-D91D1C6B6258}"/>
+              </a:ext>
+            </a:extLst>
+          </p:cNvPr>
+          <p:cNvSpPr/>
+          <p:nvPr/>
+        </p:nvSpPr>
+        <p:spPr>
+          <a:xfrm>
+            <a:off x="18412603" y="5538988"/>
+            <a:ext cx="729672" cy="748145"/>
+          </a:xfrm>
+          <a:prstGeom prst="ellipse">
+            <a:avLst/>
+          </a:prstGeom>
+          <a:noFill/>
+        </p:spPr>
+        <p:style>
+          <a:lnRef idx="2">
+            <a:schemeClr val="accent1">
+              <a:shade val="50000"/>
+            </a:schemeClr>
+          </a:lnRef>
+          <a:fillRef idx="1">
+            <a:schemeClr val="accent1"/>
+          </a:fillRef>
+          <a:effectRef idx="0">
+            <a:schemeClr val="accent1"/>
+          </a:effectRef>
+          <a:fontRef idx="minor">
+            <a:schemeClr val="lt1"/>
+          </a:fontRef>
+        </p:style>
+        <p:txBody>
+          <a:bodyPr rtlCol="0" anchor="ctr"/>
+          <a:lstStyle/>
+          <a:p>
+            <a:pPr algn="ctr"/>
+            <a:r>
+              <a:rPr lang="en-US" altLang="ko-KR">
+                <a:solidFill>
+                  <a:schemeClr val="tx1"/>
+                </a:solidFill>
+              </a:rPr>
+              <a:t>9</a:t>
+            </a:r>
+            <a:endParaRPr lang="ko-KR" altLang="en-US">
+              <a:solidFill>
+                <a:schemeClr val="tx1"/>
+              </a:solidFill>
+            </a:endParaRPr>
+          </a:p>
+        </p:txBody>
+      </p:sp>
+      <p:sp>
+        <p:nvSpPr>
+          <p:cNvPr id="102" name="타원 101">
+            <a:extLst>
+              <a:ext uri="{FF2B5EF4-FFF2-40B4-BE49-F238E27FC236}">
+                <a16:creationId xmlns:a16="http://schemas.microsoft.com/office/drawing/2014/main" id="{AE99C7A4-0139-4A65-A9C0-3861CBC60D8B}"/>
+              </a:ext>
+            </a:extLst>
+          </p:cNvPr>
+          <p:cNvSpPr/>
+          <p:nvPr/>
+        </p:nvSpPr>
+        <p:spPr>
+          <a:xfrm>
+            <a:off x="1581033" y="7572523"/>
+            <a:ext cx="729672" cy="748145"/>
+          </a:xfrm>
+          <a:prstGeom prst="ellipse">
+            <a:avLst/>
+          </a:prstGeom>
+          <a:noFill/>
+        </p:spPr>
+        <p:style>
+          <a:lnRef idx="2">
+            <a:schemeClr val="accent1">
+              <a:shade val="50000"/>
+            </a:schemeClr>
+          </a:lnRef>
+          <a:fillRef idx="1">
+            <a:schemeClr val="accent1"/>
+          </a:fillRef>
+          <a:effectRef idx="0">
+            <a:schemeClr val="accent1"/>
+          </a:effectRef>
+          <a:fontRef idx="minor">
+            <a:schemeClr val="lt1"/>
+          </a:fontRef>
+        </p:style>
+        <p:txBody>
+          <a:bodyPr rtlCol="0" anchor="ctr"/>
+          <a:lstStyle/>
+          <a:p>
+            <a:pPr algn="ctr"/>
+            <a:r>
+              <a:rPr lang="en-US" altLang="ko-KR">
+                <a:solidFill>
+                  <a:schemeClr val="tx1"/>
+                </a:solidFill>
+              </a:rPr>
+              <a:t>0</a:t>
+            </a:r>
+            <a:endParaRPr lang="ko-KR" altLang="en-US">
+              <a:solidFill>
+                <a:schemeClr val="tx1"/>
+              </a:solidFill>
+            </a:endParaRPr>
+          </a:p>
+        </p:txBody>
+      </p:sp>
+      <p:sp>
+        <p:nvSpPr>
+          <p:cNvPr id="103" name="타원 102">
+            <a:extLst>
+              <a:ext uri="{FF2B5EF4-FFF2-40B4-BE49-F238E27FC236}">
+                <a16:creationId xmlns:a16="http://schemas.microsoft.com/office/drawing/2014/main" id="{82E033C3-3AC2-4E02-AD1C-D3FDEA410968}"/>
+              </a:ext>
+            </a:extLst>
+          </p:cNvPr>
+          <p:cNvSpPr/>
+          <p:nvPr/>
+        </p:nvSpPr>
+        <p:spPr>
+          <a:xfrm>
+            <a:off x="2923281" y="7560009"/>
+            <a:ext cx="729672" cy="748145"/>
+          </a:xfrm>
+          <a:prstGeom prst="ellipse">
+            <a:avLst/>
+          </a:prstGeom>
+          <a:noFill/>
+        </p:spPr>
+        <p:style>
+          <a:lnRef idx="2">
+            <a:schemeClr val="accent1">
+              <a:shade val="50000"/>
+            </a:schemeClr>
+          </a:lnRef>
+          <a:fillRef idx="1">
+            <a:schemeClr val="accent1"/>
+          </a:fillRef>
+          <a:effectRef idx="0">
+            <a:schemeClr val="accent1"/>
+          </a:effectRef>
+          <a:fontRef idx="minor">
+            <a:schemeClr val="lt1"/>
+          </a:fontRef>
+        </p:style>
+        <p:txBody>
+          <a:bodyPr rtlCol="0" anchor="ctr"/>
+          <a:lstStyle/>
+          <a:p>
+            <a:pPr algn="ctr"/>
+            <a:r>
+              <a:rPr lang="en-US" altLang="ko-KR">
+                <a:solidFill>
+                  <a:schemeClr val="tx1"/>
+                </a:solidFill>
+              </a:rPr>
+              <a:t>1</a:t>
+            </a:r>
+            <a:endParaRPr lang="ko-KR" altLang="en-US">
+              <a:solidFill>
+                <a:schemeClr val="tx1"/>
+              </a:solidFill>
+            </a:endParaRPr>
+          </a:p>
+        </p:txBody>
+      </p:sp>
+      <p:sp>
+        <p:nvSpPr>
+          <p:cNvPr id="104" name="타원 103">
+            <a:extLst>
+              <a:ext uri="{FF2B5EF4-FFF2-40B4-BE49-F238E27FC236}">
+                <a16:creationId xmlns:a16="http://schemas.microsoft.com/office/drawing/2014/main" id="{F3E7E006-C9CD-4AB7-A413-E7860D1B8910}"/>
+              </a:ext>
+            </a:extLst>
+          </p:cNvPr>
+          <p:cNvSpPr/>
+          <p:nvPr/>
+        </p:nvSpPr>
+        <p:spPr>
+          <a:xfrm>
+            <a:off x="4338484" y="7560009"/>
+            <a:ext cx="729672" cy="748145"/>
+          </a:xfrm>
+          <a:prstGeom prst="ellipse">
+            <a:avLst/>
+          </a:prstGeom>
+          <a:noFill/>
+        </p:spPr>
+        <p:style>
+          <a:lnRef idx="2">
+            <a:schemeClr val="accent1">
+              <a:shade val="50000"/>
+            </a:schemeClr>
+          </a:lnRef>
+          <a:fillRef idx="1">
+            <a:schemeClr val="accent1"/>
+          </a:fillRef>
+          <a:effectRef idx="0">
+            <a:schemeClr val="accent1"/>
+          </a:effectRef>
+          <a:fontRef idx="minor">
+            <a:schemeClr val="lt1"/>
+          </a:fontRef>
+        </p:style>
+        <p:txBody>
+          <a:bodyPr rtlCol="0" anchor="ctr"/>
+          <a:lstStyle/>
+          <a:p>
+            <a:pPr algn="ctr"/>
+            <a:r>
+              <a:rPr lang="en-US" altLang="ko-KR">
+                <a:solidFill>
+                  <a:schemeClr val="tx1"/>
+                </a:solidFill>
+              </a:rPr>
+              <a:t>2</a:t>
+            </a:r>
+            <a:endParaRPr lang="ko-KR" altLang="en-US">
+              <a:solidFill>
+                <a:schemeClr val="tx1"/>
+              </a:solidFill>
+            </a:endParaRPr>
+          </a:p>
+        </p:txBody>
+      </p:sp>
+      <p:sp>
+        <p:nvSpPr>
+          <p:cNvPr id="105" name="TextBox 104">
+            <a:extLst>
+              <a:ext uri="{FF2B5EF4-FFF2-40B4-BE49-F238E27FC236}">
+                <a16:creationId xmlns:a16="http://schemas.microsoft.com/office/drawing/2014/main" id="{1D252D0E-613A-4B29-BE86-E165B6960E8A}"/>
+              </a:ext>
+            </a:extLst>
+          </p:cNvPr>
+          <p:cNvSpPr txBox="1"/>
+          <p:nvPr/>
+        </p:nvSpPr>
+        <p:spPr>
+          <a:xfrm>
+            <a:off x="10424160" y="545011"/>
+            <a:ext cx="316706" cy="369332"/>
+          </a:xfrm>
+          <a:prstGeom prst="rect">
+            <a:avLst/>
+          </a:prstGeom>
+          <a:noFill/>
+        </p:spPr>
+        <p:txBody>
+          <a:bodyPr wrap="square" rtlCol="0">
+            <a:spAutoFit/>
+          </a:bodyPr>
+          <a:lstStyle/>
+          <a:p>
+            <a:r>
+              <a:rPr lang="en-US" altLang="ko-KR"/>
+              <a:t>1</a:t>
+            </a:r>
+            <a:endParaRPr lang="ko-KR" altLang="en-US"/>
+          </a:p>
+        </p:txBody>
+      </p:sp>
+      <p:sp>
+        <p:nvSpPr>
+          <p:cNvPr id="106" name="TextBox 105">
+            <a:extLst>
+              <a:ext uri="{FF2B5EF4-FFF2-40B4-BE49-F238E27FC236}">
+                <a16:creationId xmlns:a16="http://schemas.microsoft.com/office/drawing/2014/main" id="{D9946FB7-D342-4495-A79C-E618AD25EDC4}"/>
+              </a:ext>
+            </a:extLst>
+          </p:cNvPr>
+          <p:cNvSpPr txBox="1"/>
+          <p:nvPr/>
+        </p:nvSpPr>
+        <p:spPr>
+          <a:xfrm>
+            <a:off x="5918797" y="1866496"/>
+            <a:ext cx="316706" cy="369332"/>
+          </a:xfrm>
+          <a:prstGeom prst="rect">
+            <a:avLst/>
+          </a:prstGeom>
+          <a:noFill/>
+        </p:spPr>
+        <p:txBody>
+          <a:bodyPr wrap="square" rtlCol="0">
+            <a:spAutoFit/>
+          </a:bodyPr>
+          <a:lstStyle/>
+          <a:p>
+            <a:r>
+              <a:rPr lang="en-US" altLang="ko-KR"/>
+              <a:t>2</a:t>
+            </a:r>
+            <a:endParaRPr lang="ko-KR" altLang="en-US"/>
+          </a:p>
+        </p:txBody>
+      </p:sp>
+      <p:sp>
+        <p:nvSpPr>
+          <p:cNvPr id="107" name="TextBox 106">
+            <a:extLst>
+              <a:ext uri="{FF2B5EF4-FFF2-40B4-BE49-F238E27FC236}">
+                <a16:creationId xmlns:a16="http://schemas.microsoft.com/office/drawing/2014/main" id="{226C1C62-77F9-47AA-99A9-D7382ACE407B}"/>
+              </a:ext>
+            </a:extLst>
+          </p:cNvPr>
+          <p:cNvSpPr txBox="1"/>
+          <p:nvPr/>
+        </p:nvSpPr>
+        <p:spPr>
+          <a:xfrm>
+            <a:off x="15125170" y="1866496"/>
+            <a:ext cx="316706" cy="369332"/>
+          </a:xfrm>
+          <a:prstGeom prst="rect">
+            <a:avLst/>
+          </a:prstGeom>
+          <a:noFill/>
+        </p:spPr>
+        <p:txBody>
+          <a:bodyPr wrap="square" rtlCol="0">
+            <a:spAutoFit/>
+          </a:bodyPr>
+          <a:lstStyle/>
+          <a:p>
+            <a:r>
+              <a:rPr lang="en-US" altLang="ko-KR"/>
+              <a:t>3</a:t>
+            </a:r>
+            <a:endParaRPr lang="ko-KR" altLang="en-US"/>
+          </a:p>
+        </p:txBody>
+      </p:sp>
+      <p:sp>
+        <p:nvSpPr>
+          <p:cNvPr id="108" name="TextBox 107">
+            <a:extLst>
+              <a:ext uri="{FF2B5EF4-FFF2-40B4-BE49-F238E27FC236}">
+                <a16:creationId xmlns:a16="http://schemas.microsoft.com/office/drawing/2014/main" id="{A0FE52E9-B276-4E65-9844-13D49D394FF6}"/>
+              </a:ext>
+            </a:extLst>
+          </p:cNvPr>
+          <p:cNvSpPr txBox="1"/>
+          <p:nvPr/>
+        </p:nvSpPr>
+        <p:spPr>
+          <a:xfrm>
+            <a:off x="3850231" y="3325181"/>
+            <a:ext cx="316706" cy="369332"/>
+          </a:xfrm>
+          <a:prstGeom prst="rect">
+            <a:avLst/>
+          </a:prstGeom>
+          <a:noFill/>
+        </p:spPr>
+        <p:txBody>
+          <a:bodyPr wrap="square" rtlCol="0">
+            <a:spAutoFit/>
+          </a:bodyPr>
+          <a:lstStyle/>
+          <a:p>
+            <a:r>
+              <a:rPr lang="en-US" altLang="ko-KR"/>
+              <a:t>4</a:t>
+            </a:r>
+            <a:endParaRPr lang="ko-KR" altLang="en-US"/>
+          </a:p>
+        </p:txBody>
+      </p:sp>
+      <p:sp>
+        <p:nvSpPr>
+          <p:cNvPr id="109" name="TextBox 108">
+            <a:extLst>
+              <a:ext uri="{FF2B5EF4-FFF2-40B4-BE49-F238E27FC236}">
+                <a16:creationId xmlns:a16="http://schemas.microsoft.com/office/drawing/2014/main" id="{D9C16B2D-4866-4FF7-A3FD-73C11BB493FC}"/>
+              </a:ext>
+            </a:extLst>
+          </p:cNvPr>
+          <p:cNvSpPr txBox="1"/>
+          <p:nvPr/>
+        </p:nvSpPr>
+        <p:spPr>
+          <a:xfrm>
+            <a:off x="8147146" y="3357185"/>
+            <a:ext cx="316706" cy="369332"/>
+          </a:xfrm>
+          <a:prstGeom prst="rect">
+            <a:avLst/>
+          </a:prstGeom>
+          <a:noFill/>
+        </p:spPr>
+        <p:txBody>
+          <a:bodyPr wrap="square" rtlCol="0">
+            <a:spAutoFit/>
+          </a:bodyPr>
+          <a:lstStyle/>
+          <a:p>
+            <a:r>
+              <a:rPr lang="en-US" altLang="ko-KR"/>
+              <a:t>5</a:t>
+            </a:r>
+            <a:endParaRPr lang="ko-KR" altLang="en-US"/>
+          </a:p>
+        </p:txBody>
+      </p:sp>
+      <p:sp>
+        <p:nvSpPr>
+          <p:cNvPr id="110" name="TextBox 109">
+            <a:extLst>
+              <a:ext uri="{FF2B5EF4-FFF2-40B4-BE49-F238E27FC236}">
+                <a16:creationId xmlns:a16="http://schemas.microsoft.com/office/drawing/2014/main" id="{6DA9429F-42B8-4130-BAFE-864CCB1A1C66}"/>
+              </a:ext>
+            </a:extLst>
+          </p:cNvPr>
+          <p:cNvSpPr txBox="1"/>
+          <p:nvPr/>
+        </p:nvSpPr>
+        <p:spPr>
+          <a:xfrm>
+            <a:off x="12913579" y="3300651"/>
+            <a:ext cx="316706" cy="369332"/>
+          </a:xfrm>
+          <a:prstGeom prst="rect">
+            <a:avLst/>
+          </a:prstGeom>
+          <a:noFill/>
+        </p:spPr>
+        <p:txBody>
+          <a:bodyPr wrap="square" rtlCol="0">
+            <a:spAutoFit/>
+          </a:bodyPr>
+          <a:lstStyle/>
+          <a:p>
+            <a:r>
+              <a:rPr lang="en-US" altLang="ko-KR"/>
+              <a:t>6</a:t>
+            </a:r>
+            <a:endParaRPr lang="ko-KR" altLang="en-US"/>
+          </a:p>
+        </p:txBody>
+      </p:sp>
+      <p:sp>
+        <p:nvSpPr>
+          <p:cNvPr id="111" name="TextBox 110">
+            <a:extLst>
+              <a:ext uri="{FF2B5EF4-FFF2-40B4-BE49-F238E27FC236}">
+                <a16:creationId xmlns:a16="http://schemas.microsoft.com/office/drawing/2014/main" id="{95621589-BABC-43A0-86C2-FA74CDFCCAD8}"/>
+              </a:ext>
+            </a:extLst>
+          </p:cNvPr>
+          <p:cNvSpPr txBox="1"/>
+          <p:nvPr/>
+        </p:nvSpPr>
+        <p:spPr>
+          <a:xfrm>
+            <a:off x="17144968" y="3399463"/>
+            <a:ext cx="316706" cy="369332"/>
+          </a:xfrm>
+          <a:prstGeom prst="rect">
+            <a:avLst/>
+          </a:prstGeom>
+          <a:noFill/>
+        </p:spPr>
+        <p:txBody>
+          <a:bodyPr wrap="square" rtlCol="0">
+            <a:spAutoFit/>
+          </a:bodyPr>
+          <a:lstStyle/>
+          <a:p>
+            <a:r>
+              <a:rPr lang="en-US" altLang="ko-KR"/>
+              <a:t>7</a:t>
+            </a:r>
+            <a:endParaRPr lang="ko-KR" altLang="en-US"/>
+          </a:p>
+        </p:txBody>
+      </p:sp>
+      <p:sp>
+        <p:nvSpPr>
+          <p:cNvPr id="112" name="TextBox 111">
+            <a:extLst>
+              <a:ext uri="{FF2B5EF4-FFF2-40B4-BE49-F238E27FC236}">
+                <a16:creationId xmlns:a16="http://schemas.microsoft.com/office/drawing/2014/main" id="{983A690D-A9FA-4C32-9E7E-F9A752CBD942}"/>
+              </a:ext>
+            </a:extLst>
+          </p:cNvPr>
+          <p:cNvSpPr txBox="1"/>
+          <p:nvPr/>
+        </p:nvSpPr>
+        <p:spPr>
+          <a:xfrm>
+            <a:off x="2380037" y="5035703"/>
+            <a:ext cx="316706" cy="369332"/>
+          </a:xfrm>
+          <a:prstGeom prst="rect">
+            <a:avLst/>
+          </a:prstGeom>
+          <a:noFill/>
+        </p:spPr>
+        <p:txBody>
+          <a:bodyPr wrap="square" rtlCol="0">
+            <a:spAutoFit/>
+          </a:bodyPr>
+          <a:lstStyle/>
+          <a:p>
+            <a:r>
+              <a:rPr lang="en-US" altLang="ko-KR"/>
+              <a:t>8</a:t>
+            </a:r>
+            <a:endParaRPr lang="ko-KR" altLang="en-US"/>
+          </a:p>
+        </p:txBody>
+      </p:sp>
+      <p:sp>
+        <p:nvSpPr>
+          <p:cNvPr id="113" name="TextBox 112">
+            <a:extLst>
+              <a:ext uri="{FF2B5EF4-FFF2-40B4-BE49-F238E27FC236}">
+                <a16:creationId xmlns:a16="http://schemas.microsoft.com/office/drawing/2014/main" id="{5208F171-B160-46EC-8269-3EA7D56B6B37}"/>
+              </a:ext>
+            </a:extLst>
+          </p:cNvPr>
+          <p:cNvSpPr txBox="1"/>
+          <p:nvPr/>
+        </p:nvSpPr>
+        <p:spPr>
+          <a:xfrm>
+            <a:off x="5449558" y="5143371"/>
+            <a:ext cx="523189" cy="369332"/>
+          </a:xfrm>
+          <a:prstGeom prst="rect">
+            <a:avLst/>
+          </a:prstGeom>
+          <a:noFill/>
+        </p:spPr>
+        <p:txBody>
+          <a:bodyPr wrap="square" rtlCol="0">
+            <a:spAutoFit/>
+          </a:bodyPr>
+          <a:lstStyle/>
+          <a:p>
+            <a:r>
+              <a:rPr lang="en-US" altLang="ko-KR"/>
+              <a:t>10</a:t>
+            </a:r>
+            <a:endParaRPr lang="ko-KR" altLang="en-US"/>
+          </a:p>
+        </p:txBody>
+      </p:sp>
+      <p:sp>
+        <p:nvSpPr>
+          <p:cNvPr id="114" name="TextBox 113">
+            <a:extLst>
+              <a:ext uri="{FF2B5EF4-FFF2-40B4-BE49-F238E27FC236}">
+                <a16:creationId xmlns:a16="http://schemas.microsoft.com/office/drawing/2014/main" id="{45CC2744-8F5B-4959-8A86-7ECB21524CB1}"/>
+              </a:ext>
+            </a:extLst>
+          </p:cNvPr>
+          <p:cNvSpPr txBox="1"/>
+          <p:nvPr/>
+        </p:nvSpPr>
+        <p:spPr>
+          <a:xfrm>
+            <a:off x="6577342" y="5135473"/>
+            <a:ext cx="523188" cy="369332"/>
+          </a:xfrm>
+          <a:prstGeom prst="rect">
+            <a:avLst/>
+          </a:prstGeom>
+          <a:noFill/>
+        </p:spPr>
+        <p:txBody>
+          <a:bodyPr wrap="square" rtlCol="0">
+            <a:spAutoFit/>
+          </a:bodyPr>
+          <a:lstStyle/>
+          <a:p>
+            <a:r>
+              <a:rPr lang="en-US" altLang="ko-KR"/>
+              <a:t>11</a:t>
+            </a:r>
+            <a:endParaRPr lang="ko-KR" altLang="en-US"/>
+          </a:p>
+        </p:txBody>
+      </p:sp>
+      <p:sp>
+        <p:nvSpPr>
+          <p:cNvPr id="115" name="TextBox 114">
+            <a:extLst>
+              <a:ext uri="{FF2B5EF4-FFF2-40B4-BE49-F238E27FC236}">
+                <a16:creationId xmlns:a16="http://schemas.microsoft.com/office/drawing/2014/main" id="{18F649B4-358B-4A88-9CB6-EA46C65AE547}"/>
+              </a:ext>
+            </a:extLst>
+          </p:cNvPr>
+          <p:cNvSpPr txBox="1"/>
+          <p:nvPr/>
+        </p:nvSpPr>
+        <p:spPr>
+          <a:xfrm>
+            <a:off x="9751410" y="5076756"/>
+            <a:ext cx="523188" cy="369332"/>
+          </a:xfrm>
+          <a:prstGeom prst="rect">
+            <a:avLst/>
+          </a:prstGeom>
+          <a:noFill/>
+        </p:spPr>
+        <p:txBody>
+          <a:bodyPr wrap="square" rtlCol="0">
+            <a:spAutoFit/>
+          </a:bodyPr>
+          <a:lstStyle/>
+          <a:p>
+            <a:r>
+              <a:rPr lang="en-US" altLang="ko-KR"/>
+              <a:t>12</a:t>
+            </a:r>
+            <a:endParaRPr lang="ko-KR" altLang="en-US"/>
+          </a:p>
+        </p:txBody>
+      </p:sp>
+      <p:sp>
+        <p:nvSpPr>
+          <p:cNvPr id="116" name="TextBox 115">
+            <a:extLst>
+              <a:ext uri="{FF2B5EF4-FFF2-40B4-BE49-F238E27FC236}">
+                <a16:creationId xmlns:a16="http://schemas.microsoft.com/office/drawing/2014/main" id="{CB793F81-6D2F-4B1B-A0B7-276D1A8387D1}"/>
+              </a:ext>
+            </a:extLst>
+          </p:cNvPr>
+          <p:cNvSpPr txBox="1"/>
+          <p:nvPr/>
+        </p:nvSpPr>
+        <p:spPr>
+          <a:xfrm>
+            <a:off x="11047619" y="5135473"/>
+            <a:ext cx="523188" cy="369332"/>
+          </a:xfrm>
+          <a:prstGeom prst="rect">
+            <a:avLst/>
+          </a:prstGeom>
+          <a:noFill/>
+        </p:spPr>
+        <p:txBody>
+          <a:bodyPr wrap="square" rtlCol="0">
+            <a:spAutoFit/>
+          </a:bodyPr>
+          <a:lstStyle/>
+          <a:p>
+            <a:r>
+              <a:rPr lang="en-US" altLang="ko-KR"/>
+              <a:t>13</a:t>
+            </a:r>
+            <a:endParaRPr lang="ko-KR" altLang="en-US"/>
+          </a:p>
+        </p:txBody>
+      </p:sp>
+      <p:sp>
+        <p:nvSpPr>
+          <p:cNvPr id="117" name="TextBox 116">
+            <a:extLst>
+              <a:ext uri="{FF2B5EF4-FFF2-40B4-BE49-F238E27FC236}">
+                <a16:creationId xmlns:a16="http://schemas.microsoft.com/office/drawing/2014/main" id="{FDD8DD58-A99A-4FE5-A3B6-93D697833E7C}"/>
+              </a:ext>
+            </a:extLst>
+          </p:cNvPr>
+          <p:cNvSpPr txBox="1"/>
+          <p:nvPr/>
+        </p:nvSpPr>
+        <p:spPr>
+          <a:xfrm>
+            <a:off x="14339649" y="5126041"/>
+            <a:ext cx="523188" cy="369332"/>
+          </a:xfrm>
+          <a:prstGeom prst="rect">
+            <a:avLst/>
+          </a:prstGeom>
+          <a:noFill/>
+        </p:spPr>
+        <p:txBody>
+          <a:bodyPr wrap="square" rtlCol="0">
+            <a:spAutoFit/>
+          </a:bodyPr>
+          <a:lstStyle/>
+          <a:p>
+            <a:r>
+              <a:rPr lang="en-US" altLang="ko-KR"/>
+              <a:t>14</a:t>
+            </a:r>
+            <a:endParaRPr lang="ko-KR" altLang="en-US"/>
+          </a:p>
+        </p:txBody>
+      </p:sp>
+      <p:sp>
+        <p:nvSpPr>
+          <p:cNvPr id="118" name="TextBox 117">
+            <a:extLst>
+              <a:ext uri="{FF2B5EF4-FFF2-40B4-BE49-F238E27FC236}">
+                <a16:creationId xmlns:a16="http://schemas.microsoft.com/office/drawing/2014/main" id="{3EFB93AD-AE92-4D95-A50E-C0D7632716C6}"/>
+              </a:ext>
+            </a:extLst>
+          </p:cNvPr>
+          <p:cNvSpPr txBox="1"/>
+          <p:nvPr/>
+        </p:nvSpPr>
+        <p:spPr>
+          <a:xfrm>
+            <a:off x="15703265" y="5135473"/>
+            <a:ext cx="523188" cy="369332"/>
+          </a:xfrm>
+          <a:prstGeom prst="rect">
+            <a:avLst/>
+          </a:prstGeom>
+          <a:noFill/>
+        </p:spPr>
+        <p:txBody>
+          <a:bodyPr wrap="square" rtlCol="0">
+            <a:spAutoFit/>
+          </a:bodyPr>
+          <a:lstStyle/>
+          <a:p>
+            <a:r>
+              <a:rPr lang="en-US" altLang="ko-KR"/>
+              <a:t>15</a:t>
+            </a:r>
+            <a:endParaRPr lang="ko-KR" altLang="en-US"/>
+          </a:p>
+        </p:txBody>
+      </p:sp>
+      <p:sp>
+        <p:nvSpPr>
+          <p:cNvPr id="119" name="TextBox 118">
+            <a:extLst>
+              <a:ext uri="{FF2B5EF4-FFF2-40B4-BE49-F238E27FC236}">
+                <a16:creationId xmlns:a16="http://schemas.microsoft.com/office/drawing/2014/main" id="{4AF712A0-F8EB-4CFB-9FC1-25AF9395EB79}"/>
+              </a:ext>
+            </a:extLst>
+          </p:cNvPr>
+          <p:cNvSpPr txBox="1"/>
+          <p:nvPr/>
+        </p:nvSpPr>
+        <p:spPr>
+          <a:xfrm>
+            <a:off x="18692564" y="5003916"/>
+            <a:ext cx="523188" cy="369332"/>
+          </a:xfrm>
+          <a:prstGeom prst="rect">
+            <a:avLst/>
+          </a:prstGeom>
+          <a:noFill/>
+        </p:spPr>
+        <p:txBody>
+          <a:bodyPr wrap="square" rtlCol="0">
+            <a:spAutoFit/>
+          </a:bodyPr>
+          <a:lstStyle/>
+          <a:p>
+            <a:r>
+              <a:rPr lang="en-US" altLang="ko-KR"/>
+              <a:t>16</a:t>
+            </a:r>
+            <a:endParaRPr lang="ko-KR" altLang="en-US"/>
+          </a:p>
+        </p:txBody>
+      </p:sp>
+      <p:sp>
+        <p:nvSpPr>
+          <p:cNvPr id="120" name="TextBox 119">
+            <a:extLst>
+              <a:ext uri="{FF2B5EF4-FFF2-40B4-BE49-F238E27FC236}">
+                <a16:creationId xmlns:a16="http://schemas.microsoft.com/office/drawing/2014/main" id="{599DE622-953A-40FB-BB0B-C97395E4E500}"/>
+              </a:ext>
+            </a:extLst>
+          </p:cNvPr>
+          <p:cNvSpPr txBox="1"/>
+          <p:nvPr/>
+        </p:nvSpPr>
+        <p:spPr>
+          <a:xfrm>
+            <a:off x="1631934" y="6998686"/>
+            <a:ext cx="523188" cy="369332"/>
+          </a:xfrm>
+          <a:prstGeom prst="rect">
+            <a:avLst/>
+          </a:prstGeom>
+          <a:noFill/>
+        </p:spPr>
+        <p:txBody>
+          <a:bodyPr wrap="square" rtlCol="0">
+            <a:spAutoFit/>
+          </a:bodyPr>
+          <a:lstStyle/>
+          <a:p>
+            <a:r>
+              <a:rPr lang="en-US" altLang="ko-KR"/>
+              <a:t>17</a:t>
+            </a:r>
+            <a:endParaRPr lang="ko-KR" altLang="en-US"/>
+          </a:p>
+        </p:txBody>
+      </p:sp>
+      <p:sp>
+        <p:nvSpPr>
+          <p:cNvPr id="121" name="TextBox 120">
+            <a:extLst>
+              <a:ext uri="{FF2B5EF4-FFF2-40B4-BE49-F238E27FC236}">
+                <a16:creationId xmlns:a16="http://schemas.microsoft.com/office/drawing/2014/main" id="{EB2E8710-09AB-40E8-B957-98E2366E41D8}"/>
+              </a:ext>
+            </a:extLst>
+          </p:cNvPr>
+          <p:cNvSpPr txBox="1"/>
+          <p:nvPr/>
+        </p:nvSpPr>
+        <p:spPr>
+          <a:xfrm>
+            <a:off x="3327043" y="7075503"/>
+            <a:ext cx="523188" cy="369332"/>
+          </a:xfrm>
+          <a:prstGeom prst="rect">
+            <a:avLst/>
+          </a:prstGeom>
+          <a:noFill/>
+        </p:spPr>
+        <p:txBody>
+          <a:bodyPr wrap="square" rtlCol="0">
+            <a:spAutoFit/>
+          </a:bodyPr>
+          <a:lstStyle/>
+          <a:p>
+            <a:r>
+              <a:rPr lang="en-US" altLang="ko-KR"/>
+              <a:t>18</a:t>
+            </a:r>
+            <a:endParaRPr lang="ko-KR" altLang="en-US"/>
+          </a:p>
+        </p:txBody>
+      </p:sp>
+      <p:sp>
+        <p:nvSpPr>
+          <p:cNvPr id="122" name="TextBox 121">
+            <a:extLst>
+              <a:ext uri="{FF2B5EF4-FFF2-40B4-BE49-F238E27FC236}">
+                <a16:creationId xmlns:a16="http://schemas.microsoft.com/office/drawing/2014/main" id="{1B25F95A-851A-4591-BE54-9CCC2189E0B8}"/>
+              </a:ext>
+            </a:extLst>
+          </p:cNvPr>
+          <p:cNvSpPr txBox="1"/>
+          <p:nvPr/>
+        </p:nvSpPr>
+        <p:spPr>
+          <a:xfrm>
+            <a:off x="4275912" y="7154122"/>
+            <a:ext cx="523188" cy="369332"/>
+          </a:xfrm>
+          <a:prstGeom prst="rect">
+            <a:avLst/>
+          </a:prstGeom>
+          <a:noFill/>
+        </p:spPr>
+        <p:txBody>
+          <a:bodyPr wrap="square" rtlCol="0">
+            <a:spAutoFit/>
+          </a:bodyPr>
+          <a:lstStyle/>
+          <a:p>
+            <a:r>
+              <a:rPr lang="en-US" altLang="ko-KR"/>
+              <a:t>20</a:t>
+            </a:r>
+            <a:endParaRPr lang="ko-KR" altLang="en-US"/>
+          </a:p>
+        </p:txBody>
+      </p:sp>
+      <p:sp>
+        <p:nvSpPr>
+          <p:cNvPr id="123" name="TextBox 122">
+            <a:extLst>
+              <a:ext uri="{FF2B5EF4-FFF2-40B4-BE49-F238E27FC236}">
+                <a16:creationId xmlns:a16="http://schemas.microsoft.com/office/drawing/2014/main" id="{997FAE0E-7BAC-4C78-B4B1-E0154BF1A787}"/>
+              </a:ext>
+            </a:extLst>
+          </p:cNvPr>
+          <p:cNvSpPr txBox="1"/>
+          <p:nvPr/>
+        </p:nvSpPr>
+        <p:spPr>
+          <a:xfrm>
+            <a:off x="2247476" y="8894505"/>
+            <a:ext cx="2091008" cy="369332"/>
+          </a:xfrm>
+          <a:prstGeom prst="rect">
+            <a:avLst/>
+          </a:prstGeom>
+          <a:noFill/>
+        </p:spPr>
+        <p:txBody>
+          <a:bodyPr wrap="square" rtlCol="0">
+            <a:spAutoFit/>
+          </a:bodyPr>
+          <a:lstStyle/>
+          <a:p>
+            <a:r>
+              <a:rPr lang="ko-KR" altLang="en-US"/>
+              <a:t>구현 구조</a:t>
+            </a:r>
+            <a:r>
+              <a:rPr lang="en-US" altLang="ko-KR"/>
+              <a:t>: list</a:t>
+            </a:r>
+          </a:p>
+        </p:txBody>
+      </p:sp>
+      <p:sp>
+        <p:nvSpPr>
+          <p:cNvPr id="124" name="직사각형 123">
+            <a:extLst>
+              <a:ext uri="{FF2B5EF4-FFF2-40B4-BE49-F238E27FC236}">
+                <a16:creationId xmlns:a16="http://schemas.microsoft.com/office/drawing/2014/main" id="{DDDD86DA-A40F-42FB-8BA2-24853C6C6658}"/>
+              </a:ext>
+            </a:extLst>
+          </p:cNvPr>
+          <p:cNvSpPr/>
+          <p:nvPr/>
+        </p:nvSpPr>
+        <p:spPr>
+          <a:xfrm>
+            <a:off x="1801815" y="9606055"/>
+            <a:ext cx="713120" cy="657461"/>
+          </a:xfrm>
+          <a:prstGeom prst="rect">
+            <a:avLst/>
+          </a:prstGeom>
+          <a:noFill/>
+        </p:spPr>
+        <p:style>
+          <a:lnRef idx="2">
+            <a:schemeClr val="accent1">
+              <a:shade val="50000"/>
+            </a:schemeClr>
+          </a:lnRef>
+          <a:fillRef idx="1">
+            <a:schemeClr val="accent1"/>
+          </a:fillRef>
+          <a:effectRef idx="0">
+            <a:schemeClr val="accent1"/>
+          </a:effectRef>
+          <a:fontRef idx="minor">
+            <a:schemeClr val="lt1"/>
+          </a:fontRef>
+        </p:style>
+        <p:txBody>
+          <a:bodyPr rtlCol="0" anchor="ctr"/>
+          <a:lstStyle/>
+          <a:p>
+            <a:pPr algn="ctr"/>
+            <a:r>
+              <a:rPr lang="en-US" altLang="ko-KR">
+                <a:solidFill>
+                  <a:schemeClr val="tx1"/>
+                </a:solidFill>
+              </a:rPr>
+              <a:t>-</a:t>
+            </a:r>
+            <a:endParaRPr lang="ko-KR" altLang="en-US">
+              <a:solidFill>
+                <a:schemeClr val="tx1"/>
+              </a:solidFill>
+            </a:endParaRPr>
+          </a:p>
+        </p:txBody>
+      </p:sp>
+      <p:sp>
+        <p:nvSpPr>
+          <p:cNvPr id="125" name="직사각형 124">
+            <a:extLst>
+              <a:ext uri="{FF2B5EF4-FFF2-40B4-BE49-F238E27FC236}">
+                <a16:creationId xmlns:a16="http://schemas.microsoft.com/office/drawing/2014/main" id="{F56DEC5B-C5E5-4EE4-A30C-134648F1386E}"/>
+              </a:ext>
+            </a:extLst>
+          </p:cNvPr>
+          <p:cNvSpPr/>
+          <p:nvPr/>
+        </p:nvSpPr>
+        <p:spPr>
+          <a:xfrm>
+            <a:off x="2514935" y="9606055"/>
+            <a:ext cx="713120" cy="657461"/>
+          </a:xfrm>
+          <a:prstGeom prst="rect">
+            <a:avLst/>
+          </a:prstGeom>
+          <a:noFill/>
+        </p:spPr>
+        <p:style>
+          <a:lnRef idx="2">
+            <a:schemeClr val="accent1">
+              <a:shade val="50000"/>
+            </a:schemeClr>
+          </a:lnRef>
+          <a:fillRef idx="1">
+            <a:schemeClr val="accent1"/>
+          </a:fillRef>
+          <a:effectRef idx="0">
+            <a:schemeClr val="accent1"/>
+          </a:effectRef>
+          <a:fontRef idx="minor">
+            <a:schemeClr val="lt1"/>
+          </a:fontRef>
+        </p:style>
+        <p:txBody>
+          <a:bodyPr rtlCol="0" anchor="ctr"/>
+          <a:lstStyle/>
+          <a:p>
+            <a:pPr algn="ctr"/>
+            <a:r>
+              <a:rPr lang="en-US" altLang="ko-KR">
+                <a:solidFill>
+                  <a:schemeClr val="tx1"/>
+                </a:solidFill>
+              </a:rPr>
+              <a:t>0~9</a:t>
+            </a:r>
+            <a:endParaRPr lang="ko-KR" altLang="en-US">
+              <a:solidFill>
+                <a:schemeClr val="tx1"/>
+              </a:solidFill>
+            </a:endParaRPr>
+          </a:p>
+        </p:txBody>
+      </p:sp>
+      <p:sp>
+        <p:nvSpPr>
+          <p:cNvPr id="126" name="직사각형 125">
+            <a:extLst>
+              <a:ext uri="{FF2B5EF4-FFF2-40B4-BE49-F238E27FC236}">
+                <a16:creationId xmlns:a16="http://schemas.microsoft.com/office/drawing/2014/main" id="{90435A0D-5D27-4047-BB6E-ED3E7023956D}"/>
+              </a:ext>
+            </a:extLst>
+          </p:cNvPr>
+          <p:cNvSpPr/>
+          <p:nvPr/>
+        </p:nvSpPr>
+        <p:spPr>
+          <a:xfrm>
+            <a:off x="3237310" y="9606054"/>
+            <a:ext cx="713120" cy="657461"/>
+          </a:xfrm>
+          <a:prstGeom prst="rect">
+            <a:avLst/>
+          </a:prstGeom>
+          <a:noFill/>
+        </p:spPr>
+        <p:style>
+          <a:lnRef idx="2">
+            <a:schemeClr val="accent1">
+              <a:shade val="50000"/>
+            </a:schemeClr>
+          </a:lnRef>
+          <a:fillRef idx="1">
+            <a:schemeClr val="accent1"/>
+          </a:fillRef>
+          <a:effectRef idx="0">
+            <a:schemeClr val="accent1"/>
+          </a:effectRef>
+          <a:fontRef idx="minor">
+            <a:schemeClr val="lt1"/>
+          </a:fontRef>
+        </p:style>
+        <p:txBody>
+          <a:bodyPr rtlCol="0" anchor="ctr"/>
+          <a:lstStyle/>
+          <a:p>
+            <a:pPr algn="ctr"/>
+            <a:r>
+              <a:rPr lang="en-US" altLang="ko-KR">
+                <a:solidFill>
+                  <a:schemeClr val="tx1"/>
+                </a:solidFill>
+              </a:rPr>
+              <a:t>0~5</a:t>
+            </a:r>
+            <a:endParaRPr lang="ko-KR" altLang="en-US">
+              <a:solidFill>
+                <a:schemeClr val="tx1"/>
+              </a:solidFill>
+            </a:endParaRPr>
+          </a:p>
+        </p:txBody>
+      </p:sp>
+      <p:sp>
+        <p:nvSpPr>
+          <p:cNvPr id="127" name="직사각형 126">
+            <a:extLst>
+              <a:ext uri="{FF2B5EF4-FFF2-40B4-BE49-F238E27FC236}">
+                <a16:creationId xmlns:a16="http://schemas.microsoft.com/office/drawing/2014/main" id="{B15701D6-6B37-4245-9426-6537536D30BD}"/>
+              </a:ext>
+            </a:extLst>
+          </p:cNvPr>
+          <p:cNvSpPr/>
+          <p:nvPr/>
+        </p:nvSpPr>
+        <p:spPr>
+          <a:xfrm>
+            <a:off x="3939236" y="9606055"/>
+            <a:ext cx="713120" cy="657461"/>
+          </a:xfrm>
+          <a:prstGeom prst="rect">
+            <a:avLst/>
+          </a:prstGeom>
+          <a:noFill/>
+        </p:spPr>
+        <p:style>
+          <a:lnRef idx="2">
+            <a:schemeClr val="accent1">
+              <a:shade val="50000"/>
+            </a:schemeClr>
+          </a:lnRef>
+          <a:fillRef idx="1">
+            <a:schemeClr val="accent1"/>
+          </a:fillRef>
+          <a:effectRef idx="0">
+            <a:schemeClr val="accent1"/>
+          </a:effectRef>
+          <a:fontRef idx="minor">
+            <a:schemeClr val="lt1"/>
+          </a:fontRef>
+        </p:style>
+        <p:txBody>
+          <a:bodyPr rtlCol="0" anchor="ctr"/>
+          <a:lstStyle/>
+          <a:p>
+            <a:pPr algn="ctr"/>
+            <a:r>
+              <a:rPr lang="en-US" altLang="ko-KR">
+                <a:solidFill>
+                  <a:schemeClr val="tx1"/>
+                </a:solidFill>
+              </a:rPr>
+              <a:t>6~9</a:t>
+            </a:r>
+            <a:endParaRPr lang="ko-KR" altLang="en-US">
+              <a:solidFill>
+                <a:schemeClr val="tx1"/>
+              </a:solidFill>
+            </a:endParaRPr>
+          </a:p>
+        </p:txBody>
+      </p:sp>
+      <p:sp>
+        <p:nvSpPr>
+          <p:cNvPr id="128" name="직사각형 127">
+            <a:extLst>
+              <a:ext uri="{FF2B5EF4-FFF2-40B4-BE49-F238E27FC236}">
+                <a16:creationId xmlns:a16="http://schemas.microsoft.com/office/drawing/2014/main" id="{4ADEE5CC-0E1B-42B9-8725-DC0640F87847}"/>
+              </a:ext>
+            </a:extLst>
+          </p:cNvPr>
+          <p:cNvSpPr/>
+          <p:nvPr/>
+        </p:nvSpPr>
+        <p:spPr>
+          <a:xfrm>
+            <a:off x="4652356" y="9606055"/>
+            <a:ext cx="713120" cy="657461"/>
+          </a:xfrm>
+          <a:prstGeom prst="rect">
+            <a:avLst/>
+          </a:prstGeom>
+          <a:noFill/>
+        </p:spPr>
+        <p:style>
+          <a:lnRef idx="2">
+            <a:schemeClr val="accent1">
+              <a:shade val="50000"/>
+            </a:schemeClr>
+          </a:lnRef>
+          <a:fillRef idx="1">
+            <a:schemeClr val="accent1"/>
+          </a:fillRef>
+          <a:effectRef idx="0">
+            <a:schemeClr val="accent1"/>
+          </a:effectRef>
+          <a:fontRef idx="minor">
+            <a:schemeClr val="lt1"/>
+          </a:fontRef>
+        </p:style>
+        <p:txBody>
+          <a:bodyPr rtlCol="0" anchor="ctr"/>
+          <a:lstStyle/>
+          <a:p>
+            <a:pPr algn="ctr"/>
+            <a:r>
+              <a:rPr lang="en-US" altLang="ko-KR">
+                <a:solidFill>
+                  <a:schemeClr val="tx1"/>
+                </a:solidFill>
+              </a:rPr>
+              <a:t>0~3</a:t>
+            </a:r>
+            <a:endParaRPr lang="ko-KR" altLang="en-US">
+              <a:solidFill>
+                <a:schemeClr val="tx1"/>
+              </a:solidFill>
+            </a:endParaRPr>
+          </a:p>
+        </p:txBody>
+      </p:sp>
+      <p:sp>
+        <p:nvSpPr>
+          <p:cNvPr id="129" name="직사각형 128">
+            <a:extLst>
+              <a:ext uri="{FF2B5EF4-FFF2-40B4-BE49-F238E27FC236}">
+                <a16:creationId xmlns:a16="http://schemas.microsoft.com/office/drawing/2014/main" id="{36C936AD-4495-4BDC-8A6B-22CBEC7C9440}"/>
+              </a:ext>
+            </a:extLst>
+          </p:cNvPr>
+          <p:cNvSpPr/>
+          <p:nvPr/>
+        </p:nvSpPr>
+        <p:spPr>
+          <a:xfrm>
+            <a:off x="5374731" y="9606054"/>
+            <a:ext cx="713120" cy="657461"/>
+          </a:xfrm>
+          <a:prstGeom prst="rect">
+            <a:avLst/>
+          </a:prstGeom>
+          <a:noFill/>
+        </p:spPr>
+        <p:style>
+          <a:lnRef idx="2">
+            <a:schemeClr val="accent1">
+              <a:shade val="50000"/>
+            </a:schemeClr>
+          </a:lnRef>
+          <a:fillRef idx="1">
+            <a:schemeClr val="accent1"/>
+          </a:fillRef>
+          <a:effectRef idx="0">
+            <a:schemeClr val="accent1"/>
+          </a:effectRef>
+          <a:fontRef idx="minor">
+            <a:schemeClr val="lt1"/>
+          </a:fontRef>
+        </p:style>
+        <p:txBody>
+          <a:bodyPr rtlCol="0" anchor="ctr"/>
+          <a:lstStyle/>
+          <a:p>
+            <a:pPr algn="ctr"/>
+            <a:r>
+              <a:rPr lang="en-US" altLang="ko-KR">
+                <a:solidFill>
+                  <a:schemeClr val="tx1"/>
+                </a:solidFill>
+              </a:rPr>
+              <a:t>4~5</a:t>
+            </a:r>
+            <a:endParaRPr lang="ko-KR" altLang="en-US">
+              <a:solidFill>
+                <a:schemeClr val="tx1"/>
+              </a:solidFill>
+            </a:endParaRPr>
+          </a:p>
+        </p:txBody>
+      </p:sp>
+      <p:sp>
+        <p:nvSpPr>
+          <p:cNvPr id="130" name="직사각형 129">
+            <a:extLst>
+              <a:ext uri="{FF2B5EF4-FFF2-40B4-BE49-F238E27FC236}">
+                <a16:creationId xmlns:a16="http://schemas.microsoft.com/office/drawing/2014/main" id="{33596A77-4418-49F5-93C2-9F670092DF4E}"/>
+              </a:ext>
+            </a:extLst>
+          </p:cNvPr>
+          <p:cNvSpPr/>
+          <p:nvPr/>
+        </p:nvSpPr>
+        <p:spPr>
+          <a:xfrm>
+            <a:off x="6100553" y="9606055"/>
+            <a:ext cx="713120" cy="657461"/>
+          </a:xfrm>
+          <a:prstGeom prst="rect">
+            <a:avLst/>
+          </a:prstGeom>
+          <a:noFill/>
+        </p:spPr>
+        <p:style>
+          <a:lnRef idx="2">
+            <a:schemeClr val="accent1">
+              <a:shade val="50000"/>
+            </a:schemeClr>
+          </a:lnRef>
+          <a:fillRef idx="1">
+            <a:schemeClr val="accent1"/>
+          </a:fillRef>
+          <a:effectRef idx="0">
+            <a:schemeClr val="accent1"/>
+          </a:effectRef>
+          <a:fontRef idx="minor">
+            <a:schemeClr val="lt1"/>
+          </a:fontRef>
+        </p:style>
+        <p:txBody>
+          <a:bodyPr rtlCol="0" anchor="ctr"/>
+          <a:lstStyle/>
+          <a:p>
+            <a:pPr algn="ctr"/>
+            <a:r>
+              <a:rPr lang="en-US" altLang="ko-KR">
+                <a:solidFill>
+                  <a:schemeClr val="tx1"/>
+                </a:solidFill>
+              </a:rPr>
+              <a:t>0~1</a:t>
+            </a:r>
+            <a:endParaRPr lang="ko-KR" altLang="en-US">
+              <a:solidFill>
+                <a:schemeClr val="tx1"/>
+              </a:solidFill>
+            </a:endParaRPr>
+          </a:p>
+        </p:txBody>
+      </p:sp>
+      <p:sp>
+        <p:nvSpPr>
+          <p:cNvPr id="131" name="직사각형 130">
+            <a:extLst>
+              <a:ext uri="{FF2B5EF4-FFF2-40B4-BE49-F238E27FC236}">
+                <a16:creationId xmlns:a16="http://schemas.microsoft.com/office/drawing/2014/main" id="{79B8B098-29BC-40B3-9999-6A8D43CB5F6C}"/>
+              </a:ext>
+            </a:extLst>
+          </p:cNvPr>
+          <p:cNvSpPr/>
+          <p:nvPr/>
+        </p:nvSpPr>
+        <p:spPr>
+          <a:xfrm>
+            <a:off x="6813673" y="9606055"/>
+            <a:ext cx="713120" cy="657461"/>
+          </a:xfrm>
+          <a:prstGeom prst="rect">
+            <a:avLst/>
+          </a:prstGeom>
+          <a:noFill/>
+        </p:spPr>
+        <p:style>
+          <a:lnRef idx="2">
+            <a:schemeClr val="accent1">
+              <a:shade val="50000"/>
+            </a:schemeClr>
+          </a:lnRef>
+          <a:fillRef idx="1">
+            <a:schemeClr val="accent1"/>
+          </a:fillRef>
+          <a:effectRef idx="0">
+            <a:schemeClr val="accent1"/>
+          </a:effectRef>
+          <a:fontRef idx="minor">
+            <a:schemeClr val="lt1"/>
+          </a:fontRef>
+        </p:style>
+        <p:txBody>
+          <a:bodyPr rtlCol="0" anchor="ctr"/>
+          <a:lstStyle/>
+          <a:p>
+            <a:pPr algn="ctr"/>
+            <a:r>
+              <a:rPr lang="en-US" altLang="ko-KR">
+                <a:solidFill>
+                  <a:schemeClr val="tx1"/>
+                </a:solidFill>
+              </a:rPr>
+              <a:t>2~3</a:t>
+            </a:r>
+            <a:endParaRPr lang="ko-KR" altLang="en-US">
+              <a:solidFill>
+                <a:schemeClr val="tx1"/>
+              </a:solidFill>
+            </a:endParaRPr>
+          </a:p>
+        </p:txBody>
+      </p:sp>
+      <p:sp>
+        <p:nvSpPr>
+          <p:cNvPr id="132" name="직사각형 131">
+            <a:extLst>
+              <a:ext uri="{FF2B5EF4-FFF2-40B4-BE49-F238E27FC236}">
+                <a16:creationId xmlns:a16="http://schemas.microsoft.com/office/drawing/2014/main" id="{50BDAE40-0BC8-4501-97F0-C5235F369C8F}"/>
+              </a:ext>
+            </a:extLst>
+          </p:cNvPr>
+          <p:cNvSpPr/>
+          <p:nvPr/>
+        </p:nvSpPr>
+        <p:spPr>
+          <a:xfrm>
+            <a:off x="7536048" y="9606054"/>
+            <a:ext cx="713120" cy="657461"/>
+          </a:xfrm>
+          <a:prstGeom prst="rect">
+            <a:avLst/>
+          </a:prstGeom>
+          <a:noFill/>
+        </p:spPr>
+        <p:style>
+          <a:lnRef idx="2">
+            <a:schemeClr val="accent1">
+              <a:shade val="50000"/>
+            </a:schemeClr>
+          </a:lnRef>
+          <a:fillRef idx="1">
+            <a:schemeClr val="accent1"/>
+          </a:fillRef>
+          <a:effectRef idx="0">
+            <a:schemeClr val="accent1"/>
+          </a:effectRef>
+          <a:fontRef idx="minor">
+            <a:schemeClr val="lt1"/>
+          </a:fontRef>
+        </p:style>
+        <p:txBody>
+          <a:bodyPr rtlCol="0" anchor="ctr"/>
+          <a:lstStyle/>
+          <a:p>
+            <a:pPr algn="ctr"/>
+            <a:r>
+              <a:rPr lang="en-US" altLang="ko-KR">
+                <a:solidFill>
+                  <a:schemeClr val="tx1"/>
+                </a:solidFill>
+              </a:rPr>
+              <a:t>4</a:t>
+            </a:r>
+            <a:endParaRPr lang="ko-KR" altLang="en-US">
+              <a:solidFill>
+                <a:schemeClr val="tx1"/>
+              </a:solidFill>
+            </a:endParaRPr>
+          </a:p>
+        </p:txBody>
+      </p:sp>
+      <p:sp>
+        <p:nvSpPr>
+          <p:cNvPr id="133" name="직사각형 132">
+            <a:extLst>
+              <a:ext uri="{FF2B5EF4-FFF2-40B4-BE49-F238E27FC236}">
+                <a16:creationId xmlns:a16="http://schemas.microsoft.com/office/drawing/2014/main" id="{2CE6EC46-AA87-4D41-A80A-78E0C68F8B39}"/>
+              </a:ext>
+            </a:extLst>
+          </p:cNvPr>
+          <p:cNvSpPr/>
+          <p:nvPr/>
+        </p:nvSpPr>
+        <p:spPr>
+          <a:xfrm>
+            <a:off x="8237974" y="9606055"/>
+            <a:ext cx="713120" cy="657461"/>
+          </a:xfrm>
+          <a:prstGeom prst="rect">
+            <a:avLst/>
+          </a:prstGeom>
+          <a:noFill/>
+        </p:spPr>
+        <p:style>
+          <a:lnRef idx="2">
+            <a:schemeClr val="accent1">
+              <a:shade val="50000"/>
+            </a:schemeClr>
+          </a:lnRef>
+          <a:fillRef idx="1">
+            <a:schemeClr val="accent1"/>
+          </a:fillRef>
+          <a:effectRef idx="0">
+            <a:schemeClr val="accent1"/>
+          </a:effectRef>
+          <a:fontRef idx="minor">
+            <a:schemeClr val="lt1"/>
+          </a:fontRef>
+        </p:style>
+        <p:txBody>
+          <a:bodyPr rtlCol="0" anchor="ctr"/>
+          <a:lstStyle/>
+          <a:p>
+            <a:pPr algn="ctr"/>
+            <a:r>
+              <a:rPr lang="en-US" altLang="ko-KR">
+                <a:solidFill>
+                  <a:schemeClr val="tx1"/>
+                </a:solidFill>
+              </a:rPr>
+              <a:t>5</a:t>
+            </a:r>
+            <a:endParaRPr lang="ko-KR" altLang="en-US">
+              <a:solidFill>
+                <a:schemeClr val="tx1"/>
+              </a:solidFill>
+            </a:endParaRPr>
+          </a:p>
+        </p:txBody>
+      </p:sp>
+      <p:sp>
+        <p:nvSpPr>
+          <p:cNvPr id="134" name="직사각형 133">
+            <a:extLst>
+              <a:ext uri="{FF2B5EF4-FFF2-40B4-BE49-F238E27FC236}">
+                <a16:creationId xmlns:a16="http://schemas.microsoft.com/office/drawing/2014/main" id="{16DC5111-4801-40E1-898C-07697C807FE9}"/>
+              </a:ext>
+            </a:extLst>
+          </p:cNvPr>
+          <p:cNvSpPr/>
+          <p:nvPr/>
+        </p:nvSpPr>
+        <p:spPr>
+          <a:xfrm>
+            <a:off x="8951094" y="9606055"/>
+            <a:ext cx="713120" cy="657461"/>
+          </a:xfrm>
+          <a:prstGeom prst="rect">
+            <a:avLst/>
+          </a:prstGeom>
+          <a:noFill/>
+        </p:spPr>
+        <p:style>
+          <a:lnRef idx="2">
+            <a:schemeClr val="accent1">
+              <a:shade val="50000"/>
+            </a:schemeClr>
+          </a:lnRef>
+          <a:fillRef idx="1">
+            <a:schemeClr val="accent1"/>
+          </a:fillRef>
+          <a:effectRef idx="0">
+            <a:schemeClr val="accent1"/>
+          </a:effectRef>
+          <a:fontRef idx="minor">
+            <a:schemeClr val="lt1"/>
+          </a:fontRef>
+        </p:style>
+        <p:txBody>
+          <a:bodyPr rtlCol="0" anchor="ctr"/>
+          <a:lstStyle/>
+          <a:p>
+            <a:pPr algn="ctr"/>
+            <a:r>
+              <a:rPr lang="en-US" altLang="ko-KR">
+                <a:solidFill>
+                  <a:schemeClr val="tx1"/>
+                </a:solidFill>
+              </a:rPr>
+              <a:t>6</a:t>
+            </a:r>
+            <a:endParaRPr lang="ko-KR" altLang="en-US">
+              <a:solidFill>
+                <a:schemeClr val="tx1"/>
+              </a:solidFill>
+            </a:endParaRPr>
+          </a:p>
+        </p:txBody>
+      </p:sp>
+      <p:sp>
+        <p:nvSpPr>
+          <p:cNvPr id="135" name="직사각형 134">
+            <a:extLst>
+              <a:ext uri="{FF2B5EF4-FFF2-40B4-BE49-F238E27FC236}">
+                <a16:creationId xmlns:a16="http://schemas.microsoft.com/office/drawing/2014/main" id="{B6B08FA1-DDB4-462B-9546-C2EC19FBD0D4}"/>
+              </a:ext>
+            </a:extLst>
+          </p:cNvPr>
+          <p:cNvSpPr/>
+          <p:nvPr/>
+        </p:nvSpPr>
+        <p:spPr>
+          <a:xfrm>
+            <a:off x="9673469" y="9606054"/>
+            <a:ext cx="713120" cy="657461"/>
+          </a:xfrm>
+          <a:prstGeom prst="rect">
+            <a:avLst/>
+          </a:prstGeom>
+          <a:noFill/>
+        </p:spPr>
+        <p:style>
+          <a:lnRef idx="2">
+            <a:schemeClr val="accent1">
+              <a:shade val="50000"/>
+            </a:schemeClr>
+          </a:lnRef>
+          <a:fillRef idx="1">
+            <a:schemeClr val="accent1"/>
+          </a:fillRef>
+          <a:effectRef idx="0">
+            <a:schemeClr val="accent1"/>
+          </a:effectRef>
+          <a:fontRef idx="minor">
+            <a:schemeClr val="lt1"/>
+          </a:fontRef>
+        </p:style>
+        <p:txBody>
+          <a:bodyPr rtlCol="0" anchor="ctr"/>
+          <a:lstStyle/>
+          <a:p>
+            <a:pPr algn="ctr"/>
+            <a:r>
+              <a:rPr lang="en-US" altLang="ko-KR">
+                <a:solidFill>
+                  <a:schemeClr val="tx1"/>
+                </a:solidFill>
+              </a:rPr>
+              <a:t>7</a:t>
+            </a:r>
+            <a:endParaRPr lang="ko-KR" altLang="en-US">
+              <a:solidFill>
+                <a:schemeClr val="tx1"/>
+              </a:solidFill>
+            </a:endParaRPr>
+          </a:p>
+        </p:txBody>
+      </p:sp>
+      <p:sp>
+        <p:nvSpPr>
+          <p:cNvPr id="136" name="직사각형 135">
+            <a:extLst>
+              <a:ext uri="{FF2B5EF4-FFF2-40B4-BE49-F238E27FC236}">
+                <a16:creationId xmlns:a16="http://schemas.microsoft.com/office/drawing/2014/main" id="{054A20F3-6CCA-42E4-8CE0-0B8C3EEABF87}"/>
+              </a:ext>
+            </a:extLst>
+          </p:cNvPr>
+          <p:cNvSpPr/>
+          <p:nvPr/>
+        </p:nvSpPr>
+        <p:spPr>
+          <a:xfrm>
+            <a:off x="10372769" y="9605911"/>
+            <a:ext cx="713120" cy="657461"/>
+          </a:xfrm>
+          <a:prstGeom prst="rect">
+            <a:avLst/>
+          </a:prstGeom>
+          <a:noFill/>
+        </p:spPr>
+        <p:style>
+          <a:lnRef idx="2">
+            <a:schemeClr val="accent1">
+              <a:shade val="50000"/>
+            </a:schemeClr>
+          </a:lnRef>
+          <a:fillRef idx="1">
+            <a:schemeClr val="accent1"/>
+          </a:fillRef>
+          <a:effectRef idx="0">
+            <a:schemeClr val="accent1"/>
+          </a:effectRef>
+          <a:fontRef idx="minor">
+            <a:schemeClr val="lt1"/>
+          </a:fontRef>
+        </p:style>
+        <p:txBody>
+          <a:bodyPr rtlCol="0" anchor="ctr"/>
+          <a:lstStyle/>
+          <a:p>
+            <a:pPr algn="ctr"/>
+            <a:r>
+              <a:rPr lang="en-US" altLang="ko-KR">
+                <a:solidFill>
+                  <a:schemeClr val="tx1"/>
+                </a:solidFill>
+              </a:rPr>
+              <a:t>8</a:t>
+            </a:r>
+            <a:endParaRPr lang="ko-KR" altLang="en-US">
+              <a:solidFill>
+                <a:schemeClr val="tx1"/>
+              </a:solidFill>
+            </a:endParaRPr>
+          </a:p>
+        </p:txBody>
+      </p:sp>
+      <p:sp>
+        <p:nvSpPr>
+          <p:cNvPr id="137" name="직사각형 136">
+            <a:extLst>
+              <a:ext uri="{FF2B5EF4-FFF2-40B4-BE49-F238E27FC236}">
+                <a16:creationId xmlns:a16="http://schemas.microsoft.com/office/drawing/2014/main" id="{4650F7CF-D171-4963-96C9-78ADB23F07D1}"/>
+              </a:ext>
+            </a:extLst>
+          </p:cNvPr>
+          <p:cNvSpPr/>
+          <p:nvPr/>
+        </p:nvSpPr>
+        <p:spPr>
+          <a:xfrm>
+            <a:off x="11085889" y="9605911"/>
+            <a:ext cx="713120" cy="657461"/>
+          </a:xfrm>
+          <a:prstGeom prst="rect">
+            <a:avLst/>
+          </a:prstGeom>
+          <a:noFill/>
+        </p:spPr>
+        <p:style>
+          <a:lnRef idx="2">
+            <a:schemeClr val="accent1">
+              <a:shade val="50000"/>
+            </a:schemeClr>
+          </a:lnRef>
+          <a:fillRef idx="1">
+            <a:schemeClr val="accent1"/>
+          </a:fillRef>
+          <a:effectRef idx="0">
+            <a:schemeClr val="accent1"/>
+          </a:effectRef>
+          <a:fontRef idx="minor">
+            <a:schemeClr val="lt1"/>
+          </a:fontRef>
+        </p:style>
+        <p:txBody>
+          <a:bodyPr rtlCol="0" anchor="ctr"/>
+          <a:lstStyle/>
+          <a:p>
+            <a:pPr algn="ctr"/>
+            <a:r>
+              <a:rPr lang="en-US" altLang="ko-KR">
+                <a:solidFill>
+                  <a:schemeClr val="tx1"/>
+                </a:solidFill>
+              </a:rPr>
+              <a:t>9</a:t>
+            </a:r>
+            <a:endParaRPr lang="ko-KR" altLang="en-US">
+              <a:solidFill>
+                <a:schemeClr val="tx1"/>
+              </a:solidFill>
+            </a:endParaRPr>
+          </a:p>
+        </p:txBody>
+      </p:sp>
+      <p:sp>
+        <p:nvSpPr>
+          <p:cNvPr id="138" name="직사각형 137">
+            <a:extLst>
+              <a:ext uri="{FF2B5EF4-FFF2-40B4-BE49-F238E27FC236}">
+                <a16:creationId xmlns:a16="http://schemas.microsoft.com/office/drawing/2014/main" id="{BCC8D493-71F8-415C-9622-B310C31F48EE}"/>
+              </a:ext>
+            </a:extLst>
+          </p:cNvPr>
+          <p:cNvSpPr/>
+          <p:nvPr/>
+        </p:nvSpPr>
+        <p:spPr>
+          <a:xfrm>
+            <a:off x="11808264" y="9605910"/>
+            <a:ext cx="713120" cy="657461"/>
+          </a:xfrm>
+          <a:prstGeom prst="rect">
+            <a:avLst/>
+          </a:prstGeom>
+          <a:noFill/>
+        </p:spPr>
+        <p:style>
+          <a:lnRef idx="2">
+            <a:schemeClr val="accent1">
+              <a:shade val="50000"/>
+            </a:schemeClr>
+          </a:lnRef>
+          <a:fillRef idx="1">
+            <a:schemeClr val="accent1"/>
+          </a:fillRef>
+          <a:effectRef idx="0">
+            <a:schemeClr val="accent1"/>
+          </a:effectRef>
+          <a:fontRef idx="minor">
+            <a:schemeClr val="lt1"/>
+          </a:fontRef>
+        </p:style>
+        <p:txBody>
+          <a:bodyPr rtlCol="0" anchor="ctr"/>
+          <a:lstStyle/>
+          <a:p>
+            <a:pPr algn="ctr"/>
+            <a:r>
+              <a:rPr lang="en-US" altLang="ko-KR">
+                <a:solidFill>
+                  <a:schemeClr val="tx1"/>
+                </a:solidFill>
+              </a:rPr>
+              <a:t>0</a:t>
+            </a:r>
+            <a:endParaRPr lang="ko-KR" altLang="en-US">
+              <a:solidFill>
+                <a:schemeClr val="tx1"/>
+              </a:solidFill>
+            </a:endParaRPr>
+          </a:p>
+        </p:txBody>
+      </p:sp>
+      <p:sp>
+        <p:nvSpPr>
+          <p:cNvPr id="139" name="직사각형 138">
+            <a:extLst>
+              <a:ext uri="{FF2B5EF4-FFF2-40B4-BE49-F238E27FC236}">
+                <a16:creationId xmlns:a16="http://schemas.microsoft.com/office/drawing/2014/main" id="{1E342E61-1C84-46BC-B2B0-73D0B73351AB}"/>
+              </a:ext>
+            </a:extLst>
+          </p:cNvPr>
+          <p:cNvSpPr/>
+          <p:nvPr/>
+        </p:nvSpPr>
+        <p:spPr>
+          <a:xfrm>
+            <a:off x="12510190" y="9605911"/>
+            <a:ext cx="713120" cy="657461"/>
+          </a:xfrm>
+          <a:prstGeom prst="rect">
+            <a:avLst/>
+          </a:prstGeom>
+          <a:noFill/>
+        </p:spPr>
+        <p:style>
+          <a:lnRef idx="2">
+            <a:schemeClr val="accent1">
+              <a:shade val="50000"/>
+            </a:schemeClr>
+          </a:lnRef>
+          <a:fillRef idx="1">
+            <a:schemeClr val="accent1"/>
+          </a:fillRef>
+          <a:effectRef idx="0">
+            <a:schemeClr val="accent1"/>
+          </a:effectRef>
+          <a:fontRef idx="minor">
+            <a:schemeClr val="lt1"/>
+          </a:fontRef>
+        </p:style>
+        <p:txBody>
+          <a:bodyPr rtlCol="0" anchor="ctr"/>
+          <a:lstStyle/>
+          <a:p>
+            <a:pPr algn="ctr"/>
+            <a:r>
+              <a:rPr lang="en-US" altLang="ko-KR">
+                <a:solidFill>
+                  <a:schemeClr val="tx1"/>
+                </a:solidFill>
+              </a:rPr>
+              <a:t>1</a:t>
+            </a:r>
+            <a:endParaRPr lang="ko-KR" altLang="en-US">
+              <a:solidFill>
+                <a:schemeClr val="tx1"/>
+              </a:solidFill>
+            </a:endParaRPr>
+          </a:p>
+        </p:txBody>
+      </p:sp>
+      <p:sp>
+        <p:nvSpPr>
+          <p:cNvPr id="140" name="직사각형 139">
+            <a:extLst>
+              <a:ext uri="{FF2B5EF4-FFF2-40B4-BE49-F238E27FC236}">
+                <a16:creationId xmlns:a16="http://schemas.microsoft.com/office/drawing/2014/main" id="{BE4ED845-E1C8-405B-9E59-62E59D033C4B}"/>
+              </a:ext>
+            </a:extLst>
+          </p:cNvPr>
+          <p:cNvSpPr/>
+          <p:nvPr/>
+        </p:nvSpPr>
+        <p:spPr>
+          <a:xfrm>
+            <a:off x="13223310" y="9605911"/>
+            <a:ext cx="713120" cy="657461"/>
+          </a:xfrm>
+          <a:prstGeom prst="rect">
+            <a:avLst/>
+          </a:prstGeom>
+          <a:noFill/>
+        </p:spPr>
+        <p:style>
+          <a:lnRef idx="2">
+            <a:schemeClr val="accent1">
+              <a:shade val="50000"/>
+            </a:schemeClr>
+          </a:lnRef>
+          <a:fillRef idx="1">
+            <a:schemeClr val="accent1"/>
+          </a:fillRef>
+          <a:effectRef idx="0">
+            <a:schemeClr val="accent1"/>
+          </a:effectRef>
+          <a:fontRef idx="minor">
+            <a:schemeClr val="lt1"/>
+          </a:fontRef>
+        </p:style>
+        <p:txBody>
+          <a:bodyPr rtlCol="0" anchor="ctr"/>
+          <a:lstStyle/>
+          <a:p>
+            <a:pPr algn="ctr"/>
+            <a:r>
+              <a:rPr lang="en-US" altLang="ko-KR">
+                <a:solidFill>
+                  <a:schemeClr val="tx1"/>
+                </a:solidFill>
+              </a:rPr>
+              <a:t>2</a:t>
+            </a:r>
+            <a:endParaRPr lang="ko-KR" altLang="en-US">
+              <a:solidFill>
+                <a:schemeClr val="tx1"/>
+              </a:solidFill>
+            </a:endParaRPr>
+          </a:p>
+        </p:txBody>
+      </p:sp>
+      <p:sp>
+        <p:nvSpPr>
+          <p:cNvPr id="141" name="직사각형 140">
+            <a:extLst>
+              <a:ext uri="{FF2B5EF4-FFF2-40B4-BE49-F238E27FC236}">
+                <a16:creationId xmlns:a16="http://schemas.microsoft.com/office/drawing/2014/main" id="{AA264DEE-5278-4F2D-9106-F1A8E568C435}"/>
+              </a:ext>
+            </a:extLst>
+          </p:cNvPr>
+          <p:cNvSpPr/>
+          <p:nvPr/>
+        </p:nvSpPr>
+        <p:spPr>
+          <a:xfrm>
+            <a:off x="13945685" y="9605910"/>
+            <a:ext cx="713120" cy="657461"/>
+          </a:xfrm>
+          <a:prstGeom prst="rect">
+            <a:avLst/>
+          </a:prstGeom>
+          <a:noFill/>
+        </p:spPr>
+        <p:style>
+          <a:lnRef idx="2">
+            <a:schemeClr val="accent1">
+              <a:shade val="50000"/>
+            </a:schemeClr>
+          </a:lnRef>
+          <a:fillRef idx="1">
+            <a:schemeClr val="accent1"/>
+          </a:fillRef>
+          <a:effectRef idx="0">
+            <a:schemeClr val="accent1"/>
+          </a:effectRef>
+          <a:fontRef idx="minor">
+            <a:schemeClr val="lt1"/>
+          </a:fontRef>
+        </p:style>
+        <p:txBody>
+          <a:bodyPr rtlCol="0" anchor="ctr"/>
+          <a:lstStyle/>
+          <a:p>
+            <a:pPr algn="ctr"/>
+            <a:r>
+              <a:rPr lang="en-US" altLang="ko-KR">
+                <a:solidFill>
+                  <a:schemeClr val="tx1"/>
+                </a:solidFill>
+              </a:rPr>
+              <a:t>3</a:t>
+            </a:r>
+            <a:endParaRPr lang="ko-KR" altLang="en-US">
+              <a:solidFill>
+                <a:schemeClr val="tx1"/>
+              </a:solidFill>
+            </a:endParaRPr>
+          </a:p>
+        </p:txBody>
+      </p:sp>
+      <p:sp>
+        <p:nvSpPr>
+          <p:cNvPr id="142" name="직사각형 141">
+            <a:extLst>
+              <a:ext uri="{FF2B5EF4-FFF2-40B4-BE49-F238E27FC236}">
+                <a16:creationId xmlns:a16="http://schemas.microsoft.com/office/drawing/2014/main" id="{B070F159-D2C8-4688-9662-301791D0BD48}"/>
+              </a:ext>
+            </a:extLst>
+          </p:cNvPr>
+          <p:cNvSpPr/>
+          <p:nvPr/>
+        </p:nvSpPr>
+        <p:spPr>
+          <a:xfrm>
+            <a:off x="14671507" y="9605911"/>
+            <a:ext cx="713120" cy="657461"/>
+          </a:xfrm>
+          <a:prstGeom prst="rect">
+            <a:avLst/>
+          </a:prstGeom>
+          <a:noFill/>
+        </p:spPr>
+        <p:style>
+          <a:lnRef idx="2">
+            <a:schemeClr val="accent1">
+              <a:shade val="50000"/>
+            </a:schemeClr>
+          </a:lnRef>
+          <a:fillRef idx="1">
+            <a:schemeClr val="accent1"/>
+          </a:fillRef>
+          <a:effectRef idx="0">
+            <a:schemeClr val="accent1"/>
+          </a:effectRef>
+          <a:fontRef idx="minor">
+            <a:schemeClr val="lt1"/>
+          </a:fontRef>
+        </p:style>
+        <p:txBody>
+          <a:bodyPr rtlCol="0" anchor="ctr"/>
+          <a:lstStyle/>
+          <a:p>
+            <a:pPr algn="ctr"/>
+            <a:r>
+              <a:rPr lang="en-US" altLang="ko-KR">
+                <a:solidFill>
+                  <a:schemeClr val="tx1"/>
+                </a:solidFill>
+              </a:rPr>
+              <a:t>-</a:t>
+            </a:r>
+            <a:endParaRPr lang="ko-KR" altLang="en-US">
+              <a:solidFill>
+                <a:schemeClr val="tx1"/>
+              </a:solidFill>
+            </a:endParaRPr>
+          </a:p>
+        </p:txBody>
+      </p:sp>
+      <p:sp>
+        <p:nvSpPr>
+          <p:cNvPr id="143" name="직사각형 142">
+            <a:extLst>
+              <a:ext uri="{FF2B5EF4-FFF2-40B4-BE49-F238E27FC236}">
+                <a16:creationId xmlns:a16="http://schemas.microsoft.com/office/drawing/2014/main" id="{8BCD0797-E89E-4F47-A2E5-0ACB1D4980A7}"/>
+              </a:ext>
+            </a:extLst>
+          </p:cNvPr>
+          <p:cNvSpPr/>
+          <p:nvPr/>
+        </p:nvSpPr>
+        <p:spPr>
+          <a:xfrm>
+            <a:off x="15384627" y="9605911"/>
+            <a:ext cx="713120" cy="657461"/>
+          </a:xfrm>
+          <a:prstGeom prst="rect">
+            <a:avLst/>
+          </a:prstGeom>
+          <a:noFill/>
+        </p:spPr>
+        <p:style>
+          <a:lnRef idx="2">
+            <a:schemeClr val="accent1">
+              <a:shade val="50000"/>
+            </a:schemeClr>
+          </a:lnRef>
+          <a:fillRef idx="1">
+            <a:schemeClr val="accent1"/>
+          </a:fillRef>
+          <a:effectRef idx="0">
+            <a:schemeClr val="accent1"/>
+          </a:effectRef>
+          <a:fontRef idx="minor">
+            <a:schemeClr val="lt1"/>
+          </a:fontRef>
+        </p:style>
+        <p:txBody>
+          <a:bodyPr rtlCol="0" anchor="ctr"/>
+          <a:lstStyle/>
+          <a:p>
+            <a:pPr algn="ctr"/>
+            <a:r>
+              <a:rPr lang="en-US" altLang="ko-KR">
+                <a:solidFill>
+                  <a:schemeClr val="tx1"/>
+                </a:solidFill>
+              </a:rPr>
+              <a:t>-</a:t>
+            </a:r>
+            <a:endParaRPr lang="ko-KR" altLang="en-US">
+              <a:solidFill>
+                <a:schemeClr val="tx1"/>
+              </a:solidFill>
+            </a:endParaRPr>
+          </a:p>
+        </p:txBody>
+      </p:sp>
+      <p:sp>
+        <p:nvSpPr>
+          <p:cNvPr id="144" name="직사각형 143">
+            <a:extLst>
+              <a:ext uri="{FF2B5EF4-FFF2-40B4-BE49-F238E27FC236}">
+                <a16:creationId xmlns:a16="http://schemas.microsoft.com/office/drawing/2014/main" id="{34B17C55-CB65-492C-B0CA-0136BEF17BA2}"/>
+              </a:ext>
+            </a:extLst>
+          </p:cNvPr>
+          <p:cNvSpPr/>
+          <p:nvPr/>
+        </p:nvSpPr>
+        <p:spPr>
+          <a:xfrm>
+            <a:off x="16107002" y="9605910"/>
+            <a:ext cx="713120" cy="657461"/>
+          </a:xfrm>
+          <a:prstGeom prst="rect">
+            <a:avLst/>
+          </a:prstGeom>
+          <a:noFill/>
+        </p:spPr>
+        <p:style>
+          <a:lnRef idx="2">
+            <a:schemeClr val="accent1">
+              <a:shade val="50000"/>
+            </a:schemeClr>
+          </a:lnRef>
+          <a:fillRef idx="1">
+            <a:schemeClr val="accent1"/>
+          </a:fillRef>
+          <a:effectRef idx="0">
+            <a:schemeClr val="accent1"/>
+          </a:effectRef>
+          <a:fontRef idx="minor">
+            <a:schemeClr val="lt1"/>
+          </a:fontRef>
+        </p:style>
+        <p:txBody>
+          <a:bodyPr rtlCol="0" anchor="ctr"/>
+          <a:lstStyle/>
+          <a:p>
+            <a:pPr algn="ctr"/>
+            <a:r>
+              <a:rPr lang="en-US" altLang="ko-KR">
+                <a:solidFill>
+                  <a:schemeClr val="tx1"/>
+                </a:solidFill>
+              </a:rPr>
+              <a:t>-</a:t>
+            </a:r>
+            <a:endParaRPr lang="ko-KR" altLang="en-US">
+              <a:solidFill>
+                <a:schemeClr val="tx1"/>
+              </a:solidFill>
+            </a:endParaRPr>
+          </a:p>
+        </p:txBody>
+      </p:sp>
+      <p:sp>
+        <p:nvSpPr>
+          <p:cNvPr id="145" name="직사각형 144">
+            <a:extLst>
+              <a:ext uri="{FF2B5EF4-FFF2-40B4-BE49-F238E27FC236}">
+                <a16:creationId xmlns:a16="http://schemas.microsoft.com/office/drawing/2014/main" id="{F56E0121-ABC4-408F-99DC-0063AE0C4099}"/>
+              </a:ext>
+            </a:extLst>
+          </p:cNvPr>
+          <p:cNvSpPr/>
+          <p:nvPr/>
+        </p:nvSpPr>
+        <p:spPr>
+          <a:xfrm>
+            <a:off x="16808928" y="9605911"/>
+            <a:ext cx="713120" cy="657461"/>
+          </a:xfrm>
+          <a:prstGeom prst="rect">
+            <a:avLst/>
+          </a:prstGeom>
+          <a:noFill/>
+        </p:spPr>
+        <p:style>
+          <a:lnRef idx="2">
+            <a:schemeClr val="accent1">
+              <a:shade val="50000"/>
+            </a:schemeClr>
+          </a:lnRef>
+          <a:fillRef idx="1">
+            <a:schemeClr val="accent1"/>
+          </a:fillRef>
+          <a:effectRef idx="0">
+            <a:schemeClr val="accent1"/>
+          </a:effectRef>
+          <a:fontRef idx="minor">
+            <a:schemeClr val="lt1"/>
+          </a:fontRef>
+        </p:style>
+        <p:txBody>
+          <a:bodyPr rtlCol="0" anchor="ctr"/>
+          <a:lstStyle/>
+          <a:p>
+            <a:pPr algn="ctr"/>
+            <a:r>
+              <a:rPr lang="en-US" altLang="ko-KR">
+                <a:solidFill>
+                  <a:schemeClr val="tx1"/>
+                </a:solidFill>
+              </a:rPr>
+              <a:t>-</a:t>
+            </a:r>
+            <a:endParaRPr lang="ko-KR" altLang="en-US">
+              <a:solidFill>
+                <a:schemeClr val="tx1"/>
+              </a:solidFill>
+            </a:endParaRPr>
+          </a:p>
+        </p:txBody>
+      </p:sp>
+      <p:sp>
+        <p:nvSpPr>
+          <p:cNvPr id="146" name="직사각형 145">
+            <a:extLst>
+              <a:ext uri="{FF2B5EF4-FFF2-40B4-BE49-F238E27FC236}">
+                <a16:creationId xmlns:a16="http://schemas.microsoft.com/office/drawing/2014/main" id="{6AFFB598-CFFA-42DD-9502-4BC70934E059}"/>
+              </a:ext>
+            </a:extLst>
+          </p:cNvPr>
+          <p:cNvSpPr/>
+          <p:nvPr/>
+        </p:nvSpPr>
+        <p:spPr>
+          <a:xfrm>
+            <a:off x="17522048" y="9605911"/>
+            <a:ext cx="713120" cy="657461"/>
+          </a:xfrm>
+          <a:prstGeom prst="rect">
+            <a:avLst/>
+          </a:prstGeom>
+          <a:noFill/>
+        </p:spPr>
+        <p:style>
+          <a:lnRef idx="2">
+            <a:schemeClr val="accent1">
+              <a:shade val="50000"/>
+            </a:schemeClr>
+          </a:lnRef>
+          <a:fillRef idx="1">
+            <a:schemeClr val="accent1"/>
+          </a:fillRef>
+          <a:effectRef idx="0">
+            <a:schemeClr val="accent1"/>
+          </a:effectRef>
+          <a:fontRef idx="minor">
+            <a:schemeClr val="lt1"/>
+          </a:fontRef>
+        </p:style>
+        <p:txBody>
+          <a:bodyPr rtlCol="0" anchor="ctr"/>
+          <a:lstStyle/>
+          <a:p>
+            <a:pPr algn="ctr"/>
+            <a:r>
+              <a:rPr lang="en-US" altLang="ko-KR">
+                <a:solidFill>
+                  <a:schemeClr val="tx1"/>
+                </a:solidFill>
+              </a:rPr>
+              <a:t>-</a:t>
+            </a:r>
+            <a:endParaRPr lang="ko-KR" altLang="en-US">
+              <a:solidFill>
+                <a:schemeClr val="tx1"/>
+              </a:solidFill>
+            </a:endParaRPr>
+          </a:p>
+        </p:txBody>
+      </p:sp>
+      <p:sp>
+        <p:nvSpPr>
+          <p:cNvPr id="147" name="직사각형 146">
+            <a:extLst>
+              <a:ext uri="{FF2B5EF4-FFF2-40B4-BE49-F238E27FC236}">
+                <a16:creationId xmlns:a16="http://schemas.microsoft.com/office/drawing/2014/main" id="{27489E6B-E1FE-4148-AD0E-C10020824F19}"/>
+              </a:ext>
+            </a:extLst>
+          </p:cNvPr>
+          <p:cNvSpPr/>
+          <p:nvPr/>
+        </p:nvSpPr>
+        <p:spPr>
+          <a:xfrm>
+            <a:off x="18244423" y="9605910"/>
+            <a:ext cx="713120" cy="657461"/>
+          </a:xfrm>
+          <a:prstGeom prst="rect">
+            <a:avLst/>
+          </a:prstGeom>
+          <a:noFill/>
+        </p:spPr>
+        <p:style>
+          <a:lnRef idx="2">
+            <a:schemeClr val="accent1">
+              <a:shade val="50000"/>
+            </a:schemeClr>
+          </a:lnRef>
+          <a:fillRef idx="1">
+            <a:schemeClr val="accent1"/>
+          </a:fillRef>
+          <a:effectRef idx="0">
+            <a:schemeClr val="accent1"/>
+          </a:effectRef>
+          <a:fontRef idx="minor">
+            <a:schemeClr val="lt1"/>
+          </a:fontRef>
+        </p:style>
+        <p:txBody>
+          <a:bodyPr rtlCol="0" anchor="ctr"/>
+          <a:lstStyle/>
+          <a:p>
+            <a:pPr algn="ctr"/>
+            <a:r>
+              <a:rPr lang="en-US" altLang="ko-KR">
+                <a:solidFill>
+                  <a:schemeClr val="tx1"/>
+                </a:solidFill>
+              </a:rPr>
+              <a:t>-</a:t>
+            </a:r>
+            <a:endParaRPr lang="ko-KR" altLang="en-US">
+              <a:solidFill>
+                <a:schemeClr val="tx1"/>
+              </a:solidFill>
+            </a:endParaRPr>
+          </a:p>
+        </p:txBody>
+      </p:sp>
+      <p:sp>
+        <p:nvSpPr>
+          <p:cNvPr id="148" name="타원 147">
+            <a:extLst>
+              <a:ext uri="{FF2B5EF4-FFF2-40B4-BE49-F238E27FC236}">
+                <a16:creationId xmlns:a16="http://schemas.microsoft.com/office/drawing/2014/main" id="{435C5517-98D6-4639-ACEB-2AF7253413EA}"/>
+              </a:ext>
+            </a:extLst>
+          </p:cNvPr>
+          <p:cNvSpPr/>
+          <p:nvPr/>
+        </p:nvSpPr>
+        <p:spPr>
+          <a:xfrm>
+            <a:off x="5735717" y="7523454"/>
+            <a:ext cx="729672" cy="748145"/>
+          </a:xfrm>
+          <a:prstGeom prst="ellipse">
+            <a:avLst/>
+          </a:prstGeom>
+          <a:noFill/>
+        </p:spPr>
+        <p:style>
+          <a:lnRef idx="2">
+            <a:schemeClr val="accent1">
+              <a:shade val="50000"/>
+            </a:schemeClr>
+          </a:lnRef>
+          <a:fillRef idx="1">
+            <a:schemeClr val="accent1"/>
+          </a:fillRef>
+          <a:effectRef idx="0">
+            <a:schemeClr val="accent1"/>
+          </a:effectRef>
+          <a:fontRef idx="minor">
+            <a:schemeClr val="lt1"/>
+          </a:fontRef>
+        </p:style>
+        <p:txBody>
+          <a:bodyPr rtlCol="0" anchor="ctr"/>
+          <a:lstStyle/>
+          <a:p>
+            <a:pPr algn="ctr"/>
+            <a:r>
+              <a:rPr lang="en-US" altLang="ko-KR">
+                <a:solidFill>
+                  <a:schemeClr val="tx1"/>
+                </a:solidFill>
+              </a:rPr>
+              <a:t>3</a:t>
+            </a:r>
+            <a:endParaRPr lang="ko-KR" altLang="en-US">
+              <a:solidFill>
+                <a:schemeClr val="tx1"/>
+              </a:solidFill>
+            </a:endParaRPr>
+          </a:p>
+        </p:txBody>
+      </p:sp>
+      <p:sp>
+        <p:nvSpPr>
+          <p:cNvPr id="149" name="TextBox 148">
+            <a:extLst>
+              <a:ext uri="{FF2B5EF4-FFF2-40B4-BE49-F238E27FC236}">
+                <a16:creationId xmlns:a16="http://schemas.microsoft.com/office/drawing/2014/main" id="{4E873041-9C21-4EC6-8A33-8A5445B4C9A6}"/>
+              </a:ext>
+            </a:extLst>
+          </p:cNvPr>
+          <p:cNvSpPr txBox="1"/>
+          <p:nvPr/>
+        </p:nvSpPr>
+        <p:spPr>
+          <a:xfrm>
+            <a:off x="6177480" y="7154122"/>
+            <a:ext cx="523188" cy="369332"/>
+          </a:xfrm>
+          <a:prstGeom prst="rect">
+            <a:avLst/>
+          </a:prstGeom>
+          <a:noFill/>
+        </p:spPr>
+        <p:txBody>
+          <a:bodyPr wrap="square" rtlCol="0">
+            <a:spAutoFit/>
+          </a:bodyPr>
+          <a:lstStyle/>
+          <a:p>
+            <a:r>
+              <a:rPr lang="en-US" altLang="ko-KR"/>
+              <a:t>21</a:t>
+            </a:r>
+            <a:endParaRPr lang="ko-KR" altLang="en-US"/>
+          </a:p>
+        </p:txBody>
+      </p:sp>
+      <p:cxnSp>
+        <p:nvCxnSpPr>
+          <p:cNvPr id="150" name="직선 연결선 149">
+            <a:extLst>
+              <a:ext uri="{FF2B5EF4-FFF2-40B4-BE49-F238E27FC236}">
+                <a16:creationId xmlns:a16="http://schemas.microsoft.com/office/drawing/2014/main" id="{6ABCA503-C3A7-4C26-AEF2-A538766A48B9}"/>
+              </a:ext>
+            </a:extLst>
+          </p:cNvPr>
+          <p:cNvCxnSpPr>
+            <a:cxnSpLocks/>
+            <a:stCxn id="86" idx="4"/>
+            <a:endCxn id="88" idx="0"/>
+          </p:cNvCxnSpPr>
+          <p:nvPr/>
+        </p:nvCxnSpPr>
+        <p:spPr>
+          <a:xfrm flipH="1">
+            <a:off x="6206491" y="1769232"/>
+            <a:ext cx="4487402" cy="531911"/>
+          </a:xfrm>
+          <a:prstGeom prst="line">
+            <a:avLst/>
+          </a:prstGeom>
+        </p:spPr>
+        <p:style>
+          <a:lnRef idx="1">
+            <a:schemeClr val="accent1"/>
+          </a:lnRef>
+          <a:fillRef idx="0">
+            <a:schemeClr val="accent1"/>
+          </a:fillRef>
+          <a:effectRef idx="0">
+            <a:schemeClr val="accent1"/>
+          </a:effectRef>
+          <a:fontRef idx="minor">
+            <a:schemeClr val="tx1"/>
+          </a:fontRef>
+        </p:style>
+      </p:cxnSp>
+      <p:cxnSp>
+        <p:nvCxnSpPr>
+          <p:cNvPr id="151" name="직선 연결선 150">
+            <a:extLst>
+              <a:ext uri="{FF2B5EF4-FFF2-40B4-BE49-F238E27FC236}">
+                <a16:creationId xmlns:a16="http://schemas.microsoft.com/office/drawing/2014/main" id="{25A5913C-FBF8-49EF-99CF-8E4E16031244}"/>
+              </a:ext>
+            </a:extLst>
+          </p:cNvPr>
+          <p:cNvCxnSpPr>
+            <a:cxnSpLocks/>
+            <a:stCxn id="88" idx="4"/>
+            <a:endCxn id="90" idx="0"/>
+          </p:cNvCxnSpPr>
+          <p:nvPr/>
+        </p:nvCxnSpPr>
+        <p:spPr>
+          <a:xfrm flipH="1">
+            <a:off x="4090627" y="3049288"/>
+            <a:ext cx="2115864" cy="803956"/>
+          </a:xfrm>
+          <a:prstGeom prst="line">
+            <a:avLst/>
+          </a:prstGeom>
+        </p:spPr>
+        <p:style>
+          <a:lnRef idx="1">
+            <a:schemeClr val="accent1"/>
+          </a:lnRef>
+          <a:fillRef idx="0">
+            <a:schemeClr val="accent1"/>
+          </a:fillRef>
+          <a:effectRef idx="0">
+            <a:schemeClr val="accent1"/>
+          </a:effectRef>
+          <a:fontRef idx="minor">
+            <a:schemeClr val="tx1"/>
+          </a:fontRef>
+        </p:style>
+      </p:cxnSp>
+      <p:cxnSp>
+        <p:nvCxnSpPr>
+          <p:cNvPr id="152" name="직선 연결선 151">
+            <a:extLst>
+              <a:ext uri="{FF2B5EF4-FFF2-40B4-BE49-F238E27FC236}">
+                <a16:creationId xmlns:a16="http://schemas.microsoft.com/office/drawing/2014/main" id="{19EB7809-819D-4CE7-BCE9-4C64A2F74DE8}"/>
+              </a:ext>
+            </a:extLst>
+          </p:cNvPr>
+          <p:cNvCxnSpPr>
+            <a:cxnSpLocks/>
+            <a:stCxn id="90" idx="4"/>
+            <a:endCxn id="94" idx="0"/>
+          </p:cNvCxnSpPr>
+          <p:nvPr/>
+        </p:nvCxnSpPr>
+        <p:spPr>
+          <a:xfrm flipH="1">
+            <a:off x="2656109" y="4601389"/>
+            <a:ext cx="1434518" cy="937603"/>
+          </a:xfrm>
+          <a:prstGeom prst="line">
+            <a:avLst/>
+          </a:prstGeom>
+        </p:spPr>
+        <p:style>
+          <a:lnRef idx="1">
+            <a:schemeClr val="accent1"/>
+          </a:lnRef>
+          <a:fillRef idx="0">
+            <a:schemeClr val="accent1"/>
+          </a:fillRef>
+          <a:effectRef idx="0">
+            <a:schemeClr val="accent1"/>
+          </a:effectRef>
+          <a:fontRef idx="minor">
+            <a:schemeClr val="tx1"/>
+          </a:fontRef>
+        </p:style>
+      </p:cxnSp>
+      <p:cxnSp>
+        <p:nvCxnSpPr>
+          <p:cNvPr id="153" name="직선 연결선 152">
+            <a:extLst>
+              <a:ext uri="{FF2B5EF4-FFF2-40B4-BE49-F238E27FC236}">
+                <a16:creationId xmlns:a16="http://schemas.microsoft.com/office/drawing/2014/main" id="{95E3D247-893F-44C0-9A07-90E6E863CF74}"/>
+              </a:ext>
+            </a:extLst>
+          </p:cNvPr>
+          <p:cNvCxnSpPr>
+            <a:cxnSpLocks/>
+            <a:stCxn id="94" idx="4"/>
+            <a:endCxn id="102" idx="0"/>
+          </p:cNvCxnSpPr>
+          <p:nvPr/>
+        </p:nvCxnSpPr>
+        <p:spPr>
+          <a:xfrm flipH="1">
+            <a:off x="1945869" y="6287134"/>
+            <a:ext cx="710240" cy="1285389"/>
+          </a:xfrm>
+          <a:prstGeom prst="line">
+            <a:avLst/>
+          </a:prstGeom>
+        </p:spPr>
+        <p:style>
+          <a:lnRef idx="1">
+            <a:schemeClr val="accent1"/>
+          </a:lnRef>
+          <a:fillRef idx="0">
+            <a:schemeClr val="accent1"/>
+          </a:fillRef>
+          <a:effectRef idx="0">
+            <a:schemeClr val="accent1"/>
+          </a:effectRef>
+          <a:fontRef idx="minor">
+            <a:schemeClr val="tx1"/>
+          </a:fontRef>
+        </p:style>
+      </p:cxnSp>
+      <p:cxnSp>
+        <p:nvCxnSpPr>
+          <p:cNvPr id="154" name="직선 연결선 153">
+            <a:extLst>
+              <a:ext uri="{FF2B5EF4-FFF2-40B4-BE49-F238E27FC236}">
+                <a16:creationId xmlns:a16="http://schemas.microsoft.com/office/drawing/2014/main" id="{55C5EBD4-736C-4796-BD18-5A61D5BE26D2}"/>
+              </a:ext>
+            </a:extLst>
+          </p:cNvPr>
+          <p:cNvCxnSpPr>
+            <a:stCxn id="94" idx="4"/>
+            <a:endCxn id="103" idx="0"/>
+          </p:cNvCxnSpPr>
+          <p:nvPr/>
+        </p:nvCxnSpPr>
+        <p:spPr>
+          <a:xfrm>
+            <a:off x="2656109" y="6287134"/>
+            <a:ext cx="632008" cy="1272875"/>
+          </a:xfrm>
+          <a:prstGeom prst="line">
+            <a:avLst/>
+          </a:prstGeom>
+        </p:spPr>
+        <p:style>
+          <a:lnRef idx="1">
+            <a:schemeClr val="accent1"/>
+          </a:lnRef>
+          <a:fillRef idx="0">
+            <a:schemeClr val="accent1"/>
+          </a:fillRef>
+          <a:effectRef idx="0">
+            <a:schemeClr val="accent1"/>
+          </a:effectRef>
+          <a:fontRef idx="minor">
+            <a:schemeClr val="tx1"/>
+          </a:fontRef>
+        </p:style>
+      </p:cxnSp>
+      <p:cxnSp>
+        <p:nvCxnSpPr>
+          <p:cNvPr id="155" name="직선 연결선 154">
+            <a:extLst>
+              <a:ext uri="{FF2B5EF4-FFF2-40B4-BE49-F238E27FC236}">
+                <a16:creationId xmlns:a16="http://schemas.microsoft.com/office/drawing/2014/main" id="{88C4F791-29A2-4C9B-99AB-28A4ABE46070}"/>
+              </a:ext>
+            </a:extLst>
+          </p:cNvPr>
+          <p:cNvCxnSpPr>
+            <a:cxnSpLocks/>
+            <a:stCxn id="90" idx="4"/>
+            <a:endCxn id="95" idx="0"/>
+          </p:cNvCxnSpPr>
+          <p:nvPr/>
+        </p:nvCxnSpPr>
+        <p:spPr>
+          <a:xfrm>
+            <a:off x="4090627" y="4601389"/>
+            <a:ext cx="1351816" cy="937601"/>
+          </a:xfrm>
+          <a:prstGeom prst="line">
+            <a:avLst/>
+          </a:prstGeom>
+        </p:spPr>
+        <p:style>
+          <a:lnRef idx="1">
+            <a:schemeClr val="accent1"/>
+          </a:lnRef>
+          <a:fillRef idx="0">
+            <a:schemeClr val="accent1"/>
+          </a:fillRef>
+          <a:effectRef idx="0">
+            <a:schemeClr val="accent1"/>
+          </a:effectRef>
+          <a:fontRef idx="minor">
+            <a:schemeClr val="tx1"/>
+          </a:fontRef>
+        </p:style>
+      </p:cxnSp>
+      <p:cxnSp>
+        <p:nvCxnSpPr>
+          <p:cNvPr id="156" name="직선 연결선 155">
+            <a:extLst>
+              <a:ext uri="{FF2B5EF4-FFF2-40B4-BE49-F238E27FC236}">
+                <a16:creationId xmlns:a16="http://schemas.microsoft.com/office/drawing/2014/main" id="{3100B04F-1B3F-482F-9EAC-31B15AD53806}"/>
+              </a:ext>
+            </a:extLst>
+          </p:cNvPr>
+          <p:cNvCxnSpPr>
+            <a:stCxn id="95" idx="4"/>
+            <a:endCxn id="104" idx="0"/>
+          </p:cNvCxnSpPr>
+          <p:nvPr/>
+        </p:nvCxnSpPr>
+        <p:spPr>
+          <a:xfrm flipH="1">
+            <a:off x="4703320" y="6287135"/>
+            <a:ext cx="739123" cy="1272874"/>
+          </a:xfrm>
+          <a:prstGeom prst="line">
+            <a:avLst/>
+          </a:prstGeom>
+        </p:spPr>
+        <p:style>
+          <a:lnRef idx="1">
+            <a:schemeClr val="accent1"/>
+          </a:lnRef>
+          <a:fillRef idx="0">
+            <a:schemeClr val="accent1"/>
+          </a:fillRef>
+          <a:effectRef idx="0">
+            <a:schemeClr val="accent1"/>
+          </a:effectRef>
+          <a:fontRef idx="minor">
+            <a:schemeClr val="tx1"/>
+          </a:fontRef>
+        </p:style>
+      </p:cxnSp>
+      <p:cxnSp>
+        <p:nvCxnSpPr>
+          <p:cNvPr id="157" name="직선 연결선 156">
+            <a:extLst>
+              <a:ext uri="{FF2B5EF4-FFF2-40B4-BE49-F238E27FC236}">
+                <a16:creationId xmlns:a16="http://schemas.microsoft.com/office/drawing/2014/main" id="{FCEF3E44-3C6D-4EA7-A6C8-6E105B41DF38}"/>
+              </a:ext>
+            </a:extLst>
+          </p:cNvPr>
+          <p:cNvCxnSpPr>
+            <a:cxnSpLocks/>
+            <a:stCxn id="95" idx="4"/>
+            <a:endCxn id="148" idx="0"/>
+          </p:cNvCxnSpPr>
+          <p:nvPr/>
+        </p:nvCxnSpPr>
+        <p:spPr>
+          <a:xfrm>
+            <a:off x="5442443" y="6287135"/>
+            <a:ext cx="658110" cy="1236319"/>
+          </a:xfrm>
+          <a:prstGeom prst="line">
+            <a:avLst/>
+          </a:prstGeom>
+        </p:spPr>
+        <p:style>
+          <a:lnRef idx="1">
+            <a:schemeClr val="accent1"/>
+          </a:lnRef>
+          <a:fillRef idx="0">
+            <a:schemeClr val="accent1"/>
+          </a:fillRef>
+          <a:effectRef idx="0">
+            <a:schemeClr val="accent1"/>
+          </a:effectRef>
+          <a:fontRef idx="minor">
+            <a:schemeClr val="tx1"/>
+          </a:fontRef>
+        </p:style>
+      </p:cxnSp>
+      <p:cxnSp>
+        <p:nvCxnSpPr>
+          <p:cNvPr id="158" name="직선 연결선 157">
+            <a:extLst>
+              <a:ext uri="{FF2B5EF4-FFF2-40B4-BE49-F238E27FC236}">
+                <a16:creationId xmlns:a16="http://schemas.microsoft.com/office/drawing/2014/main" id="{5A7F0691-4CF9-4E97-9F14-C5AFB60037A0}"/>
+              </a:ext>
+            </a:extLst>
+          </p:cNvPr>
+          <p:cNvCxnSpPr>
+            <a:cxnSpLocks/>
+            <a:stCxn id="91" idx="4"/>
+            <a:endCxn id="96" idx="0"/>
+          </p:cNvCxnSpPr>
+          <p:nvPr/>
+        </p:nvCxnSpPr>
+        <p:spPr>
+          <a:xfrm flipH="1">
+            <a:off x="6935601" y="4614522"/>
+            <a:ext cx="1356657" cy="924469"/>
+          </a:xfrm>
+          <a:prstGeom prst="line">
+            <a:avLst/>
+          </a:prstGeom>
+        </p:spPr>
+        <p:style>
+          <a:lnRef idx="1">
+            <a:schemeClr val="accent1"/>
+          </a:lnRef>
+          <a:fillRef idx="0">
+            <a:schemeClr val="accent1"/>
+          </a:fillRef>
+          <a:effectRef idx="0">
+            <a:schemeClr val="accent1"/>
+          </a:effectRef>
+          <a:fontRef idx="minor">
+            <a:schemeClr val="tx1"/>
+          </a:fontRef>
+        </p:style>
+      </p:cxnSp>
+      <p:cxnSp>
+        <p:nvCxnSpPr>
+          <p:cNvPr id="159" name="직선 연결선 158">
+            <a:extLst>
+              <a:ext uri="{FF2B5EF4-FFF2-40B4-BE49-F238E27FC236}">
+                <a16:creationId xmlns:a16="http://schemas.microsoft.com/office/drawing/2014/main" id="{B99014DB-96E0-4AF2-86A6-F5AE71F2E90D}"/>
+              </a:ext>
+            </a:extLst>
+          </p:cNvPr>
+          <p:cNvCxnSpPr>
+            <a:cxnSpLocks/>
+            <a:stCxn id="91" idx="0"/>
+            <a:endCxn id="88" idx="4"/>
+          </p:cNvCxnSpPr>
+          <p:nvPr/>
+        </p:nvCxnSpPr>
+        <p:spPr>
+          <a:xfrm flipH="1" flipV="1">
+            <a:off x="6206491" y="3049288"/>
+            <a:ext cx="2085767" cy="817089"/>
+          </a:xfrm>
+          <a:prstGeom prst="line">
+            <a:avLst/>
+          </a:prstGeom>
+        </p:spPr>
+        <p:style>
+          <a:lnRef idx="1">
+            <a:schemeClr val="accent1"/>
+          </a:lnRef>
+          <a:fillRef idx="0">
+            <a:schemeClr val="accent1"/>
+          </a:fillRef>
+          <a:effectRef idx="0">
+            <a:schemeClr val="accent1"/>
+          </a:effectRef>
+          <a:fontRef idx="minor">
+            <a:schemeClr val="tx1"/>
+          </a:fontRef>
+        </p:style>
+      </p:cxnSp>
+      <p:cxnSp>
+        <p:nvCxnSpPr>
+          <p:cNvPr id="160" name="직선 연결선 159">
+            <a:extLst>
+              <a:ext uri="{FF2B5EF4-FFF2-40B4-BE49-F238E27FC236}">
+                <a16:creationId xmlns:a16="http://schemas.microsoft.com/office/drawing/2014/main" id="{C2FC3393-F78B-45FB-B652-D0B48E92AAD9}"/>
+              </a:ext>
+            </a:extLst>
+          </p:cNvPr>
+          <p:cNvCxnSpPr>
+            <a:cxnSpLocks/>
+            <a:stCxn id="91" idx="4"/>
+            <a:endCxn id="97" idx="0"/>
+          </p:cNvCxnSpPr>
+          <p:nvPr/>
+        </p:nvCxnSpPr>
+        <p:spPr>
+          <a:xfrm>
+            <a:off x="8292258" y="4614522"/>
+            <a:ext cx="1429677" cy="924468"/>
+          </a:xfrm>
+          <a:prstGeom prst="line">
+            <a:avLst/>
+          </a:prstGeom>
+        </p:spPr>
+        <p:style>
+          <a:lnRef idx="1">
+            <a:schemeClr val="accent1"/>
+          </a:lnRef>
+          <a:fillRef idx="0">
+            <a:schemeClr val="accent1"/>
+          </a:fillRef>
+          <a:effectRef idx="0">
+            <a:schemeClr val="accent1"/>
+          </a:effectRef>
+          <a:fontRef idx="minor">
+            <a:schemeClr val="tx1"/>
+          </a:fontRef>
+        </p:style>
+      </p:cxnSp>
+      <p:cxnSp>
+        <p:nvCxnSpPr>
+          <p:cNvPr id="161" name="직선 연결선 160">
+            <a:extLst>
+              <a:ext uri="{FF2B5EF4-FFF2-40B4-BE49-F238E27FC236}">
+                <a16:creationId xmlns:a16="http://schemas.microsoft.com/office/drawing/2014/main" id="{0509F307-BCA9-437D-B034-0A97224F53ED}"/>
+              </a:ext>
+            </a:extLst>
+          </p:cNvPr>
+          <p:cNvCxnSpPr>
+            <a:cxnSpLocks/>
+            <a:stCxn id="92" idx="0"/>
+            <a:endCxn id="89" idx="4"/>
+          </p:cNvCxnSpPr>
+          <p:nvPr/>
+        </p:nvCxnSpPr>
+        <p:spPr>
+          <a:xfrm flipV="1">
+            <a:off x="13031853" y="3049287"/>
+            <a:ext cx="2381011" cy="817090"/>
+          </a:xfrm>
+          <a:prstGeom prst="line">
+            <a:avLst/>
+          </a:prstGeom>
+        </p:spPr>
+        <p:style>
+          <a:lnRef idx="1">
+            <a:schemeClr val="accent1"/>
+          </a:lnRef>
+          <a:fillRef idx="0">
+            <a:schemeClr val="accent1"/>
+          </a:fillRef>
+          <a:effectRef idx="0">
+            <a:schemeClr val="accent1"/>
+          </a:effectRef>
+          <a:fontRef idx="minor">
+            <a:schemeClr val="tx1"/>
+          </a:fontRef>
+        </p:style>
+      </p:cxnSp>
+      <p:cxnSp>
+        <p:nvCxnSpPr>
+          <p:cNvPr id="162" name="직선 연결선 161">
+            <a:extLst>
+              <a:ext uri="{FF2B5EF4-FFF2-40B4-BE49-F238E27FC236}">
+                <a16:creationId xmlns:a16="http://schemas.microsoft.com/office/drawing/2014/main" id="{75B794B6-46F5-4563-933A-7E3442E99926}"/>
+              </a:ext>
+            </a:extLst>
+          </p:cNvPr>
+          <p:cNvCxnSpPr>
+            <a:cxnSpLocks/>
+            <a:stCxn id="98" idx="0"/>
+            <a:endCxn id="92" idx="4"/>
+          </p:cNvCxnSpPr>
+          <p:nvPr/>
+        </p:nvCxnSpPr>
+        <p:spPr>
+          <a:xfrm flipV="1">
+            <a:off x="11553315" y="4614522"/>
+            <a:ext cx="1478538" cy="924468"/>
+          </a:xfrm>
+          <a:prstGeom prst="line">
+            <a:avLst/>
+          </a:prstGeom>
+        </p:spPr>
+        <p:style>
+          <a:lnRef idx="1">
+            <a:schemeClr val="accent1"/>
+          </a:lnRef>
+          <a:fillRef idx="0">
+            <a:schemeClr val="accent1"/>
+          </a:fillRef>
+          <a:effectRef idx="0">
+            <a:schemeClr val="accent1"/>
+          </a:effectRef>
+          <a:fontRef idx="minor">
+            <a:schemeClr val="tx1"/>
+          </a:fontRef>
+        </p:style>
+      </p:cxnSp>
+      <p:cxnSp>
+        <p:nvCxnSpPr>
+          <p:cNvPr id="163" name="직선 연결선 162">
+            <a:extLst>
+              <a:ext uri="{FF2B5EF4-FFF2-40B4-BE49-F238E27FC236}">
+                <a16:creationId xmlns:a16="http://schemas.microsoft.com/office/drawing/2014/main" id="{7C1DA9EC-0158-45D8-A6B7-29EA1F0C5CD5}"/>
+              </a:ext>
+            </a:extLst>
+          </p:cNvPr>
+          <p:cNvCxnSpPr>
+            <a:cxnSpLocks/>
+            <a:stCxn id="86" idx="4"/>
+            <a:endCxn id="89" idx="0"/>
+          </p:cNvCxnSpPr>
+          <p:nvPr/>
+        </p:nvCxnSpPr>
+        <p:spPr>
+          <a:xfrm>
+            <a:off x="10693893" y="1769232"/>
+            <a:ext cx="4718971" cy="531910"/>
+          </a:xfrm>
+          <a:prstGeom prst="line">
+            <a:avLst/>
+          </a:prstGeom>
+        </p:spPr>
+        <p:style>
+          <a:lnRef idx="1">
+            <a:schemeClr val="accent1"/>
+          </a:lnRef>
+          <a:fillRef idx="0">
+            <a:schemeClr val="accent1"/>
+          </a:fillRef>
+          <a:effectRef idx="0">
+            <a:schemeClr val="accent1"/>
+          </a:effectRef>
+          <a:fontRef idx="minor">
+            <a:schemeClr val="tx1"/>
+          </a:fontRef>
+        </p:style>
+      </p:cxnSp>
+      <p:cxnSp>
+        <p:nvCxnSpPr>
+          <p:cNvPr id="164" name="직선 연결선 163">
+            <a:extLst>
+              <a:ext uri="{FF2B5EF4-FFF2-40B4-BE49-F238E27FC236}">
+                <a16:creationId xmlns:a16="http://schemas.microsoft.com/office/drawing/2014/main" id="{FD878F4E-6EFA-47B1-9856-57701CFB7191}"/>
+              </a:ext>
+            </a:extLst>
+          </p:cNvPr>
+          <p:cNvCxnSpPr>
+            <a:cxnSpLocks/>
+            <a:stCxn id="92" idx="4"/>
+            <a:endCxn id="99" idx="0"/>
+          </p:cNvCxnSpPr>
+          <p:nvPr/>
+        </p:nvCxnSpPr>
+        <p:spPr>
+          <a:xfrm>
+            <a:off x="13031853" y="4614522"/>
+            <a:ext cx="1307796" cy="924467"/>
+          </a:xfrm>
+          <a:prstGeom prst="line">
+            <a:avLst/>
+          </a:prstGeom>
+        </p:spPr>
+        <p:style>
+          <a:lnRef idx="1">
+            <a:schemeClr val="accent1"/>
+          </a:lnRef>
+          <a:fillRef idx="0">
+            <a:schemeClr val="accent1"/>
+          </a:fillRef>
+          <a:effectRef idx="0">
+            <a:schemeClr val="accent1"/>
+          </a:effectRef>
+          <a:fontRef idx="minor">
+            <a:schemeClr val="tx1"/>
+          </a:fontRef>
+        </p:style>
+      </p:cxnSp>
+      <p:cxnSp>
+        <p:nvCxnSpPr>
+          <p:cNvPr id="165" name="직선 연결선 164">
+            <a:extLst>
+              <a:ext uri="{FF2B5EF4-FFF2-40B4-BE49-F238E27FC236}">
+                <a16:creationId xmlns:a16="http://schemas.microsoft.com/office/drawing/2014/main" id="{B3BCEB95-1CEB-40CF-B90E-5DB2741932F9}"/>
+              </a:ext>
+            </a:extLst>
+          </p:cNvPr>
+          <p:cNvCxnSpPr>
+            <a:cxnSpLocks/>
+            <a:stCxn id="93" idx="0"/>
+            <a:endCxn id="89" idx="4"/>
+          </p:cNvCxnSpPr>
+          <p:nvPr/>
+        </p:nvCxnSpPr>
+        <p:spPr>
+          <a:xfrm flipH="1" flipV="1">
+            <a:off x="15412864" y="3049287"/>
+            <a:ext cx="1993748" cy="803956"/>
+          </a:xfrm>
+          <a:prstGeom prst="line">
+            <a:avLst/>
+          </a:prstGeom>
+        </p:spPr>
+        <p:style>
+          <a:lnRef idx="1">
+            <a:schemeClr val="accent1"/>
+          </a:lnRef>
+          <a:fillRef idx="0">
+            <a:schemeClr val="accent1"/>
+          </a:fillRef>
+          <a:effectRef idx="0">
+            <a:schemeClr val="accent1"/>
+          </a:effectRef>
+          <a:fontRef idx="minor">
+            <a:schemeClr val="tx1"/>
+          </a:fontRef>
+        </p:style>
+      </p:cxnSp>
+      <p:cxnSp>
+        <p:nvCxnSpPr>
+          <p:cNvPr id="166" name="직선 연결선 165">
+            <a:extLst>
+              <a:ext uri="{FF2B5EF4-FFF2-40B4-BE49-F238E27FC236}">
+                <a16:creationId xmlns:a16="http://schemas.microsoft.com/office/drawing/2014/main" id="{B310C049-58BF-4B6A-A2D5-9A7DBD2967E1}"/>
+              </a:ext>
+            </a:extLst>
+          </p:cNvPr>
+          <p:cNvCxnSpPr>
+            <a:cxnSpLocks/>
+            <a:stCxn id="100" idx="0"/>
+            <a:endCxn id="93" idx="4"/>
+          </p:cNvCxnSpPr>
+          <p:nvPr/>
+        </p:nvCxnSpPr>
+        <p:spPr>
+          <a:xfrm flipV="1">
+            <a:off x="15991105" y="4601388"/>
+            <a:ext cx="1415507" cy="937601"/>
+          </a:xfrm>
+          <a:prstGeom prst="line">
+            <a:avLst/>
+          </a:prstGeom>
+        </p:spPr>
+        <p:style>
+          <a:lnRef idx="1">
+            <a:schemeClr val="accent1"/>
+          </a:lnRef>
+          <a:fillRef idx="0">
+            <a:schemeClr val="accent1"/>
+          </a:fillRef>
+          <a:effectRef idx="0">
+            <a:schemeClr val="accent1"/>
+          </a:effectRef>
+          <a:fontRef idx="minor">
+            <a:schemeClr val="tx1"/>
+          </a:fontRef>
+        </p:style>
+      </p:cxnSp>
+      <p:cxnSp>
+        <p:nvCxnSpPr>
+          <p:cNvPr id="167" name="직선 연결선 166">
+            <a:extLst>
+              <a:ext uri="{FF2B5EF4-FFF2-40B4-BE49-F238E27FC236}">
+                <a16:creationId xmlns:a16="http://schemas.microsoft.com/office/drawing/2014/main" id="{161C70FA-E0E1-4ABC-9CCB-84C3ACA5C4E3}"/>
+              </a:ext>
+            </a:extLst>
+          </p:cNvPr>
+          <p:cNvCxnSpPr>
+            <a:cxnSpLocks/>
+            <a:stCxn id="93" idx="4"/>
+            <a:endCxn id="101" idx="0"/>
+          </p:cNvCxnSpPr>
+          <p:nvPr/>
+        </p:nvCxnSpPr>
+        <p:spPr>
+          <a:xfrm>
+            <a:off x="17406612" y="4601388"/>
+            <a:ext cx="1370827" cy="937600"/>
+          </a:xfrm>
+          <a:prstGeom prst="line">
+            <a:avLst/>
+          </a:prstGeom>
+        </p:spPr>
+        <p:style>
+          <a:lnRef idx="1">
+            <a:schemeClr val="accent1"/>
+          </a:lnRef>
+          <a:fillRef idx="0">
+            <a:schemeClr val="accent1"/>
+          </a:fillRef>
+          <a:effectRef idx="0">
+            <a:schemeClr val="accent1"/>
+          </a:effectRef>
+          <a:fontRef idx="minor">
+            <a:schemeClr val="tx1"/>
+          </a:fontRef>
+        </p:style>
+      </p:cxnSp>
+    </p:spTree>
+    <p:extLst>
+      <p:ext uri="{BB962C8B-B14F-4D97-AF65-F5344CB8AC3E}">
+        <p14:creationId xmlns:p14="http://schemas.microsoft.com/office/powerpoint/2010/main" val="985061958"/>
       </p:ext>
     </p:extLst>
   </p:cSld>

--- a/image/image.pptx
+++ b/image/image.pptx
@@ -6,6 +6,8 @@
   </p:sldMasterIdLst>
   <p:sldIdLst>
     <p:sldId id="257" r:id="rId2"/>
+    <p:sldId id="259" r:id="rId3"/>
+    <p:sldId id="260" r:id="rId4"/>
   </p:sldIdLst>
   <p:sldSz cx="24072850" cy="10817225"/>
   <p:notesSz cx="6858000" cy="9144000"/>
@@ -243,7 +245,7 @@
           <a:p>
             <a:fld id="{2CF8EA69-B55C-49B0-99E1-FB393F11A06B}" type="datetimeFigureOut">
               <a:rPr lang="ko-KR" altLang="en-US" smtClean="0"/>
-              <a:t>2022-02-09</a:t>
+              <a:t>2022-03-24</a:t>
             </a:fld>
             <a:endParaRPr lang="ko-KR" altLang="en-US"/>
           </a:p>
@@ -413,7 +415,7 @@
           <a:p>
             <a:fld id="{2CF8EA69-B55C-49B0-99E1-FB393F11A06B}" type="datetimeFigureOut">
               <a:rPr lang="ko-KR" altLang="en-US" smtClean="0"/>
-              <a:t>2022-02-09</a:t>
+              <a:t>2022-03-24</a:t>
             </a:fld>
             <a:endParaRPr lang="ko-KR" altLang="en-US"/>
           </a:p>
@@ -593,7 +595,7 @@
           <a:p>
             <a:fld id="{2CF8EA69-B55C-49B0-99E1-FB393F11A06B}" type="datetimeFigureOut">
               <a:rPr lang="ko-KR" altLang="en-US" smtClean="0"/>
-              <a:t>2022-02-09</a:t>
+              <a:t>2022-03-24</a:t>
             </a:fld>
             <a:endParaRPr lang="ko-KR" altLang="en-US"/>
           </a:p>
@@ -763,7 +765,7 @@
           <a:p>
             <a:fld id="{2CF8EA69-B55C-49B0-99E1-FB393F11A06B}" type="datetimeFigureOut">
               <a:rPr lang="ko-KR" altLang="en-US" smtClean="0"/>
-              <a:t>2022-02-09</a:t>
+              <a:t>2022-03-24</a:t>
             </a:fld>
             <a:endParaRPr lang="ko-KR" altLang="en-US"/>
           </a:p>
@@ -1009,7 +1011,7 @@
           <a:p>
             <a:fld id="{2CF8EA69-B55C-49B0-99E1-FB393F11A06B}" type="datetimeFigureOut">
               <a:rPr lang="ko-KR" altLang="en-US" smtClean="0"/>
-              <a:t>2022-02-09</a:t>
+              <a:t>2022-03-24</a:t>
             </a:fld>
             <a:endParaRPr lang="ko-KR" altLang="en-US"/>
           </a:p>
@@ -1241,7 +1243,7 @@
           <a:p>
             <a:fld id="{2CF8EA69-B55C-49B0-99E1-FB393F11A06B}" type="datetimeFigureOut">
               <a:rPr lang="ko-KR" altLang="en-US" smtClean="0"/>
-              <a:t>2022-02-09</a:t>
+              <a:t>2022-03-24</a:t>
             </a:fld>
             <a:endParaRPr lang="ko-KR" altLang="en-US"/>
           </a:p>
@@ -1608,7 +1610,7 @@
           <a:p>
             <a:fld id="{2CF8EA69-B55C-49B0-99E1-FB393F11A06B}" type="datetimeFigureOut">
               <a:rPr lang="ko-KR" altLang="en-US" smtClean="0"/>
-              <a:t>2022-02-09</a:t>
+              <a:t>2022-03-24</a:t>
             </a:fld>
             <a:endParaRPr lang="ko-KR" altLang="en-US"/>
           </a:p>
@@ -1726,7 +1728,7 @@
           <a:p>
             <a:fld id="{2CF8EA69-B55C-49B0-99E1-FB393F11A06B}" type="datetimeFigureOut">
               <a:rPr lang="ko-KR" altLang="en-US" smtClean="0"/>
-              <a:t>2022-02-09</a:t>
+              <a:t>2022-03-24</a:t>
             </a:fld>
             <a:endParaRPr lang="ko-KR" altLang="en-US"/>
           </a:p>
@@ -1821,7 +1823,7 @@
           <a:p>
             <a:fld id="{2CF8EA69-B55C-49B0-99E1-FB393F11A06B}" type="datetimeFigureOut">
               <a:rPr lang="ko-KR" altLang="en-US" smtClean="0"/>
-              <a:t>2022-02-09</a:t>
+              <a:t>2022-03-24</a:t>
             </a:fld>
             <a:endParaRPr lang="ko-KR" altLang="en-US"/>
           </a:p>
@@ -2098,7 +2100,7 @@
           <a:p>
             <a:fld id="{2CF8EA69-B55C-49B0-99E1-FB393F11A06B}" type="datetimeFigureOut">
               <a:rPr lang="ko-KR" altLang="en-US" smtClean="0"/>
-              <a:t>2022-02-09</a:t>
+              <a:t>2022-03-24</a:t>
             </a:fld>
             <a:endParaRPr lang="ko-KR" altLang="en-US"/>
           </a:p>
@@ -2355,7 +2357,7 @@
           <a:p>
             <a:fld id="{2CF8EA69-B55C-49B0-99E1-FB393F11A06B}" type="datetimeFigureOut">
               <a:rPr lang="ko-KR" altLang="en-US" smtClean="0"/>
-              <a:t>2022-02-09</a:t>
+              <a:t>2022-03-24</a:t>
             </a:fld>
             <a:endParaRPr lang="ko-KR" altLang="en-US"/>
           </a:p>
@@ -2568,7 +2570,7 @@
           <a:p>
             <a:fld id="{2CF8EA69-B55C-49B0-99E1-FB393F11A06B}" type="datetimeFigureOut">
               <a:rPr lang="ko-KR" altLang="en-US" smtClean="0"/>
-              <a:t>2022-02-09</a:t>
+              <a:t>2022-03-24</a:t>
             </a:fld>
             <a:endParaRPr lang="ko-KR" altLang="en-US"/>
           </a:p>
@@ -3952,6 +3954,2164 @@
 </p:sld>
 </file>
 
+<file path=ppt/slides/slide2.xml><?xml version="1.0" encoding="utf-8"?>
+<p:sld xmlns:a="http://schemas.openxmlformats.org/drawingml/2006/main" xmlns:r="http://schemas.openxmlformats.org/officeDocument/2006/relationships" xmlns:p="http://schemas.openxmlformats.org/presentationml/2006/main">
+  <p:cSld>
+    <p:spTree>
+      <p:nvGrpSpPr>
+        <p:cNvPr id="1" name=""/>
+        <p:cNvGrpSpPr/>
+        <p:nvPr/>
+      </p:nvGrpSpPr>
+      <p:grpSpPr>
+        <a:xfrm>
+          <a:off x="0" y="0"/>
+          <a:ext cx="0" cy="0"/>
+          <a:chOff x="0" y="0"/>
+          <a:chExt cx="0" cy="0"/>
+        </a:xfrm>
+      </p:grpSpPr>
+      <p:graphicFrame>
+        <p:nvGraphicFramePr>
+          <p:cNvPr id="4" name="표 13">
+            <a:extLst>
+              <a:ext uri="{FF2B5EF4-FFF2-40B4-BE49-F238E27FC236}">
+                <a16:creationId xmlns:a16="http://schemas.microsoft.com/office/drawing/2014/main" id="{D83F5B2A-2B66-4F89-AEF9-498F68C86492}"/>
+              </a:ext>
+            </a:extLst>
+          </p:cNvPr>
+          <p:cNvGraphicFramePr>
+            <a:graphicFrameLocks noGrp="1"/>
+          </p:cNvGraphicFramePr>
+          <p:nvPr>
+            <p:extLst>
+              <p:ext uri="{D42A27DB-BD31-4B8C-83A1-F6EECF244321}">
+                <p14:modId xmlns:p14="http://schemas.microsoft.com/office/powerpoint/2010/main" val="1518357727"/>
+              </p:ext>
+            </p:extLst>
+          </p:nvPr>
+        </p:nvGraphicFramePr>
+        <p:xfrm>
+          <a:off x="628105" y="944398"/>
+          <a:ext cx="5410202" cy="2620645"/>
+        </p:xfrm>
+        <a:graphic>
+          <a:graphicData uri="http://schemas.openxmlformats.org/drawingml/2006/table">
+            <a:tbl>
+              <a:tblPr firstRow="1" bandRow="1">
+                <a:tableStyleId>{5C22544A-7EE6-4342-B048-85BDC9FD1C3A}</a:tableStyleId>
+              </a:tblPr>
+              <a:tblGrid>
+                <a:gridCol w="2705101">
+                  <a:extLst>
+                    <a:ext uri="{9D8B030D-6E8A-4147-A177-3AD203B41FA5}">
+                      <a16:colId xmlns:a16="http://schemas.microsoft.com/office/drawing/2014/main" val="2021869488"/>
+                    </a:ext>
+                  </a:extLst>
+                </a:gridCol>
+                <a:gridCol w="2705101">
+                  <a:extLst>
+                    <a:ext uri="{9D8B030D-6E8A-4147-A177-3AD203B41FA5}">
+                      <a16:colId xmlns:a16="http://schemas.microsoft.com/office/drawing/2014/main" val="1283236442"/>
+                    </a:ext>
+                  </a:extLst>
+                </a:gridCol>
+              </a:tblGrid>
+              <a:tr h="370840">
+                <a:tc>
+                  <a:txBody>
+                    <a:bodyPr/>
+                    <a:lstStyle/>
+                    <a:p>
+                      <a:pPr latinLnBrk="1"/>
+                      <a:r>
+                        <a:rPr lang="en-US" altLang="ko-KR"/>
+                        <a:t>ID</a:t>
+                      </a:r>
+                      <a:endParaRPr lang="ko-KR" altLang="en-US"/>
+                    </a:p>
+                  </a:txBody>
+                  <a:tcPr/>
+                </a:tc>
+                <a:tc>
+                  <a:txBody>
+                    <a:bodyPr/>
+                    <a:lstStyle/>
+                    <a:p>
+                      <a:pPr latinLnBrk="1"/>
+                      <a:r>
+                        <a:rPr lang="en-US" altLang="ko-KR"/>
+                        <a:t>NAME</a:t>
+                      </a:r>
+                      <a:endParaRPr lang="ko-KR" altLang="en-US"/>
+                    </a:p>
+                  </a:txBody>
+                  <a:tcPr/>
+                </a:tc>
+                <a:extLst>
+                  <a:ext uri="{0D108BD9-81ED-4DB2-BD59-A6C34878D82A}">
+                    <a16:rowId xmlns:a16="http://schemas.microsoft.com/office/drawing/2014/main" val="2014945128"/>
+                  </a:ext>
+                </a:extLst>
+              </a:tr>
+              <a:tr h="370840">
+                <a:tc>
+                  <a:txBody>
+                    <a:bodyPr/>
+                    <a:lstStyle/>
+                    <a:p>
+                      <a:pPr latinLnBrk="1"/>
+                      <a:r>
+                        <a:rPr lang="en-US" altLang="ko-KR"/>
+                        <a:t>1</a:t>
+                      </a:r>
+                      <a:endParaRPr lang="ko-KR" altLang="en-US"/>
+                    </a:p>
+                  </a:txBody>
+                  <a:tcPr/>
+                </a:tc>
+                <a:tc>
+                  <a:txBody>
+                    <a:bodyPr/>
+                    <a:lstStyle/>
+                    <a:p>
+                      <a:pPr latinLnBrk="1"/>
+                      <a:r>
+                        <a:rPr lang="en-US" altLang="ko-KR"/>
+                        <a:t>A</a:t>
+                      </a:r>
+                      <a:endParaRPr lang="ko-KR" altLang="en-US"/>
+                    </a:p>
+                  </a:txBody>
+                  <a:tcPr/>
+                </a:tc>
+                <a:extLst>
+                  <a:ext uri="{0D108BD9-81ED-4DB2-BD59-A6C34878D82A}">
+                    <a16:rowId xmlns:a16="http://schemas.microsoft.com/office/drawing/2014/main" val="2606608498"/>
+                  </a:ext>
+                </a:extLst>
+              </a:tr>
+              <a:tr h="370840">
+                <a:tc>
+                  <a:txBody>
+                    <a:bodyPr/>
+                    <a:lstStyle/>
+                    <a:p>
+                      <a:pPr latinLnBrk="1"/>
+                      <a:r>
+                        <a:rPr lang="en-US" altLang="ko-KR"/>
+                        <a:t>2</a:t>
+                      </a:r>
+                      <a:endParaRPr lang="ko-KR" altLang="en-US"/>
+                    </a:p>
+                  </a:txBody>
+                  <a:tcPr/>
+                </a:tc>
+                <a:tc>
+                  <a:txBody>
+                    <a:bodyPr/>
+                    <a:lstStyle/>
+                    <a:p>
+                      <a:pPr latinLnBrk="1"/>
+                      <a:r>
+                        <a:rPr lang="en-US" altLang="ko-KR"/>
+                        <a:t>B</a:t>
+                      </a:r>
+                      <a:endParaRPr lang="ko-KR" altLang="en-US"/>
+                    </a:p>
+                  </a:txBody>
+                  <a:tcPr/>
+                </a:tc>
+                <a:extLst>
+                  <a:ext uri="{0D108BD9-81ED-4DB2-BD59-A6C34878D82A}">
+                    <a16:rowId xmlns:a16="http://schemas.microsoft.com/office/drawing/2014/main" val="181068951"/>
+                  </a:ext>
+                </a:extLst>
+              </a:tr>
+              <a:tr h="370840">
+                <a:tc>
+                  <a:txBody>
+                    <a:bodyPr/>
+                    <a:lstStyle/>
+                    <a:p>
+                      <a:pPr latinLnBrk="1"/>
+                      <a:r>
+                        <a:rPr lang="en-US" altLang="ko-KR"/>
+                        <a:t>3</a:t>
+                      </a:r>
+                      <a:endParaRPr lang="ko-KR" altLang="en-US"/>
+                    </a:p>
+                  </a:txBody>
+                  <a:tcPr/>
+                </a:tc>
+                <a:tc>
+                  <a:txBody>
+                    <a:bodyPr/>
+                    <a:lstStyle/>
+                    <a:p>
+                      <a:pPr latinLnBrk="1"/>
+                      <a:r>
+                        <a:rPr lang="en-US" altLang="ko-KR"/>
+                        <a:t>C</a:t>
+                      </a:r>
+                      <a:endParaRPr lang="ko-KR" altLang="en-US"/>
+                    </a:p>
+                  </a:txBody>
+                  <a:tcPr/>
+                </a:tc>
+                <a:extLst>
+                  <a:ext uri="{0D108BD9-81ED-4DB2-BD59-A6C34878D82A}">
+                    <a16:rowId xmlns:a16="http://schemas.microsoft.com/office/drawing/2014/main" val="813718878"/>
+                  </a:ext>
+                </a:extLst>
+              </a:tr>
+              <a:tr h="370840">
+                <a:tc>
+                  <a:txBody>
+                    <a:bodyPr/>
+                    <a:lstStyle/>
+                    <a:p>
+                      <a:pPr latinLnBrk="1"/>
+                      <a:r>
+                        <a:rPr lang="en-US" altLang="ko-KR"/>
+                        <a:t>4</a:t>
+                      </a:r>
+                      <a:endParaRPr lang="ko-KR" altLang="en-US"/>
+                    </a:p>
+                  </a:txBody>
+                  <a:tcPr/>
+                </a:tc>
+                <a:tc>
+                  <a:txBody>
+                    <a:bodyPr/>
+                    <a:lstStyle/>
+                    <a:p>
+                      <a:pPr latinLnBrk="1"/>
+                      <a:r>
+                        <a:rPr lang="en-US" altLang="ko-KR"/>
+                        <a:t>D</a:t>
+                      </a:r>
+                      <a:endParaRPr lang="ko-KR" altLang="en-US"/>
+                    </a:p>
+                  </a:txBody>
+                  <a:tcPr/>
+                </a:tc>
+                <a:extLst>
+                  <a:ext uri="{0D108BD9-81ED-4DB2-BD59-A6C34878D82A}">
+                    <a16:rowId xmlns:a16="http://schemas.microsoft.com/office/drawing/2014/main" val="1935385422"/>
+                  </a:ext>
+                </a:extLst>
+              </a:tr>
+            </a:tbl>
+          </a:graphicData>
+        </a:graphic>
+      </p:graphicFrame>
+      <p:graphicFrame>
+        <p:nvGraphicFramePr>
+          <p:cNvPr id="5" name="표 5">
+            <a:extLst>
+              <a:ext uri="{FF2B5EF4-FFF2-40B4-BE49-F238E27FC236}">
+                <a16:creationId xmlns:a16="http://schemas.microsoft.com/office/drawing/2014/main" id="{18769FF6-B1BF-4043-A18D-CFBF82252A8D}"/>
+              </a:ext>
+            </a:extLst>
+          </p:cNvPr>
+          <p:cNvGraphicFramePr>
+            <a:graphicFrameLocks noGrp="1"/>
+          </p:cNvGraphicFramePr>
+          <p:nvPr>
+            <p:extLst>
+              <p:ext uri="{D42A27DB-BD31-4B8C-83A1-F6EECF244321}">
+                <p14:modId xmlns:p14="http://schemas.microsoft.com/office/powerpoint/2010/main" val="3256898844"/>
+              </p:ext>
+            </p:extLst>
+          </p:nvPr>
+        </p:nvGraphicFramePr>
+        <p:xfrm>
+          <a:off x="8384177" y="944398"/>
+          <a:ext cx="5410200" cy="1572387"/>
+        </p:xfrm>
+        <a:graphic>
+          <a:graphicData uri="http://schemas.openxmlformats.org/drawingml/2006/table">
+            <a:tbl>
+              <a:tblPr firstRow="1" bandRow="1">
+                <a:tableStyleId>{5C22544A-7EE6-4342-B048-85BDC9FD1C3A}</a:tableStyleId>
+              </a:tblPr>
+              <a:tblGrid>
+                <a:gridCol w="2705100">
+                  <a:extLst>
+                    <a:ext uri="{9D8B030D-6E8A-4147-A177-3AD203B41FA5}">
+                      <a16:colId xmlns:a16="http://schemas.microsoft.com/office/drawing/2014/main" val="372714487"/>
+                    </a:ext>
+                  </a:extLst>
+                </a:gridCol>
+                <a:gridCol w="2705100">
+                  <a:extLst>
+                    <a:ext uri="{9D8B030D-6E8A-4147-A177-3AD203B41FA5}">
+                      <a16:colId xmlns:a16="http://schemas.microsoft.com/office/drawing/2014/main" val="738541799"/>
+                    </a:ext>
+                  </a:extLst>
+                </a:gridCol>
+              </a:tblGrid>
+              <a:tr h="370840">
+                <a:tc>
+                  <a:txBody>
+                    <a:bodyPr/>
+                    <a:lstStyle/>
+                    <a:p>
+                      <a:pPr latinLnBrk="1"/>
+                      <a:r>
+                        <a:rPr lang="en-US" altLang="ko-KR"/>
+                        <a:t>ID</a:t>
+                      </a:r>
+                      <a:endParaRPr lang="ko-KR" altLang="en-US"/>
+                    </a:p>
+                  </a:txBody>
+                  <a:tcPr/>
+                </a:tc>
+                <a:tc>
+                  <a:txBody>
+                    <a:bodyPr/>
+                    <a:lstStyle/>
+                    <a:p>
+                      <a:pPr latinLnBrk="1"/>
+                      <a:r>
+                        <a:rPr lang="en-US" altLang="ko-KR"/>
+                        <a:t>NAME</a:t>
+                      </a:r>
+                      <a:endParaRPr lang="ko-KR" altLang="en-US"/>
+                    </a:p>
+                  </a:txBody>
+                  <a:tcPr/>
+                </a:tc>
+                <a:extLst>
+                  <a:ext uri="{0D108BD9-81ED-4DB2-BD59-A6C34878D82A}">
+                    <a16:rowId xmlns:a16="http://schemas.microsoft.com/office/drawing/2014/main" val="553844905"/>
+                  </a:ext>
+                </a:extLst>
+              </a:tr>
+              <a:tr h="370840">
+                <a:tc>
+                  <a:txBody>
+                    <a:bodyPr/>
+                    <a:lstStyle/>
+                    <a:p>
+                      <a:pPr latinLnBrk="1"/>
+                      <a:r>
+                        <a:rPr lang="en-US" altLang="ko-KR"/>
+                        <a:t>1</a:t>
+                      </a:r>
+                      <a:endParaRPr lang="ko-KR" altLang="en-US"/>
+                    </a:p>
+                  </a:txBody>
+                  <a:tcPr/>
+                </a:tc>
+                <a:tc>
+                  <a:txBody>
+                    <a:bodyPr/>
+                    <a:lstStyle/>
+                    <a:p>
+                      <a:pPr latinLnBrk="1"/>
+                      <a:r>
+                        <a:rPr lang="en-US" altLang="ko-KR"/>
+                        <a:t>A</a:t>
+                      </a:r>
+                      <a:endParaRPr lang="ko-KR" altLang="en-US"/>
+                    </a:p>
+                  </a:txBody>
+                  <a:tcPr/>
+                </a:tc>
+                <a:extLst>
+                  <a:ext uri="{0D108BD9-81ED-4DB2-BD59-A6C34878D82A}">
+                    <a16:rowId xmlns:a16="http://schemas.microsoft.com/office/drawing/2014/main" val="2039864559"/>
+                  </a:ext>
+                </a:extLst>
+              </a:tr>
+              <a:tr h="370840">
+                <a:tc>
+                  <a:txBody>
+                    <a:bodyPr/>
+                    <a:lstStyle/>
+                    <a:p>
+                      <a:pPr latinLnBrk="1"/>
+                      <a:r>
+                        <a:rPr lang="en-US" altLang="ko-KR"/>
+                        <a:t>5</a:t>
+                      </a:r>
+                      <a:endParaRPr lang="ko-KR" altLang="en-US"/>
+                    </a:p>
+                  </a:txBody>
+                  <a:tcPr/>
+                </a:tc>
+                <a:tc>
+                  <a:txBody>
+                    <a:bodyPr/>
+                    <a:lstStyle/>
+                    <a:p>
+                      <a:pPr latinLnBrk="1"/>
+                      <a:r>
+                        <a:rPr lang="en-US" altLang="ko-KR"/>
+                        <a:t>E</a:t>
+                      </a:r>
+                      <a:endParaRPr lang="ko-KR" altLang="en-US"/>
+                    </a:p>
+                  </a:txBody>
+                  <a:tcPr/>
+                </a:tc>
+                <a:extLst>
+                  <a:ext uri="{0D108BD9-81ED-4DB2-BD59-A6C34878D82A}">
+                    <a16:rowId xmlns:a16="http://schemas.microsoft.com/office/drawing/2014/main" val="1561523301"/>
+                  </a:ext>
+                </a:extLst>
+              </a:tr>
+            </a:tbl>
+          </a:graphicData>
+        </a:graphic>
+      </p:graphicFrame>
+      <p:graphicFrame>
+        <p:nvGraphicFramePr>
+          <p:cNvPr id="7" name="표 7">
+            <a:extLst>
+              <a:ext uri="{FF2B5EF4-FFF2-40B4-BE49-F238E27FC236}">
+                <a16:creationId xmlns:a16="http://schemas.microsoft.com/office/drawing/2014/main" id="{2C278690-AA9A-46C6-9292-02AEE4E73F26}"/>
+              </a:ext>
+            </a:extLst>
+          </p:cNvPr>
+          <p:cNvGraphicFramePr>
+            <a:graphicFrameLocks noGrp="1"/>
+          </p:cNvGraphicFramePr>
+          <p:nvPr>
+            <p:extLst>
+              <p:ext uri="{D42A27DB-BD31-4B8C-83A1-F6EECF244321}">
+                <p14:modId xmlns:p14="http://schemas.microsoft.com/office/powerpoint/2010/main" val="1725108818"/>
+              </p:ext>
+            </p:extLst>
+          </p:nvPr>
+        </p:nvGraphicFramePr>
+        <p:xfrm>
+          <a:off x="628105" y="5994207"/>
+          <a:ext cx="9933216" cy="2620645"/>
+        </p:xfrm>
+        <a:graphic>
+          <a:graphicData uri="http://schemas.openxmlformats.org/drawingml/2006/table">
+            <a:tbl>
+              <a:tblPr firstRow="1" bandRow="1">
+                <a:tableStyleId>{5C22544A-7EE6-4342-B048-85BDC9FD1C3A}</a:tableStyleId>
+              </a:tblPr>
+              <a:tblGrid>
+                <a:gridCol w="2618016">
+                  <a:extLst>
+                    <a:ext uri="{9D8B030D-6E8A-4147-A177-3AD203B41FA5}">
+                      <a16:colId xmlns:a16="http://schemas.microsoft.com/office/drawing/2014/main" val="443348159"/>
+                    </a:ext>
+                  </a:extLst>
+                </a:gridCol>
+                <a:gridCol w="2331720">
+                  <a:extLst>
+                    <a:ext uri="{9D8B030D-6E8A-4147-A177-3AD203B41FA5}">
+                      <a16:colId xmlns:a16="http://schemas.microsoft.com/office/drawing/2014/main" val="1828136582"/>
+                    </a:ext>
+                  </a:extLst>
+                </a:gridCol>
+                <a:gridCol w="2392680">
+                  <a:extLst>
+                    <a:ext uri="{9D8B030D-6E8A-4147-A177-3AD203B41FA5}">
+                      <a16:colId xmlns:a16="http://schemas.microsoft.com/office/drawing/2014/main" val="510110633"/>
+                    </a:ext>
+                  </a:extLst>
+                </a:gridCol>
+                <a:gridCol w="2590800">
+                  <a:extLst>
+                    <a:ext uri="{9D8B030D-6E8A-4147-A177-3AD203B41FA5}">
+                      <a16:colId xmlns:a16="http://schemas.microsoft.com/office/drawing/2014/main" val="2858670352"/>
+                    </a:ext>
+                  </a:extLst>
+                </a:gridCol>
+              </a:tblGrid>
+              <a:tr h="370840">
+                <a:tc>
+                  <a:txBody>
+                    <a:bodyPr/>
+                    <a:lstStyle/>
+                    <a:p>
+                      <a:pPr latinLnBrk="1"/>
+                      <a:r>
+                        <a:rPr lang="en-US" altLang="ko-KR"/>
+                        <a:t>OUTS.ID</a:t>
+                      </a:r>
+                      <a:endParaRPr lang="ko-KR" altLang="en-US"/>
+                    </a:p>
+                  </a:txBody>
+                  <a:tcPr/>
+                </a:tc>
+                <a:tc>
+                  <a:txBody>
+                    <a:bodyPr/>
+                    <a:lstStyle/>
+                    <a:p>
+                      <a:pPr latinLnBrk="1"/>
+                      <a:r>
+                        <a:rPr lang="en-US" altLang="ko-KR"/>
+                        <a:t>OUTS.NAME</a:t>
+                      </a:r>
+                      <a:endParaRPr lang="ko-KR" altLang="en-US"/>
+                    </a:p>
+                  </a:txBody>
+                  <a:tcPr/>
+                </a:tc>
+                <a:tc>
+                  <a:txBody>
+                    <a:bodyPr/>
+                    <a:lstStyle/>
+                    <a:p>
+                      <a:pPr latinLnBrk="1"/>
+                      <a:r>
+                        <a:rPr lang="en-US" altLang="ko-KR"/>
+                        <a:t>INS.ID</a:t>
+                      </a:r>
+                      <a:endParaRPr lang="ko-KR" altLang="en-US"/>
+                    </a:p>
+                  </a:txBody>
+                  <a:tcPr/>
+                </a:tc>
+                <a:tc>
+                  <a:txBody>
+                    <a:bodyPr/>
+                    <a:lstStyle/>
+                    <a:p>
+                      <a:pPr latinLnBrk="1"/>
+                      <a:r>
+                        <a:rPr lang="en-US" altLang="ko-KR"/>
+                        <a:t>INS.NAME</a:t>
+                      </a:r>
+                      <a:endParaRPr lang="ko-KR" altLang="en-US"/>
+                    </a:p>
+                  </a:txBody>
+                  <a:tcPr/>
+                </a:tc>
+                <a:extLst>
+                  <a:ext uri="{0D108BD9-81ED-4DB2-BD59-A6C34878D82A}">
+                    <a16:rowId xmlns:a16="http://schemas.microsoft.com/office/drawing/2014/main" val="3879868890"/>
+                  </a:ext>
+                </a:extLst>
+              </a:tr>
+              <a:tr h="370840">
+                <a:tc>
+                  <a:txBody>
+                    <a:bodyPr/>
+                    <a:lstStyle/>
+                    <a:p>
+                      <a:pPr latinLnBrk="1"/>
+                      <a:r>
+                        <a:rPr lang="en-US" altLang="ko-KR"/>
+                        <a:t>1</a:t>
+                      </a:r>
+                      <a:endParaRPr lang="ko-KR" altLang="en-US"/>
+                    </a:p>
+                  </a:txBody>
+                  <a:tcPr/>
+                </a:tc>
+                <a:tc>
+                  <a:txBody>
+                    <a:bodyPr/>
+                    <a:lstStyle/>
+                    <a:p>
+                      <a:pPr latinLnBrk="1"/>
+                      <a:r>
+                        <a:rPr lang="en-US" altLang="ko-KR"/>
+                        <a:t>A</a:t>
+                      </a:r>
+                      <a:endParaRPr lang="ko-KR" altLang="en-US"/>
+                    </a:p>
+                  </a:txBody>
+                  <a:tcPr/>
+                </a:tc>
+                <a:tc>
+                  <a:txBody>
+                    <a:bodyPr/>
+                    <a:lstStyle/>
+                    <a:p>
+                      <a:pPr latinLnBrk="1"/>
+                      <a:r>
+                        <a:rPr lang="en-US" altLang="ko-KR"/>
+                        <a:t>1</a:t>
+                      </a:r>
+                      <a:endParaRPr lang="ko-KR" altLang="en-US"/>
+                    </a:p>
+                  </a:txBody>
+                  <a:tcPr/>
+                </a:tc>
+                <a:tc>
+                  <a:txBody>
+                    <a:bodyPr/>
+                    <a:lstStyle/>
+                    <a:p>
+                      <a:pPr latinLnBrk="1"/>
+                      <a:r>
+                        <a:rPr lang="en-US" altLang="ko-KR"/>
+                        <a:t>A</a:t>
+                      </a:r>
+                      <a:endParaRPr lang="ko-KR" altLang="en-US"/>
+                    </a:p>
+                  </a:txBody>
+                  <a:tcPr/>
+                </a:tc>
+                <a:extLst>
+                  <a:ext uri="{0D108BD9-81ED-4DB2-BD59-A6C34878D82A}">
+                    <a16:rowId xmlns:a16="http://schemas.microsoft.com/office/drawing/2014/main" val="1485944611"/>
+                  </a:ext>
+                </a:extLst>
+              </a:tr>
+              <a:tr h="370840">
+                <a:tc>
+                  <a:txBody>
+                    <a:bodyPr/>
+                    <a:lstStyle/>
+                    <a:p>
+                      <a:pPr latinLnBrk="1"/>
+                      <a:r>
+                        <a:rPr lang="en-US" altLang="ko-KR"/>
+                        <a:t>2</a:t>
+                      </a:r>
+                      <a:endParaRPr lang="ko-KR" altLang="en-US"/>
+                    </a:p>
+                  </a:txBody>
+                  <a:tcPr/>
+                </a:tc>
+                <a:tc>
+                  <a:txBody>
+                    <a:bodyPr/>
+                    <a:lstStyle/>
+                    <a:p>
+                      <a:pPr latinLnBrk="1"/>
+                      <a:r>
+                        <a:rPr lang="en-US" altLang="ko-KR"/>
+                        <a:t>B</a:t>
+                      </a:r>
+                      <a:endParaRPr lang="ko-KR" altLang="en-US"/>
+                    </a:p>
+                  </a:txBody>
+                  <a:tcPr/>
+                </a:tc>
+                <a:tc>
+                  <a:txBody>
+                    <a:bodyPr/>
+                    <a:lstStyle/>
+                    <a:p>
+                      <a:pPr latinLnBrk="1"/>
+                      <a:r>
+                        <a:rPr lang="en-US" altLang="ko-KR"/>
+                        <a:t>NULL</a:t>
+                      </a:r>
+                      <a:endParaRPr lang="ko-KR" altLang="en-US"/>
+                    </a:p>
+                  </a:txBody>
+                  <a:tcPr/>
+                </a:tc>
+                <a:tc>
+                  <a:txBody>
+                    <a:bodyPr/>
+                    <a:lstStyle/>
+                    <a:p>
+                      <a:pPr latinLnBrk="1"/>
+                      <a:r>
+                        <a:rPr lang="en-US" altLang="ko-KR"/>
+                        <a:t>NULL</a:t>
+                      </a:r>
+                      <a:endParaRPr lang="ko-KR" altLang="en-US"/>
+                    </a:p>
+                  </a:txBody>
+                  <a:tcPr/>
+                </a:tc>
+                <a:extLst>
+                  <a:ext uri="{0D108BD9-81ED-4DB2-BD59-A6C34878D82A}">
+                    <a16:rowId xmlns:a16="http://schemas.microsoft.com/office/drawing/2014/main" val="2278965042"/>
+                  </a:ext>
+                </a:extLst>
+              </a:tr>
+              <a:tr h="370840">
+                <a:tc>
+                  <a:txBody>
+                    <a:bodyPr/>
+                    <a:lstStyle/>
+                    <a:p>
+                      <a:pPr latinLnBrk="1"/>
+                      <a:r>
+                        <a:rPr lang="en-US" altLang="ko-KR"/>
+                        <a:t>3</a:t>
+                      </a:r>
+                      <a:endParaRPr lang="ko-KR" altLang="en-US"/>
+                    </a:p>
+                  </a:txBody>
+                  <a:tcPr/>
+                </a:tc>
+                <a:tc>
+                  <a:txBody>
+                    <a:bodyPr/>
+                    <a:lstStyle/>
+                    <a:p>
+                      <a:pPr latinLnBrk="1"/>
+                      <a:r>
+                        <a:rPr lang="en-US" altLang="ko-KR"/>
+                        <a:t>C</a:t>
+                      </a:r>
+                      <a:endParaRPr lang="ko-KR" altLang="en-US"/>
+                    </a:p>
+                  </a:txBody>
+                  <a:tcPr/>
+                </a:tc>
+                <a:tc>
+                  <a:txBody>
+                    <a:bodyPr/>
+                    <a:lstStyle/>
+                    <a:p>
+                      <a:pPr latinLnBrk="1"/>
+                      <a:r>
+                        <a:rPr lang="en-US" altLang="ko-KR"/>
+                        <a:t>NULL</a:t>
+                      </a:r>
+                      <a:endParaRPr lang="ko-KR" altLang="en-US"/>
+                    </a:p>
+                  </a:txBody>
+                  <a:tcPr/>
+                </a:tc>
+                <a:tc>
+                  <a:txBody>
+                    <a:bodyPr/>
+                    <a:lstStyle/>
+                    <a:p>
+                      <a:pPr latinLnBrk="1"/>
+                      <a:r>
+                        <a:rPr lang="en-US" altLang="ko-KR"/>
+                        <a:t>NULL</a:t>
+                      </a:r>
+                      <a:endParaRPr lang="ko-KR" altLang="en-US"/>
+                    </a:p>
+                  </a:txBody>
+                  <a:tcPr/>
+                </a:tc>
+                <a:extLst>
+                  <a:ext uri="{0D108BD9-81ED-4DB2-BD59-A6C34878D82A}">
+                    <a16:rowId xmlns:a16="http://schemas.microsoft.com/office/drawing/2014/main" val="2325017193"/>
+                  </a:ext>
+                </a:extLst>
+              </a:tr>
+              <a:tr h="370840">
+                <a:tc>
+                  <a:txBody>
+                    <a:bodyPr/>
+                    <a:lstStyle/>
+                    <a:p>
+                      <a:pPr latinLnBrk="1"/>
+                      <a:r>
+                        <a:rPr lang="en-US" altLang="ko-KR"/>
+                        <a:t>4</a:t>
+                      </a:r>
+                      <a:endParaRPr lang="ko-KR" altLang="en-US"/>
+                    </a:p>
+                  </a:txBody>
+                  <a:tcPr/>
+                </a:tc>
+                <a:tc>
+                  <a:txBody>
+                    <a:bodyPr/>
+                    <a:lstStyle/>
+                    <a:p>
+                      <a:pPr latinLnBrk="1"/>
+                      <a:r>
+                        <a:rPr lang="en-US" altLang="ko-KR"/>
+                        <a:t>D</a:t>
+                      </a:r>
+                      <a:endParaRPr lang="ko-KR" altLang="en-US"/>
+                    </a:p>
+                  </a:txBody>
+                  <a:tcPr/>
+                </a:tc>
+                <a:tc>
+                  <a:txBody>
+                    <a:bodyPr/>
+                    <a:lstStyle/>
+                    <a:p>
+                      <a:pPr latinLnBrk="1"/>
+                      <a:r>
+                        <a:rPr lang="en-US" altLang="ko-KR"/>
+                        <a:t>NULL</a:t>
+                      </a:r>
+                      <a:endParaRPr lang="ko-KR" altLang="en-US"/>
+                    </a:p>
+                  </a:txBody>
+                  <a:tcPr/>
+                </a:tc>
+                <a:tc>
+                  <a:txBody>
+                    <a:bodyPr/>
+                    <a:lstStyle/>
+                    <a:p>
+                      <a:pPr latinLnBrk="1"/>
+                      <a:r>
+                        <a:rPr lang="en-US" altLang="ko-KR"/>
+                        <a:t>NULL</a:t>
+                      </a:r>
+                      <a:endParaRPr lang="ko-KR" altLang="en-US"/>
+                    </a:p>
+                  </a:txBody>
+                  <a:tcPr/>
+                </a:tc>
+                <a:extLst>
+                  <a:ext uri="{0D108BD9-81ED-4DB2-BD59-A6C34878D82A}">
+                    <a16:rowId xmlns:a16="http://schemas.microsoft.com/office/drawing/2014/main" val="2581955287"/>
+                  </a:ext>
+                </a:extLst>
+              </a:tr>
+            </a:tbl>
+          </a:graphicData>
+        </a:graphic>
+      </p:graphicFrame>
+      <p:sp>
+        <p:nvSpPr>
+          <p:cNvPr id="8" name="TextBox 7">
+            <a:extLst>
+              <a:ext uri="{FF2B5EF4-FFF2-40B4-BE49-F238E27FC236}">
+                <a16:creationId xmlns:a16="http://schemas.microsoft.com/office/drawing/2014/main" id="{0B3B3D41-8F74-46FB-B154-AA2CD60A0C85}"/>
+              </a:ext>
+            </a:extLst>
+          </p:cNvPr>
+          <p:cNvSpPr txBox="1"/>
+          <p:nvPr/>
+        </p:nvSpPr>
+        <p:spPr>
+          <a:xfrm>
+            <a:off x="628105" y="345384"/>
+            <a:ext cx="2764216" cy="492443"/>
+          </a:xfrm>
+          <a:prstGeom prst="rect">
+            <a:avLst/>
+          </a:prstGeom>
+          <a:noFill/>
+        </p:spPr>
+        <p:txBody>
+          <a:bodyPr wrap="square" rtlCol="0">
+            <a:spAutoFit/>
+          </a:bodyPr>
+          <a:lstStyle/>
+          <a:p>
+            <a:r>
+              <a:rPr lang="en-US" altLang="ko-KR" sz="2600"/>
+              <a:t>OUTS</a:t>
+            </a:r>
+            <a:endParaRPr lang="ko-KR" altLang="en-US" sz="2600"/>
+          </a:p>
+        </p:txBody>
+      </p:sp>
+      <p:sp>
+        <p:nvSpPr>
+          <p:cNvPr id="9" name="TextBox 8">
+            <a:extLst>
+              <a:ext uri="{FF2B5EF4-FFF2-40B4-BE49-F238E27FC236}">
+                <a16:creationId xmlns:a16="http://schemas.microsoft.com/office/drawing/2014/main" id="{4D402307-5F9D-42AB-99AB-FAB744741BC3}"/>
+              </a:ext>
+            </a:extLst>
+          </p:cNvPr>
+          <p:cNvSpPr txBox="1"/>
+          <p:nvPr/>
+        </p:nvSpPr>
+        <p:spPr>
+          <a:xfrm>
+            <a:off x="8322506" y="388374"/>
+            <a:ext cx="2764216" cy="492443"/>
+          </a:xfrm>
+          <a:prstGeom prst="rect">
+            <a:avLst/>
+          </a:prstGeom>
+          <a:noFill/>
+        </p:spPr>
+        <p:txBody>
+          <a:bodyPr wrap="square" rtlCol="0">
+            <a:spAutoFit/>
+          </a:bodyPr>
+          <a:lstStyle/>
+          <a:p>
+            <a:r>
+              <a:rPr lang="en-US" altLang="ko-KR" sz="2600"/>
+              <a:t>INS</a:t>
+            </a:r>
+            <a:endParaRPr lang="ko-KR" altLang="en-US" sz="2600"/>
+          </a:p>
+        </p:txBody>
+      </p:sp>
+      <p:sp>
+        <p:nvSpPr>
+          <p:cNvPr id="10" name="TextBox 9">
+            <a:extLst>
+              <a:ext uri="{FF2B5EF4-FFF2-40B4-BE49-F238E27FC236}">
+                <a16:creationId xmlns:a16="http://schemas.microsoft.com/office/drawing/2014/main" id="{EC4D7426-8FB7-4CE8-B42C-68071F6E133D}"/>
+              </a:ext>
+            </a:extLst>
+          </p:cNvPr>
+          <p:cNvSpPr txBox="1"/>
+          <p:nvPr/>
+        </p:nvSpPr>
+        <p:spPr>
+          <a:xfrm>
+            <a:off x="628105" y="4328160"/>
+            <a:ext cx="3749040" cy="1292662"/>
+          </a:xfrm>
+          <a:prstGeom prst="rect">
+            <a:avLst/>
+          </a:prstGeom>
+          <a:noFill/>
+        </p:spPr>
+        <p:txBody>
+          <a:bodyPr wrap="square" rtlCol="0">
+            <a:spAutoFit/>
+          </a:bodyPr>
+          <a:lstStyle/>
+          <a:p>
+            <a:r>
+              <a:rPr lang="en-US" altLang="ko-KR" sz="2600"/>
+              <a:t>SELCT * FROM OUTS</a:t>
+            </a:r>
+          </a:p>
+          <a:p>
+            <a:r>
+              <a:rPr lang="en-US" altLang="ko-KR" sz="2600"/>
+              <a:t>LEFT OURTER JOIN INS</a:t>
+            </a:r>
+          </a:p>
+          <a:p>
+            <a:r>
+              <a:rPr lang="en-US" altLang="ko-KR" sz="2600"/>
+              <a:t>ON OUTS.ID = INS.ID</a:t>
+            </a:r>
+            <a:endParaRPr lang="ko-KR" altLang="en-US" sz="2600"/>
+          </a:p>
+        </p:txBody>
+      </p:sp>
+      <p:graphicFrame>
+        <p:nvGraphicFramePr>
+          <p:cNvPr id="11" name="표 7">
+            <a:extLst>
+              <a:ext uri="{FF2B5EF4-FFF2-40B4-BE49-F238E27FC236}">
+                <a16:creationId xmlns:a16="http://schemas.microsoft.com/office/drawing/2014/main" id="{61A9A739-52C1-41DC-BCB3-3988679E45BD}"/>
+              </a:ext>
+            </a:extLst>
+          </p:cNvPr>
+          <p:cNvGraphicFramePr>
+            <a:graphicFrameLocks noGrp="1"/>
+          </p:cNvGraphicFramePr>
+          <p:nvPr>
+            <p:extLst>
+              <p:ext uri="{D42A27DB-BD31-4B8C-83A1-F6EECF244321}">
+                <p14:modId xmlns:p14="http://schemas.microsoft.com/office/powerpoint/2010/main" val="2381439985"/>
+              </p:ext>
+            </p:extLst>
+          </p:nvPr>
+        </p:nvGraphicFramePr>
+        <p:xfrm>
+          <a:off x="11393171" y="4994407"/>
+          <a:ext cx="9933216" cy="2096516"/>
+        </p:xfrm>
+        <a:graphic>
+          <a:graphicData uri="http://schemas.openxmlformats.org/drawingml/2006/table">
+            <a:tbl>
+              <a:tblPr firstRow="1" bandRow="1">
+                <a:tableStyleId>{5C22544A-7EE6-4342-B048-85BDC9FD1C3A}</a:tableStyleId>
+              </a:tblPr>
+              <a:tblGrid>
+                <a:gridCol w="2618016">
+                  <a:extLst>
+                    <a:ext uri="{9D8B030D-6E8A-4147-A177-3AD203B41FA5}">
+                      <a16:colId xmlns:a16="http://schemas.microsoft.com/office/drawing/2014/main" val="443348159"/>
+                    </a:ext>
+                  </a:extLst>
+                </a:gridCol>
+                <a:gridCol w="2331720">
+                  <a:extLst>
+                    <a:ext uri="{9D8B030D-6E8A-4147-A177-3AD203B41FA5}">
+                      <a16:colId xmlns:a16="http://schemas.microsoft.com/office/drawing/2014/main" val="1828136582"/>
+                    </a:ext>
+                  </a:extLst>
+                </a:gridCol>
+                <a:gridCol w="2392680">
+                  <a:extLst>
+                    <a:ext uri="{9D8B030D-6E8A-4147-A177-3AD203B41FA5}">
+                      <a16:colId xmlns:a16="http://schemas.microsoft.com/office/drawing/2014/main" val="510110633"/>
+                    </a:ext>
+                  </a:extLst>
+                </a:gridCol>
+                <a:gridCol w="2590800">
+                  <a:extLst>
+                    <a:ext uri="{9D8B030D-6E8A-4147-A177-3AD203B41FA5}">
+                      <a16:colId xmlns:a16="http://schemas.microsoft.com/office/drawing/2014/main" val="2858670352"/>
+                    </a:ext>
+                  </a:extLst>
+                </a:gridCol>
+              </a:tblGrid>
+              <a:tr h="370840">
+                <a:tc>
+                  <a:txBody>
+                    <a:bodyPr/>
+                    <a:lstStyle/>
+                    <a:p>
+                      <a:pPr latinLnBrk="1"/>
+                      <a:r>
+                        <a:rPr lang="en-US" altLang="ko-KR"/>
+                        <a:t>OUTS.ID</a:t>
+                      </a:r>
+                      <a:endParaRPr lang="ko-KR" altLang="en-US"/>
+                    </a:p>
+                  </a:txBody>
+                  <a:tcPr/>
+                </a:tc>
+                <a:tc>
+                  <a:txBody>
+                    <a:bodyPr/>
+                    <a:lstStyle/>
+                    <a:p>
+                      <a:pPr latinLnBrk="1"/>
+                      <a:r>
+                        <a:rPr lang="en-US" altLang="ko-KR"/>
+                        <a:t>OUTS.NAME</a:t>
+                      </a:r>
+                      <a:endParaRPr lang="ko-KR" altLang="en-US"/>
+                    </a:p>
+                  </a:txBody>
+                  <a:tcPr/>
+                </a:tc>
+                <a:tc>
+                  <a:txBody>
+                    <a:bodyPr/>
+                    <a:lstStyle/>
+                    <a:p>
+                      <a:pPr latinLnBrk="1"/>
+                      <a:r>
+                        <a:rPr lang="en-US" altLang="ko-KR"/>
+                        <a:t>INS.ID</a:t>
+                      </a:r>
+                      <a:endParaRPr lang="ko-KR" altLang="en-US"/>
+                    </a:p>
+                  </a:txBody>
+                  <a:tcPr/>
+                </a:tc>
+                <a:tc>
+                  <a:txBody>
+                    <a:bodyPr/>
+                    <a:lstStyle/>
+                    <a:p>
+                      <a:pPr latinLnBrk="1"/>
+                      <a:r>
+                        <a:rPr lang="en-US" altLang="ko-KR"/>
+                        <a:t>INS.NAME</a:t>
+                      </a:r>
+                      <a:endParaRPr lang="ko-KR" altLang="en-US"/>
+                    </a:p>
+                  </a:txBody>
+                  <a:tcPr/>
+                </a:tc>
+                <a:extLst>
+                  <a:ext uri="{0D108BD9-81ED-4DB2-BD59-A6C34878D82A}">
+                    <a16:rowId xmlns:a16="http://schemas.microsoft.com/office/drawing/2014/main" val="3879868890"/>
+                  </a:ext>
+                </a:extLst>
+              </a:tr>
+              <a:tr h="370840">
+                <a:tc>
+                  <a:txBody>
+                    <a:bodyPr/>
+                    <a:lstStyle/>
+                    <a:p>
+                      <a:pPr latinLnBrk="1"/>
+                      <a:r>
+                        <a:rPr lang="en-US" altLang="ko-KR"/>
+                        <a:t>2</a:t>
+                      </a:r>
+                      <a:endParaRPr lang="ko-KR" altLang="en-US"/>
+                    </a:p>
+                  </a:txBody>
+                  <a:tcPr/>
+                </a:tc>
+                <a:tc>
+                  <a:txBody>
+                    <a:bodyPr/>
+                    <a:lstStyle/>
+                    <a:p>
+                      <a:pPr latinLnBrk="1"/>
+                      <a:r>
+                        <a:rPr lang="en-US" altLang="ko-KR"/>
+                        <a:t>B</a:t>
+                      </a:r>
+                      <a:endParaRPr lang="ko-KR" altLang="en-US"/>
+                    </a:p>
+                  </a:txBody>
+                  <a:tcPr/>
+                </a:tc>
+                <a:tc>
+                  <a:txBody>
+                    <a:bodyPr/>
+                    <a:lstStyle/>
+                    <a:p>
+                      <a:pPr latinLnBrk="1"/>
+                      <a:r>
+                        <a:rPr lang="en-US" altLang="ko-KR"/>
+                        <a:t>NULL</a:t>
+                      </a:r>
+                      <a:endParaRPr lang="ko-KR" altLang="en-US"/>
+                    </a:p>
+                  </a:txBody>
+                  <a:tcPr/>
+                </a:tc>
+                <a:tc>
+                  <a:txBody>
+                    <a:bodyPr/>
+                    <a:lstStyle/>
+                    <a:p>
+                      <a:pPr latinLnBrk="1"/>
+                      <a:r>
+                        <a:rPr lang="en-US" altLang="ko-KR"/>
+                        <a:t>NULL</a:t>
+                      </a:r>
+                      <a:endParaRPr lang="ko-KR" altLang="en-US"/>
+                    </a:p>
+                  </a:txBody>
+                  <a:tcPr/>
+                </a:tc>
+                <a:extLst>
+                  <a:ext uri="{0D108BD9-81ED-4DB2-BD59-A6C34878D82A}">
+                    <a16:rowId xmlns:a16="http://schemas.microsoft.com/office/drawing/2014/main" val="2278965042"/>
+                  </a:ext>
+                </a:extLst>
+              </a:tr>
+              <a:tr h="370840">
+                <a:tc>
+                  <a:txBody>
+                    <a:bodyPr/>
+                    <a:lstStyle/>
+                    <a:p>
+                      <a:pPr latinLnBrk="1"/>
+                      <a:r>
+                        <a:rPr lang="en-US" altLang="ko-KR"/>
+                        <a:t>3</a:t>
+                      </a:r>
+                      <a:endParaRPr lang="ko-KR" altLang="en-US"/>
+                    </a:p>
+                  </a:txBody>
+                  <a:tcPr/>
+                </a:tc>
+                <a:tc>
+                  <a:txBody>
+                    <a:bodyPr/>
+                    <a:lstStyle/>
+                    <a:p>
+                      <a:pPr latinLnBrk="1"/>
+                      <a:r>
+                        <a:rPr lang="en-US" altLang="ko-KR"/>
+                        <a:t>C</a:t>
+                      </a:r>
+                      <a:endParaRPr lang="ko-KR" altLang="en-US"/>
+                    </a:p>
+                  </a:txBody>
+                  <a:tcPr/>
+                </a:tc>
+                <a:tc>
+                  <a:txBody>
+                    <a:bodyPr/>
+                    <a:lstStyle/>
+                    <a:p>
+                      <a:pPr latinLnBrk="1"/>
+                      <a:r>
+                        <a:rPr lang="en-US" altLang="ko-KR"/>
+                        <a:t>NULL</a:t>
+                      </a:r>
+                      <a:endParaRPr lang="ko-KR" altLang="en-US"/>
+                    </a:p>
+                  </a:txBody>
+                  <a:tcPr/>
+                </a:tc>
+                <a:tc>
+                  <a:txBody>
+                    <a:bodyPr/>
+                    <a:lstStyle/>
+                    <a:p>
+                      <a:pPr latinLnBrk="1"/>
+                      <a:r>
+                        <a:rPr lang="en-US" altLang="ko-KR"/>
+                        <a:t>NULL</a:t>
+                      </a:r>
+                      <a:endParaRPr lang="ko-KR" altLang="en-US"/>
+                    </a:p>
+                  </a:txBody>
+                  <a:tcPr/>
+                </a:tc>
+                <a:extLst>
+                  <a:ext uri="{0D108BD9-81ED-4DB2-BD59-A6C34878D82A}">
+                    <a16:rowId xmlns:a16="http://schemas.microsoft.com/office/drawing/2014/main" val="2325017193"/>
+                  </a:ext>
+                </a:extLst>
+              </a:tr>
+              <a:tr h="370840">
+                <a:tc>
+                  <a:txBody>
+                    <a:bodyPr/>
+                    <a:lstStyle/>
+                    <a:p>
+                      <a:pPr latinLnBrk="1"/>
+                      <a:r>
+                        <a:rPr lang="en-US" altLang="ko-KR"/>
+                        <a:t>4</a:t>
+                      </a:r>
+                      <a:endParaRPr lang="ko-KR" altLang="en-US"/>
+                    </a:p>
+                  </a:txBody>
+                  <a:tcPr/>
+                </a:tc>
+                <a:tc>
+                  <a:txBody>
+                    <a:bodyPr/>
+                    <a:lstStyle/>
+                    <a:p>
+                      <a:pPr latinLnBrk="1"/>
+                      <a:r>
+                        <a:rPr lang="en-US" altLang="ko-KR"/>
+                        <a:t>D</a:t>
+                      </a:r>
+                      <a:endParaRPr lang="ko-KR" altLang="en-US"/>
+                    </a:p>
+                  </a:txBody>
+                  <a:tcPr/>
+                </a:tc>
+                <a:tc>
+                  <a:txBody>
+                    <a:bodyPr/>
+                    <a:lstStyle/>
+                    <a:p>
+                      <a:pPr latinLnBrk="1"/>
+                      <a:r>
+                        <a:rPr lang="en-US" altLang="ko-KR"/>
+                        <a:t>NULL</a:t>
+                      </a:r>
+                      <a:endParaRPr lang="ko-KR" altLang="en-US"/>
+                    </a:p>
+                  </a:txBody>
+                  <a:tcPr/>
+                </a:tc>
+                <a:tc>
+                  <a:txBody>
+                    <a:bodyPr/>
+                    <a:lstStyle/>
+                    <a:p>
+                      <a:pPr latinLnBrk="1"/>
+                      <a:r>
+                        <a:rPr lang="en-US" altLang="ko-KR"/>
+                        <a:t>NULL</a:t>
+                      </a:r>
+                      <a:endParaRPr lang="ko-KR" altLang="en-US"/>
+                    </a:p>
+                  </a:txBody>
+                  <a:tcPr/>
+                </a:tc>
+                <a:extLst>
+                  <a:ext uri="{0D108BD9-81ED-4DB2-BD59-A6C34878D82A}">
+                    <a16:rowId xmlns:a16="http://schemas.microsoft.com/office/drawing/2014/main" val="2581955287"/>
+                  </a:ext>
+                </a:extLst>
+              </a:tr>
+            </a:tbl>
+          </a:graphicData>
+        </a:graphic>
+      </p:graphicFrame>
+      <p:sp>
+        <p:nvSpPr>
+          <p:cNvPr id="12" name="TextBox 11">
+            <a:extLst>
+              <a:ext uri="{FF2B5EF4-FFF2-40B4-BE49-F238E27FC236}">
+                <a16:creationId xmlns:a16="http://schemas.microsoft.com/office/drawing/2014/main" id="{88B75105-5539-48B9-9933-1DB572E14C5E}"/>
+              </a:ext>
+            </a:extLst>
+          </p:cNvPr>
+          <p:cNvSpPr txBox="1"/>
+          <p:nvPr/>
+        </p:nvSpPr>
+        <p:spPr>
+          <a:xfrm>
+            <a:off x="11306705" y="3242529"/>
+            <a:ext cx="3749040" cy="1692771"/>
+          </a:xfrm>
+          <a:prstGeom prst="rect">
+            <a:avLst/>
+          </a:prstGeom>
+          <a:noFill/>
+        </p:spPr>
+        <p:txBody>
+          <a:bodyPr wrap="square" rtlCol="0">
+            <a:spAutoFit/>
+          </a:bodyPr>
+          <a:lstStyle/>
+          <a:p>
+            <a:r>
+              <a:rPr lang="en-US" altLang="ko-KR" sz="2600"/>
+              <a:t>SELCT * FROM OUTS</a:t>
+            </a:r>
+          </a:p>
+          <a:p>
+            <a:r>
+              <a:rPr lang="en-US" altLang="ko-KR" sz="2600"/>
+              <a:t>LEFT OURTER JOIN INS</a:t>
+            </a:r>
+          </a:p>
+          <a:p>
+            <a:r>
+              <a:rPr lang="en-US" altLang="ko-KR" sz="2600"/>
+              <a:t>ON OUTS.ID = INS.ID</a:t>
+            </a:r>
+          </a:p>
+          <a:p>
+            <a:r>
+              <a:rPr lang="en-US" altLang="ko-KR" sz="2600"/>
+              <a:t>WHERE INS.ID IS NULL</a:t>
+            </a:r>
+            <a:endParaRPr lang="ko-KR" altLang="en-US" sz="2600"/>
+          </a:p>
+        </p:txBody>
+      </p:sp>
+      <p:sp>
+        <p:nvSpPr>
+          <p:cNvPr id="13" name="TextBox 12">
+            <a:extLst>
+              <a:ext uri="{FF2B5EF4-FFF2-40B4-BE49-F238E27FC236}">
+                <a16:creationId xmlns:a16="http://schemas.microsoft.com/office/drawing/2014/main" id="{25D89EBB-A036-40D8-BA16-9B6E3F22351C}"/>
+              </a:ext>
+            </a:extLst>
+          </p:cNvPr>
+          <p:cNvSpPr txBox="1"/>
+          <p:nvPr/>
+        </p:nvSpPr>
+        <p:spPr>
+          <a:xfrm>
+            <a:off x="11393171" y="7650089"/>
+            <a:ext cx="3749040" cy="1292662"/>
+          </a:xfrm>
+          <a:prstGeom prst="rect">
+            <a:avLst/>
+          </a:prstGeom>
+          <a:noFill/>
+        </p:spPr>
+        <p:txBody>
+          <a:bodyPr wrap="square" rtlCol="0">
+            <a:spAutoFit/>
+          </a:bodyPr>
+          <a:lstStyle/>
+          <a:p>
+            <a:r>
+              <a:rPr lang="en-US" altLang="ko-KR" sz="2600"/>
+              <a:t>SELCT * FROM OUTS</a:t>
+            </a:r>
+          </a:p>
+          <a:p>
+            <a:r>
+              <a:rPr lang="en-US" altLang="ko-KR" sz="2600"/>
+              <a:t>JOIN INS</a:t>
+            </a:r>
+          </a:p>
+          <a:p>
+            <a:r>
+              <a:rPr lang="en-US" altLang="ko-KR" sz="2600"/>
+              <a:t>ON OUTS.ID = INS.ID</a:t>
+            </a:r>
+          </a:p>
+        </p:txBody>
+      </p:sp>
+      <p:graphicFrame>
+        <p:nvGraphicFramePr>
+          <p:cNvPr id="14" name="표 5">
+            <a:extLst>
+              <a:ext uri="{FF2B5EF4-FFF2-40B4-BE49-F238E27FC236}">
+                <a16:creationId xmlns:a16="http://schemas.microsoft.com/office/drawing/2014/main" id="{10B98AD6-BFFB-4438-8729-6B26F07CCEAD}"/>
+              </a:ext>
+            </a:extLst>
+          </p:cNvPr>
+          <p:cNvGraphicFramePr>
+            <a:graphicFrameLocks noGrp="1"/>
+          </p:cNvGraphicFramePr>
+          <p:nvPr>
+            <p:extLst>
+              <p:ext uri="{D42A27DB-BD31-4B8C-83A1-F6EECF244321}">
+                <p14:modId xmlns:p14="http://schemas.microsoft.com/office/powerpoint/2010/main" val="2213243405"/>
+              </p:ext>
+            </p:extLst>
+          </p:nvPr>
+        </p:nvGraphicFramePr>
+        <p:xfrm>
+          <a:off x="11393171" y="9136384"/>
+          <a:ext cx="5410200" cy="1048258"/>
+        </p:xfrm>
+        <a:graphic>
+          <a:graphicData uri="http://schemas.openxmlformats.org/drawingml/2006/table">
+            <a:tbl>
+              <a:tblPr firstRow="1" bandRow="1">
+                <a:tableStyleId>{5C22544A-7EE6-4342-B048-85BDC9FD1C3A}</a:tableStyleId>
+              </a:tblPr>
+              <a:tblGrid>
+                <a:gridCol w="2705100">
+                  <a:extLst>
+                    <a:ext uri="{9D8B030D-6E8A-4147-A177-3AD203B41FA5}">
+                      <a16:colId xmlns:a16="http://schemas.microsoft.com/office/drawing/2014/main" val="372714487"/>
+                    </a:ext>
+                  </a:extLst>
+                </a:gridCol>
+                <a:gridCol w="2705100">
+                  <a:extLst>
+                    <a:ext uri="{9D8B030D-6E8A-4147-A177-3AD203B41FA5}">
+                      <a16:colId xmlns:a16="http://schemas.microsoft.com/office/drawing/2014/main" val="738541799"/>
+                    </a:ext>
+                  </a:extLst>
+                </a:gridCol>
+              </a:tblGrid>
+              <a:tr h="370840">
+                <a:tc>
+                  <a:txBody>
+                    <a:bodyPr/>
+                    <a:lstStyle/>
+                    <a:p>
+                      <a:pPr latinLnBrk="1"/>
+                      <a:r>
+                        <a:rPr lang="en-US" altLang="ko-KR"/>
+                        <a:t>ID</a:t>
+                      </a:r>
+                      <a:endParaRPr lang="ko-KR" altLang="en-US"/>
+                    </a:p>
+                  </a:txBody>
+                  <a:tcPr/>
+                </a:tc>
+                <a:tc>
+                  <a:txBody>
+                    <a:bodyPr/>
+                    <a:lstStyle/>
+                    <a:p>
+                      <a:pPr latinLnBrk="1"/>
+                      <a:r>
+                        <a:rPr lang="en-US" altLang="ko-KR"/>
+                        <a:t>NAME</a:t>
+                      </a:r>
+                      <a:endParaRPr lang="ko-KR" altLang="en-US"/>
+                    </a:p>
+                  </a:txBody>
+                  <a:tcPr/>
+                </a:tc>
+                <a:extLst>
+                  <a:ext uri="{0D108BD9-81ED-4DB2-BD59-A6C34878D82A}">
+                    <a16:rowId xmlns:a16="http://schemas.microsoft.com/office/drawing/2014/main" val="553844905"/>
+                  </a:ext>
+                </a:extLst>
+              </a:tr>
+              <a:tr h="370840">
+                <a:tc>
+                  <a:txBody>
+                    <a:bodyPr/>
+                    <a:lstStyle/>
+                    <a:p>
+                      <a:pPr latinLnBrk="1"/>
+                      <a:r>
+                        <a:rPr lang="en-US" altLang="ko-KR"/>
+                        <a:t>1</a:t>
+                      </a:r>
+                      <a:endParaRPr lang="ko-KR" altLang="en-US"/>
+                    </a:p>
+                  </a:txBody>
+                  <a:tcPr/>
+                </a:tc>
+                <a:tc>
+                  <a:txBody>
+                    <a:bodyPr/>
+                    <a:lstStyle/>
+                    <a:p>
+                      <a:pPr latinLnBrk="1"/>
+                      <a:r>
+                        <a:rPr lang="en-US" altLang="ko-KR"/>
+                        <a:t>A</a:t>
+                      </a:r>
+                      <a:endParaRPr lang="ko-KR" altLang="en-US"/>
+                    </a:p>
+                  </a:txBody>
+                  <a:tcPr/>
+                </a:tc>
+                <a:extLst>
+                  <a:ext uri="{0D108BD9-81ED-4DB2-BD59-A6C34878D82A}">
+                    <a16:rowId xmlns:a16="http://schemas.microsoft.com/office/drawing/2014/main" val="2039864559"/>
+                  </a:ext>
+                </a:extLst>
+              </a:tr>
+            </a:tbl>
+          </a:graphicData>
+        </a:graphic>
+      </p:graphicFrame>
+      <p:sp>
+        <p:nvSpPr>
+          <p:cNvPr id="22" name="TextBox 21">
+            <a:extLst>
+              <a:ext uri="{FF2B5EF4-FFF2-40B4-BE49-F238E27FC236}">
+                <a16:creationId xmlns:a16="http://schemas.microsoft.com/office/drawing/2014/main" id="{E5FCD2AF-4D66-45EB-8DD3-256081FCB7FB}"/>
+              </a:ext>
+            </a:extLst>
+          </p:cNvPr>
+          <p:cNvSpPr txBox="1"/>
+          <p:nvPr/>
+        </p:nvSpPr>
+        <p:spPr>
+          <a:xfrm>
+            <a:off x="17785080" y="3642638"/>
+            <a:ext cx="2240280" cy="892552"/>
+          </a:xfrm>
+          <a:prstGeom prst="rect">
+            <a:avLst/>
+          </a:prstGeom>
+          <a:noFill/>
+        </p:spPr>
+        <p:txBody>
+          <a:bodyPr wrap="square" rtlCol="0">
+            <a:spAutoFit/>
+          </a:bodyPr>
+          <a:lstStyle/>
+          <a:p>
+            <a:r>
+              <a:rPr lang="en-US" altLang="ko-KR" sz="2600"/>
+              <a:t>OUTS</a:t>
+            </a:r>
+            <a:r>
+              <a:rPr lang="ko-KR" altLang="en-US" sz="2600"/>
+              <a:t>에 있고</a:t>
+            </a:r>
+            <a:r>
+              <a:rPr lang="en-US" altLang="ko-KR" sz="2600"/>
+              <a:t>, INS</a:t>
+            </a:r>
+            <a:r>
+              <a:rPr lang="ko-KR" altLang="en-US" sz="2600"/>
+              <a:t>에는 없다</a:t>
+            </a:r>
+          </a:p>
+        </p:txBody>
+      </p:sp>
+      <p:grpSp>
+        <p:nvGrpSpPr>
+          <p:cNvPr id="24" name="그룹 23">
+            <a:extLst>
+              <a:ext uri="{FF2B5EF4-FFF2-40B4-BE49-F238E27FC236}">
+                <a16:creationId xmlns:a16="http://schemas.microsoft.com/office/drawing/2014/main" id="{B1231B3E-5A3F-4E4A-97F8-11F124F857EA}"/>
+              </a:ext>
+            </a:extLst>
+          </p:cNvPr>
+          <p:cNvGrpSpPr/>
+          <p:nvPr/>
+        </p:nvGrpSpPr>
+        <p:grpSpPr>
+          <a:xfrm>
+            <a:off x="15142211" y="3454738"/>
+            <a:ext cx="1836632" cy="1080452"/>
+            <a:chOff x="14162935" y="3688539"/>
+            <a:chExt cx="1836632" cy="1080452"/>
+          </a:xfrm>
+        </p:grpSpPr>
+        <p:sp>
+          <p:nvSpPr>
+            <p:cNvPr id="25" name="타원 24">
+              <a:extLst>
+                <a:ext uri="{FF2B5EF4-FFF2-40B4-BE49-F238E27FC236}">
+                  <a16:creationId xmlns:a16="http://schemas.microsoft.com/office/drawing/2014/main" id="{C783966F-DDAA-4E3F-8DB9-9917DB0CE761}"/>
+                </a:ext>
+              </a:extLst>
+            </p:cNvPr>
+            <p:cNvSpPr/>
+            <p:nvPr/>
+          </p:nvSpPr>
+          <p:spPr>
+            <a:xfrm>
+              <a:off x="14162935" y="3688539"/>
+              <a:ext cx="1135592" cy="1080452"/>
+            </a:xfrm>
+            <a:prstGeom prst="ellipse">
+              <a:avLst/>
+            </a:prstGeom>
+            <a:noFill/>
+          </p:spPr>
+          <p:style>
+            <a:lnRef idx="2">
+              <a:schemeClr val="accent1">
+                <a:shade val="50000"/>
+              </a:schemeClr>
+            </a:lnRef>
+            <a:fillRef idx="1">
+              <a:schemeClr val="accent1"/>
+            </a:fillRef>
+            <a:effectRef idx="0">
+              <a:schemeClr val="accent1"/>
+            </a:effectRef>
+            <a:fontRef idx="minor">
+              <a:schemeClr val="lt1"/>
+            </a:fontRef>
+          </p:style>
+          <p:txBody>
+            <a:bodyPr rtlCol="0" anchor="ctr"/>
+            <a:lstStyle/>
+            <a:p>
+              <a:pPr algn="ctr"/>
+              <a:endParaRPr lang="ko-KR" altLang="en-US"/>
+            </a:p>
+          </p:txBody>
+        </p:sp>
+        <p:sp>
+          <p:nvSpPr>
+            <p:cNvPr id="26" name="타원 25">
+              <a:extLst>
+                <a:ext uri="{FF2B5EF4-FFF2-40B4-BE49-F238E27FC236}">
+                  <a16:creationId xmlns:a16="http://schemas.microsoft.com/office/drawing/2014/main" id="{A0BCB05C-818B-4FB9-BFB3-F03CE2F77B01}"/>
+                </a:ext>
+              </a:extLst>
+            </p:cNvPr>
+            <p:cNvSpPr/>
+            <p:nvPr/>
+          </p:nvSpPr>
+          <p:spPr>
+            <a:xfrm>
+              <a:off x="14863975" y="3688539"/>
+              <a:ext cx="1135592" cy="1080452"/>
+            </a:xfrm>
+            <a:prstGeom prst="ellipse">
+              <a:avLst/>
+            </a:prstGeom>
+            <a:noFill/>
+          </p:spPr>
+          <p:style>
+            <a:lnRef idx="2">
+              <a:schemeClr val="accent1">
+                <a:shade val="50000"/>
+              </a:schemeClr>
+            </a:lnRef>
+            <a:fillRef idx="1">
+              <a:schemeClr val="accent1"/>
+            </a:fillRef>
+            <a:effectRef idx="0">
+              <a:schemeClr val="accent1"/>
+            </a:effectRef>
+            <a:fontRef idx="minor">
+              <a:schemeClr val="lt1"/>
+            </a:fontRef>
+          </p:style>
+          <p:txBody>
+            <a:bodyPr rtlCol="0" anchor="ctr"/>
+            <a:lstStyle/>
+            <a:p>
+              <a:pPr algn="ctr"/>
+              <a:endParaRPr lang="ko-KR" altLang="en-US"/>
+            </a:p>
+          </p:txBody>
+        </p:sp>
+        <p:sp>
+          <p:nvSpPr>
+            <p:cNvPr id="27" name="자유형: 도형 26">
+              <a:extLst>
+                <a:ext uri="{FF2B5EF4-FFF2-40B4-BE49-F238E27FC236}">
+                  <a16:creationId xmlns:a16="http://schemas.microsoft.com/office/drawing/2014/main" id="{A249DD39-CDC7-4B39-845C-4F92D47E3FED}"/>
+                </a:ext>
+              </a:extLst>
+            </p:cNvPr>
+            <p:cNvSpPr/>
+            <p:nvPr/>
+          </p:nvSpPr>
+          <p:spPr>
+            <a:xfrm>
+              <a:off x="14162935" y="3688539"/>
+              <a:ext cx="918316" cy="1080452"/>
+            </a:xfrm>
+            <a:custGeom>
+              <a:avLst/>
+              <a:gdLst>
+                <a:gd name="connsiteX0" fmla="*/ 567796 w 918316"/>
+                <a:gd name="connsiteY0" fmla="*/ 0 h 1080452"/>
+                <a:gd name="connsiteX1" fmla="*/ 885256 w 918316"/>
+                <a:gd name="connsiteY1" fmla="*/ 92262 h 1080452"/>
+                <a:gd name="connsiteX2" fmla="*/ 918316 w 918316"/>
+                <a:gd name="connsiteY2" fmla="*/ 118215 h 1080452"/>
+                <a:gd name="connsiteX3" fmla="*/ 867344 w 918316"/>
+                <a:gd name="connsiteY3" fmla="*/ 158229 h 1080452"/>
+                <a:gd name="connsiteX4" fmla="*/ 701040 w 918316"/>
+                <a:gd name="connsiteY4" fmla="*/ 540226 h 1080452"/>
+                <a:gd name="connsiteX5" fmla="*/ 867344 w 918316"/>
+                <a:gd name="connsiteY5" fmla="*/ 922224 h 1080452"/>
+                <a:gd name="connsiteX6" fmla="*/ 918316 w 918316"/>
+                <a:gd name="connsiteY6" fmla="*/ 962238 h 1080452"/>
+                <a:gd name="connsiteX7" fmla="*/ 885256 w 918316"/>
+                <a:gd name="connsiteY7" fmla="*/ 988190 h 1080452"/>
+                <a:gd name="connsiteX8" fmla="*/ 567796 w 918316"/>
+                <a:gd name="connsiteY8" fmla="*/ 1080452 h 1080452"/>
+                <a:gd name="connsiteX9" fmla="*/ 0 w 918316"/>
+                <a:gd name="connsiteY9" fmla="*/ 540226 h 1080452"/>
+                <a:gd name="connsiteX10" fmla="*/ 567796 w 918316"/>
+                <a:gd name="connsiteY10" fmla="*/ 0 h 1080452"/>
+              </a:gdLst>
+              <a:ahLst/>
+              <a:cxnLst>
+                <a:cxn ang="0">
+                  <a:pos x="connsiteX0" y="connsiteY0"/>
+                </a:cxn>
+                <a:cxn ang="0">
+                  <a:pos x="connsiteX1" y="connsiteY1"/>
+                </a:cxn>
+                <a:cxn ang="0">
+                  <a:pos x="connsiteX2" y="connsiteY2"/>
+                </a:cxn>
+                <a:cxn ang="0">
+                  <a:pos x="connsiteX3" y="connsiteY3"/>
+                </a:cxn>
+                <a:cxn ang="0">
+                  <a:pos x="connsiteX4" y="connsiteY4"/>
+                </a:cxn>
+                <a:cxn ang="0">
+                  <a:pos x="connsiteX5" y="connsiteY5"/>
+                </a:cxn>
+                <a:cxn ang="0">
+                  <a:pos x="connsiteX6" y="connsiteY6"/>
+                </a:cxn>
+                <a:cxn ang="0">
+                  <a:pos x="connsiteX7" y="connsiteY7"/>
+                </a:cxn>
+                <a:cxn ang="0">
+                  <a:pos x="connsiteX8" y="connsiteY8"/>
+                </a:cxn>
+                <a:cxn ang="0">
+                  <a:pos x="connsiteX9" y="connsiteY9"/>
+                </a:cxn>
+                <a:cxn ang="0">
+                  <a:pos x="connsiteX10" y="connsiteY10"/>
+                </a:cxn>
+              </a:cxnLst>
+              <a:rect l="l" t="t" r="r" b="b"/>
+              <a:pathLst>
+                <a:path w="918316" h="1080452">
+                  <a:moveTo>
+                    <a:pt x="567796" y="0"/>
+                  </a:moveTo>
+                  <a:cubicBezTo>
+                    <a:pt x="685390" y="0"/>
+                    <a:pt x="794635" y="34013"/>
+                    <a:pt x="885256" y="92262"/>
+                  </a:cubicBezTo>
+                  <a:lnTo>
+                    <a:pt x="918316" y="118215"/>
+                  </a:lnTo>
+                  <a:lnTo>
+                    <a:pt x="867344" y="158229"/>
+                  </a:lnTo>
+                  <a:cubicBezTo>
+                    <a:pt x="764593" y="255990"/>
+                    <a:pt x="701040" y="391047"/>
+                    <a:pt x="701040" y="540226"/>
+                  </a:cubicBezTo>
+                  <a:cubicBezTo>
+                    <a:pt x="701040" y="689406"/>
+                    <a:pt x="764593" y="824462"/>
+                    <a:pt x="867344" y="922224"/>
+                  </a:cubicBezTo>
+                  <a:lnTo>
+                    <a:pt x="918316" y="962238"/>
+                  </a:lnTo>
+                  <a:lnTo>
+                    <a:pt x="885256" y="988190"/>
+                  </a:lnTo>
+                  <a:cubicBezTo>
+                    <a:pt x="794635" y="1046440"/>
+                    <a:pt x="685390" y="1080452"/>
+                    <a:pt x="567796" y="1080452"/>
+                  </a:cubicBezTo>
+                  <a:cubicBezTo>
+                    <a:pt x="254211" y="1080452"/>
+                    <a:pt x="0" y="838585"/>
+                    <a:pt x="0" y="540226"/>
+                  </a:cubicBezTo>
+                  <a:cubicBezTo>
+                    <a:pt x="0" y="241867"/>
+                    <a:pt x="254211" y="0"/>
+                    <a:pt x="567796" y="0"/>
+                  </a:cubicBezTo>
+                  <a:close/>
+                </a:path>
+              </a:pathLst>
+            </a:custGeom>
+            <a:solidFill>
+              <a:schemeClr val="accent1">
+                <a:lumMod val="20000"/>
+                <a:lumOff val="80000"/>
+              </a:schemeClr>
+            </a:solidFill>
+          </p:spPr>
+          <p:style>
+            <a:lnRef idx="2">
+              <a:schemeClr val="accent1">
+                <a:shade val="50000"/>
+              </a:schemeClr>
+            </a:lnRef>
+            <a:fillRef idx="1">
+              <a:schemeClr val="accent1"/>
+            </a:fillRef>
+            <a:effectRef idx="0">
+              <a:schemeClr val="accent1"/>
+            </a:effectRef>
+            <a:fontRef idx="minor">
+              <a:schemeClr val="lt1"/>
+            </a:fontRef>
+          </p:style>
+          <p:txBody>
+            <a:bodyPr wrap="square" rtlCol="0" anchor="ctr">
+              <a:noAutofit/>
+            </a:bodyPr>
+            <a:lstStyle/>
+            <a:p>
+              <a:pPr algn="ctr"/>
+              <a:endParaRPr lang="ko-KR" altLang="en-US"/>
+            </a:p>
+          </p:txBody>
+        </p:sp>
+      </p:grpSp>
+      <p:grpSp>
+        <p:nvGrpSpPr>
+          <p:cNvPr id="31" name="그룹 30">
+            <a:extLst>
+              <a:ext uri="{FF2B5EF4-FFF2-40B4-BE49-F238E27FC236}">
+                <a16:creationId xmlns:a16="http://schemas.microsoft.com/office/drawing/2014/main" id="{EF979386-0181-48D9-9A26-9EFE8F6C01CE}"/>
+              </a:ext>
+            </a:extLst>
+          </p:cNvPr>
+          <p:cNvGrpSpPr/>
+          <p:nvPr/>
+        </p:nvGrpSpPr>
+        <p:grpSpPr>
+          <a:xfrm>
+            <a:off x="14683053" y="7673111"/>
+            <a:ext cx="1836632" cy="1080452"/>
+            <a:chOff x="14137429" y="7778004"/>
+            <a:chExt cx="1836632" cy="1080452"/>
+          </a:xfrm>
+        </p:grpSpPr>
+        <p:sp>
+          <p:nvSpPr>
+            <p:cNvPr id="15" name="타원 14">
+              <a:extLst>
+                <a:ext uri="{FF2B5EF4-FFF2-40B4-BE49-F238E27FC236}">
+                  <a16:creationId xmlns:a16="http://schemas.microsoft.com/office/drawing/2014/main" id="{71A42CD6-72A6-47F5-B40D-14F2AAECAD59}"/>
+                </a:ext>
+              </a:extLst>
+            </p:cNvPr>
+            <p:cNvSpPr/>
+            <p:nvPr/>
+          </p:nvSpPr>
+          <p:spPr>
+            <a:xfrm>
+              <a:off x="14137429" y="7778004"/>
+              <a:ext cx="1135592" cy="1080452"/>
+            </a:xfrm>
+            <a:prstGeom prst="ellipse">
+              <a:avLst/>
+            </a:prstGeom>
+            <a:noFill/>
+          </p:spPr>
+          <p:style>
+            <a:lnRef idx="2">
+              <a:schemeClr val="accent1">
+                <a:shade val="50000"/>
+              </a:schemeClr>
+            </a:lnRef>
+            <a:fillRef idx="1">
+              <a:schemeClr val="accent1"/>
+            </a:fillRef>
+            <a:effectRef idx="0">
+              <a:schemeClr val="accent1"/>
+            </a:effectRef>
+            <a:fontRef idx="minor">
+              <a:schemeClr val="lt1"/>
+            </a:fontRef>
+          </p:style>
+          <p:txBody>
+            <a:bodyPr rtlCol="0" anchor="ctr"/>
+            <a:lstStyle/>
+            <a:p>
+              <a:pPr algn="ctr"/>
+              <a:endParaRPr lang="ko-KR" altLang="en-US"/>
+            </a:p>
+          </p:txBody>
+        </p:sp>
+        <p:sp>
+          <p:nvSpPr>
+            <p:cNvPr id="16" name="타원 15">
+              <a:extLst>
+                <a:ext uri="{FF2B5EF4-FFF2-40B4-BE49-F238E27FC236}">
+                  <a16:creationId xmlns:a16="http://schemas.microsoft.com/office/drawing/2014/main" id="{3E0208BB-776B-4D61-9070-B54E61965FC7}"/>
+                </a:ext>
+              </a:extLst>
+            </p:cNvPr>
+            <p:cNvSpPr/>
+            <p:nvPr/>
+          </p:nvSpPr>
+          <p:spPr>
+            <a:xfrm>
+              <a:off x="14838469" y="7778004"/>
+              <a:ext cx="1135592" cy="1080452"/>
+            </a:xfrm>
+            <a:prstGeom prst="ellipse">
+              <a:avLst/>
+            </a:prstGeom>
+            <a:noFill/>
+          </p:spPr>
+          <p:style>
+            <a:lnRef idx="2">
+              <a:schemeClr val="accent1">
+                <a:shade val="50000"/>
+              </a:schemeClr>
+            </a:lnRef>
+            <a:fillRef idx="1">
+              <a:schemeClr val="accent1"/>
+            </a:fillRef>
+            <a:effectRef idx="0">
+              <a:schemeClr val="accent1"/>
+            </a:effectRef>
+            <a:fontRef idx="minor">
+              <a:schemeClr val="lt1"/>
+            </a:fontRef>
+          </p:style>
+          <p:txBody>
+            <a:bodyPr rtlCol="0" anchor="ctr"/>
+            <a:lstStyle/>
+            <a:p>
+              <a:pPr algn="ctr"/>
+              <a:endParaRPr lang="ko-KR" altLang="en-US"/>
+            </a:p>
+          </p:txBody>
+        </p:sp>
+        <p:sp>
+          <p:nvSpPr>
+            <p:cNvPr id="30" name="자유형: 도형 29">
+              <a:extLst>
+                <a:ext uri="{FF2B5EF4-FFF2-40B4-BE49-F238E27FC236}">
+                  <a16:creationId xmlns:a16="http://schemas.microsoft.com/office/drawing/2014/main" id="{EFF9C6D2-E965-4ACB-8358-43846C6954C3}"/>
+                </a:ext>
+              </a:extLst>
+            </p:cNvPr>
+            <p:cNvSpPr/>
+            <p:nvPr/>
+          </p:nvSpPr>
+          <p:spPr>
+            <a:xfrm>
+              <a:off x="14838469" y="7896218"/>
+              <a:ext cx="434552" cy="844023"/>
+            </a:xfrm>
+            <a:custGeom>
+              <a:avLst/>
+              <a:gdLst>
+                <a:gd name="connsiteX0" fmla="*/ 217276 w 434552"/>
+                <a:gd name="connsiteY0" fmla="*/ 0 h 844023"/>
+                <a:gd name="connsiteX1" fmla="*/ 268248 w 434552"/>
+                <a:gd name="connsiteY1" fmla="*/ 40014 h 844023"/>
+                <a:gd name="connsiteX2" fmla="*/ 434552 w 434552"/>
+                <a:gd name="connsiteY2" fmla="*/ 422011 h 844023"/>
+                <a:gd name="connsiteX3" fmla="*/ 268248 w 434552"/>
+                <a:gd name="connsiteY3" fmla="*/ 804009 h 844023"/>
+                <a:gd name="connsiteX4" fmla="*/ 217276 w 434552"/>
+                <a:gd name="connsiteY4" fmla="*/ 844023 h 844023"/>
+                <a:gd name="connsiteX5" fmla="*/ 166304 w 434552"/>
+                <a:gd name="connsiteY5" fmla="*/ 804009 h 844023"/>
+                <a:gd name="connsiteX6" fmla="*/ 0 w 434552"/>
+                <a:gd name="connsiteY6" fmla="*/ 422011 h 844023"/>
+                <a:gd name="connsiteX7" fmla="*/ 166304 w 434552"/>
+                <a:gd name="connsiteY7" fmla="*/ 40014 h 844023"/>
+              </a:gdLst>
+              <a:ahLst/>
+              <a:cxnLst>
+                <a:cxn ang="0">
+                  <a:pos x="connsiteX0" y="connsiteY0"/>
+                </a:cxn>
+                <a:cxn ang="0">
+                  <a:pos x="connsiteX1" y="connsiteY1"/>
+                </a:cxn>
+                <a:cxn ang="0">
+                  <a:pos x="connsiteX2" y="connsiteY2"/>
+                </a:cxn>
+                <a:cxn ang="0">
+                  <a:pos x="connsiteX3" y="connsiteY3"/>
+                </a:cxn>
+                <a:cxn ang="0">
+                  <a:pos x="connsiteX4" y="connsiteY4"/>
+                </a:cxn>
+                <a:cxn ang="0">
+                  <a:pos x="connsiteX5" y="connsiteY5"/>
+                </a:cxn>
+                <a:cxn ang="0">
+                  <a:pos x="connsiteX6" y="connsiteY6"/>
+                </a:cxn>
+                <a:cxn ang="0">
+                  <a:pos x="connsiteX7" y="connsiteY7"/>
+                </a:cxn>
+              </a:cxnLst>
+              <a:rect l="l" t="t" r="r" b="b"/>
+              <a:pathLst>
+                <a:path w="434552" h="844023">
+                  <a:moveTo>
+                    <a:pt x="217276" y="0"/>
+                  </a:moveTo>
+                  <a:lnTo>
+                    <a:pt x="268248" y="40014"/>
+                  </a:lnTo>
+                  <a:cubicBezTo>
+                    <a:pt x="371000" y="137775"/>
+                    <a:pt x="434552" y="272832"/>
+                    <a:pt x="434552" y="422011"/>
+                  </a:cubicBezTo>
+                  <a:cubicBezTo>
+                    <a:pt x="434552" y="571191"/>
+                    <a:pt x="371000" y="706247"/>
+                    <a:pt x="268248" y="804009"/>
+                  </a:cubicBezTo>
+                  <a:lnTo>
+                    <a:pt x="217276" y="844023"/>
+                  </a:lnTo>
+                  <a:lnTo>
+                    <a:pt x="166304" y="804009"/>
+                  </a:lnTo>
+                  <a:cubicBezTo>
+                    <a:pt x="63554" y="706247"/>
+                    <a:pt x="0" y="571191"/>
+                    <a:pt x="0" y="422011"/>
+                  </a:cubicBezTo>
+                  <a:cubicBezTo>
+                    <a:pt x="0" y="272832"/>
+                    <a:pt x="63554" y="137775"/>
+                    <a:pt x="166304" y="40014"/>
+                  </a:cubicBezTo>
+                  <a:close/>
+                </a:path>
+              </a:pathLst>
+            </a:custGeom>
+            <a:solidFill>
+              <a:schemeClr val="accent1">
+                <a:lumMod val="20000"/>
+                <a:lumOff val="80000"/>
+              </a:schemeClr>
+            </a:solidFill>
+          </p:spPr>
+          <p:style>
+            <a:lnRef idx="2">
+              <a:schemeClr val="accent1">
+                <a:shade val="50000"/>
+              </a:schemeClr>
+            </a:lnRef>
+            <a:fillRef idx="1">
+              <a:schemeClr val="accent1"/>
+            </a:fillRef>
+            <a:effectRef idx="0">
+              <a:schemeClr val="accent1"/>
+            </a:effectRef>
+            <a:fontRef idx="minor">
+              <a:schemeClr val="lt1"/>
+            </a:fontRef>
+          </p:style>
+          <p:txBody>
+            <a:bodyPr wrap="square" rtlCol="0" anchor="ctr">
+              <a:noAutofit/>
+            </a:bodyPr>
+            <a:lstStyle/>
+            <a:p>
+              <a:pPr algn="ctr"/>
+              <a:endParaRPr lang="ko-KR" altLang="en-US"/>
+            </a:p>
+          </p:txBody>
+        </p:sp>
+      </p:grpSp>
+      <p:sp>
+        <p:nvSpPr>
+          <p:cNvPr id="32" name="TextBox 31">
+            <a:extLst>
+              <a:ext uri="{FF2B5EF4-FFF2-40B4-BE49-F238E27FC236}">
+                <a16:creationId xmlns:a16="http://schemas.microsoft.com/office/drawing/2014/main" id="{0635C2B9-DA88-4674-97E2-F0DD35C8553D}"/>
+              </a:ext>
+            </a:extLst>
+          </p:cNvPr>
+          <p:cNvSpPr txBox="1"/>
+          <p:nvPr/>
+        </p:nvSpPr>
+        <p:spPr>
+          <a:xfrm>
+            <a:off x="16894811" y="7861011"/>
+            <a:ext cx="2240280" cy="892552"/>
+          </a:xfrm>
+          <a:prstGeom prst="rect">
+            <a:avLst/>
+          </a:prstGeom>
+          <a:noFill/>
+        </p:spPr>
+        <p:txBody>
+          <a:bodyPr wrap="square" rtlCol="0">
+            <a:spAutoFit/>
+          </a:bodyPr>
+          <a:lstStyle/>
+          <a:p>
+            <a:r>
+              <a:rPr lang="en-US" altLang="ko-KR" sz="2600"/>
+              <a:t>OUTS</a:t>
+            </a:r>
+            <a:r>
+              <a:rPr lang="ko-KR" altLang="en-US" sz="2600"/>
+              <a:t>에 있고</a:t>
+            </a:r>
+            <a:r>
+              <a:rPr lang="en-US" altLang="ko-KR" sz="2600"/>
+              <a:t>, INS</a:t>
+            </a:r>
+            <a:r>
+              <a:rPr lang="ko-KR" altLang="en-US" sz="2600"/>
+              <a:t>에도 있다</a:t>
+            </a:r>
+          </a:p>
+        </p:txBody>
+      </p:sp>
+    </p:spTree>
+    <p:extLst>
+      <p:ext uri="{BB962C8B-B14F-4D97-AF65-F5344CB8AC3E}">
+        <p14:creationId xmlns:p14="http://schemas.microsoft.com/office/powerpoint/2010/main" val="2007766489"/>
+      </p:ext>
+    </p:extLst>
+  </p:cSld>
+  <p:clrMapOvr>
+    <a:masterClrMapping/>
+  </p:clrMapOvr>
+</p:sld>
+</file>
+
+<file path=ppt/slides/slide3.xml><?xml version="1.0" encoding="utf-8"?>
+<p:sld xmlns:a="http://schemas.openxmlformats.org/drawingml/2006/main" xmlns:r="http://schemas.openxmlformats.org/officeDocument/2006/relationships" xmlns:p="http://schemas.openxmlformats.org/presentationml/2006/main">
+  <p:cSld>
+    <p:spTree>
+      <p:nvGrpSpPr>
+        <p:cNvPr id="1" name=""/>
+        <p:cNvGrpSpPr/>
+        <p:nvPr/>
+      </p:nvGrpSpPr>
+      <p:grpSpPr>
+        <a:xfrm>
+          <a:off x="0" y="0"/>
+          <a:ext cx="0" cy="0"/>
+          <a:chOff x="0" y="0"/>
+          <a:chExt cx="0" cy="0"/>
+        </a:xfrm>
+      </p:grpSpPr>
+    </p:spTree>
+    <p:extLst>
+      <p:ext uri="{BB962C8B-B14F-4D97-AF65-F5344CB8AC3E}">
+        <p14:creationId xmlns:p14="http://schemas.microsoft.com/office/powerpoint/2010/main" val="1069165337"/>
+      </p:ext>
+    </p:extLst>
+  </p:cSld>
+  <p:clrMapOvr>
+    <a:masterClrMapping/>
+  </p:clrMapOvr>
+</p:sld>
+</file>
+
 <file path=ppt/theme/theme1.xml><?xml version="1.0" encoding="utf-8"?>
 <a:theme xmlns:a="http://schemas.openxmlformats.org/drawingml/2006/main" name="Office 테마">
   <a:themeElements>
